--- a/doc/Software Architecture.pptx
+++ b/doc/Software Architecture.pptx
@@ -3351,8 +3351,8 @@
         </p:nvSpPr>
         <p:spPr>
           <a:xfrm>
-            <a:off x="5965052" y="4562119"/>
-            <a:ext cx="1031997" cy="288100"/>
+            <a:off x="5834362" y="4562119"/>
+            <a:ext cx="807505" cy="288100"/>
           </a:xfrm>
           <a:prstGeom prst="roundRect">
             <a:avLst/>
@@ -3380,10 +3380,10 @@
           <a:p>
             <a:pPr algn="ctr"/>
             <a:r>
-              <a:rPr lang="nl-NL" sz="1200" dirty="0" err="1"/>
-              <a:t>Oppleo.py</a:t>
-            </a:r>
-            <a:endParaRPr lang="nl-NL" sz="1200" dirty="0"/>
+              <a:rPr lang="nl-NL" sz="1000" dirty="0" err="1"/>
+              <a:t>Oppleo</a:t>
+            </a:r>
+            <a:endParaRPr lang="nl-NL" sz="1000" dirty="0"/>
           </a:p>
         </p:txBody>
       </p:sp>
@@ -3401,8 +3401,8 @@
         </p:nvSpPr>
         <p:spPr>
           <a:xfrm>
-            <a:off x="5911750" y="4929182"/>
-            <a:ext cx="1373822" cy="185819"/>
+            <a:off x="5681726" y="4405061"/>
+            <a:ext cx="398387" cy="136070"/>
           </a:xfrm>
           <a:prstGeom prst="roundRect">
             <a:avLst/>
@@ -3434,41 +3434,192 @@
           <a:p>
             <a:pPr algn="ctr"/>
             <a:r>
-              <a:rPr lang="nl-NL" sz="1200" dirty="0">
+              <a:rPr lang="nl-NL" sz="1000" b="1" dirty="0" err="1">
                 <a:solidFill>
                   <a:schemeClr val="tx1"/>
                 </a:solidFill>
               </a:rPr>
-              <a:t>Start</a:t>
-            </a:r>
-            <a:r>
-              <a:rPr lang="nl-NL" sz="1200" dirty="0">
+              <a:t>main</a:t>
+            </a:r>
+            <a:r>
+              <a:rPr lang="nl-NL" sz="1000" b="1" dirty="0">
                 <a:solidFill>
                   <a:schemeClr val="tx1"/>
                 </a:solidFill>
-                <a:sym typeface="Wingdings" pitchFamily="2" charset="2"/>
               </a:rPr>
-              <a:t> </a:t>
-            </a:r>
-            <a:r>
-              <a:rPr lang="nl-NL" sz="1200" dirty="0" err="1">
+              <a:t>()</a:t>
+            </a:r>
+            <a:endParaRPr lang="nl-NL" sz="800" b="1" dirty="0">
+              <a:solidFill>
+                <a:srgbClr val="4EC9B0"/>
+              </a:solidFill>
+              <a:latin typeface="Menlo" panose="020B0609030804020204" pitchFamily="49" charset="0"/>
+            </a:endParaRPr>
+          </a:p>
+        </p:txBody>
+      </p:sp>
+      <p:sp>
+        <p:nvSpPr>
+          <p:cNvPr id="6" name="Afgeronde rechthoek 5">
+            <a:extLst>
+              <a:ext uri="{FF2B5EF4-FFF2-40B4-BE49-F238E27FC236}">
+                <a16:creationId xmlns:a16="http://schemas.microsoft.com/office/drawing/2014/main" id="{38F824A3-479E-3629-8E5A-29DEFD4E10D3}"/>
+              </a:ext>
+            </a:extLst>
+          </p:cNvPr>
+          <p:cNvSpPr/>
+          <p:nvPr/>
+        </p:nvSpPr>
+        <p:spPr>
+          <a:xfrm>
+            <a:off x="5168022" y="3824988"/>
+            <a:ext cx="754090" cy="150407"/>
+          </a:xfrm>
+          <a:prstGeom prst="roundRect">
+            <a:avLst/>
+          </a:prstGeom>
+        </p:spPr>
+        <p:style>
+          <a:lnRef idx="2">
+            <a:schemeClr val="accent1">
+              <a:shade val="15000"/>
+            </a:schemeClr>
+          </a:lnRef>
+          <a:fillRef idx="1">
+            <a:schemeClr val="accent1"/>
+          </a:fillRef>
+          <a:effectRef idx="0">
+            <a:schemeClr val="accent1"/>
+          </a:effectRef>
+          <a:fontRef idx="minor">
+            <a:schemeClr val="lt1"/>
+          </a:fontRef>
+        </p:style>
+        <p:txBody>
+          <a:bodyPr lIns="0" tIns="0" rIns="0" bIns="0" rtlCol="0" anchor="ctr"/>
+          <a:lstStyle/>
+          <a:p>
+            <a:pPr algn="ctr"/>
+            <a:r>
+              <a:rPr lang="nl-NL" sz="1000" dirty="0" err="1"/>
+              <a:t>flaskRoutes</a:t>
+            </a:r>
+            <a:endParaRPr lang="nl-NL" sz="1000" dirty="0"/>
+          </a:p>
+        </p:txBody>
+      </p:sp>
+      <p:sp>
+        <p:nvSpPr>
+          <p:cNvPr id="7" name="Afgeronde rechthoek 6">
+            <a:extLst>
+              <a:ext uri="{FF2B5EF4-FFF2-40B4-BE49-F238E27FC236}">
+                <a16:creationId xmlns:a16="http://schemas.microsoft.com/office/drawing/2014/main" id="{DB00380A-19B0-1FD5-D3A3-054DAC7E7D60}"/>
+              </a:ext>
+            </a:extLst>
+          </p:cNvPr>
+          <p:cNvSpPr/>
+          <p:nvPr/>
+        </p:nvSpPr>
+        <p:spPr>
+          <a:xfrm>
+            <a:off x="5436625" y="4073845"/>
+            <a:ext cx="562321" cy="136070"/>
+          </a:xfrm>
+          <a:prstGeom prst="roundRect">
+            <a:avLst/>
+          </a:prstGeom>
+          <a:noFill/>
+          <a:ln>
+            <a:noFill/>
+          </a:ln>
+        </p:spPr>
+        <p:style>
+          <a:lnRef idx="2">
+            <a:schemeClr val="accent1">
+              <a:shade val="15000"/>
+            </a:schemeClr>
+          </a:lnRef>
+          <a:fillRef idx="1">
+            <a:schemeClr val="accent1"/>
+          </a:fillRef>
+          <a:effectRef idx="0">
+            <a:schemeClr val="accent1"/>
+          </a:effectRef>
+          <a:fontRef idx="minor">
+            <a:schemeClr val="lt1"/>
+          </a:fontRef>
+        </p:style>
+        <p:txBody>
+          <a:bodyPr lIns="0" tIns="0" rIns="0" bIns="0" rtlCol="0" anchor="ctr"/>
+          <a:lstStyle/>
+          <a:p>
+            <a:pPr algn="ctr"/>
+            <a:r>
+              <a:rPr lang="nl-NL" sz="1000" dirty="0">
                 <a:solidFill>
                   <a:schemeClr val="tx1"/>
                 </a:solidFill>
-                <a:sym typeface="Wingdings" pitchFamily="2" charset="2"/>
               </a:rPr>
-              <a:t>Main</a:t>
-            </a:r>
-            <a:r>
-              <a:rPr lang="nl-NL" sz="1200" dirty="0">
+              <a:t>Blueprint</a:t>
+            </a:r>
+          </a:p>
+        </p:txBody>
+      </p:sp>
+      <p:sp>
+        <p:nvSpPr>
+          <p:cNvPr id="8" name="Afgeronde rechthoek 7">
+            <a:extLst>
+              <a:ext uri="{FF2B5EF4-FFF2-40B4-BE49-F238E27FC236}">
+                <a16:creationId xmlns:a16="http://schemas.microsoft.com/office/drawing/2014/main" id="{BC259449-9FA6-143C-D570-F33969347C5A}"/>
+              </a:ext>
+            </a:extLst>
+          </p:cNvPr>
+          <p:cNvSpPr/>
+          <p:nvPr/>
+        </p:nvSpPr>
+        <p:spPr>
+          <a:xfrm>
+            <a:off x="3222314" y="3595216"/>
+            <a:ext cx="607968" cy="136574"/>
+          </a:xfrm>
+          <a:prstGeom prst="roundRect">
+            <a:avLst/>
+          </a:prstGeom>
+          <a:noFill/>
+          <a:ln>
+            <a:noFill/>
+          </a:ln>
+        </p:spPr>
+        <p:style>
+          <a:lnRef idx="2">
+            <a:schemeClr val="accent1">
+              <a:shade val="15000"/>
+            </a:schemeClr>
+          </a:lnRef>
+          <a:fillRef idx="1">
+            <a:schemeClr val="accent1"/>
+          </a:fillRef>
+          <a:effectRef idx="0">
+            <a:schemeClr val="accent1"/>
+          </a:effectRef>
+          <a:fontRef idx="minor">
+            <a:schemeClr val="lt1"/>
+          </a:fontRef>
+        </p:style>
+        <p:txBody>
+          <a:bodyPr lIns="0" tIns="0" rIns="0" bIns="0" rtlCol="0" anchor="ctr"/>
+          <a:lstStyle/>
+          <a:p>
+            <a:pPr algn="ctr"/>
+            <a:r>
+              <a:rPr lang="nl-NL" sz="1000" dirty="0" err="1">
                 <a:solidFill>
                   <a:schemeClr val="tx1"/>
                 </a:solidFill>
-                <a:sym typeface="Wingdings" pitchFamily="2" charset="2"/>
               </a:rPr>
-              <a:t> thread</a:t>
-            </a:r>
-            <a:endParaRPr lang="nl-NL" sz="1200" dirty="0">
+              <a:t>WebApp</a:t>
+            </a:r>
+            <a:endParaRPr lang="nl-NL" sz="1000" dirty="0">
               <a:solidFill>
                 <a:schemeClr val="tx1"/>
               </a:solidFill>
@@ -3476,12 +3627,55 @@
           </a:p>
         </p:txBody>
       </p:sp>
-      <p:sp>
-        <p:nvSpPr>
-          <p:cNvPr id="6" name="Afgeronde rechthoek 5">
-            <a:extLst>
-              <a:ext uri="{FF2B5EF4-FFF2-40B4-BE49-F238E27FC236}">
-                <a16:creationId xmlns:a16="http://schemas.microsoft.com/office/drawing/2014/main" id="{38F824A3-479E-3629-8E5A-29DEFD4E10D3}"/>
+      <p:cxnSp>
+        <p:nvCxnSpPr>
+          <p:cNvPr id="10" name="Rechte verbindingslijn met pijl 9">
+            <a:extLst>
+              <a:ext uri="{FF2B5EF4-FFF2-40B4-BE49-F238E27FC236}">
+                <a16:creationId xmlns:a16="http://schemas.microsoft.com/office/drawing/2014/main" id="{A730FD9A-29F9-4847-FCD1-1C3F1539EC66}"/>
+              </a:ext>
+            </a:extLst>
+          </p:cNvPr>
+          <p:cNvCxnSpPr>
+            <a:cxnSpLocks/>
+            <a:stCxn id="4" idx="0"/>
+            <a:endCxn id="6" idx="2"/>
+          </p:cNvCxnSpPr>
+          <p:nvPr/>
+        </p:nvCxnSpPr>
+        <p:spPr>
+          <a:xfrm flipH="1" flipV="1">
+            <a:off x="5545067" y="3975395"/>
+            <a:ext cx="693048" cy="586724"/>
+          </a:xfrm>
+          <a:prstGeom prst="straightConnector1">
+            <a:avLst/>
+          </a:prstGeom>
+          <a:ln>
+            <a:tailEnd type="triangle"/>
+          </a:ln>
+        </p:spPr>
+        <p:style>
+          <a:lnRef idx="1">
+            <a:schemeClr val="accent1"/>
+          </a:lnRef>
+          <a:fillRef idx="0">
+            <a:schemeClr val="accent1"/>
+          </a:fillRef>
+          <a:effectRef idx="0">
+            <a:schemeClr val="accent1"/>
+          </a:effectRef>
+          <a:fontRef idx="minor">
+            <a:schemeClr val="tx1"/>
+          </a:fontRef>
+        </p:style>
+      </p:cxnSp>
+      <p:sp>
+        <p:nvSpPr>
+          <p:cNvPr id="11" name="Afgeronde rechthoek 10">
+            <a:extLst>
+              <a:ext uri="{FF2B5EF4-FFF2-40B4-BE49-F238E27FC236}">
+                <a16:creationId xmlns:a16="http://schemas.microsoft.com/office/drawing/2014/main" id="{1C8C8F93-DB54-B5A7-E8D2-78530AB473C6}"/>
               </a:ext>
             </a:extLst>
           </p:cNvPr>
@@ -3490,8 +3684,8 @@
         </p:nvSpPr>
         <p:spPr>
           <a:xfrm>
-            <a:off x="5566664" y="3192846"/>
-            <a:ext cx="1031997" cy="288100"/>
+            <a:off x="8297694" y="4970951"/>
+            <a:ext cx="1623957" cy="288100"/>
           </a:xfrm>
           <a:prstGeom prst="roundRect">
             <a:avLst/>
@@ -3520,7 +3714,7 @@
             <a:pPr algn="ctr"/>
             <a:r>
               <a:rPr lang="nl-NL" sz="1200" dirty="0" err="1"/>
-              <a:t>flaskRoutes.py</a:t>
+              <a:t>OppleoConfig</a:t>
             </a:r>
             <a:endParaRPr lang="nl-NL" sz="1200" dirty="0"/>
           </a:p>
@@ -3528,10 +3722,10 @@
       </p:sp>
       <p:sp>
         <p:nvSpPr>
-          <p:cNvPr id="7" name="Afgeronde rechthoek 6">
-            <a:extLst>
-              <a:ext uri="{FF2B5EF4-FFF2-40B4-BE49-F238E27FC236}">
-                <a16:creationId xmlns:a16="http://schemas.microsoft.com/office/drawing/2014/main" id="{DB00380A-19B0-1FD5-D3A3-054DAC7E7D60}"/>
+          <p:cNvPr id="12" name="Afgeronde rechthoek 11">
+            <a:extLst>
+              <a:ext uri="{FF2B5EF4-FFF2-40B4-BE49-F238E27FC236}">
+                <a16:creationId xmlns:a16="http://schemas.microsoft.com/office/drawing/2014/main" id="{F222FB45-C301-7AC6-9BCC-72E56FBA2EA6}"/>
               </a:ext>
             </a:extLst>
           </p:cNvPr>
@@ -3540,16 +3734,12 @@
         </p:nvSpPr>
         <p:spPr>
           <a:xfrm>
-            <a:off x="6004173" y="3926335"/>
-            <a:ext cx="515782" cy="185819"/>
+            <a:off x="8297693" y="5713403"/>
+            <a:ext cx="1623957" cy="288100"/>
           </a:xfrm>
           <a:prstGeom prst="roundRect">
             <a:avLst/>
           </a:prstGeom>
-          <a:noFill/>
-          <a:ln>
-            <a:noFill/>
-          </a:ln>
         </p:spPr>
         <p:style>
           <a:lnRef idx="2">
@@ -3573,220 +3763,8 @@
           <a:p>
             <a:pPr algn="ctr"/>
             <a:r>
-              <a:rPr lang="nl-NL" sz="1200" dirty="0" err="1">
-                <a:solidFill>
-                  <a:schemeClr val="tx1"/>
-                </a:solidFill>
-              </a:rPr>
-              <a:t>Launch</a:t>
-            </a:r>
-            <a:endParaRPr lang="nl-NL" sz="1200" dirty="0">
-              <a:solidFill>
-                <a:schemeClr val="tx1"/>
-              </a:solidFill>
-            </a:endParaRPr>
-          </a:p>
-        </p:txBody>
-      </p:sp>
-      <p:sp>
-        <p:nvSpPr>
-          <p:cNvPr id="8" name="Afgeronde rechthoek 7">
-            <a:extLst>
-              <a:ext uri="{FF2B5EF4-FFF2-40B4-BE49-F238E27FC236}">
-                <a16:creationId xmlns:a16="http://schemas.microsoft.com/office/drawing/2014/main" id="{BC259449-9FA6-143C-D570-F33969347C5A}"/>
-              </a:ext>
-            </a:extLst>
-          </p:cNvPr>
-          <p:cNvSpPr/>
-          <p:nvPr/>
-        </p:nvSpPr>
-        <p:spPr>
-          <a:xfrm>
-            <a:off x="4696353" y="2986143"/>
-            <a:ext cx="607968" cy="185819"/>
-          </a:xfrm>
-          <a:prstGeom prst="roundRect">
-            <a:avLst/>
-          </a:prstGeom>
-          <a:noFill/>
-          <a:ln>
-            <a:noFill/>
-          </a:ln>
-        </p:spPr>
-        <p:style>
-          <a:lnRef idx="2">
-            <a:schemeClr val="accent1">
-              <a:shade val="15000"/>
-            </a:schemeClr>
-          </a:lnRef>
-          <a:fillRef idx="1">
-            <a:schemeClr val="accent1"/>
-          </a:fillRef>
-          <a:effectRef idx="0">
-            <a:schemeClr val="accent1"/>
-          </a:effectRef>
-          <a:fontRef idx="minor">
-            <a:schemeClr val="lt1"/>
-          </a:fontRef>
-        </p:style>
-        <p:txBody>
-          <a:bodyPr lIns="0" tIns="0" rIns="0" bIns="0" rtlCol="0" anchor="ctr"/>
-          <a:lstStyle/>
-          <a:p>
-            <a:pPr algn="ctr"/>
-            <a:r>
-              <a:rPr lang="nl-NL" sz="1200" dirty="0" err="1">
-                <a:solidFill>
-                  <a:schemeClr val="tx1"/>
-                </a:solidFill>
-              </a:rPr>
-              <a:t>WebApp</a:t>
-            </a:r>
-            <a:endParaRPr lang="nl-NL" sz="1200" dirty="0">
-              <a:solidFill>
-                <a:schemeClr val="tx1"/>
-              </a:solidFill>
-            </a:endParaRPr>
-          </a:p>
-        </p:txBody>
-      </p:sp>
-      <p:cxnSp>
-        <p:nvCxnSpPr>
-          <p:cNvPr id="10" name="Rechte verbindingslijn met pijl 9">
-            <a:extLst>
-              <a:ext uri="{FF2B5EF4-FFF2-40B4-BE49-F238E27FC236}">
-                <a16:creationId xmlns:a16="http://schemas.microsoft.com/office/drawing/2014/main" id="{A730FD9A-29F9-4847-FCD1-1C3F1539EC66}"/>
-              </a:ext>
-            </a:extLst>
-          </p:cNvPr>
-          <p:cNvCxnSpPr>
-            <a:stCxn id="4" idx="0"/>
-            <a:endCxn id="6" idx="2"/>
-          </p:cNvCxnSpPr>
-          <p:nvPr/>
-        </p:nvCxnSpPr>
-        <p:spPr>
-          <a:xfrm flipH="1" flipV="1">
-            <a:off x="6082663" y="3480946"/>
-            <a:ext cx="398388" cy="1081173"/>
-          </a:xfrm>
-          <a:prstGeom prst="straightConnector1">
-            <a:avLst/>
-          </a:prstGeom>
-          <a:ln>
-            <a:tailEnd type="triangle"/>
-          </a:ln>
-        </p:spPr>
-        <p:style>
-          <a:lnRef idx="1">
-            <a:schemeClr val="accent1"/>
-          </a:lnRef>
-          <a:fillRef idx="0">
-            <a:schemeClr val="accent1"/>
-          </a:fillRef>
-          <a:effectRef idx="0">
-            <a:schemeClr val="accent1"/>
-          </a:effectRef>
-          <a:fontRef idx="minor">
-            <a:schemeClr val="tx1"/>
-          </a:fontRef>
-        </p:style>
-      </p:cxnSp>
-      <p:sp>
-        <p:nvSpPr>
-          <p:cNvPr id="11" name="Afgeronde rechthoek 10">
-            <a:extLst>
-              <a:ext uri="{FF2B5EF4-FFF2-40B4-BE49-F238E27FC236}">
-                <a16:creationId xmlns:a16="http://schemas.microsoft.com/office/drawing/2014/main" id="{1C8C8F93-DB54-B5A7-E8D2-78530AB473C6}"/>
-              </a:ext>
-            </a:extLst>
-          </p:cNvPr>
-          <p:cNvSpPr/>
-          <p:nvPr/>
-        </p:nvSpPr>
-        <p:spPr>
-          <a:xfrm>
-            <a:off x="8297694" y="4970951"/>
-            <a:ext cx="1623957" cy="288100"/>
-          </a:xfrm>
-          <a:prstGeom prst="roundRect">
-            <a:avLst/>
-          </a:prstGeom>
-        </p:spPr>
-        <p:style>
-          <a:lnRef idx="2">
-            <a:schemeClr val="accent1">
-              <a:shade val="15000"/>
-            </a:schemeClr>
-          </a:lnRef>
-          <a:fillRef idx="1">
-            <a:schemeClr val="accent1"/>
-          </a:fillRef>
-          <a:effectRef idx="0">
-            <a:schemeClr val="accent1"/>
-          </a:effectRef>
-          <a:fontRef idx="minor">
-            <a:schemeClr val="lt1"/>
-          </a:fontRef>
-        </p:style>
-        <p:txBody>
-          <a:bodyPr lIns="0" tIns="0" rIns="0" bIns="0" rtlCol="0" anchor="ctr"/>
-          <a:lstStyle/>
-          <a:p>
-            <a:pPr algn="ctr"/>
-            <a:r>
               <a:rPr lang="nl-NL" sz="1200" dirty="0" err="1"/>
-              <a:t>OppleoConfig.py</a:t>
-            </a:r>
-            <a:endParaRPr lang="nl-NL" sz="1200" dirty="0"/>
-          </a:p>
-        </p:txBody>
-      </p:sp>
-      <p:sp>
-        <p:nvSpPr>
-          <p:cNvPr id="12" name="Afgeronde rechthoek 11">
-            <a:extLst>
-              <a:ext uri="{FF2B5EF4-FFF2-40B4-BE49-F238E27FC236}">
-                <a16:creationId xmlns:a16="http://schemas.microsoft.com/office/drawing/2014/main" id="{F222FB45-C301-7AC6-9BCC-72E56FBA2EA6}"/>
-              </a:ext>
-            </a:extLst>
-          </p:cNvPr>
-          <p:cNvSpPr/>
-          <p:nvPr/>
-        </p:nvSpPr>
-        <p:spPr>
-          <a:xfrm>
-            <a:off x="8297693" y="5713403"/>
-            <a:ext cx="1623957" cy="288100"/>
-          </a:xfrm>
-          <a:prstGeom prst="roundRect">
-            <a:avLst/>
-          </a:prstGeom>
-        </p:spPr>
-        <p:style>
-          <a:lnRef idx="2">
-            <a:schemeClr val="accent1">
-              <a:shade val="15000"/>
-            </a:schemeClr>
-          </a:lnRef>
-          <a:fillRef idx="1">
-            <a:schemeClr val="accent1"/>
-          </a:fillRef>
-          <a:effectRef idx="0">
-            <a:schemeClr val="accent1"/>
-          </a:effectRef>
-          <a:fontRef idx="minor">
-            <a:schemeClr val="lt1"/>
-          </a:fontRef>
-        </p:style>
-        <p:txBody>
-          <a:bodyPr lIns="0" tIns="0" rIns="0" bIns="0" rtlCol="0" anchor="ctr"/>
-          <a:lstStyle/>
-          <a:p>
-            <a:pPr algn="ctr"/>
-            <a:r>
-              <a:rPr lang="nl-NL" sz="1200" dirty="0" err="1"/>
-              <a:t>OppleoSystemConfig.py</a:t>
+              <a:t>OppleoSystemConfig</a:t>
             </a:r>
             <a:endParaRPr lang="nl-NL" sz="1200" dirty="0"/>
           </a:p>
@@ -3810,8 +3788,8 @@
         </p:nvCxnSpPr>
         <p:spPr>
           <a:xfrm>
-            <a:off x="6997049" y="4706169"/>
-            <a:ext cx="1300645" cy="408832"/>
+            <a:off x="6641867" y="4706169"/>
+            <a:ext cx="1655827" cy="408832"/>
           </a:xfrm>
           <a:prstGeom prst="straightConnector1">
             <a:avLst/>
@@ -3853,8 +3831,8 @@
         </p:nvCxnSpPr>
         <p:spPr>
           <a:xfrm>
-            <a:off x="6997049" y="4706169"/>
-            <a:ext cx="1300644" cy="1151284"/>
+            <a:off x="6641867" y="4706169"/>
+            <a:ext cx="1655826" cy="1151284"/>
           </a:xfrm>
           <a:prstGeom prst="straightConnector1">
             <a:avLst/>
@@ -3892,8 +3870,8 @@
         </p:nvSpPr>
         <p:spPr>
           <a:xfrm>
-            <a:off x="4697193" y="3606497"/>
-            <a:ext cx="771122" cy="185819"/>
+            <a:off x="4381830" y="4101283"/>
+            <a:ext cx="771122" cy="155155"/>
           </a:xfrm>
           <a:prstGeom prst="roundRect">
             <a:avLst/>
@@ -3921,7 +3899,7 @@
           <a:p>
             <a:pPr algn="ctr"/>
             <a:r>
-              <a:rPr lang="nl-NL" sz="1200" i="1" dirty="0"/>
+              <a:rPr lang="nl-NL" sz="1000" i="1" dirty="0"/>
               <a:t>templates</a:t>
             </a:r>
           </a:p>
@@ -3941,8 +3919,8 @@
         </p:nvSpPr>
         <p:spPr>
           <a:xfrm>
-            <a:off x="4697193" y="3835713"/>
-            <a:ext cx="771122" cy="185819"/>
+            <a:off x="4381830" y="4295819"/>
+            <a:ext cx="771122" cy="155155"/>
           </a:xfrm>
           <a:prstGeom prst="roundRect">
             <a:avLst/>
@@ -3970,7 +3948,7 @@
           <a:p>
             <a:pPr algn="ctr"/>
             <a:r>
-              <a:rPr lang="nl-NL" sz="1200" i="1" dirty="0"/>
+              <a:rPr lang="nl-NL" sz="1000" i="1" dirty="0"/>
               <a:t>javascript</a:t>
             </a:r>
           </a:p>
@@ -3994,8 +3972,8 @@
         </p:nvCxnSpPr>
         <p:spPr>
           <a:xfrm flipV="1">
-            <a:off x="5082754" y="3336896"/>
-            <a:ext cx="483910" cy="269601"/>
+            <a:off x="4767391" y="3900192"/>
+            <a:ext cx="400631" cy="201091"/>
           </a:xfrm>
           <a:prstGeom prst="straightConnector1">
             <a:avLst/>
@@ -4037,8 +4015,8 @@
         </p:nvCxnSpPr>
         <p:spPr>
           <a:xfrm flipV="1">
-            <a:off x="6481051" y="2876788"/>
-            <a:ext cx="1709838" cy="1685331"/>
+            <a:off x="6238115" y="2876788"/>
+            <a:ext cx="1821122" cy="1685331"/>
           </a:xfrm>
           <a:prstGeom prst="straightConnector1">
             <a:avLst/>
@@ -4076,8 +4054,8 @@
         </p:nvSpPr>
         <p:spPr>
           <a:xfrm>
-            <a:off x="7084202" y="2588688"/>
-            <a:ext cx="2213374" cy="288100"/>
+            <a:off x="7084202" y="2671760"/>
+            <a:ext cx="1950070" cy="205028"/>
           </a:xfrm>
           <a:prstGeom prst="roundRect">
             <a:avLst/>
@@ -4114,10 +4092,6 @@
               </a:rPr>
               <a:t>ChargerHandlerThread</a:t>
             </a:r>
-            <a:r>
-              <a:rPr lang="nl-NL" sz="1200" dirty="0" err="1"/>
-              <a:t>.py</a:t>
-            </a:r>
             <a:endParaRPr lang="nl-NL" sz="1200" dirty="0"/>
           </a:p>
         </p:txBody>
@@ -4136,8 +4110,8 @@
         </p:nvSpPr>
         <p:spPr>
           <a:xfrm>
-            <a:off x="3437045" y="3797085"/>
-            <a:ext cx="658628" cy="185819"/>
+            <a:off x="3908676" y="3898811"/>
+            <a:ext cx="506431" cy="147191"/>
           </a:xfrm>
           <a:prstGeom prst="roundRect">
             <a:avLst/>
@@ -4169,14 +4143,14 @@
           <a:p>
             <a:pPr algn="ctr"/>
             <a:r>
-              <a:rPr lang="nl-NL" sz="1200" dirty="0" err="1">
+              <a:rPr lang="nl-NL" sz="1000" dirty="0" err="1">
                 <a:solidFill>
                   <a:schemeClr val="tx1"/>
                 </a:solidFill>
               </a:rPr>
               <a:t>SocketIO</a:t>
             </a:r>
-            <a:endParaRPr lang="nl-NL" sz="1200" dirty="0">
+            <a:endParaRPr lang="nl-NL" sz="1000" dirty="0">
               <a:solidFill>
                 <a:schemeClr val="tx1"/>
               </a:solidFill>
@@ -4262,8 +4236,8 @@
         </p:nvCxnSpPr>
         <p:spPr>
           <a:xfrm flipV="1">
-            <a:off x="6481051" y="1375711"/>
-            <a:ext cx="804521" cy="3186408"/>
+            <a:off x="6238115" y="1375711"/>
+            <a:ext cx="1047457" cy="3186408"/>
           </a:xfrm>
           <a:prstGeom prst="straightConnector1">
             <a:avLst/>
@@ -4358,7 +4332,7 @@
         </p:nvSpPr>
         <p:spPr>
           <a:xfrm>
-            <a:off x="7127433" y="2375046"/>
+            <a:off x="6990619" y="2460151"/>
             <a:ext cx="1072526" cy="185819"/>
           </a:xfrm>
           <a:prstGeom prst="roundRect">
@@ -4391,7 +4365,7 @@
           <a:p>
             <a:pPr algn="ctr"/>
             <a:r>
-              <a:rPr lang="nl-NL" sz="1200" dirty="0" err="1">
+              <a:rPr lang="nl-NL" sz="1200" b="1" dirty="0" err="1">
                 <a:solidFill>
                   <a:schemeClr val="tx1"/>
                 </a:solidFill>
@@ -4399,7 +4373,7 @@
               <a:t>Charger</a:t>
             </a:r>
             <a:r>
-              <a:rPr lang="nl-NL" sz="1200" dirty="0">
+              <a:rPr lang="nl-NL" sz="1200" b="1" dirty="0">
                 <a:solidFill>
                   <a:schemeClr val="tx1"/>
                 </a:solidFill>
@@ -4423,7 +4397,7 @@
         </p:nvSpPr>
         <p:spPr>
           <a:xfrm>
-            <a:off x="7082571" y="3440389"/>
+            <a:off x="7008742" y="3299255"/>
             <a:ext cx="1031998" cy="518034"/>
           </a:xfrm>
           <a:prstGeom prst="roundRect">
@@ -4457,7 +4431,7 @@
           <a:lstStyle/>
           <a:p>
             <a:r>
-              <a:rPr lang="nl-NL" sz="1050" b="0" dirty="0">
+              <a:rPr lang="nl-NL" sz="1000" b="0" dirty="0">
                 <a:solidFill>
                   <a:srgbClr val="4EC9B0"/>
                 </a:solidFill>
@@ -4466,7 +4440,7 @@
               </a:rPr>
               <a:t>Buzzer()</a:t>
             </a:r>
-            <a:endParaRPr lang="nl-NL" sz="1050" b="0" dirty="0">
+            <a:endParaRPr lang="nl-NL" sz="1000" b="0" dirty="0">
               <a:solidFill>
                 <a:srgbClr val="CCCCCC"/>
               </a:solidFill>
@@ -4476,7 +4450,7 @@
           </a:p>
           <a:p>
             <a:r>
-              <a:rPr lang="nl-NL" sz="1050" b="0" dirty="0" err="1">
+              <a:rPr lang="nl-NL" sz="1000" b="0" dirty="0" err="1">
                 <a:solidFill>
                   <a:srgbClr val="4EC9B0"/>
                 </a:solidFill>
@@ -4486,7 +4460,7 @@
               <a:t>EvseOutput</a:t>
             </a:r>
             <a:r>
-              <a:rPr lang="nl-NL" sz="1050" b="0" dirty="0">
+              <a:rPr lang="nl-NL" sz="1000" b="0" dirty="0">
                 <a:solidFill>
                   <a:srgbClr val="4EC9B0"/>
                 </a:solidFill>
@@ -4495,7 +4469,7 @@
               </a:rPr>
               <a:t>()</a:t>
             </a:r>
-            <a:endParaRPr lang="nl-NL" sz="1050" b="0" dirty="0">
+            <a:endParaRPr lang="nl-NL" sz="1000" b="0" dirty="0">
               <a:solidFill>
                 <a:srgbClr val="CCCCCC"/>
               </a:solidFill>
@@ -4505,7 +4479,7 @@
           </a:p>
           <a:p>
             <a:r>
-              <a:rPr lang="nl-NL" sz="1050" b="0" dirty="0" err="1">
+              <a:rPr lang="nl-NL" sz="1000" b="0" dirty="0" err="1">
                 <a:solidFill>
                   <a:srgbClr val="4EC9B0"/>
                 </a:solidFill>
@@ -4515,7 +4489,7 @@
               <a:t>EvseReader</a:t>
             </a:r>
             <a:r>
-              <a:rPr lang="nl-NL" sz="1050" b="0" dirty="0">
+              <a:rPr lang="nl-NL" sz="1000" b="0" dirty="0">
                 <a:solidFill>
                   <a:srgbClr val="4EC9B0"/>
                 </a:solidFill>
@@ -4524,7 +4498,7 @@
               </a:rPr>
               <a:t>()</a:t>
             </a:r>
-            <a:endParaRPr lang="nl-NL" sz="1050" dirty="0">
+            <a:endParaRPr lang="nl-NL" sz="1000" dirty="0">
               <a:solidFill>
                 <a:schemeClr val="tx1"/>
               </a:solidFill>
@@ -4916,8 +4890,8 @@
         </p:nvCxnSpPr>
         <p:spPr>
           <a:xfrm flipV="1">
-            <a:off x="8190889" y="1772043"/>
-            <a:ext cx="1078270" cy="816645"/>
+            <a:off x="8059237" y="1772043"/>
+            <a:ext cx="1209922" cy="899717"/>
           </a:xfrm>
           <a:prstGeom prst="straightConnector1">
             <a:avLst/>
@@ -4959,8 +4933,8 @@
         </p:nvCxnSpPr>
         <p:spPr>
           <a:xfrm flipV="1">
-            <a:off x="8190889" y="2024439"/>
-            <a:ext cx="1293764" cy="564249"/>
+            <a:off x="8059237" y="2024439"/>
+            <a:ext cx="1425416" cy="647321"/>
           </a:xfrm>
           <a:prstGeom prst="straightConnector1">
             <a:avLst/>
@@ -5002,8 +4976,8 @@
         </p:nvCxnSpPr>
         <p:spPr>
           <a:xfrm flipV="1">
-            <a:off x="8190889" y="2284074"/>
-            <a:ext cx="1513112" cy="304614"/>
+            <a:off x="8059237" y="2284074"/>
+            <a:ext cx="1644764" cy="387686"/>
           </a:xfrm>
           <a:prstGeom prst="straightConnector1">
             <a:avLst/>
@@ -5105,8 +5079,8 @@
         </p:nvCxnSpPr>
         <p:spPr>
           <a:xfrm flipV="1">
-            <a:off x="6481051" y="3868868"/>
-            <a:ext cx="2311358" cy="693251"/>
+            <a:off x="6238115" y="3868868"/>
+            <a:ext cx="2554294" cy="693251"/>
           </a:xfrm>
           <a:prstGeom prst="straightConnector1">
             <a:avLst/>
@@ -5463,8 +5437,8 @@
         </p:nvCxnSpPr>
         <p:spPr>
           <a:xfrm flipV="1">
-            <a:off x="6481051" y="4426049"/>
-            <a:ext cx="2304480" cy="136070"/>
+            <a:off x="6238115" y="4426049"/>
+            <a:ext cx="2547416" cy="136070"/>
           </a:xfrm>
           <a:prstGeom prst="straightConnector1">
             <a:avLst/>
@@ -5502,8 +5476,8 @@
         </p:nvSpPr>
         <p:spPr>
           <a:xfrm>
-            <a:off x="2060562" y="4444033"/>
-            <a:ext cx="3422552" cy="185819"/>
+            <a:off x="2836329" y="4614937"/>
+            <a:ext cx="2678037" cy="185819"/>
           </a:xfrm>
           <a:prstGeom prst="roundRect">
             <a:avLst/>
@@ -5531,7 +5505,7 @@
           <a:p>
             <a:pPr algn="ctr"/>
             <a:r>
-              <a:rPr lang="nl-NL" sz="1200" b="0" dirty="0" err="1">
+              <a:rPr lang="nl-NL" sz="1000" b="0" dirty="0" err="1">
                 <a:solidFill>
                   <a:srgbClr val="4EC9B0"/>
                 </a:solidFill>
@@ -5540,11 +5514,7 @@
               </a:rPr>
               <a:t>WebSocketQueueReaderBackgroundTask</a:t>
             </a:r>
-            <a:r>
-              <a:rPr lang="nl-NL" sz="1200" dirty="0" err="1"/>
-              <a:t>.py</a:t>
-            </a:r>
-            <a:endParaRPr lang="nl-NL" sz="1200" dirty="0"/>
+            <a:endParaRPr lang="nl-NL" sz="1000" dirty="0"/>
           </a:p>
         </p:txBody>
       </p:sp>
@@ -5565,9 +5535,9 @@
           <p:nvPr/>
         </p:nvCxnSpPr>
         <p:spPr>
-          <a:xfrm flipH="1" flipV="1">
-            <a:off x="5483114" y="4536943"/>
-            <a:ext cx="481938" cy="169226"/>
+          <a:xfrm flipH="1">
+            <a:off x="5514366" y="4706169"/>
+            <a:ext cx="319996" cy="1678"/>
           </a:xfrm>
           <a:prstGeom prst="straightConnector1">
             <a:avLst/>
@@ -5605,8 +5575,8 @@
         </p:nvSpPr>
         <p:spPr>
           <a:xfrm>
-            <a:off x="4126472" y="5166141"/>
-            <a:ext cx="771122" cy="185819"/>
+            <a:off x="3936670" y="5166141"/>
+            <a:ext cx="916778" cy="185819"/>
           </a:xfrm>
           <a:prstGeom prst="roundRect">
             <a:avLst/>
@@ -5634,9 +5604,20 @@
           <a:p>
             <a:pPr algn="ctr"/>
             <a:r>
-              <a:rPr lang="nl-NL" sz="1200" i="1" dirty="0"/>
-              <a:t>Queue</a:t>
-            </a:r>
+              <a:rPr lang="nl-NL" sz="900" dirty="0" err="1">
+                <a:solidFill>
+                  <a:srgbClr val="4EC9B0"/>
+                </a:solidFill>
+                <a:latin typeface="Menlo" panose="020B0609030804020204" pitchFamily="49" charset="0"/>
+              </a:rPr>
+              <a:t>WsEmitQueue</a:t>
+            </a:r>
+            <a:endParaRPr lang="nl-NL" sz="900" dirty="0">
+              <a:solidFill>
+                <a:srgbClr val="4EC9B0"/>
+              </a:solidFill>
+              <a:latin typeface="Menlo" panose="020B0609030804020204" pitchFamily="49" charset="0"/>
+            </a:endParaRPr>
           </a:p>
         </p:txBody>
       </p:sp>
@@ -5658,8 +5639,8 @@
         </p:nvCxnSpPr>
         <p:spPr>
           <a:xfrm>
-            <a:off x="3771838" y="4629852"/>
-            <a:ext cx="740195" cy="536289"/>
+            <a:off x="4175348" y="4800756"/>
+            <a:ext cx="219711" cy="365385"/>
           </a:xfrm>
           <a:prstGeom prst="straightConnector1">
             <a:avLst/>
@@ -5697,8 +5678,8 @@
         </p:nvSpPr>
         <p:spPr>
           <a:xfrm>
-            <a:off x="3793954" y="4791099"/>
-            <a:ext cx="658628" cy="185819"/>
+            <a:off x="3946150" y="4829727"/>
+            <a:ext cx="506431" cy="147191"/>
           </a:xfrm>
           <a:prstGeom prst="roundRect">
             <a:avLst/>
@@ -5730,7 +5711,7 @@
           <a:p>
             <a:pPr algn="ctr"/>
             <a:r>
-              <a:rPr lang="nl-NL" sz="1200" dirty="0">
+              <a:rPr lang="nl-NL" sz="1000" dirty="0">
                 <a:solidFill>
                   <a:schemeClr val="tx1"/>
                 </a:solidFill>
@@ -5757,9 +5738,9 @@
           <p:nvPr/>
         </p:nvCxnSpPr>
         <p:spPr>
-          <a:xfrm flipV="1">
-            <a:off x="3771838" y="2848965"/>
-            <a:ext cx="22116" cy="1595068"/>
+          <a:xfrm flipH="1" flipV="1">
+            <a:off x="4163384" y="3489443"/>
+            <a:ext cx="11964" cy="1125494"/>
           </a:xfrm>
           <a:prstGeom prst="straightConnector1">
             <a:avLst/>
@@ -5797,12 +5778,20 @@
         </p:nvSpPr>
         <p:spPr>
           <a:xfrm>
-            <a:off x="3277955" y="2560865"/>
-            <a:ext cx="1031997" cy="288100"/>
+            <a:off x="3761123" y="3321868"/>
+            <a:ext cx="804521" cy="167575"/>
           </a:xfrm>
           <a:prstGeom prst="roundRect">
             <a:avLst/>
           </a:prstGeom>
+          <a:solidFill>
+            <a:schemeClr val="bg1"/>
+          </a:solidFill>
+          <a:ln>
+            <a:solidFill>
+              <a:schemeClr val="accent1"/>
+            </a:solidFill>
+          </a:ln>
         </p:spPr>
         <p:style>
           <a:lnRef idx="2">
@@ -5826,7 +5815,11 @@
           <a:p>
             <a:pPr algn="ctr"/>
             <a:r>
-              <a:rPr lang="nl-NL" sz="1200" dirty="0"/>
+              <a:rPr lang="nl-NL" sz="1200" i="1" dirty="0">
+                <a:solidFill>
+                  <a:schemeClr val="accent1"/>
+                </a:solidFill>
+              </a:rPr>
               <a:t>Web Client</a:t>
             </a:r>
           </a:p>
@@ -5850,8 +5843,8 @@
         </p:nvCxnSpPr>
         <p:spPr>
           <a:xfrm>
-            <a:off x="4309952" y="2704915"/>
-            <a:ext cx="1772711" cy="487931"/>
+            <a:off x="4565644" y="3405656"/>
+            <a:ext cx="979423" cy="419332"/>
           </a:xfrm>
           <a:prstGeom prst="straightConnector1">
             <a:avLst/>
@@ -5887,14 +5880,14 @@
           <p:cNvCxnSpPr>
             <a:cxnSpLocks/>
             <a:stCxn id="19" idx="0"/>
-            <a:endCxn id="91" idx="3"/>
+            <a:endCxn id="91" idx="2"/>
           </p:cNvCxnSpPr>
           <p:nvPr/>
         </p:nvCxnSpPr>
         <p:spPr>
           <a:xfrm flipH="1" flipV="1">
-            <a:off x="4309952" y="2704915"/>
-            <a:ext cx="772802" cy="901582"/>
+            <a:off x="4163384" y="3489443"/>
+            <a:ext cx="604007" cy="611840"/>
           </a:xfrm>
           <a:prstGeom prst="straightConnector1">
             <a:avLst/>
@@ -5932,8 +5925,8 @@
         </p:nvSpPr>
         <p:spPr>
           <a:xfrm>
-            <a:off x="5084344" y="5465679"/>
-            <a:ext cx="1566992" cy="288100"/>
+            <a:off x="6051287" y="5594332"/>
+            <a:ext cx="1136745" cy="185820"/>
           </a:xfrm>
           <a:prstGeom prst="roundRect">
             <a:avLst/>
@@ -5961,7 +5954,7 @@
           <a:p>
             <a:pPr algn="ctr"/>
             <a:r>
-              <a:rPr lang="nl-NL" sz="1200" b="0" dirty="0" err="1">
+              <a:rPr lang="nl-NL" sz="1000" b="0" dirty="0" err="1">
                 <a:solidFill>
                   <a:srgbClr val="4EC9B0"/>
                 </a:solidFill>
@@ -5970,11 +5963,7 @@
               </a:rPr>
               <a:t>OutboundEvent</a:t>
             </a:r>
-            <a:r>
-              <a:rPr lang="nl-NL" sz="1200" dirty="0" err="1"/>
-              <a:t>.py</a:t>
-            </a:r>
-            <a:endParaRPr lang="nl-NL" sz="1200" dirty="0"/>
+            <a:endParaRPr lang="nl-NL" sz="1000" dirty="0"/>
           </a:p>
         </p:txBody>
       </p:sp>
@@ -5996,8 +5985,8 @@
         </p:nvCxnSpPr>
         <p:spPr>
           <a:xfrm flipH="1" flipV="1">
-            <a:off x="4512033" y="5351960"/>
-            <a:ext cx="572311" cy="257769"/>
+            <a:off x="4395059" y="5351960"/>
+            <a:ext cx="1656228" cy="335282"/>
           </a:xfrm>
           <a:prstGeom prst="straightConnector1">
             <a:avLst/>
@@ -6458,11 +6447,19 @@
         <p:spPr>
           <a:xfrm>
             <a:off x="3793954" y="6403139"/>
-            <a:ext cx="1082292" cy="185819"/>
+            <a:ext cx="717490" cy="185819"/>
           </a:xfrm>
           <a:prstGeom prst="roundRect">
             <a:avLst/>
           </a:prstGeom>
+          <a:solidFill>
+            <a:schemeClr val="bg1"/>
+          </a:solidFill>
+          <a:ln>
+            <a:solidFill>
+              <a:schemeClr val="accent1"/>
+            </a:solidFill>
+          </a:ln>
         </p:spPr>
         <p:style>
           <a:lnRef idx="2">
@@ -6486,10 +6483,18 @@
           <a:p>
             <a:pPr algn="ctr"/>
             <a:r>
-              <a:rPr lang="nl-NL" sz="1200" i="1" dirty="0" err="1"/>
+              <a:rPr lang="nl-NL" sz="1200" i="1" dirty="0" err="1">
+                <a:solidFill>
+                  <a:schemeClr val="accent1"/>
+                </a:solidFill>
+              </a:rPr>
               <a:t>Prowl</a:t>
             </a:r>
-            <a:endParaRPr lang="nl-NL" sz="1200" i="1" dirty="0"/>
+            <a:endParaRPr lang="nl-NL" sz="1200" i="1" dirty="0">
+              <a:solidFill>
+                <a:schemeClr val="accent1"/>
+              </a:solidFill>
+            </a:endParaRPr>
           </a:p>
         </p:txBody>
       </p:sp>
@@ -6508,11 +6513,19 @@
         <p:spPr>
           <a:xfrm>
             <a:off x="3793954" y="6646900"/>
-            <a:ext cx="1082292" cy="185819"/>
+            <a:ext cx="717490" cy="185819"/>
           </a:xfrm>
           <a:prstGeom prst="roundRect">
             <a:avLst/>
           </a:prstGeom>
+          <a:solidFill>
+            <a:schemeClr val="bg1"/>
+          </a:solidFill>
+          <a:ln>
+            <a:solidFill>
+              <a:schemeClr val="accent1"/>
+            </a:solidFill>
+          </a:ln>
         </p:spPr>
         <p:style>
           <a:lnRef idx="2">
@@ -6536,10 +6549,18 @@
           <a:p>
             <a:pPr algn="ctr"/>
             <a:r>
-              <a:rPr lang="nl-NL" sz="1200" i="1" dirty="0" err="1"/>
+              <a:rPr lang="nl-NL" sz="1200" i="1" dirty="0" err="1">
+                <a:solidFill>
+                  <a:schemeClr val="accent1"/>
+                </a:solidFill>
+              </a:rPr>
               <a:t>Pushover</a:t>
             </a:r>
-            <a:endParaRPr lang="nl-NL" sz="1200" i="1" dirty="0"/>
+            <a:endParaRPr lang="nl-NL" sz="1200" i="1" dirty="0">
+              <a:solidFill>
+                <a:schemeClr val="accent1"/>
+              </a:solidFill>
+            </a:endParaRPr>
           </a:p>
         </p:txBody>
       </p:sp>
@@ -6606,12 +6627,20 @@
         </p:nvSpPr>
         <p:spPr>
           <a:xfrm>
-            <a:off x="3788913" y="5954786"/>
-            <a:ext cx="1082292" cy="185819"/>
+            <a:off x="2865453" y="5954786"/>
+            <a:ext cx="614808" cy="185819"/>
           </a:xfrm>
           <a:prstGeom prst="roundRect">
             <a:avLst/>
           </a:prstGeom>
+          <a:solidFill>
+            <a:schemeClr val="bg1"/>
+          </a:solidFill>
+          <a:ln>
+            <a:solidFill>
+              <a:schemeClr val="accent1"/>
+            </a:solidFill>
+          </a:ln>
         </p:spPr>
         <p:style>
           <a:lnRef idx="2">
@@ -6635,7 +6664,11 @@
           <a:p>
             <a:pPr algn="ctr"/>
             <a:r>
-              <a:rPr lang="nl-NL" sz="1200" i="1" dirty="0"/>
+              <a:rPr lang="nl-NL" sz="1200" i="1" dirty="0">
+                <a:solidFill>
+                  <a:schemeClr val="accent1"/>
+                </a:solidFill>
+              </a:rPr>
               <a:t>MQTT</a:t>
             </a:r>
           </a:p>
@@ -6655,8 +6688,8 @@
         </p:nvSpPr>
         <p:spPr>
           <a:xfrm>
-            <a:off x="5560441" y="6212563"/>
-            <a:ext cx="1566992" cy="288100"/>
+            <a:off x="6743634" y="6311502"/>
+            <a:ext cx="944225" cy="190215"/>
           </a:xfrm>
           <a:prstGeom prst="roundRect">
             <a:avLst/>
@@ -6684,7 +6717,7 @@
           <a:p>
             <a:pPr algn="ctr"/>
             <a:r>
-              <a:rPr lang="nl-NL" sz="1200" b="0" dirty="0" err="1">
+              <a:rPr lang="nl-NL" sz="1000" b="0" dirty="0" err="1">
                 <a:solidFill>
                   <a:srgbClr val="4EC9B0"/>
                 </a:solidFill>
@@ -6693,11 +6726,7 @@
               </a:rPr>
               <a:t>PushMessage</a:t>
             </a:r>
-            <a:r>
-              <a:rPr lang="nl-NL" sz="1200" dirty="0" err="1"/>
-              <a:t>.py</a:t>
-            </a:r>
-            <a:endParaRPr lang="nl-NL" sz="1200" dirty="0"/>
+            <a:endParaRPr lang="nl-NL" sz="1000" dirty="0"/>
           </a:p>
         </p:txBody>
       </p:sp>
@@ -6713,14 +6742,14 @@
           <p:cNvCxnSpPr>
             <a:cxnSpLocks/>
             <a:stCxn id="124" idx="1"/>
-            <a:endCxn id="120" idx="3"/>
+            <a:endCxn id="93" idx="3"/>
           </p:cNvCxnSpPr>
           <p:nvPr/>
         </p:nvCxnSpPr>
         <p:spPr>
           <a:xfrm flipH="1">
-            <a:off x="4876246" y="6356613"/>
-            <a:ext cx="684195" cy="139436"/>
+            <a:off x="6230598" y="6406610"/>
+            <a:ext cx="513036" cy="75291"/>
           </a:xfrm>
           <a:prstGeom prst="straightConnector1">
             <a:avLst/>
@@ -6756,14 +6785,14 @@
           <p:cNvCxnSpPr>
             <a:cxnSpLocks/>
             <a:stCxn id="124" idx="1"/>
-            <a:endCxn id="121" idx="3"/>
+            <a:endCxn id="95" idx="3"/>
           </p:cNvCxnSpPr>
           <p:nvPr/>
         </p:nvCxnSpPr>
         <p:spPr>
           <a:xfrm flipH="1">
-            <a:off x="4876246" y="6356613"/>
-            <a:ext cx="684195" cy="383197"/>
+            <a:off x="6378596" y="6406610"/>
+            <a:ext cx="365038" cy="296579"/>
           </a:xfrm>
           <a:prstGeom prst="straightConnector1">
             <a:avLst/>
@@ -6904,7 +6933,7 @@
         </p:nvSpPr>
         <p:spPr>
           <a:xfrm>
-            <a:off x="1105014" y="5793532"/>
+            <a:off x="-285930" y="5793532"/>
             <a:ext cx="1911096" cy="288100"/>
           </a:xfrm>
           <a:prstGeom prst="roundRect">
@@ -7350,110 +7379,6 @@
       </p:sp>
       <p:sp>
         <p:nvSpPr>
-          <p:cNvPr id="151" name="Tekstvak 150">
-            <a:extLst>
-              <a:ext uri="{FF2B5EF4-FFF2-40B4-BE49-F238E27FC236}">
-                <a16:creationId xmlns:a16="http://schemas.microsoft.com/office/drawing/2014/main" id="{B5629714-88EB-157F-283B-441C8724187E}"/>
-              </a:ext>
-            </a:extLst>
-          </p:cNvPr>
-          <p:cNvSpPr txBox="1"/>
-          <p:nvPr/>
-        </p:nvSpPr>
-        <p:spPr>
-          <a:xfrm>
-            <a:off x="5209765" y="6544279"/>
-            <a:ext cx="1486766" cy="161583"/>
-          </a:xfrm>
-          <a:prstGeom prst="rect">
-            <a:avLst/>
-          </a:prstGeom>
-          <a:noFill/>
-        </p:spPr>
-        <p:txBody>
-          <a:bodyPr wrap="square" lIns="0" tIns="0" rIns="0" bIns="0">
-            <a:spAutoFit/>
-          </a:bodyPr>
-          <a:lstStyle/>
-          <a:p>
-            <a:r>
-              <a:rPr lang="nl-NL" sz="1050" b="0" dirty="0" err="1">
-                <a:solidFill>
-                  <a:srgbClr val="4EC9B0"/>
-                </a:solidFill>
-                <a:effectLst/>
-                <a:latin typeface="Menlo" panose="020B0609030804020204" pitchFamily="49" charset="0"/>
-              </a:rPr>
-              <a:t>PushMessageProwl</a:t>
-            </a:r>
-            <a:r>
-              <a:rPr lang="nl-NL" sz="1050" b="0" dirty="0">
-                <a:solidFill>
-                  <a:srgbClr val="4EC9B0"/>
-                </a:solidFill>
-                <a:effectLst/>
-                <a:latin typeface="Menlo" panose="020B0609030804020204" pitchFamily="49" charset="0"/>
-              </a:rPr>
-              <a:t>()</a:t>
-            </a:r>
-            <a:endParaRPr lang="nl-NL" sz="1050" dirty="0"/>
-          </a:p>
-        </p:txBody>
-      </p:sp>
-      <p:sp>
-        <p:nvSpPr>
-          <p:cNvPr id="152" name="Tekstvak 151">
-            <a:extLst>
-              <a:ext uri="{FF2B5EF4-FFF2-40B4-BE49-F238E27FC236}">
-                <a16:creationId xmlns:a16="http://schemas.microsoft.com/office/drawing/2014/main" id="{8854BB5E-4AEC-B3C4-C4D8-ECC86CC4DF9E}"/>
-              </a:ext>
-            </a:extLst>
-          </p:cNvPr>
-          <p:cNvSpPr txBox="1"/>
-          <p:nvPr/>
-        </p:nvSpPr>
-        <p:spPr>
-          <a:xfrm>
-            <a:off x="5209765" y="6696417"/>
-            <a:ext cx="1917667" cy="161583"/>
-          </a:xfrm>
-          <a:prstGeom prst="rect">
-            <a:avLst/>
-          </a:prstGeom>
-          <a:noFill/>
-        </p:spPr>
-        <p:txBody>
-          <a:bodyPr wrap="square" lIns="0" tIns="0" rIns="0" bIns="0">
-            <a:spAutoFit/>
-          </a:bodyPr>
-          <a:lstStyle/>
-          <a:p>
-            <a:r>
-              <a:rPr lang="nl-NL" sz="1050" b="0" dirty="0" err="1">
-                <a:solidFill>
-                  <a:srgbClr val="4EC9B0"/>
-                </a:solidFill>
-                <a:effectLst/>
-                <a:latin typeface="Menlo" panose="020B0609030804020204" pitchFamily="49" charset="0"/>
-              </a:rPr>
-              <a:t>PushMessagePushover</a:t>
-            </a:r>
-            <a:r>
-              <a:rPr lang="nl-NL" sz="1050" b="0" dirty="0">
-                <a:solidFill>
-                  <a:srgbClr val="4EC9B0"/>
-                </a:solidFill>
-                <a:effectLst/>
-                <a:latin typeface="Menlo" panose="020B0609030804020204" pitchFamily="49" charset="0"/>
-              </a:rPr>
-              <a:t> ()</a:t>
-            </a:r>
-            <a:endParaRPr lang="nl-NL" sz="1050" dirty="0"/>
-          </a:p>
-        </p:txBody>
-      </p:sp>
-      <p:sp>
-        <p:nvSpPr>
           <p:cNvPr id="157" name="Afgeronde rechthoek 156">
             <a:extLst>
               <a:ext uri="{FF2B5EF4-FFF2-40B4-BE49-F238E27FC236}">
@@ -7970,8 +7895,8 @@
         </p:nvCxnSpPr>
         <p:spPr>
           <a:xfrm>
-            <a:off x="9297576" y="2732738"/>
-            <a:ext cx="841267" cy="336382"/>
+            <a:off x="9034272" y="2774274"/>
+            <a:ext cx="1104571" cy="294846"/>
           </a:xfrm>
           <a:prstGeom prst="straightConnector1">
             <a:avLst/>
@@ -8056,6 +7981,1357 @@
               </a:rPr>
               <a:t> RFID Token</a:t>
             </a:r>
+          </a:p>
+        </p:txBody>
+      </p:sp>
+      <p:sp>
+        <p:nvSpPr>
+          <p:cNvPr id="17" name="Afgeronde rechthoek 16">
+            <a:extLst>
+              <a:ext uri="{FF2B5EF4-FFF2-40B4-BE49-F238E27FC236}">
+                <a16:creationId xmlns:a16="http://schemas.microsoft.com/office/drawing/2014/main" id="{93FCF38F-F478-E5F6-FC0C-2A9662FB6E6F}"/>
+              </a:ext>
+            </a:extLst>
+          </p:cNvPr>
+          <p:cNvSpPr/>
+          <p:nvPr/>
+        </p:nvSpPr>
+        <p:spPr>
+          <a:xfrm>
+            <a:off x="2636873" y="3667396"/>
+            <a:ext cx="4125307" cy="1439608"/>
+          </a:xfrm>
+          <a:prstGeom prst="roundRect">
+            <a:avLst>
+              <a:gd name="adj" fmla="val 5818"/>
+            </a:avLst>
+          </a:prstGeom>
+          <a:noFill/>
+          <a:ln>
+            <a:solidFill>
+              <a:schemeClr val="accent1"/>
+            </a:solidFill>
+            <a:prstDash val="dash"/>
+          </a:ln>
+        </p:spPr>
+        <p:style>
+          <a:lnRef idx="2">
+            <a:schemeClr val="accent1">
+              <a:shade val="15000"/>
+            </a:schemeClr>
+          </a:lnRef>
+          <a:fillRef idx="1">
+            <a:schemeClr val="accent1"/>
+          </a:fillRef>
+          <a:effectRef idx="0">
+            <a:schemeClr val="accent1"/>
+          </a:effectRef>
+          <a:fontRef idx="minor">
+            <a:schemeClr val="lt1"/>
+          </a:fontRef>
+        </p:style>
+        <p:txBody>
+          <a:bodyPr lIns="0" tIns="0" rIns="0" bIns="0" rtlCol="0" anchor="ctr"/>
+          <a:lstStyle/>
+          <a:p>
+            <a:pPr algn="ctr"/>
+            <a:endParaRPr lang="nl-NL" sz="1200" i="1" dirty="0"/>
+          </a:p>
+        </p:txBody>
+      </p:sp>
+      <p:cxnSp>
+        <p:nvCxnSpPr>
+          <p:cNvPr id="31" name="Rechte verbindingslijn met pijl 30">
+            <a:extLst>
+              <a:ext uri="{FF2B5EF4-FFF2-40B4-BE49-F238E27FC236}">
+                <a16:creationId xmlns:a16="http://schemas.microsoft.com/office/drawing/2014/main" id="{F77548E6-24B9-06FE-8F42-B3892C9784F7}"/>
+              </a:ext>
+            </a:extLst>
+          </p:cNvPr>
+          <p:cNvCxnSpPr>
+            <a:cxnSpLocks/>
+            <a:stCxn id="102" idx="1"/>
+            <a:endCxn id="39" idx="3"/>
+          </p:cNvCxnSpPr>
+          <p:nvPr/>
+        </p:nvCxnSpPr>
+        <p:spPr>
+          <a:xfrm flipH="1">
+            <a:off x="5082754" y="5687242"/>
+            <a:ext cx="968533" cy="399077"/>
+          </a:xfrm>
+          <a:prstGeom prst="straightConnector1">
+            <a:avLst/>
+          </a:prstGeom>
+          <a:ln>
+            <a:tailEnd type="triangle"/>
+          </a:ln>
+        </p:spPr>
+        <p:style>
+          <a:lnRef idx="1">
+            <a:schemeClr val="accent1"/>
+          </a:lnRef>
+          <a:fillRef idx="0">
+            <a:schemeClr val="accent1"/>
+          </a:fillRef>
+          <a:effectRef idx="0">
+            <a:schemeClr val="accent1"/>
+          </a:effectRef>
+          <a:fontRef idx="minor">
+            <a:schemeClr val="tx1"/>
+          </a:fontRef>
+        </p:style>
+      </p:cxnSp>
+      <p:sp>
+        <p:nvSpPr>
+          <p:cNvPr id="23" name="Afgeronde rechthoek 22">
+            <a:extLst>
+              <a:ext uri="{FF2B5EF4-FFF2-40B4-BE49-F238E27FC236}">
+                <a16:creationId xmlns:a16="http://schemas.microsoft.com/office/drawing/2014/main" id="{C3C35540-0280-5F18-F2AE-93C6C329AF37}"/>
+              </a:ext>
+            </a:extLst>
+          </p:cNvPr>
+          <p:cNvSpPr/>
+          <p:nvPr/>
+        </p:nvSpPr>
+        <p:spPr>
+          <a:xfrm>
+            <a:off x="4820910" y="5385751"/>
+            <a:ext cx="1183482" cy="185819"/>
+          </a:xfrm>
+          <a:prstGeom prst="roundRect">
+            <a:avLst/>
+          </a:prstGeom>
+          <a:solidFill>
+            <a:schemeClr val="bg1">
+              <a:alpha val="77000"/>
+            </a:schemeClr>
+          </a:solidFill>
+          <a:ln>
+            <a:noFill/>
+          </a:ln>
+        </p:spPr>
+        <p:style>
+          <a:lnRef idx="2">
+            <a:schemeClr val="accent1">
+              <a:shade val="15000"/>
+            </a:schemeClr>
+          </a:lnRef>
+          <a:fillRef idx="1">
+            <a:schemeClr val="accent1"/>
+          </a:fillRef>
+          <a:effectRef idx="0">
+            <a:schemeClr val="accent1"/>
+          </a:effectRef>
+          <a:fontRef idx="minor">
+            <a:schemeClr val="lt1"/>
+          </a:fontRef>
+        </p:style>
+        <p:txBody>
+          <a:bodyPr lIns="0" tIns="0" rIns="0" bIns="0" rtlCol="0" anchor="ctr"/>
+          <a:lstStyle/>
+          <a:p>
+            <a:pPr algn="ctr"/>
+            <a:r>
+              <a:rPr lang="nl-NL" sz="800" b="0" dirty="0" err="1">
+                <a:solidFill>
+                  <a:schemeClr val="accent1"/>
+                </a:solidFill>
+                <a:effectLst/>
+                <a:latin typeface="Menlo" panose="020B0609030804020204" pitchFamily="49" charset="0"/>
+              </a:rPr>
+              <a:t>emitWebsocketEvent</a:t>
+            </a:r>
+            <a:endParaRPr lang="nl-NL" sz="800" b="0" dirty="0">
+              <a:solidFill>
+                <a:schemeClr val="accent1"/>
+              </a:solidFill>
+              <a:effectLst/>
+              <a:latin typeface="Menlo" panose="020B0609030804020204" pitchFamily="49" charset="0"/>
+            </a:endParaRPr>
+          </a:p>
+        </p:txBody>
+      </p:sp>
+      <p:sp>
+        <p:nvSpPr>
+          <p:cNvPr id="26" name="Tekstvak 25">
+            <a:extLst>
+              <a:ext uri="{FF2B5EF4-FFF2-40B4-BE49-F238E27FC236}">
+                <a16:creationId xmlns:a16="http://schemas.microsoft.com/office/drawing/2014/main" id="{754F2827-D3C8-BAF2-4C40-8AF28B3C5F6E}"/>
+              </a:ext>
+            </a:extLst>
+          </p:cNvPr>
+          <p:cNvSpPr txBox="1"/>
+          <p:nvPr/>
+        </p:nvSpPr>
+        <p:spPr>
+          <a:xfrm>
+            <a:off x="6619659" y="5408512"/>
+            <a:ext cx="887514" cy="169523"/>
+          </a:xfrm>
+          <a:prstGeom prst="rect">
+            <a:avLst/>
+          </a:prstGeom>
+          <a:solidFill>
+            <a:schemeClr val="bg1">
+              <a:alpha val="77000"/>
+            </a:schemeClr>
+          </a:solidFill>
+          <a:ln>
+            <a:noFill/>
+          </a:ln>
+        </p:spPr>
+        <p:style>
+          <a:lnRef idx="2">
+            <a:schemeClr val="accent1">
+              <a:shade val="15000"/>
+            </a:schemeClr>
+          </a:lnRef>
+          <a:fillRef idx="1">
+            <a:schemeClr val="accent1"/>
+          </a:fillRef>
+          <a:effectRef idx="0">
+            <a:schemeClr val="accent1"/>
+          </a:effectRef>
+          <a:fontRef idx="minor">
+            <a:schemeClr val="lt1"/>
+          </a:fontRef>
+        </p:style>
+        <p:txBody>
+          <a:bodyPr lIns="0" tIns="0" rIns="0" bIns="0" rtlCol="0" anchor="ctr"/>
+          <a:lstStyle>
+            <a:defPPr>
+              <a:defRPr lang="nl-NL"/>
+            </a:defPPr>
+            <a:lvl1pPr algn="ctr">
+              <a:defRPr sz="800" b="0">
+                <a:solidFill>
+                  <a:schemeClr val="accent1"/>
+                </a:solidFill>
+                <a:effectLst/>
+                <a:latin typeface="Menlo" panose="020B0609030804020204" pitchFamily="49" charset="0"/>
+              </a:defRPr>
+            </a:lvl1pPr>
+            <a:lvl2pPr>
+              <a:defRPr>
+                <a:solidFill>
+                  <a:schemeClr val="lt1"/>
+                </a:solidFill>
+              </a:defRPr>
+            </a:lvl2pPr>
+            <a:lvl3pPr>
+              <a:defRPr>
+                <a:solidFill>
+                  <a:schemeClr val="lt1"/>
+                </a:solidFill>
+              </a:defRPr>
+            </a:lvl3pPr>
+            <a:lvl4pPr>
+              <a:defRPr>
+                <a:solidFill>
+                  <a:schemeClr val="lt1"/>
+                </a:solidFill>
+              </a:defRPr>
+            </a:lvl4pPr>
+            <a:lvl5pPr>
+              <a:defRPr>
+                <a:solidFill>
+                  <a:schemeClr val="lt1"/>
+                </a:solidFill>
+              </a:defRPr>
+            </a:lvl5pPr>
+            <a:lvl6pPr>
+              <a:defRPr>
+                <a:solidFill>
+                  <a:schemeClr val="lt1"/>
+                </a:solidFill>
+              </a:defRPr>
+            </a:lvl6pPr>
+            <a:lvl7pPr>
+              <a:defRPr>
+                <a:solidFill>
+                  <a:schemeClr val="lt1"/>
+                </a:solidFill>
+              </a:defRPr>
+            </a:lvl7pPr>
+            <a:lvl8pPr>
+              <a:defRPr>
+                <a:solidFill>
+                  <a:schemeClr val="lt1"/>
+                </a:solidFill>
+              </a:defRPr>
+            </a:lvl8pPr>
+            <a:lvl9pPr>
+              <a:defRPr>
+                <a:solidFill>
+                  <a:schemeClr val="lt1"/>
+                </a:solidFill>
+              </a:defRPr>
+            </a:lvl9pPr>
+          </a:lstStyle>
+          <a:p>
+            <a:r>
+              <a:rPr lang="nl-NL" dirty="0" err="1"/>
+              <a:t>triggerEvent</a:t>
+            </a:r>
+            <a:endParaRPr lang="nl-NL" dirty="0"/>
+          </a:p>
+        </p:txBody>
+      </p:sp>
+      <p:sp>
+        <p:nvSpPr>
+          <p:cNvPr id="29" name="Tekstvak 28">
+            <a:extLst>
+              <a:ext uri="{FF2B5EF4-FFF2-40B4-BE49-F238E27FC236}">
+                <a16:creationId xmlns:a16="http://schemas.microsoft.com/office/drawing/2014/main" id="{DC48F509-9438-7B63-8AE4-C8D1DB1B98E8}"/>
+              </a:ext>
+            </a:extLst>
+          </p:cNvPr>
+          <p:cNvSpPr txBox="1"/>
+          <p:nvPr/>
+        </p:nvSpPr>
+        <p:spPr>
+          <a:xfrm>
+            <a:off x="5044117" y="5801512"/>
+            <a:ext cx="877994" cy="157950"/>
+          </a:xfrm>
+          <a:prstGeom prst="rect">
+            <a:avLst/>
+          </a:prstGeom>
+          <a:solidFill>
+            <a:schemeClr val="bg1">
+              <a:alpha val="77000"/>
+            </a:schemeClr>
+          </a:solidFill>
+          <a:ln>
+            <a:noFill/>
+          </a:ln>
+        </p:spPr>
+        <p:style>
+          <a:lnRef idx="2">
+            <a:schemeClr val="accent1">
+              <a:shade val="15000"/>
+            </a:schemeClr>
+          </a:lnRef>
+          <a:fillRef idx="1">
+            <a:schemeClr val="accent1"/>
+          </a:fillRef>
+          <a:effectRef idx="0">
+            <a:schemeClr val="accent1"/>
+          </a:effectRef>
+          <a:fontRef idx="minor">
+            <a:schemeClr val="lt1"/>
+          </a:fontRef>
+        </p:style>
+        <p:txBody>
+          <a:bodyPr lIns="0" tIns="0" rIns="0" bIns="0" rtlCol="0" anchor="ctr"/>
+          <a:lstStyle>
+            <a:defPPr>
+              <a:defRPr lang="nl-NL"/>
+            </a:defPPr>
+            <a:lvl1pPr algn="ctr">
+              <a:defRPr sz="800" b="0">
+                <a:solidFill>
+                  <a:schemeClr val="accent1"/>
+                </a:solidFill>
+                <a:effectLst/>
+                <a:latin typeface="Menlo" panose="020B0609030804020204" pitchFamily="49" charset="0"/>
+              </a:defRPr>
+            </a:lvl1pPr>
+            <a:lvl2pPr>
+              <a:defRPr>
+                <a:solidFill>
+                  <a:schemeClr val="lt1"/>
+                </a:solidFill>
+              </a:defRPr>
+            </a:lvl2pPr>
+            <a:lvl3pPr>
+              <a:defRPr>
+                <a:solidFill>
+                  <a:schemeClr val="lt1"/>
+                </a:solidFill>
+              </a:defRPr>
+            </a:lvl3pPr>
+            <a:lvl4pPr>
+              <a:defRPr>
+                <a:solidFill>
+                  <a:schemeClr val="lt1"/>
+                </a:solidFill>
+              </a:defRPr>
+            </a:lvl4pPr>
+            <a:lvl5pPr>
+              <a:defRPr>
+                <a:solidFill>
+                  <a:schemeClr val="lt1"/>
+                </a:solidFill>
+              </a:defRPr>
+            </a:lvl5pPr>
+            <a:lvl6pPr>
+              <a:defRPr>
+                <a:solidFill>
+                  <a:schemeClr val="lt1"/>
+                </a:solidFill>
+              </a:defRPr>
+            </a:lvl6pPr>
+            <a:lvl7pPr>
+              <a:defRPr>
+                <a:solidFill>
+                  <a:schemeClr val="lt1"/>
+                </a:solidFill>
+              </a:defRPr>
+            </a:lvl7pPr>
+            <a:lvl8pPr>
+              <a:defRPr>
+                <a:solidFill>
+                  <a:schemeClr val="lt1"/>
+                </a:solidFill>
+              </a:defRPr>
+            </a:lvl8pPr>
+            <a:lvl9pPr>
+              <a:defRPr>
+                <a:solidFill>
+                  <a:schemeClr val="lt1"/>
+                </a:solidFill>
+              </a:defRPr>
+            </a:lvl9pPr>
+          </a:lstStyle>
+          <a:p>
+            <a:r>
+              <a:rPr lang="nl-NL" dirty="0" err="1"/>
+              <a:t>emitMQTTEvent</a:t>
+            </a:r>
+            <a:endParaRPr lang="nl-NL" dirty="0"/>
+          </a:p>
+        </p:txBody>
+      </p:sp>
+      <p:sp>
+        <p:nvSpPr>
+          <p:cNvPr id="39" name="Afgeronde rechthoek 38">
+            <a:extLst>
+              <a:ext uri="{FF2B5EF4-FFF2-40B4-BE49-F238E27FC236}">
+                <a16:creationId xmlns:a16="http://schemas.microsoft.com/office/drawing/2014/main" id="{495B03C3-02F0-D43F-E07F-50BC968FE713}"/>
+              </a:ext>
+            </a:extLst>
+          </p:cNvPr>
+          <p:cNvSpPr/>
+          <p:nvPr/>
+        </p:nvSpPr>
+        <p:spPr>
+          <a:xfrm>
+            <a:off x="3761123" y="5991211"/>
+            <a:ext cx="1321631" cy="190215"/>
+          </a:xfrm>
+          <a:prstGeom prst="roundRect">
+            <a:avLst/>
+          </a:prstGeom>
+        </p:spPr>
+        <p:style>
+          <a:lnRef idx="2">
+            <a:schemeClr val="accent1">
+              <a:shade val="15000"/>
+            </a:schemeClr>
+          </a:lnRef>
+          <a:fillRef idx="1">
+            <a:schemeClr val="accent1"/>
+          </a:fillRef>
+          <a:effectRef idx="0">
+            <a:schemeClr val="accent1"/>
+          </a:effectRef>
+          <a:fontRef idx="minor">
+            <a:schemeClr val="lt1"/>
+          </a:fontRef>
+        </p:style>
+        <p:txBody>
+          <a:bodyPr lIns="0" tIns="0" rIns="0" bIns="0" rtlCol="0" anchor="ctr"/>
+          <a:lstStyle/>
+          <a:p>
+            <a:pPr algn="ctr"/>
+            <a:r>
+              <a:rPr lang="nl-NL" sz="1000" b="0" dirty="0" err="1">
+                <a:solidFill>
+                  <a:srgbClr val="4EC9B0"/>
+                </a:solidFill>
+                <a:effectLst/>
+                <a:latin typeface="Menlo" panose="020B0609030804020204" pitchFamily="49" charset="0"/>
+              </a:rPr>
+              <a:t>OppleoMqttClient</a:t>
+            </a:r>
+            <a:endParaRPr lang="nl-NL" sz="1000" dirty="0"/>
+          </a:p>
+        </p:txBody>
+      </p:sp>
+      <p:cxnSp>
+        <p:nvCxnSpPr>
+          <p:cNvPr id="53" name="Rechte verbindingslijn met pijl 52">
+            <a:extLst>
+              <a:ext uri="{FF2B5EF4-FFF2-40B4-BE49-F238E27FC236}">
+                <a16:creationId xmlns:a16="http://schemas.microsoft.com/office/drawing/2014/main" id="{228FA669-D576-1A2E-FAC4-F8B6BEA9B215}"/>
+              </a:ext>
+            </a:extLst>
+          </p:cNvPr>
+          <p:cNvCxnSpPr>
+            <a:cxnSpLocks/>
+            <a:stCxn id="39" idx="1"/>
+            <a:endCxn id="123" idx="3"/>
+          </p:cNvCxnSpPr>
+          <p:nvPr/>
+        </p:nvCxnSpPr>
+        <p:spPr>
+          <a:xfrm flipH="1" flipV="1">
+            <a:off x="3480261" y="6047696"/>
+            <a:ext cx="280862" cy="38623"/>
+          </a:xfrm>
+          <a:prstGeom prst="straightConnector1">
+            <a:avLst/>
+          </a:prstGeom>
+          <a:ln>
+            <a:tailEnd type="triangle"/>
+          </a:ln>
+        </p:spPr>
+        <p:style>
+          <a:lnRef idx="1">
+            <a:schemeClr val="accent1"/>
+          </a:lnRef>
+          <a:fillRef idx="0">
+            <a:schemeClr val="accent1"/>
+          </a:fillRef>
+          <a:effectRef idx="0">
+            <a:schemeClr val="accent1"/>
+          </a:effectRef>
+          <a:fontRef idx="minor">
+            <a:schemeClr val="tx1"/>
+          </a:fontRef>
+        </p:style>
+      </p:cxnSp>
+      <p:sp>
+        <p:nvSpPr>
+          <p:cNvPr id="81" name="Afgeronde rechthoek 80">
+            <a:extLst>
+              <a:ext uri="{FF2B5EF4-FFF2-40B4-BE49-F238E27FC236}">
+                <a16:creationId xmlns:a16="http://schemas.microsoft.com/office/drawing/2014/main" id="{3FB4CB46-822F-0E50-DF65-9BE876CD4852}"/>
+              </a:ext>
+            </a:extLst>
+          </p:cNvPr>
+          <p:cNvSpPr/>
+          <p:nvPr/>
+        </p:nvSpPr>
+        <p:spPr>
+          <a:xfrm>
+            <a:off x="3995600" y="5400778"/>
+            <a:ext cx="410850" cy="147191"/>
+          </a:xfrm>
+          <a:prstGeom prst="roundRect">
+            <a:avLst/>
+          </a:prstGeom>
+          <a:noFill/>
+          <a:ln>
+            <a:noFill/>
+          </a:ln>
+        </p:spPr>
+        <p:style>
+          <a:lnRef idx="2">
+            <a:schemeClr val="accent1">
+              <a:shade val="15000"/>
+            </a:schemeClr>
+          </a:lnRef>
+          <a:fillRef idx="1">
+            <a:schemeClr val="accent1"/>
+          </a:fillRef>
+          <a:effectRef idx="0">
+            <a:schemeClr val="accent1"/>
+          </a:effectRef>
+          <a:fontRef idx="minor">
+            <a:schemeClr val="lt1"/>
+          </a:fontRef>
+        </p:style>
+        <p:txBody>
+          <a:bodyPr lIns="0" tIns="0" rIns="0" bIns="0" rtlCol="0" anchor="ctr"/>
+          <a:lstStyle/>
+          <a:p>
+            <a:pPr algn="ctr"/>
+            <a:r>
+              <a:rPr lang="nl-NL" sz="1000" dirty="0">
+                <a:solidFill>
+                  <a:schemeClr val="tx1"/>
+                </a:solidFill>
+              </a:rPr>
+              <a:t>Queue</a:t>
+            </a:r>
+          </a:p>
+        </p:txBody>
+      </p:sp>
+      <p:cxnSp>
+        <p:nvCxnSpPr>
+          <p:cNvPr id="82" name="Rechte verbindingslijn met pijl 81">
+            <a:extLst>
+              <a:ext uri="{FF2B5EF4-FFF2-40B4-BE49-F238E27FC236}">
+                <a16:creationId xmlns:a16="http://schemas.microsoft.com/office/drawing/2014/main" id="{0CE55EF5-4964-ECB6-8549-08D62B874D35}"/>
+              </a:ext>
+            </a:extLst>
+          </p:cNvPr>
+          <p:cNvCxnSpPr>
+            <a:cxnSpLocks/>
+            <a:endCxn id="102" idx="0"/>
+          </p:cNvCxnSpPr>
+          <p:nvPr/>
+        </p:nvCxnSpPr>
+        <p:spPr>
+          <a:xfrm>
+            <a:off x="6619660" y="5424809"/>
+            <a:ext cx="0" cy="169523"/>
+          </a:xfrm>
+          <a:prstGeom prst="straightConnector1">
+            <a:avLst/>
+          </a:prstGeom>
+          <a:ln>
+            <a:tailEnd type="triangle"/>
+          </a:ln>
+        </p:spPr>
+        <p:style>
+          <a:lnRef idx="1">
+            <a:schemeClr val="accent1"/>
+          </a:lnRef>
+          <a:fillRef idx="0">
+            <a:schemeClr val="accent1"/>
+          </a:fillRef>
+          <a:effectRef idx="0">
+            <a:schemeClr val="accent1"/>
+          </a:effectRef>
+          <a:fontRef idx="minor">
+            <a:schemeClr val="tx1"/>
+          </a:fontRef>
+        </p:style>
+      </p:cxnSp>
+      <p:sp>
+        <p:nvSpPr>
+          <p:cNvPr id="93" name="Afgeronde rechthoek 92">
+            <a:extLst>
+              <a:ext uri="{FF2B5EF4-FFF2-40B4-BE49-F238E27FC236}">
+                <a16:creationId xmlns:a16="http://schemas.microsoft.com/office/drawing/2014/main" id="{8926C433-15C2-5F2F-75B4-051EBCE977A3}"/>
+              </a:ext>
+            </a:extLst>
+          </p:cNvPr>
+          <p:cNvSpPr/>
+          <p:nvPr/>
+        </p:nvSpPr>
+        <p:spPr>
+          <a:xfrm>
+            <a:off x="4908967" y="6386793"/>
+            <a:ext cx="1321631" cy="190215"/>
+          </a:xfrm>
+          <a:prstGeom prst="roundRect">
+            <a:avLst/>
+          </a:prstGeom>
+        </p:spPr>
+        <p:style>
+          <a:lnRef idx="2">
+            <a:schemeClr val="accent1">
+              <a:shade val="15000"/>
+            </a:schemeClr>
+          </a:lnRef>
+          <a:fillRef idx="1">
+            <a:schemeClr val="accent1"/>
+          </a:fillRef>
+          <a:effectRef idx="0">
+            <a:schemeClr val="accent1"/>
+          </a:effectRef>
+          <a:fontRef idx="minor">
+            <a:schemeClr val="lt1"/>
+          </a:fontRef>
+        </p:style>
+        <p:txBody>
+          <a:bodyPr lIns="0" tIns="0" rIns="0" bIns="0" rtlCol="0" anchor="ctr"/>
+          <a:lstStyle/>
+          <a:p>
+            <a:pPr algn="ctr"/>
+            <a:r>
+              <a:rPr lang="nl-NL" sz="1000" b="0" dirty="0" err="1">
+                <a:solidFill>
+                  <a:srgbClr val="4EC9B0"/>
+                </a:solidFill>
+                <a:effectLst/>
+                <a:latin typeface="Menlo" panose="020B0609030804020204" pitchFamily="49" charset="0"/>
+              </a:rPr>
+              <a:t>PushMessageProwl</a:t>
+            </a:r>
+            <a:endParaRPr lang="nl-NL" sz="1000" dirty="0"/>
+          </a:p>
+        </p:txBody>
+      </p:sp>
+      <p:sp>
+        <p:nvSpPr>
+          <p:cNvPr id="95" name="Afgeronde rechthoek 94">
+            <a:extLst>
+              <a:ext uri="{FF2B5EF4-FFF2-40B4-BE49-F238E27FC236}">
+                <a16:creationId xmlns:a16="http://schemas.microsoft.com/office/drawing/2014/main" id="{B53BBFF0-2904-F7D2-ADBF-0D623E559E15}"/>
+              </a:ext>
+            </a:extLst>
+          </p:cNvPr>
+          <p:cNvSpPr/>
+          <p:nvPr/>
+        </p:nvSpPr>
+        <p:spPr>
+          <a:xfrm>
+            <a:off x="4908967" y="6608081"/>
+            <a:ext cx="1469629" cy="190215"/>
+          </a:xfrm>
+          <a:prstGeom prst="roundRect">
+            <a:avLst/>
+          </a:prstGeom>
+        </p:spPr>
+        <p:style>
+          <a:lnRef idx="2">
+            <a:schemeClr val="accent1">
+              <a:shade val="15000"/>
+            </a:schemeClr>
+          </a:lnRef>
+          <a:fillRef idx="1">
+            <a:schemeClr val="accent1"/>
+          </a:fillRef>
+          <a:effectRef idx="0">
+            <a:schemeClr val="accent1"/>
+          </a:effectRef>
+          <a:fontRef idx="minor">
+            <a:schemeClr val="lt1"/>
+          </a:fontRef>
+        </p:style>
+        <p:txBody>
+          <a:bodyPr lIns="0" tIns="0" rIns="0" bIns="0" rtlCol="0" anchor="ctr"/>
+          <a:lstStyle/>
+          <a:p>
+            <a:pPr algn="ctr"/>
+            <a:r>
+              <a:rPr lang="nl-NL" sz="1000" b="0" dirty="0" err="1">
+                <a:solidFill>
+                  <a:srgbClr val="4EC9B0"/>
+                </a:solidFill>
+                <a:effectLst/>
+                <a:latin typeface="Menlo" panose="020B0609030804020204" pitchFamily="49" charset="0"/>
+              </a:rPr>
+              <a:t>PushMessagePushover</a:t>
+            </a:r>
+            <a:endParaRPr lang="nl-NL" sz="1000" dirty="0"/>
+          </a:p>
+        </p:txBody>
+      </p:sp>
+      <p:cxnSp>
+        <p:nvCxnSpPr>
+          <p:cNvPr id="113" name="Rechte verbindingslijn met pijl 112">
+            <a:extLst>
+              <a:ext uri="{FF2B5EF4-FFF2-40B4-BE49-F238E27FC236}">
+                <a16:creationId xmlns:a16="http://schemas.microsoft.com/office/drawing/2014/main" id="{366F44C2-0868-9B69-34AE-6A22A0A80C11}"/>
+              </a:ext>
+            </a:extLst>
+          </p:cNvPr>
+          <p:cNvCxnSpPr>
+            <a:cxnSpLocks/>
+            <a:stCxn id="93" idx="1"/>
+            <a:endCxn id="120" idx="3"/>
+          </p:cNvCxnSpPr>
+          <p:nvPr/>
+        </p:nvCxnSpPr>
+        <p:spPr>
+          <a:xfrm flipH="1">
+            <a:off x="4511444" y="6481901"/>
+            <a:ext cx="397523" cy="14148"/>
+          </a:xfrm>
+          <a:prstGeom prst="straightConnector1">
+            <a:avLst/>
+          </a:prstGeom>
+          <a:ln>
+            <a:tailEnd type="triangle"/>
+          </a:ln>
+        </p:spPr>
+        <p:style>
+          <a:lnRef idx="1">
+            <a:schemeClr val="accent1"/>
+          </a:lnRef>
+          <a:fillRef idx="0">
+            <a:schemeClr val="accent1"/>
+          </a:fillRef>
+          <a:effectRef idx="0">
+            <a:schemeClr val="accent1"/>
+          </a:effectRef>
+          <a:fontRef idx="minor">
+            <a:schemeClr val="tx1"/>
+          </a:fontRef>
+        </p:style>
+      </p:cxnSp>
+      <p:cxnSp>
+        <p:nvCxnSpPr>
+          <p:cNvPr id="117" name="Rechte verbindingslijn met pijl 116">
+            <a:extLst>
+              <a:ext uri="{FF2B5EF4-FFF2-40B4-BE49-F238E27FC236}">
+                <a16:creationId xmlns:a16="http://schemas.microsoft.com/office/drawing/2014/main" id="{1D4A7E1C-83DB-0495-4259-355FB429CFC7}"/>
+              </a:ext>
+            </a:extLst>
+          </p:cNvPr>
+          <p:cNvCxnSpPr>
+            <a:cxnSpLocks/>
+            <a:stCxn id="95" idx="1"/>
+            <a:endCxn id="121" idx="3"/>
+          </p:cNvCxnSpPr>
+          <p:nvPr/>
+        </p:nvCxnSpPr>
+        <p:spPr>
+          <a:xfrm flipH="1">
+            <a:off x="4511444" y="6703189"/>
+            <a:ext cx="397523" cy="36621"/>
+          </a:xfrm>
+          <a:prstGeom prst="straightConnector1">
+            <a:avLst/>
+          </a:prstGeom>
+          <a:ln>
+            <a:tailEnd type="triangle"/>
+          </a:ln>
+        </p:spPr>
+        <p:style>
+          <a:lnRef idx="1">
+            <a:schemeClr val="accent1"/>
+          </a:lnRef>
+          <a:fillRef idx="0">
+            <a:schemeClr val="accent1"/>
+          </a:fillRef>
+          <a:effectRef idx="0">
+            <a:schemeClr val="accent1"/>
+          </a:effectRef>
+          <a:fontRef idx="minor">
+            <a:schemeClr val="tx1"/>
+          </a:fontRef>
+        </p:style>
+      </p:cxnSp>
+      <p:sp>
+        <p:nvSpPr>
+          <p:cNvPr id="221" name="Afgeronde rechthoek 220">
+            <a:extLst>
+              <a:ext uri="{FF2B5EF4-FFF2-40B4-BE49-F238E27FC236}">
+                <a16:creationId xmlns:a16="http://schemas.microsoft.com/office/drawing/2014/main" id="{6315CBAA-A5EC-67E3-64E5-1167B8D79FC9}"/>
+              </a:ext>
+            </a:extLst>
+          </p:cNvPr>
+          <p:cNvSpPr/>
+          <p:nvPr/>
+        </p:nvSpPr>
+        <p:spPr>
+          <a:xfrm>
+            <a:off x="12758733" y="1132378"/>
+            <a:ext cx="2365766" cy="287645"/>
+          </a:xfrm>
+          <a:prstGeom prst="roundRect">
+            <a:avLst>
+              <a:gd name="adj" fmla="val 5818"/>
+            </a:avLst>
+          </a:prstGeom>
+          <a:noFill/>
+          <a:ln>
+            <a:solidFill>
+              <a:schemeClr val="accent1"/>
+            </a:solidFill>
+            <a:prstDash val="dash"/>
+          </a:ln>
+        </p:spPr>
+        <p:style>
+          <a:lnRef idx="2">
+            <a:schemeClr val="accent1">
+              <a:shade val="15000"/>
+            </a:schemeClr>
+          </a:lnRef>
+          <a:fillRef idx="1">
+            <a:schemeClr val="accent1"/>
+          </a:fillRef>
+          <a:effectRef idx="0">
+            <a:schemeClr val="accent1"/>
+          </a:effectRef>
+          <a:fontRef idx="minor">
+            <a:schemeClr val="lt1"/>
+          </a:fontRef>
+        </p:style>
+        <p:txBody>
+          <a:bodyPr lIns="0" tIns="0" rIns="0" bIns="0" rtlCol="0" anchor="ctr"/>
+          <a:lstStyle/>
+          <a:p>
+            <a:pPr algn="ctr"/>
+            <a:endParaRPr lang="nl-NL" sz="1200" i="1" dirty="0"/>
+          </a:p>
+        </p:txBody>
+      </p:sp>
+      <p:sp>
+        <p:nvSpPr>
+          <p:cNvPr id="236" name="Afgeronde rechthoek 235">
+            <a:extLst>
+              <a:ext uri="{FF2B5EF4-FFF2-40B4-BE49-F238E27FC236}">
+                <a16:creationId xmlns:a16="http://schemas.microsoft.com/office/drawing/2014/main" id="{6FC79EDB-4CF0-A2D0-919C-684C2A1536DA}"/>
+              </a:ext>
+            </a:extLst>
+          </p:cNvPr>
+          <p:cNvSpPr/>
+          <p:nvPr/>
+        </p:nvSpPr>
+        <p:spPr>
+          <a:xfrm>
+            <a:off x="5736845" y="4994983"/>
+            <a:ext cx="911244" cy="177688"/>
+          </a:xfrm>
+          <a:prstGeom prst="roundRect">
+            <a:avLst/>
+          </a:prstGeom>
+          <a:solidFill>
+            <a:schemeClr val="bg1"/>
+          </a:solidFill>
+          <a:ln>
+            <a:solidFill>
+              <a:schemeClr val="accent1"/>
+            </a:solidFill>
+          </a:ln>
+        </p:spPr>
+        <p:style>
+          <a:lnRef idx="2">
+            <a:schemeClr val="accent1">
+              <a:shade val="15000"/>
+            </a:schemeClr>
+          </a:lnRef>
+          <a:fillRef idx="1">
+            <a:schemeClr val="accent1"/>
+          </a:fillRef>
+          <a:effectRef idx="0">
+            <a:schemeClr val="accent1"/>
+          </a:effectRef>
+          <a:fontRef idx="minor">
+            <a:schemeClr val="lt1"/>
+          </a:fontRef>
+        </p:style>
+        <p:txBody>
+          <a:bodyPr lIns="0" tIns="0" rIns="0" bIns="0" rtlCol="0" anchor="ctr"/>
+          <a:lstStyle/>
+          <a:p>
+            <a:pPr algn="ctr"/>
+            <a:r>
+              <a:rPr lang="nl-NL" sz="1000" b="0" i="0" dirty="0" err="1">
+                <a:solidFill>
+                  <a:srgbClr val="3BAFDA"/>
+                </a:solidFill>
+                <a:effectLst/>
+                <a:latin typeface="Menlo" panose="020B0609030804020204" pitchFamily="49" charset="0"/>
+                <a:ea typeface="Menlo" panose="020B0609030804020204" pitchFamily="49" charset="0"/>
+                <a:cs typeface="Menlo" panose="020B0609030804020204" pitchFamily="49" charset="0"/>
+              </a:rPr>
+              <a:t>MainThread</a:t>
+            </a:r>
+            <a:endParaRPr lang="nl-NL" sz="1000" dirty="0">
+              <a:solidFill>
+                <a:srgbClr val="4EC9B0"/>
+              </a:solidFill>
+              <a:latin typeface="Menlo" panose="020B0609030804020204" pitchFamily="49" charset="0"/>
+            </a:endParaRPr>
+          </a:p>
+        </p:txBody>
+      </p:sp>
+      <p:sp>
+        <p:nvSpPr>
+          <p:cNvPr id="243" name="Tekstvak 242">
+            <a:extLst>
+              <a:ext uri="{FF2B5EF4-FFF2-40B4-BE49-F238E27FC236}">
+                <a16:creationId xmlns:a16="http://schemas.microsoft.com/office/drawing/2014/main" id="{824A578F-E6E9-3895-B023-1CD8892E898A}"/>
+              </a:ext>
+            </a:extLst>
+          </p:cNvPr>
+          <p:cNvSpPr txBox="1"/>
+          <p:nvPr/>
+        </p:nvSpPr>
+        <p:spPr>
+          <a:xfrm>
+            <a:off x="12322720" y="3945591"/>
+            <a:ext cx="6754926" cy="646331"/>
+          </a:xfrm>
+          <a:prstGeom prst="rect">
+            <a:avLst/>
+          </a:prstGeom>
+          <a:noFill/>
+        </p:spPr>
+        <p:txBody>
+          <a:bodyPr wrap="none" rtlCol="0">
+            <a:spAutoFit/>
+          </a:bodyPr>
+          <a:lstStyle/>
+          <a:p>
+            <a:r>
+              <a:rPr lang="nl-NL" dirty="0" err="1"/>
+              <a:t>Notes</a:t>
+            </a:r>
+            <a:r>
+              <a:rPr lang="nl-NL" dirty="0"/>
+              <a:t>:</a:t>
+            </a:r>
+          </a:p>
+          <a:p>
+            <a:r>
+              <a:rPr lang="nl-NL" dirty="0" err="1"/>
+              <a:t>ChargerHandlerThread</a:t>
+            </a:r>
+            <a:r>
+              <a:rPr lang="nl-NL" dirty="0"/>
+              <a:t> is </a:t>
+            </a:r>
+            <a:r>
+              <a:rPr lang="nl-NL" dirty="0" err="1"/>
+              <a:t>itself</a:t>
+            </a:r>
+            <a:r>
+              <a:rPr lang="nl-NL" dirty="0"/>
+              <a:t> </a:t>
+            </a:r>
+            <a:r>
+              <a:rPr lang="nl-NL" dirty="0" err="1"/>
+              <a:t>not</a:t>
+            </a:r>
+            <a:r>
+              <a:rPr lang="nl-NL" dirty="0"/>
+              <a:t> a real thread, </a:t>
+            </a:r>
+            <a:r>
+              <a:rPr lang="nl-NL" dirty="0" err="1"/>
+              <a:t>only</a:t>
+            </a:r>
+            <a:r>
+              <a:rPr lang="nl-NL" dirty="0"/>
+              <a:t> </a:t>
+            </a:r>
+            <a:r>
+              <a:rPr lang="nl-NL" dirty="0" err="1"/>
+              <a:t>lanches</a:t>
+            </a:r>
+            <a:r>
+              <a:rPr lang="nl-NL" dirty="0"/>
+              <a:t> 3 </a:t>
+            </a:r>
+            <a:r>
+              <a:rPr lang="nl-NL" dirty="0" err="1"/>
+              <a:t>others</a:t>
+            </a:r>
+            <a:endParaRPr lang="nl-NL" dirty="0"/>
+          </a:p>
+        </p:txBody>
+      </p:sp>
+      <p:sp>
+        <p:nvSpPr>
+          <p:cNvPr id="244" name="Afgeronde rechthoek 243">
+            <a:extLst>
+              <a:ext uri="{FF2B5EF4-FFF2-40B4-BE49-F238E27FC236}">
+                <a16:creationId xmlns:a16="http://schemas.microsoft.com/office/drawing/2014/main" id="{68A52772-799C-DC69-A89D-3CE037633081}"/>
+              </a:ext>
+            </a:extLst>
+          </p:cNvPr>
+          <p:cNvSpPr/>
+          <p:nvPr/>
+        </p:nvSpPr>
+        <p:spPr>
+          <a:xfrm>
+            <a:off x="12758733" y="1575773"/>
+            <a:ext cx="2365766" cy="287645"/>
+          </a:xfrm>
+          <a:prstGeom prst="roundRect">
+            <a:avLst>
+              <a:gd name="adj" fmla="val 5818"/>
+            </a:avLst>
+          </a:prstGeom>
+          <a:noFill/>
+          <a:ln>
+            <a:solidFill>
+              <a:schemeClr val="accent1"/>
+            </a:solidFill>
+            <a:prstDash val="dash"/>
+          </a:ln>
+        </p:spPr>
+        <p:style>
+          <a:lnRef idx="2">
+            <a:schemeClr val="accent1">
+              <a:shade val="15000"/>
+            </a:schemeClr>
+          </a:lnRef>
+          <a:fillRef idx="1">
+            <a:schemeClr val="accent1"/>
+          </a:fillRef>
+          <a:effectRef idx="0">
+            <a:schemeClr val="accent1"/>
+          </a:effectRef>
+          <a:fontRef idx="minor">
+            <a:schemeClr val="lt1"/>
+          </a:fontRef>
+        </p:style>
+        <p:txBody>
+          <a:bodyPr lIns="0" tIns="0" rIns="0" bIns="0" rtlCol="0" anchor="ctr"/>
+          <a:lstStyle/>
+          <a:p>
+            <a:pPr algn="ctr"/>
+            <a:endParaRPr lang="nl-NL" sz="1200" i="1" dirty="0"/>
+          </a:p>
+        </p:txBody>
+      </p:sp>
+      <p:sp>
+        <p:nvSpPr>
+          <p:cNvPr id="245" name="Afgeronde rechthoek 244">
+            <a:extLst>
+              <a:ext uri="{FF2B5EF4-FFF2-40B4-BE49-F238E27FC236}">
+                <a16:creationId xmlns:a16="http://schemas.microsoft.com/office/drawing/2014/main" id="{1B687EA0-EA94-375F-AAF6-A681B2C8179B}"/>
+              </a:ext>
+            </a:extLst>
+          </p:cNvPr>
+          <p:cNvSpPr/>
+          <p:nvPr/>
+        </p:nvSpPr>
+        <p:spPr>
+          <a:xfrm>
+            <a:off x="12758733" y="1999500"/>
+            <a:ext cx="2365766" cy="287645"/>
+          </a:xfrm>
+          <a:prstGeom prst="roundRect">
+            <a:avLst>
+              <a:gd name="adj" fmla="val 5818"/>
+            </a:avLst>
+          </a:prstGeom>
+          <a:noFill/>
+          <a:ln>
+            <a:solidFill>
+              <a:schemeClr val="accent1"/>
+            </a:solidFill>
+            <a:prstDash val="dash"/>
+          </a:ln>
+        </p:spPr>
+        <p:style>
+          <a:lnRef idx="2">
+            <a:schemeClr val="accent1">
+              <a:shade val="15000"/>
+            </a:schemeClr>
+          </a:lnRef>
+          <a:fillRef idx="1">
+            <a:schemeClr val="accent1"/>
+          </a:fillRef>
+          <a:effectRef idx="0">
+            <a:schemeClr val="accent1"/>
+          </a:effectRef>
+          <a:fontRef idx="minor">
+            <a:schemeClr val="lt1"/>
+          </a:fontRef>
+        </p:style>
+        <p:txBody>
+          <a:bodyPr lIns="0" tIns="0" rIns="0" bIns="0" rtlCol="0" anchor="ctr"/>
+          <a:lstStyle/>
+          <a:p>
+            <a:pPr algn="ctr"/>
+            <a:endParaRPr lang="nl-NL" sz="1200" i="1" dirty="0"/>
+          </a:p>
+        </p:txBody>
+      </p:sp>
+      <p:sp>
+        <p:nvSpPr>
+          <p:cNvPr id="234" name="Afgeronde rechthoek 233">
+            <a:extLst>
+              <a:ext uri="{FF2B5EF4-FFF2-40B4-BE49-F238E27FC236}">
+                <a16:creationId xmlns:a16="http://schemas.microsoft.com/office/drawing/2014/main" id="{8309B38B-6890-5A73-1948-BFB20AB4B775}"/>
+              </a:ext>
+            </a:extLst>
+          </p:cNvPr>
+          <p:cNvSpPr/>
+          <p:nvPr/>
+        </p:nvSpPr>
+        <p:spPr>
+          <a:xfrm>
+            <a:off x="12889752" y="2199347"/>
+            <a:ext cx="1315488" cy="177688"/>
+          </a:xfrm>
+          <a:prstGeom prst="roundRect">
+            <a:avLst/>
+          </a:prstGeom>
+          <a:solidFill>
+            <a:schemeClr val="bg1"/>
+          </a:solidFill>
+          <a:ln>
+            <a:solidFill>
+              <a:schemeClr val="accent1"/>
+            </a:solidFill>
+          </a:ln>
+        </p:spPr>
+        <p:style>
+          <a:lnRef idx="2">
+            <a:schemeClr val="accent1">
+              <a:shade val="15000"/>
+            </a:schemeClr>
+          </a:lnRef>
+          <a:fillRef idx="1">
+            <a:schemeClr val="accent1"/>
+          </a:fillRef>
+          <a:effectRef idx="0">
+            <a:schemeClr val="accent1"/>
+          </a:effectRef>
+          <a:fontRef idx="minor">
+            <a:schemeClr val="lt1"/>
+          </a:fontRef>
+        </p:style>
+        <p:txBody>
+          <a:bodyPr lIns="0" tIns="0" rIns="0" bIns="0" rtlCol="0" anchor="ctr"/>
+          <a:lstStyle/>
+          <a:p>
+            <a:pPr algn="ctr"/>
+            <a:r>
+              <a:rPr lang="nl-NL" sz="1000" b="0" i="0" dirty="0" err="1">
+                <a:solidFill>
+                  <a:srgbClr val="3BAFDA"/>
+                </a:solidFill>
+                <a:effectLst/>
+                <a:latin typeface="Menlo" panose="020B0609030804020204" pitchFamily="49" charset="0"/>
+                <a:ea typeface="Menlo" panose="020B0609030804020204" pitchFamily="49" charset="0"/>
+                <a:cs typeface="Menlo" panose="020B0609030804020204" pitchFamily="49" charset="0"/>
+              </a:rPr>
+              <a:t>RfidReaderThread</a:t>
+            </a:r>
+            <a:endParaRPr lang="nl-NL" sz="1000" dirty="0">
+              <a:solidFill>
+                <a:srgbClr val="4EC9B0"/>
+              </a:solidFill>
+              <a:latin typeface="Menlo" panose="020B0609030804020204" pitchFamily="49" charset="0"/>
+            </a:endParaRPr>
+          </a:p>
+        </p:txBody>
+      </p:sp>
+      <p:sp>
+        <p:nvSpPr>
+          <p:cNvPr id="239" name="Afgeronde rechthoek 238">
+            <a:extLst>
+              <a:ext uri="{FF2B5EF4-FFF2-40B4-BE49-F238E27FC236}">
+                <a16:creationId xmlns:a16="http://schemas.microsoft.com/office/drawing/2014/main" id="{80E77980-9AEA-1B74-AEBF-FB5276D45F0A}"/>
+              </a:ext>
+            </a:extLst>
+          </p:cNvPr>
+          <p:cNvSpPr/>
+          <p:nvPr/>
+        </p:nvSpPr>
+        <p:spPr>
+          <a:xfrm>
+            <a:off x="12889752" y="1298162"/>
+            <a:ext cx="1754887" cy="177688"/>
+          </a:xfrm>
+          <a:prstGeom prst="roundRect">
+            <a:avLst/>
+          </a:prstGeom>
+          <a:solidFill>
+            <a:schemeClr val="bg1"/>
+          </a:solidFill>
+          <a:ln>
+            <a:solidFill>
+              <a:schemeClr val="accent1"/>
+            </a:solidFill>
+          </a:ln>
+        </p:spPr>
+        <p:style>
+          <a:lnRef idx="2">
+            <a:schemeClr val="accent1">
+              <a:shade val="15000"/>
+            </a:schemeClr>
+          </a:lnRef>
+          <a:fillRef idx="1">
+            <a:schemeClr val="accent1"/>
+          </a:fillRef>
+          <a:effectRef idx="0">
+            <a:schemeClr val="accent1"/>
+          </a:effectRef>
+          <a:fontRef idx="minor">
+            <a:schemeClr val="lt1"/>
+          </a:fontRef>
+        </p:style>
+        <p:txBody>
+          <a:bodyPr lIns="0" tIns="0" rIns="0" bIns="0" rtlCol="0" anchor="ctr"/>
+          <a:lstStyle/>
+          <a:p>
+            <a:pPr algn="ctr"/>
+            <a:r>
+              <a:rPr lang="nl-NL" sz="1000" b="0" i="0" dirty="0" err="1">
+                <a:solidFill>
+                  <a:srgbClr val="3BAFDA"/>
+                </a:solidFill>
+                <a:effectLst/>
+                <a:latin typeface="Menlo" panose="020B0609030804020204" pitchFamily="49" charset="0"/>
+                <a:ea typeface="Menlo" panose="020B0609030804020204" pitchFamily="49" charset="0"/>
+                <a:cs typeface="Menlo" panose="020B0609030804020204" pitchFamily="49" charset="0"/>
+              </a:rPr>
+              <a:t>RGBLedControllerThread</a:t>
+            </a:r>
+            <a:endParaRPr lang="nl-NL" sz="1000" dirty="0">
+              <a:solidFill>
+                <a:srgbClr val="4EC9B0"/>
+              </a:solidFill>
+              <a:latin typeface="Menlo" panose="020B0609030804020204" pitchFamily="49" charset="0"/>
+            </a:endParaRPr>
+          </a:p>
+        </p:txBody>
+      </p:sp>
+      <p:sp>
+        <p:nvSpPr>
+          <p:cNvPr id="242" name="Afgeronde rechthoek 241">
+            <a:extLst>
+              <a:ext uri="{FF2B5EF4-FFF2-40B4-BE49-F238E27FC236}">
+                <a16:creationId xmlns:a16="http://schemas.microsoft.com/office/drawing/2014/main" id="{56CD3ACB-14D0-DBA8-663E-B66F09FFCC93}"/>
+              </a:ext>
+            </a:extLst>
+          </p:cNvPr>
+          <p:cNvSpPr/>
+          <p:nvPr/>
+        </p:nvSpPr>
+        <p:spPr>
+          <a:xfrm>
+            <a:off x="12889752" y="1740415"/>
+            <a:ext cx="1602487" cy="177688"/>
+          </a:xfrm>
+          <a:prstGeom prst="roundRect">
+            <a:avLst/>
+          </a:prstGeom>
+          <a:solidFill>
+            <a:schemeClr val="bg1"/>
+          </a:solidFill>
+          <a:ln>
+            <a:solidFill>
+              <a:schemeClr val="accent1"/>
+            </a:solidFill>
+          </a:ln>
+        </p:spPr>
+        <p:style>
+          <a:lnRef idx="2">
+            <a:schemeClr val="accent1">
+              <a:shade val="15000"/>
+            </a:schemeClr>
+          </a:lnRef>
+          <a:fillRef idx="1">
+            <a:schemeClr val="accent1"/>
+          </a:fillRef>
+          <a:effectRef idx="0">
+            <a:schemeClr val="accent1"/>
+          </a:effectRef>
+          <a:fontRef idx="minor">
+            <a:schemeClr val="lt1"/>
+          </a:fontRef>
+        </p:style>
+        <p:txBody>
+          <a:bodyPr lIns="0" tIns="0" rIns="0" bIns="0" rtlCol="0" anchor="ctr"/>
+          <a:lstStyle/>
+          <a:p>
+            <a:pPr algn="ctr"/>
+            <a:r>
+              <a:rPr lang="nl-NL" sz="1000" b="0" i="0" dirty="0" err="1">
+                <a:solidFill>
+                  <a:srgbClr val="3BAFDA"/>
+                </a:solidFill>
+                <a:effectLst/>
+                <a:latin typeface="Menlo" panose="020B0609030804020204" pitchFamily="49" charset="0"/>
+                <a:ea typeface="Menlo" panose="020B0609030804020204" pitchFamily="49" charset="0"/>
+                <a:cs typeface="Menlo" panose="020B0609030804020204" pitchFamily="49" charset="0"/>
+              </a:rPr>
+              <a:t>EvseLedReaderThread</a:t>
+            </a:r>
+            <a:endParaRPr lang="nl-NL" sz="1000" dirty="0">
+              <a:solidFill>
+                <a:srgbClr val="4EC9B0"/>
+              </a:solidFill>
+              <a:latin typeface="Menlo" panose="020B0609030804020204" pitchFamily="49" charset="0"/>
+            </a:endParaRPr>
           </a:p>
         </p:txBody>
       </p:sp>

--- a/doc/Software Architecture.pptx
+++ b/doc/Software Architecture.pptx
@@ -6,6 +6,7 @@
   </p:sldMasterIdLst>
   <p:sldIdLst>
     <p:sldId id="256" r:id="rId2"/>
+    <p:sldId id="257" r:id="rId3"/>
   </p:sldIdLst>
   <p:sldSz cx="12192000" cy="6858000"/>
   <p:notesSz cx="6858000" cy="9144000"/>
@@ -270,7 +271,7 @@
           <a:p>
             <a:fld id="{AFD70545-F4BF-034F-805E-38B23873274A}" type="datetimeFigureOut">
               <a:rPr lang="nl-NL" smtClean="0"/>
-              <a:t>01-01-2024</a:t>
+              <a:t>02-01-2024</a:t>
             </a:fld>
             <a:endParaRPr lang="nl-NL"/>
           </a:p>
@@ -324,7 +325,7 @@
           <a:p>
             <a:fld id="{A447C935-3684-204B-9CC5-BCCD8DCD3D5D}" type="slidenum">
               <a:rPr lang="nl-NL" smtClean="0"/>
-              <a:t>‹nr.›</a:t>
+              <a:t>‹#›</a:t>
             </a:fld>
             <a:endParaRPr lang="nl-NL"/>
           </a:p>
@@ -468,7 +469,7 @@
           <a:p>
             <a:fld id="{AFD70545-F4BF-034F-805E-38B23873274A}" type="datetimeFigureOut">
               <a:rPr lang="nl-NL" smtClean="0"/>
-              <a:t>01-01-2024</a:t>
+              <a:t>02-01-2024</a:t>
             </a:fld>
             <a:endParaRPr lang="nl-NL"/>
           </a:p>
@@ -522,7 +523,7 @@
           <a:p>
             <a:fld id="{A447C935-3684-204B-9CC5-BCCD8DCD3D5D}" type="slidenum">
               <a:rPr lang="nl-NL" smtClean="0"/>
-              <a:t>‹nr.›</a:t>
+              <a:t>‹#›</a:t>
             </a:fld>
             <a:endParaRPr lang="nl-NL"/>
           </a:p>
@@ -676,7 +677,7 @@
           <a:p>
             <a:fld id="{AFD70545-F4BF-034F-805E-38B23873274A}" type="datetimeFigureOut">
               <a:rPr lang="nl-NL" smtClean="0"/>
-              <a:t>01-01-2024</a:t>
+              <a:t>02-01-2024</a:t>
             </a:fld>
             <a:endParaRPr lang="nl-NL"/>
           </a:p>
@@ -730,7 +731,7 @@
           <a:p>
             <a:fld id="{A447C935-3684-204B-9CC5-BCCD8DCD3D5D}" type="slidenum">
               <a:rPr lang="nl-NL" smtClean="0"/>
-              <a:t>‹nr.›</a:t>
+              <a:t>‹#›</a:t>
             </a:fld>
             <a:endParaRPr lang="nl-NL"/>
           </a:p>
@@ -874,7 +875,7 @@
           <a:p>
             <a:fld id="{AFD70545-F4BF-034F-805E-38B23873274A}" type="datetimeFigureOut">
               <a:rPr lang="nl-NL" smtClean="0"/>
-              <a:t>01-01-2024</a:t>
+              <a:t>02-01-2024</a:t>
             </a:fld>
             <a:endParaRPr lang="nl-NL"/>
           </a:p>
@@ -928,7 +929,7 @@
           <a:p>
             <a:fld id="{A447C935-3684-204B-9CC5-BCCD8DCD3D5D}" type="slidenum">
               <a:rPr lang="nl-NL" smtClean="0"/>
-              <a:t>‹nr.›</a:t>
+              <a:t>‹#›</a:t>
             </a:fld>
             <a:endParaRPr lang="nl-NL"/>
           </a:p>
@@ -1149,7 +1150,7 @@
           <a:p>
             <a:fld id="{AFD70545-F4BF-034F-805E-38B23873274A}" type="datetimeFigureOut">
               <a:rPr lang="nl-NL" smtClean="0"/>
-              <a:t>01-01-2024</a:t>
+              <a:t>02-01-2024</a:t>
             </a:fld>
             <a:endParaRPr lang="nl-NL"/>
           </a:p>
@@ -1203,7 +1204,7 @@
           <a:p>
             <a:fld id="{A447C935-3684-204B-9CC5-BCCD8DCD3D5D}" type="slidenum">
               <a:rPr lang="nl-NL" smtClean="0"/>
-              <a:t>‹nr.›</a:t>
+              <a:t>‹#›</a:t>
             </a:fld>
             <a:endParaRPr lang="nl-NL"/>
           </a:p>
@@ -1414,7 +1415,7 @@
           <a:p>
             <a:fld id="{AFD70545-F4BF-034F-805E-38B23873274A}" type="datetimeFigureOut">
               <a:rPr lang="nl-NL" smtClean="0"/>
-              <a:t>01-01-2024</a:t>
+              <a:t>02-01-2024</a:t>
             </a:fld>
             <a:endParaRPr lang="nl-NL"/>
           </a:p>
@@ -1468,7 +1469,7 @@
           <a:p>
             <a:fld id="{A447C935-3684-204B-9CC5-BCCD8DCD3D5D}" type="slidenum">
               <a:rPr lang="nl-NL" smtClean="0"/>
-              <a:t>‹nr.›</a:t>
+              <a:t>‹#›</a:t>
             </a:fld>
             <a:endParaRPr lang="nl-NL"/>
           </a:p>
@@ -1826,7 +1827,7 @@
           <a:p>
             <a:fld id="{AFD70545-F4BF-034F-805E-38B23873274A}" type="datetimeFigureOut">
               <a:rPr lang="nl-NL" smtClean="0"/>
-              <a:t>01-01-2024</a:t>
+              <a:t>02-01-2024</a:t>
             </a:fld>
             <a:endParaRPr lang="nl-NL"/>
           </a:p>
@@ -1880,7 +1881,7 @@
           <a:p>
             <a:fld id="{A447C935-3684-204B-9CC5-BCCD8DCD3D5D}" type="slidenum">
               <a:rPr lang="nl-NL" smtClean="0"/>
-              <a:t>‹nr.›</a:t>
+              <a:t>‹#›</a:t>
             </a:fld>
             <a:endParaRPr lang="nl-NL"/>
           </a:p>
@@ -1967,7 +1968,7 @@
           <a:p>
             <a:fld id="{AFD70545-F4BF-034F-805E-38B23873274A}" type="datetimeFigureOut">
               <a:rPr lang="nl-NL" smtClean="0"/>
-              <a:t>01-01-2024</a:t>
+              <a:t>02-01-2024</a:t>
             </a:fld>
             <a:endParaRPr lang="nl-NL"/>
           </a:p>
@@ -2021,7 +2022,7 @@
           <a:p>
             <a:fld id="{A447C935-3684-204B-9CC5-BCCD8DCD3D5D}" type="slidenum">
               <a:rPr lang="nl-NL" smtClean="0"/>
-              <a:t>‹nr.›</a:t>
+              <a:t>‹#›</a:t>
             </a:fld>
             <a:endParaRPr lang="nl-NL"/>
           </a:p>
@@ -2080,7 +2081,7 @@
           <a:p>
             <a:fld id="{AFD70545-F4BF-034F-805E-38B23873274A}" type="datetimeFigureOut">
               <a:rPr lang="nl-NL" smtClean="0"/>
-              <a:t>01-01-2024</a:t>
+              <a:t>02-01-2024</a:t>
             </a:fld>
             <a:endParaRPr lang="nl-NL"/>
           </a:p>
@@ -2134,7 +2135,7 @@
           <a:p>
             <a:fld id="{A447C935-3684-204B-9CC5-BCCD8DCD3D5D}" type="slidenum">
               <a:rPr lang="nl-NL" smtClean="0"/>
-              <a:t>‹nr.›</a:t>
+              <a:t>‹#›</a:t>
             </a:fld>
             <a:endParaRPr lang="nl-NL"/>
           </a:p>
@@ -2391,7 +2392,7 @@
           <a:p>
             <a:fld id="{AFD70545-F4BF-034F-805E-38B23873274A}" type="datetimeFigureOut">
               <a:rPr lang="nl-NL" smtClean="0"/>
-              <a:t>01-01-2024</a:t>
+              <a:t>02-01-2024</a:t>
             </a:fld>
             <a:endParaRPr lang="nl-NL"/>
           </a:p>
@@ -2445,7 +2446,7 @@
           <a:p>
             <a:fld id="{A447C935-3684-204B-9CC5-BCCD8DCD3D5D}" type="slidenum">
               <a:rPr lang="nl-NL" smtClean="0"/>
-              <a:t>‹nr.›</a:t>
+              <a:t>‹#›</a:t>
             </a:fld>
             <a:endParaRPr lang="nl-NL"/>
           </a:p>
@@ -2679,7 +2680,7 @@
           <a:p>
             <a:fld id="{AFD70545-F4BF-034F-805E-38B23873274A}" type="datetimeFigureOut">
               <a:rPr lang="nl-NL" smtClean="0"/>
-              <a:t>01-01-2024</a:t>
+              <a:t>02-01-2024</a:t>
             </a:fld>
             <a:endParaRPr lang="nl-NL"/>
           </a:p>
@@ -2733,7 +2734,7 @@
           <a:p>
             <a:fld id="{A447C935-3684-204B-9CC5-BCCD8DCD3D5D}" type="slidenum">
               <a:rPr lang="nl-NL" smtClean="0"/>
-              <a:t>‹nr.›</a:t>
+              <a:t>‹#›</a:t>
             </a:fld>
             <a:endParaRPr lang="nl-NL"/>
           </a:p>
@@ -2920,7 +2921,7 @@
           <a:p>
             <a:fld id="{AFD70545-F4BF-034F-805E-38B23873274A}" type="datetimeFigureOut">
               <a:rPr lang="nl-NL" smtClean="0"/>
-              <a:t>01-01-2024</a:t>
+              <a:t>02-01-2024</a:t>
             </a:fld>
             <a:endParaRPr lang="nl-NL"/>
           </a:p>
@@ -3010,7 +3011,7 @@
           <a:p>
             <a:fld id="{A447C935-3684-204B-9CC5-BCCD8DCD3D5D}" type="slidenum">
               <a:rPr lang="nl-NL" smtClean="0"/>
-              <a:t>‹nr.›</a:t>
+              <a:t>‹#›</a:t>
             </a:fld>
             <a:endParaRPr lang="nl-NL"/>
           </a:p>
@@ -3351,12 +3352,20 @@
         </p:nvSpPr>
         <p:spPr>
           <a:xfrm>
-            <a:off x="5834362" y="4562119"/>
+            <a:off x="5320012" y="3460455"/>
             <a:ext cx="807505" cy="288100"/>
           </a:xfrm>
           <a:prstGeom prst="roundRect">
             <a:avLst/>
           </a:prstGeom>
+          <a:solidFill>
+            <a:srgbClr val="FF0000"/>
+          </a:solidFill>
+          <a:ln>
+            <a:solidFill>
+              <a:schemeClr val="bg1"/>
+            </a:solidFill>
+          </a:ln>
         </p:spPr>
         <p:style>
           <a:lnRef idx="2">
@@ -3401,7 +3410,7 @@
         </p:nvSpPr>
         <p:spPr>
           <a:xfrm>
-            <a:off x="5681726" y="4405061"/>
+            <a:off x="5167376" y="3303397"/>
             <a:ext cx="398387" cy="136070"/>
           </a:xfrm>
           <a:prstGeom prst="roundRect">
@@ -3472,8 +3481,8 @@
         </p:nvSpPr>
         <p:spPr>
           <a:xfrm>
-            <a:off x="5168022" y="3824988"/>
-            <a:ext cx="754090" cy="150407"/>
+            <a:off x="4653672" y="2723324"/>
+            <a:ext cx="754090" cy="180000"/>
           </a:xfrm>
           <a:prstGeom prst="roundRect">
             <a:avLst/>
@@ -3522,7 +3531,7 @@
         </p:nvSpPr>
         <p:spPr>
           <a:xfrm>
-            <a:off x="5436625" y="4073845"/>
+            <a:off x="4922275" y="2972181"/>
             <a:ext cx="562321" cy="136070"/>
           </a:xfrm>
           <a:prstGeom prst="roundRect">
@@ -3579,7 +3588,7 @@
         </p:nvSpPr>
         <p:spPr>
           <a:xfrm>
-            <a:off x="3222314" y="3595216"/>
+            <a:off x="5583233" y="2624546"/>
             <a:ext cx="607968" cy="136574"/>
           </a:xfrm>
           <a:prstGeom prst="roundRect">
@@ -3645,8 +3654,8 @@
         </p:nvCxnSpPr>
         <p:spPr>
           <a:xfrm flipH="1" flipV="1">
-            <a:off x="5545067" y="3975395"/>
-            <a:ext cx="693048" cy="586724"/>
+            <a:off x="5030717" y="2903324"/>
+            <a:ext cx="693048" cy="557131"/>
           </a:xfrm>
           <a:prstGeom prst="straightConnector1">
             <a:avLst/>
@@ -3684,8 +3693,8 @@
         </p:nvSpPr>
         <p:spPr>
           <a:xfrm>
-            <a:off x="8297694" y="4970951"/>
-            <a:ext cx="1623957" cy="288100"/>
+            <a:off x="5422308" y="4156544"/>
+            <a:ext cx="807504" cy="180000"/>
           </a:xfrm>
           <a:prstGeom prst="roundRect">
             <a:avLst/>
@@ -3708,15 +3717,14 @@
           </a:fontRef>
         </p:style>
         <p:txBody>
-          <a:bodyPr lIns="0" tIns="0" rIns="0" bIns="0" rtlCol="0" anchor="ctr"/>
-          <a:lstStyle/>
-          <a:p>
-            <a:pPr algn="ctr"/>
-            <a:r>
-              <a:rPr lang="nl-NL" sz="1200" dirty="0" err="1"/>
+          <a:bodyPr lIns="18000" tIns="0" rIns="0" bIns="0" rtlCol="0" anchor="ctr"/>
+          <a:lstStyle/>
+          <a:p>
+            <a:r>
+              <a:rPr lang="nl-NL" sz="1000" dirty="0" err="1"/>
               <a:t>OppleoConfig</a:t>
             </a:r>
-            <a:endParaRPr lang="nl-NL" sz="1200" dirty="0"/>
+            <a:endParaRPr lang="nl-NL" sz="1000" dirty="0"/>
           </a:p>
         </p:txBody>
       </p:sp>
@@ -3734,8 +3742,8 @@
         </p:nvSpPr>
         <p:spPr>
           <a:xfrm>
-            <a:off x="8297693" y="5713403"/>
-            <a:ext cx="1623957" cy="288100"/>
+            <a:off x="4561783" y="4457084"/>
+            <a:ext cx="1168677" cy="180000"/>
           </a:xfrm>
           <a:prstGeom prst="roundRect">
             <a:avLst/>
@@ -3758,15 +3766,14 @@
           </a:fontRef>
         </p:style>
         <p:txBody>
-          <a:bodyPr lIns="0" tIns="0" rIns="0" bIns="0" rtlCol="0" anchor="ctr"/>
-          <a:lstStyle/>
-          <a:p>
-            <a:pPr algn="ctr"/>
-            <a:r>
-              <a:rPr lang="nl-NL" sz="1200" dirty="0" err="1"/>
+          <a:bodyPr lIns="18000" tIns="0" rIns="0" bIns="0" rtlCol="0" anchor="ctr"/>
+          <a:lstStyle/>
+          <a:p>
+            <a:r>
+              <a:rPr lang="nl-NL" sz="1000" dirty="0" err="1"/>
               <a:t>OppleoSystemConfig</a:t>
             </a:r>
-            <a:endParaRPr lang="nl-NL" sz="1200" dirty="0"/>
+            <a:endParaRPr lang="nl-NL" sz="1000" dirty="0"/>
           </a:p>
         </p:txBody>
       </p:sp>
@@ -3781,15 +3788,15 @@
           </p:cNvPr>
           <p:cNvCxnSpPr>
             <a:cxnSpLocks/>
-            <a:stCxn id="4" idx="3"/>
-            <a:endCxn id="11" idx="1"/>
+            <a:stCxn id="4" idx="2"/>
+            <a:endCxn id="11" idx="0"/>
           </p:cNvCxnSpPr>
           <p:nvPr/>
         </p:nvCxnSpPr>
         <p:spPr>
           <a:xfrm>
-            <a:off x="6641867" y="4706169"/>
-            <a:ext cx="1655827" cy="408832"/>
+            <a:off x="5723765" y="3748555"/>
+            <a:ext cx="102295" cy="407989"/>
           </a:xfrm>
           <a:prstGeom prst="straightConnector1">
             <a:avLst/>
@@ -3824,15 +3831,15 @@
           </p:cNvPr>
           <p:cNvCxnSpPr>
             <a:cxnSpLocks/>
-            <a:stCxn id="4" idx="3"/>
-            <a:endCxn id="12" idx="1"/>
+            <a:stCxn id="4" idx="2"/>
+            <a:endCxn id="12" idx="0"/>
           </p:cNvCxnSpPr>
           <p:nvPr/>
         </p:nvCxnSpPr>
         <p:spPr>
-          <a:xfrm>
-            <a:off x="6641867" y="4706169"/>
-            <a:ext cx="1655826" cy="1151284"/>
+          <a:xfrm flipH="1">
+            <a:off x="5146122" y="3748555"/>
+            <a:ext cx="577643" cy="708529"/>
           </a:xfrm>
           <a:prstGeom prst="straightConnector1">
             <a:avLst/>
@@ -3870,8 +3877,8 @@
         </p:nvSpPr>
         <p:spPr>
           <a:xfrm>
-            <a:off x="4381830" y="4101283"/>
-            <a:ext cx="771122" cy="155155"/>
+            <a:off x="3867480" y="2999619"/>
+            <a:ext cx="771122" cy="180000"/>
           </a:xfrm>
           <a:prstGeom prst="roundRect">
             <a:avLst/>
@@ -3919,8 +3926,8 @@
         </p:nvSpPr>
         <p:spPr>
           <a:xfrm>
-            <a:off x="4381830" y="4295819"/>
-            <a:ext cx="771122" cy="155155"/>
+            <a:off x="3867480" y="3194155"/>
+            <a:ext cx="771122" cy="180000"/>
           </a:xfrm>
           <a:prstGeom prst="roundRect">
             <a:avLst/>
@@ -3972,8 +3979,8 @@
         </p:nvCxnSpPr>
         <p:spPr>
           <a:xfrm flipV="1">
-            <a:off x="4767391" y="3900192"/>
-            <a:ext cx="400631" cy="201091"/>
+            <a:off x="4253041" y="2813324"/>
+            <a:ext cx="400631" cy="186295"/>
           </a:xfrm>
           <a:prstGeom prst="straightConnector1">
             <a:avLst/>
@@ -4009,14 +4016,14 @@
           <p:cNvCxnSpPr>
             <a:cxnSpLocks/>
             <a:stCxn id="4" idx="0"/>
-            <a:endCxn id="27" idx="2"/>
+            <a:endCxn id="27" idx="1"/>
           </p:cNvCxnSpPr>
           <p:nvPr/>
         </p:nvCxnSpPr>
         <p:spPr>
           <a:xfrm flipV="1">
-            <a:off x="6238115" y="2876788"/>
-            <a:ext cx="1821122" cy="1685331"/>
+            <a:off x="5723765" y="2945724"/>
+            <a:ext cx="846087" cy="514731"/>
           </a:xfrm>
           <a:prstGeom prst="straightConnector1">
             <a:avLst/>
@@ -4054,8 +4061,8 @@
         </p:nvSpPr>
         <p:spPr>
           <a:xfrm>
-            <a:off x="7084202" y="2671760"/>
-            <a:ext cx="1950070" cy="205028"/>
+            <a:off x="6569852" y="2843210"/>
+            <a:ext cx="1567995" cy="205028"/>
           </a:xfrm>
           <a:prstGeom prst="roundRect">
             <a:avLst/>
@@ -4083,7 +4090,7 @@
           <a:p>
             <a:pPr algn="ctr"/>
             <a:r>
-              <a:rPr lang="nl-NL" sz="1200" b="0" dirty="0" err="1">
+              <a:rPr lang="nl-NL" sz="1000" b="0" dirty="0" err="1">
                 <a:solidFill>
                   <a:srgbClr val="4EC9B0"/>
                 </a:solidFill>
@@ -4092,7 +4099,7 @@
               </a:rPr>
               <a:t>ChargerHandlerThread</a:t>
             </a:r>
-            <a:endParaRPr lang="nl-NL" sz="1200" dirty="0"/>
+            <a:endParaRPr lang="nl-NL" sz="1000" dirty="0"/>
           </a:p>
         </p:txBody>
       </p:sp>
@@ -4110,7 +4117,7 @@
         </p:nvSpPr>
         <p:spPr>
           <a:xfrm>
-            <a:off x="3908676" y="3898811"/>
+            <a:off x="3394326" y="2797147"/>
             <a:ext cx="506431" cy="147191"/>
           </a:xfrm>
           <a:prstGeom prst="roundRect">
@@ -4172,8 +4179,8 @@
         </p:nvSpPr>
         <p:spPr>
           <a:xfrm>
-            <a:off x="5673151" y="1087611"/>
-            <a:ext cx="3224842" cy="288100"/>
+            <a:off x="3935901" y="1359482"/>
+            <a:ext cx="2307374" cy="180000"/>
           </a:xfrm>
           <a:prstGeom prst="roundRect">
             <a:avLst/>
@@ -4201,7 +4208,7 @@
           <a:p>
             <a:pPr algn="ctr"/>
             <a:r>
-              <a:rPr lang="nl-NL" sz="1200" b="0" dirty="0" err="1">
+              <a:rPr lang="nl-NL" sz="1000" b="0" dirty="0" err="1">
                 <a:solidFill>
                   <a:srgbClr val="4EC9B0"/>
                 </a:solidFill>
@@ -4210,11 +4217,7 @@
               </a:rPr>
               <a:t>MeasureElectricityUsageThread</a:t>
             </a:r>
-            <a:r>
-              <a:rPr lang="nl-NL" sz="1200" dirty="0" err="1"/>
-              <a:t>.py</a:t>
-            </a:r>
-            <a:endParaRPr lang="nl-NL" sz="1200" dirty="0"/>
+            <a:endParaRPr lang="nl-NL" sz="1000" dirty="0"/>
           </a:p>
         </p:txBody>
       </p:sp>
@@ -4235,9 +4238,9 @@
           <p:nvPr/>
         </p:nvCxnSpPr>
         <p:spPr>
-          <a:xfrm flipV="1">
-            <a:off x="6238115" y="1375711"/>
-            <a:ext cx="1047457" cy="3186408"/>
+          <a:xfrm flipH="1" flipV="1">
+            <a:off x="5089588" y="1539482"/>
+            <a:ext cx="634177" cy="1920973"/>
           </a:xfrm>
           <a:prstGeom prst="straightConnector1">
             <a:avLst/>
@@ -4275,7 +4278,7 @@
         </p:nvSpPr>
         <p:spPr>
           <a:xfrm>
-            <a:off x="5694544" y="1400609"/>
+            <a:off x="3880849" y="1572316"/>
             <a:ext cx="1388027" cy="185819"/>
           </a:xfrm>
           <a:prstGeom prst="roundRect">
@@ -4332,7 +4335,7 @@
         </p:nvSpPr>
         <p:spPr>
           <a:xfrm>
-            <a:off x="6990619" y="2460151"/>
+            <a:off x="6476269" y="2631601"/>
             <a:ext cx="1072526" cy="185819"/>
           </a:xfrm>
           <a:prstGeom prst="roundRect">
@@ -4385,10 +4388,10 @@
       </p:sp>
       <p:sp>
         <p:nvSpPr>
-          <p:cNvPr id="42" name="Afgeronde rechthoek 41">
-            <a:extLst>
-              <a:ext uri="{FF2B5EF4-FFF2-40B4-BE49-F238E27FC236}">
-                <a16:creationId xmlns:a16="http://schemas.microsoft.com/office/drawing/2014/main" id="{BC6DDD8F-1567-EF69-EFB8-527D15E167C8}"/>
+          <p:cNvPr id="43" name="Afgeronde rechthoek 42">
+            <a:extLst>
+              <a:ext uri="{FF2B5EF4-FFF2-40B4-BE49-F238E27FC236}">
+                <a16:creationId xmlns:a16="http://schemas.microsoft.com/office/drawing/2014/main" id="{61AB3483-6636-912A-B663-6D94494E1014}"/>
               </a:ext>
             </a:extLst>
           </p:cNvPr>
@@ -4397,13 +4400,179 @@
         </p:nvSpPr>
         <p:spPr>
           <a:xfrm>
-            <a:off x="7008742" y="3299255"/>
-            <a:ext cx="1031998" cy="518034"/>
+            <a:off x="8825519" y="2405741"/>
+            <a:ext cx="699288" cy="180000"/>
           </a:xfrm>
           <a:prstGeom prst="roundRect">
-            <a:avLst>
-              <a:gd name="adj" fmla="val 9268"/>
-            </a:avLst>
+            <a:avLst/>
+          </a:prstGeom>
+        </p:spPr>
+        <p:style>
+          <a:lnRef idx="2">
+            <a:schemeClr val="accent1">
+              <a:shade val="15000"/>
+            </a:schemeClr>
+          </a:lnRef>
+          <a:fillRef idx="1">
+            <a:schemeClr val="accent1"/>
+          </a:fillRef>
+          <a:effectRef idx="0">
+            <a:schemeClr val="accent1"/>
+          </a:effectRef>
+          <a:fontRef idx="minor">
+            <a:schemeClr val="lt1"/>
+          </a:fontRef>
+        </p:style>
+        <p:txBody>
+          <a:bodyPr lIns="0" tIns="0" rIns="0" bIns="0" rtlCol="0" anchor="ctr"/>
+          <a:lstStyle/>
+          <a:p>
+            <a:pPr algn="ctr"/>
+            <a:r>
+              <a:rPr lang="nl-NL" sz="1000" b="0" dirty="0">
+                <a:solidFill>
+                  <a:srgbClr val="4EC9B0"/>
+                </a:solidFill>
+                <a:effectLst/>
+                <a:latin typeface="Menlo" panose="020B0609030804020204" pitchFamily="49" charset="0"/>
+              </a:rPr>
+              <a:t>Buzzer</a:t>
+            </a:r>
+            <a:endParaRPr lang="nl-NL" sz="1000" dirty="0"/>
+          </a:p>
+        </p:txBody>
+      </p:sp>
+      <p:sp>
+        <p:nvSpPr>
+          <p:cNvPr id="44" name="Afgeronde rechthoek 43">
+            <a:extLst>
+              <a:ext uri="{FF2B5EF4-FFF2-40B4-BE49-F238E27FC236}">
+                <a16:creationId xmlns:a16="http://schemas.microsoft.com/office/drawing/2014/main" id="{97F659BB-3962-213C-A82B-158D61431337}"/>
+              </a:ext>
+            </a:extLst>
+          </p:cNvPr>
+          <p:cNvSpPr/>
+          <p:nvPr/>
+        </p:nvSpPr>
+        <p:spPr>
+          <a:xfrm>
+            <a:off x="10766035" y="5067336"/>
+            <a:ext cx="944369" cy="180000"/>
+          </a:xfrm>
+          <a:prstGeom prst="roundRect">
+            <a:avLst/>
+          </a:prstGeom>
+        </p:spPr>
+        <p:style>
+          <a:lnRef idx="2">
+            <a:schemeClr val="accent1">
+              <a:shade val="15000"/>
+            </a:schemeClr>
+          </a:lnRef>
+          <a:fillRef idx="1">
+            <a:schemeClr val="accent1"/>
+          </a:fillRef>
+          <a:effectRef idx="0">
+            <a:schemeClr val="accent1"/>
+          </a:effectRef>
+          <a:fontRef idx="minor">
+            <a:schemeClr val="lt1"/>
+          </a:fontRef>
+        </p:style>
+        <p:txBody>
+          <a:bodyPr lIns="0" tIns="0" rIns="0" bIns="0" rtlCol="0" anchor="ctr"/>
+          <a:lstStyle/>
+          <a:p>
+            <a:pPr algn="ctr"/>
+            <a:r>
+              <a:rPr lang="nl-NL" sz="1000" b="0" dirty="0" err="1">
+                <a:solidFill>
+                  <a:srgbClr val="4EC9B0"/>
+                </a:solidFill>
+                <a:effectLst/>
+                <a:latin typeface="Menlo" panose="020B0609030804020204" pitchFamily="49" charset="0"/>
+              </a:rPr>
+              <a:t>EvseOutput</a:t>
+            </a:r>
+            <a:endParaRPr lang="nl-NL" sz="1000" dirty="0"/>
+          </a:p>
+        </p:txBody>
+      </p:sp>
+      <p:sp>
+        <p:nvSpPr>
+          <p:cNvPr id="45" name="Afgeronde rechthoek 44">
+            <a:extLst>
+              <a:ext uri="{FF2B5EF4-FFF2-40B4-BE49-F238E27FC236}">
+                <a16:creationId xmlns:a16="http://schemas.microsoft.com/office/drawing/2014/main" id="{60BF48E0-B691-DC57-C610-F85AE7AA0048}"/>
+              </a:ext>
+            </a:extLst>
+          </p:cNvPr>
+          <p:cNvSpPr/>
+          <p:nvPr/>
+        </p:nvSpPr>
+        <p:spPr>
+          <a:xfrm>
+            <a:off x="8816259" y="3266535"/>
+            <a:ext cx="944369" cy="180000"/>
+          </a:xfrm>
+          <a:prstGeom prst="roundRect">
+            <a:avLst/>
+          </a:prstGeom>
+        </p:spPr>
+        <p:style>
+          <a:lnRef idx="2">
+            <a:schemeClr val="accent1">
+              <a:shade val="15000"/>
+            </a:schemeClr>
+          </a:lnRef>
+          <a:fillRef idx="1">
+            <a:schemeClr val="accent1"/>
+          </a:fillRef>
+          <a:effectRef idx="0">
+            <a:schemeClr val="accent1"/>
+          </a:effectRef>
+          <a:fontRef idx="minor">
+            <a:schemeClr val="lt1"/>
+          </a:fontRef>
+        </p:style>
+        <p:txBody>
+          <a:bodyPr lIns="0" tIns="0" rIns="0" bIns="0" rtlCol="0" anchor="ctr"/>
+          <a:lstStyle/>
+          <a:p>
+            <a:pPr algn="ctr"/>
+            <a:r>
+              <a:rPr lang="nl-NL" sz="1000" b="0" dirty="0" err="1">
+                <a:solidFill>
+                  <a:srgbClr val="4EC9B0"/>
+                </a:solidFill>
+                <a:effectLst/>
+                <a:latin typeface="Menlo" panose="020B0609030804020204" pitchFamily="49" charset="0"/>
+              </a:rPr>
+              <a:t>EvseReader</a:t>
+            </a:r>
+            <a:endParaRPr lang="nl-NL" sz="1000" dirty="0"/>
+          </a:p>
+        </p:txBody>
+      </p:sp>
+      <p:sp>
+        <p:nvSpPr>
+          <p:cNvPr id="46" name="Afgeronde rechthoek 45">
+            <a:extLst>
+              <a:ext uri="{FF2B5EF4-FFF2-40B4-BE49-F238E27FC236}">
+                <a16:creationId xmlns:a16="http://schemas.microsoft.com/office/drawing/2014/main" id="{E2E03B20-F87C-8EB1-DC6D-A99655721F69}"/>
+              </a:ext>
+            </a:extLst>
+          </p:cNvPr>
+          <p:cNvSpPr/>
+          <p:nvPr/>
+        </p:nvSpPr>
+        <p:spPr>
+          <a:xfrm>
+            <a:off x="10644108" y="2401139"/>
+            <a:ext cx="376419" cy="185819"/>
+          </a:xfrm>
+          <a:prstGeom prst="roundRect">
+            <a:avLst/>
           </a:prstGeom>
           <a:noFill/>
           <a:ln>
@@ -4430,75 +4599,401 @@
           <a:bodyPr lIns="0" tIns="0" rIns="0" bIns="0" rtlCol="0" anchor="ctr"/>
           <a:lstStyle/>
           <a:p>
-            <a:r>
-              <a:rPr lang="nl-NL" sz="1000" b="0" dirty="0">
+            <a:pPr algn="ctr"/>
+            <a:r>
+              <a:rPr lang="nl-NL" sz="1200" dirty="0">
+                <a:solidFill>
+                  <a:schemeClr val="tx1"/>
+                </a:solidFill>
+              </a:rPr>
+              <a:t>Beep</a:t>
+            </a:r>
+          </a:p>
+        </p:txBody>
+      </p:sp>
+      <p:sp>
+        <p:nvSpPr>
+          <p:cNvPr id="47" name="Afgeronde rechthoek 46">
+            <a:extLst>
+              <a:ext uri="{FF2B5EF4-FFF2-40B4-BE49-F238E27FC236}">
+                <a16:creationId xmlns:a16="http://schemas.microsoft.com/office/drawing/2014/main" id="{E17331CE-FC5F-3CD0-2B54-9EBB9636C582}"/>
+              </a:ext>
+            </a:extLst>
+          </p:cNvPr>
+          <p:cNvSpPr/>
+          <p:nvPr/>
+        </p:nvSpPr>
+        <p:spPr>
+          <a:xfrm>
+            <a:off x="10922215" y="5248405"/>
+            <a:ext cx="944369" cy="185819"/>
+          </a:xfrm>
+          <a:prstGeom prst="roundRect">
+            <a:avLst/>
+          </a:prstGeom>
+          <a:noFill/>
+          <a:ln>
+            <a:noFill/>
+          </a:ln>
+        </p:spPr>
+        <p:style>
+          <a:lnRef idx="2">
+            <a:schemeClr val="accent1">
+              <a:shade val="15000"/>
+            </a:schemeClr>
+          </a:lnRef>
+          <a:fillRef idx="1">
+            <a:schemeClr val="accent1"/>
+          </a:fillRef>
+          <a:effectRef idx="0">
+            <a:schemeClr val="accent1"/>
+          </a:effectRef>
+          <a:fontRef idx="minor">
+            <a:schemeClr val="lt1"/>
+          </a:fontRef>
+        </p:style>
+        <p:txBody>
+          <a:bodyPr lIns="0" tIns="0" rIns="0" bIns="0" rtlCol="0" anchor="ctr"/>
+          <a:lstStyle/>
+          <a:p>
+            <a:r>
+              <a:rPr lang="nl-NL" sz="700" i="1" dirty="0" err="1">
+                <a:solidFill>
+                  <a:schemeClr val="tx1"/>
+                </a:solidFill>
+              </a:rPr>
+              <a:t>Enable</a:t>
+            </a:r>
+            <a:r>
+              <a:rPr lang="nl-NL" sz="700" i="1" dirty="0">
+                <a:solidFill>
+                  <a:schemeClr val="tx1"/>
+                </a:solidFill>
+              </a:rPr>
+              <a:t> EVSE (GPIO pin)</a:t>
+            </a:r>
+          </a:p>
+        </p:txBody>
+      </p:sp>
+      <p:sp>
+        <p:nvSpPr>
+          <p:cNvPr id="48" name="Afgeronde rechthoek 47">
+            <a:extLst>
+              <a:ext uri="{FF2B5EF4-FFF2-40B4-BE49-F238E27FC236}">
+                <a16:creationId xmlns:a16="http://schemas.microsoft.com/office/drawing/2014/main" id="{879B81FA-76EF-2561-45A0-306BB572460D}"/>
+              </a:ext>
+            </a:extLst>
+          </p:cNvPr>
+          <p:cNvSpPr/>
+          <p:nvPr/>
+        </p:nvSpPr>
+        <p:spPr>
+          <a:xfrm>
+            <a:off x="9972859" y="3120518"/>
+            <a:ext cx="1267408" cy="143538"/>
+          </a:xfrm>
+          <a:prstGeom prst="roundRect">
+            <a:avLst/>
+          </a:prstGeom>
+          <a:noFill/>
+          <a:ln>
+            <a:noFill/>
+          </a:ln>
+        </p:spPr>
+        <p:style>
+          <a:lnRef idx="2">
+            <a:schemeClr val="accent1">
+              <a:shade val="15000"/>
+            </a:schemeClr>
+          </a:lnRef>
+          <a:fillRef idx="1">
+            <a:schemeClr val="accent1"/>
+          </a:fillRef>
+          <a:effectRef idx="0">
+            <a:schemeClr val="accent1"/>
+          </a:effectRef>
+          <a:fontRef idx="minor">
+            <a:schemeClr val="lt1"/>
+          </a:fontRef>
+        </p:style>
+        <p:txBody>
+          <a:bodyPr lIns="0" tIns="0" rIns="0" bIns="0" rtlCol="0" anchor="ctr"/>
+          <a:lstStyle/>
+          <a:p>
+            <a:r>
+              <a:rPr lang="nl-NL" sz="700" i="1" dirty="0" err="1">
+                <a:solidFill>
+                  <a:schemeClr val="tx1"/>
+                </a:solidFill>
+              </a:rPr>
+              <a:t>Detect</a:t>
+            </a:r>
+            <a:r>
+              <a:rPr lang="nl-NL" sz="700" i="1" dirty="0">
+                <a:solidFill>
+                  <a:schemeClr val="tx1"/>
+                </a:solidFill>
+              </a:rPr>
+              <a:t> EVSE LED</a:t>
+            </a:r>
+          </a:p>
+        </p:txBody>
+      </p:sp>
+      <p:cxnSp>
+        <p:nvCxnSpPr>
+          <p:cNvPr id="49" name="Rechte verbindingslijn met pijl 48">
+            <a:extLst>
+              <a:ext uri="{FF2B5EF4-FFF2-40B4-BE49-F238E27FC236}">
+                <a16:creationId xmlns:a16="http://schemas.microsoft.com/office/drawing/2014/main" id="{FA0B9828-B3BC-0E2F-DCEF-4D59112FFA7A}"/>
+              </a:ext>
+            </a:extLst>
+          </p:cNvPr>
+          <p:cNvCxnSpPr>
+            <a:cxnSpLocks/>
+            <a:stCxn id="27" idx="3"/>
+            <a:endCxn id="43" idx="1"/>
+          </p:cNvCxnSpPr>
+          <p:nvPr/>
+        </p:nvCxnSpPr>
+        <p:spPr>
+          <a:xfrm flipV="1">
+            <a:off x="8137847" y="2495741"/>
+            <a:ext cx="687672" cy="449983"/>
+          </a:xfrm>
+          <a:prstGeom prst="straightConnector1">
+            <a:avLst/>
+          </a:prstGeom>
+          <a:ln>
+            <a:tailEnd type="triangle"/>
+          </a:ln>
+        </p:spPr>
+        <p:style>
+          <a:lnRef idx="1">
+            <a:schemeClr val="accent1"/>
+          </a:lnRef>
+          <a:fillRef idx="0">
+            <a:schemeClr val="accent1"/>
+          </a:fillRef>
+          <a:effectRef idx="0">
+            <a:schemeClr val="accent1"/>
+          </a:effectRef>
+          <a:fontRef idx="minor">
+            <a:schemeClr val="tx1"/>
+          </a:fontRef>
+        </p:style>
+      </p:cxnSp>
+      <p:cxnSp>
+        <p:nvCxnSpPr>
+          <p:cNvPr id="55" name="Rechte verbindingslijn met pijl 54">
+            <a:extLst>
+              <a:ext uri="{FF2B5EF4-FFF2-40B4-BE49-F238E27FC236}">
+                <a16:creationId xmlns:a16="http://schemas.microsoft.com/office/drawing/2014/main" id="{7E5228A3-33BC-DF51-60DB-CC2D6BF4630B}"/>
+              </a:ext>
+            </a:extLst>
+          </p:cNvPr>
+          <p:cNvCxnSpPr>
+            <a:cxnSpLocks/>
+            <a:stCxn id="27" idx="3"/>
+            <a:endCxn id="45" idx="1"/>
+          </p:cNvCxnSpPr>
+          <p:nvPr/>
+        </p:nvCxnSpPr>
+        <p:spPr>
+          <a:xfrm>
+            <a:off x="8137847" y="2945724"/>
+            <a:ext cx="678412" cy="410811"/>
+          </a:xfrm>
+          <a:prstGeom prst="straightConnector1">
+            <a:avLst/>
+          </a:prstGeom>
+          <a:ln>
+            <a:tailEnd type="triangle"/>
+          </a:ln>
+        </p:spPr>
+        <p:style>
+          <a:lnRef idx="1">
+            <a:schemeClr val="accent1"/>
+          </a:lnRef>
+          <a:fillRef idx="0">
+            <a:schemeClr val="accent1"/>
+          </a:fillRef>
+          <a:effectRef idx="0">
+            <a:schemeClr val="accent1"/>
+          </a:effectRef>
+          <a:fontRef idx="minor">
+            <a:schemeClr val="tx1"/>
+          </a:fontRef>
+        </p:style>
+      </p:cxnSp>
+      <p:sp>
+        <p:nvSpPr>
+          <p:cNvPr id="60" name="Afgeronde rechthoek 59">
+            <a:extLst>
+              <a:ext uri="{FF2B5EF4-FFF2-40B4-BE49-F238E27FC236}">
+                <a16:creationId xmlns:a16="http://schemas.microsoft.com/office/drawing/2014/main" id="{54793530-AB3A-FD05-F332-D0E12D8FA196}"/>
+              </a:ext>
+            </a:extLst>
+          </p:cNvPr>
+          <p:cNvSpPr/>
+          <p:nvPr/>
+        </p:nvSpPr>
+        <p:spPr>
+          <a:xfrm>
+            <a:off x="8762475" y="4732943"/>
+            <a:ext cx="1746488" cy="180000"/>
+          </a:xfrm>
+          <a:prstGeom prst="roundRect">
+            <a:avLst/>
+          </a:prstGeom>
+        </p:spPr>
+        <p:style>
+          <a:lnRef idx="2">
+            <a:schemeClr val="accent1">
+              <a:shade val="15000"/>
+            </a:schemeClr>
+          </a:lnRef>
+          <a:fillRef idx="1">
+            <a:schemeClr val="accent1"/>
+          </a:fillRef>
+          <a:effectRef idx="0">
+            <a:schemeClr val="accent1"/>
+          </a:effectRef>
+          <a:fontRef idx="minor">
+            <a:schemeClr val="lt1"/>
+          </a:fontRef>
+        </p:style>
+        <p:txBody>
+          <a:bodyPr lIns="0" tIns="0" rIns="0" bIns="0" rtlCol="0" anchor="ctr"/>
+          <a:lstStyle/>
+          <a:p>
+            <a:pPr algn="ctr"/>
+            <a:r>
+              <a:rPr lang="nl-NL" sz="1000" b="0" dirty="0" err="1">
                 <a:solidFill>
                   <a:srgbClr val="4EC9B0"/>
                 </a:solidFill>
                 <a:effectLst/>
                 <a:latin typeface="Menlo" panose="020B0609030804020204" pitchFamily="49" charset="0"/>
               </a:rPr>
-              <a:t>Buzzer()</a:t>
-            </a:r>
-            <a:endParaRPr lang="nl-NL" sz="1000" b="0" dirty="0">
-              <a:solidFill>
-                <a:srgbClr val="CCCCCC"/>
-              </a:solidFill>
-              <a:effectLst/>
-              <a:latin typeface="Menlo" panose="020B0609030804020204" pitchFamily="49" charset="0"/>
-            </a:endParaRPr>
-          </a:p>
-          <a:p>
-            <a:r>
-              <a:rPr lang="nl-NL" sz="1000" b="0" dirty="0" err="1">
-                <a:solidFill>
-                  <a:srgbClr val="4EC9B0"/>
-                </a:solidFill>
-                <a:effectLst/>
-                <a:latin typeface="Menlo" panose="020B0609030804020204" pitchFamily="49" charset="0"/>
-              </a:rPr>
-              <a:t>EvseOutput</a:t>
-            </a:r>
-            <a:r>
-              <a:rPr lang="nl-NL" sz="1000" b="0" dirty="0">
-                <a:solidFill>
-                  <a:srgbClr val="4EC9B0"/>
-                </a:solidFill>
-                <a:effectLst/>
-                <a:latin typeface="Menlo" panose="020B0609030804020204" pitchFamily="49" charset="0"/>
-              </a:rPr>
-              <a:t>()</a:t>
-            </a:r>
-            <a:endParaRPr lang="nl-NL" sz="1000" b="0" dirty="0">
-              <a:solidFill>
-                <a:srgbClr val="CCCCCC"/>
-              </a:solidFill>
-              <a:effectLst/>
-              <a:latin typeface="Menlo" panose="020B0609030804020204" pitchFamily="49" charset="0"/>
-            </a:endParaRPr>
-          </a:p>
-          <a:p>
-            <a:r>
-              <a:rPr lang="nl-NL" sz="1000" b="0" dirty="0" err="1">
-                <a:solidFill>
-                  <a:srgbClr val="4EC9B0"/>
-                </a:solidFill>
-                <a:effectLst/>
-                <a:latin typeface="Menlo" panose="020B0609030804020204" pitchFamily="49" charset="0"/>
-              </a:rPr>
-              <a:t>EvseReader</a:t>
-            </a:r>
-            <a:r>
-              <a:rPr lang="nl-NL" sz="1000" b="0" dirty="0">
-                <a:solidFill>
-                  <a:srgbClr val="4EC9B0"/>
-                </a:solidFill>
-                <a:effectLst/>
-                <a:latin typeface="Menlo" panose="020B0609030804020204" pitchFamily="49" charset="0"/>
-              </a:rPr>
-              <a:t>()</a:t>
-            </a:r>
-            <a:endParaRPr lang="nl-NL" sz="1000" dirty="0">
+              <a:t>PeakHoursMonitorThread</a:t>
+            </a:r>
+            <a:endParaRPr lang="nl-NL" sz="1000" dirty="0"/>
+          </a:p>
+        </p:txBody>
+      </p:sp>
+      <p:cxnSp>
+        <p:nvCxnSpPr>
+          <p:cNvPr id="61" name="Rechte verbindingslijn met pijl 60">
+            <a:extLst>
+              <a:ext uri="{FF2B5EF4-FFF2-40B4-BE49-F238E27FC236}">
+                <a16:creationId xmlns:a16="http://schemas.microsoft.com/office/drawing/2014/main" id="{BF21BA38-3C02-35C4-19D1-24555A3BB219}"/>
+              </a:ext>
+            </a:extLst>
+          </p:cNvPr>
+          <p:cNvCxnSpPr>
+            <a:cxnSpLocks/>
+            <a:stCxn id="4" idx="3"/>
+            <a:endCxn id="60" idx="1"/>
+          </p:cNvCxnSpPr>
+          <p:nvPr/>
+        </p:nvCxnSpPr>
+        <p:spPr>
+          <a:xfrm>
+            <a:off x="6127517" y="3604505"/>
+            <a:ext cx="2634958" cy="1218438"/>
+          </a:xfrm>
+          <a:prstGeom prst="straightConnector1">
+            <a:avLst/>
+          </a:prstGeom>
+          <a:ln>
+            <a:tailEnd type="triangle"/>
+          </a:ln>
+        </p:spPr>
+        <p:style>
+          <a:lnRef idx="1">
+            <a:schemeClr val="accent1"/>
+          </a:lnRef>
+          <a:fillRef idx="0">
+            <a:schemeClr val="accent1"/>
+          </a:fillRef>
+          <a:effectRef idx="0">
+            <a:schemeClr val="accent1"/>
+          </a:effectRef>
+          <a:fontRef idx="minor">
+            <a:schemeClr val="tx1"/>
+          </a:fontRef>
+        </p:style>
+      </p:cxnSp>
+      <p:sp>
+        <p:nvSpPr>
+          <p:cNvPr id="64" name="Afgeronde rechthoek 63">
+            <a:extLst>
+              <a:ext uri="{FF2B5EF4-FFF2-40B4-BE49-F238E27FC236}">
+                <a16:creationId xmlns:a16="http://schemas.microsoft.com/office/drawing/2014/main" id="{7ABD18D0-00A1-AD1D-B2DC-A5FEA7EEA414}"/>
+              </a:ext>
+            </a:extLst>
+          </p:cNvPr>
+          <p:cNvSpPr/>
+          <p:nvPr/>
+        </p:nvSpPr>
+        <p:spPr>
+          <a:xfrm>
+            <a:off x="8344866" y="4835298"/>
+            <a:ext cx="334163" cy="234138"/>
+          </a:xfrm>
+          <a:prstGeom prst="roundRect">
+            <a:avLst/>
+          </a:prstGeom>
+          <a:noFill/>
+          <a:ln>
+            <a:noFill/>
+          </a:ln>
+        </p:spPr>
+        <p:style>
+          <a:lnRef idx="2">
+            <a:schemeClr val="accent1">
+              <a:shade val="15000"/>
+            </a:schemeClr>
+          </a:lnRef>
+          <a:fillRef idx="1">
+            <a:schemeClr val="accent1"/>
+          </a:fillRef>
+          <a:effectRef idx="0">
+            <a:schemeClr val="accent1"/>
+          </a:effectRef>
+          <a:fontRef idx="minor">
+            <a:schemeClr val="lt1"/>
+          </a:fontRef>
+        </p:style>
+        <p:txBody>
+          <a:bodyPr lIns="0" tIns="0" rIns="0" bIns="0" rtlCol="0" anchor="ctr"/>
+          <a:lstStyle/>
+          <a:p>
+            <a:r>
+              <a:rPr lang="nl-NL" sz="700" i="1" dirty="0" err="1">
+                <a:solidFill>
+                  <a:schemeClr val="tx1"/>
+                </a:solidFill>
+              </a:rPr>
+              <a:t>Detect</a:t>
+            </a:r>
+            <a:r>
+              <a:rPr lang="nl-NL" sz="700" i="1" dirty="0">
+                <a:solidFill>
+                  <a:schemeClr val="tx1"/>
+                </a:solidFill>
+              </a:rPr>
+              <a:t> </a:t>
+            </a:r>
+            <a:r>
+              <a:rPr lang="nl-NL" sz="700" i="1" dirty="0" err="1">
+                <a:solidFill>
+                  <a:schemeClr val="tx1"/>
+                </a:solidFill>
+              </a:rPr>
+              <a:t>offpeak</a:t>
+            </a:r>
+            <a:endParaRPr lang="nl-NL" sz="700" i="1" dirty="0">
               <a:solidFill>
                 <a:schemeClr val="tx1"/>
               </a:solidFill>
@@ -4506,12 +5001,55 @@
           </a:p>
         </p:txBody>
       </p:sp>
-      <p:sp>
-        <p:nvSpPr>
-          <p:cNvPr id="43" name="Afgeronde rechthoek 42">
-            <a:extLst>
-              <a:ext uri="{FF2B5EF4-FFF2-40B4-BE49-F238E27FC236}">
-                <a16:creationId xmlns:a16="http://schemas.microsoft.com/office/drawing/2014/main" id="{61AB3483-6636-912A-B663-6D94494E1014}"/>
+      <p:cxnSp>
+        <p:nvCxnSpPr>
+          <p:cNvPr id="66" name="Rechte verbindingslijn met pijl 65">
+            <a:extLst>
+              <a:ext uri="{FF2B5EF4-FFF2-40B4-BE49-F238E27FC236}">
+                <a16:creationId xmlns:a16="http://schemas.microsoft.com/office/drawing/2014/main" id="{998282CD-1A64-E4CF-9D84-F808094FBB39}"/>
+              </a:ext>
+            </a:extLst>
+          </p:cNvPr>
+          <p:cNvCxnSpPr>
+            <a:cxnSpLocks/>
+            <a:stCxn id="133" idx="1"/>
+            <a:endCxn id="445" idx="2"/>
+          </p:cNvCxnSpPr>
+          <p:nvPr/>
+        </p:nvCxnSpPr>
+        <p:spPr>
+          <a:xfrm flipH="1" flipV="1">
+            <a:off x="3714242" y="742466"/>
+            <a:ext cx="867479" cy="248527"/>
+          </a:xfrm>
+          <a:prstGeom prst="straightConnector1">
+            <a:avLst/>
+          </a:prstGeom>
+          <a:ln>
+            <a:tailEnd type="triangle"/>
+          </a:ln>
+        </p:spPr>
+        <p:style>
+          <a:lnRef idx="1">
+            <a:schemeClr val="accent1"/>
+          </a:lnRef>
+          <a:fillRef idx="0">
+            <a:schemeClr val="accent1"/>
+          </a:fillRef>
+          <a:effectRef idx="0">
+            <a:schemeClr val="accent1"/>
+          </a:effectRef>
+          <a:fontRef idx="minor">
+            <a:schemeClr val="tx1"/>
+          </a:fontRef>
+        </p:style>
+      </p:cxnSp>
+      <p:sp>
+        <p:nvSpPr>
+          <p:cNvPr id="71" name="Afgeronde rechthoek 70">
+            <a:extLst>
+              <a:ext uri="{FF2B5EF4-FFF2-40B4-BE49-F238E27FC236}">
+                <a16:creationId xmlns:a16="http://schemas.microsoft.com/office/drawing/2014/main" id="{71977BE4-2D27-370E-B0B4-91C6E9AF3C74}"/>
               </a:ext>
             </a:extLst>
           </p:cNvPr>
@@ -4520,8 +5058,8 @@
         </p:nvSpPr>
         <p:spPr>
           <a:xfrm>
-            <a:off x="9269159" y="1676621"/>
-            <a:ext cx="869684" cy="190844"/>
+            <a:off x="8735499" y="5839652"/>
+            <a:ext cx="949845" cy="180000"/>
           </a:xfrm>
           <a:prstGeom prst="roundRect">
             <a:avLst/>
@@ -4549,29 +5087,25 @@
           <a:p>
             <a:pPr algn="ctr"/>
             <a:r>
-              <a:rPr lang="nl-NL" sz="1200" b="0" dirty="0" err="1">
+              <a:rPr lang="nl-NL" sz="1000" b="0" dirty="0" err="1">
                 <a:solidFill>
                   <a:srgbClr val="4EC9B0"/>
                 </a:solidFill>
                 <a:effectLst/>
                 <a:latin typeface="Menlo" panose="020B0609030804020204" pitchFamily="49" charset="0"/>
               </a:rPr>
-              <a:t>Buzzer</a:t>
-            </a:r>
-            <a:r>
-              <a:rPr lang="nl-NL" sz="1200" dirty="0" err="1"/>
-              <a:t>.py</a:t>
-            </a:r>
-            <a:endParaRPr lang="nl-NL" sz="1200" dirty="0"/>
-          </a:p>
-        </p:txBody>
-      </p:sp>
-      <p:sp>
-        <p:nvSpPr>
-          <p:cNvPr id="44" name="Afgeronde rechthoek 43">
-            <a:extLst>
-              <a:ext uri="{FF2B5EF4-FFF2-40B4-BE49-F238E27FC236}">
-                <a16:creationId xmlns:a16="http://schemas.microsoft.com/office/drawing/2014/main" id="{97F659BB-3962-213C-A82B-158D61431337}"/>
+              <a:t>BackupUtil</a:t>
+            </a:r>
+            <a:endParaRPr lang="nl-NL" sz="1000" dirty="0"/>
+          </a:p>
+        </p:txBody>
+      </p:sp>
+      <p:sp>
+        <p:nvSpPr>
+          <p:cNvPr id="72" name="Afgeronde rechthoek 71">
+            <a:extLst>
+              <a:ext uri="{FF2B5EF4-FFF2-40B4-BE49-F238E27FC236}">
+                <a16:creationId xmlns:a16="http://schemas.microsoft.com/office/drawing/2014/main" id="{FD48E30B-3D41-7C64-EEB0-8E1B809BE639}"/>
               </a:ext>
             </a:extLst>
           </p:cNvPr>
@@ -4580,12 +5114,16 @@
         </p:nvSpPr>
         <p:spPr>
           <a:xfrm>
-            <a:off x="9484653" y="1929017"/>
-            <a:ext cx="1174484" cy="190844"/>
+            <a:off x="8333965" y="5952367"/>
+            <a:ext cx="379877" cy="206559"/>
           </a:xfrm>
           <a:prstGeom prst="roundRect">
             <a:avLst/>
           </a:prstGeom>
+          <a:noFill/>
+          <a:ln>
+            <a:noFill/>
+          </a:ln>
         </p:spPr>
         <p:style>
           <a:lnRef idx="2">
@@ -4607,574 +5145,31 @@
           <a:bodyPr lIns="0" tIns="0" rIns="0" bIns="0" rtlCol="0" anchor="ctr"/>
           <a:lstStyle/>
           <a:p>
-            <a:pPr algn="ctr"/>
-            <a:r>
-              <a:rPr lang="nl-NL" sz="1200" b="0" dirty="0" err="1">
-                <a:solidFill>
-                  <a:srgbClr val="4EC9B0"/>
-                </a:solidFill>
-                <a:effectLst/>
-                <a:latin typeface="Menlo" panose="020B0609030804020204" pitchFamily="49" charset="0"/>
-              </a:rPr>
-              <a:t>EvseOutput</a:t>
-            </a:r>
-            <a:r>
-              <a:rPr lang="nl-NL" sz="1200" dirty="0" err="1"/>
-              <a:t>.py</a:t>
-            </a:r>
-            <a:endParaRPr lang="nl-NL" sz="1200" dirty="0"/>
-          </a:p>
-        </p:txBody>
-      </p:sp>
-      <p:sp>
-        <p:nvSpPr>
-          <p:cNvPr id="45" name="Afgeronde rechthoek 44">
-            <a:extLst>
-              <a:ext uri="{FF2B5EF4-FFF2-40B4-BE49-F238E27FC236}">
-                <a16:creationId xmlns:a16="http://schemas.microsoft.com/office/drawing/2014/main" id="{60BF48E0-B691-DC57-C610-F85AE7AA0048}"/>
-              </a:ext>
-            </a:extLst>
-          </p:cNvPr>
-          <p:cNvSpPr/>
-          <p:nvPr/>
-        </p:nvSpPr>
-        <p:spPr>
-          <a:xfrm>
-            <a:off x="9704001" y="2188652"/>
-            <a:ext cx="1174484" cy="190844"/>
-          </a:xfrm>
-          <a:prstGeom prst="roundRect">
-            <a:avLst/>
-          </a:prstGeom>
-        </p:spPr>
-        <p:style>
-          <a:lnRef idx="2">
-            <a:schemeClr val="accent1">
-              <a:shade val="15000"/>
-            </a:schemeClr>
-          </a:lnRef>
-          <a:fillRef idx="1">
-            <a:schemeClr val="accent1"/>
-          </a:fillRef>
-          <a:effectRef idx="0">
-            <a:schemeClr val="accent1"/>
-          </a:effectRef>
-          <a:fontRef idx="minor">
-            <a:schemeClr val="lt1"/>
-          </a:fontRef>
-        </p:style>
-        <p:txBody>
-          <a:bodyPr lIns="0" tIns="0" rIns="0" bIns="0" rtlCol="0" anchor="ctr"/>
-          <a:lstStyle/>
-          <a:p>
-            <a:pPr algn="ctr"/>
-            <a:r>
-              <a:rPr lang="nl-NL" sz="1200" b="0" dirty="0" err="1">
-                <a:solidFill>
-                  <a:srgbClr val="4EC9B0"/>
-                </a:solidFill>
-                <a:effectLst/>
-                <a:latin typeface="Menlo" panose="020B0609030804020204" pitchFamily="49" charset="0"/>
-              </a:rPr>
-              <a:t>EvseReader</a:t>
-            </a:r>
-            <a:r>
-              <a:rPr lang="nl-NL" sz="1200" dirty="0" err="1"/>
-              <a:t>.py</a:t>
-            </a:r>
-            <a:endParaRPr lang="nl-NL" sz="1200" dirty="0"/>
-          </a:p>
-        </p:txBody>
-      </p:sp>
-      <p:sp>
-        <p:nvSpPr>
-          <p:cNvPr id="46" name="Afgeronde rechthoek 45">
-            <a:extLst>
-              <a:ext uri="{FF2B5EF4-FFF2-40B4-BE49-F238E27FC236}">
-                <a16:creationId xmlns:a16="http://schemas.microsoft.com/office/drawing/2014/main" id="{E2E03B20-F87C-8EB1-DC6D-A99655721F69}"/>
-              </a:ext>
-            </a:extLst>
-          </p:cNvPr>
-          <p:cNvSpPr/>
-          <p:nvPr/>
-        </p:nvSpPr>
-        <p:spPr>
-          <a:xfrm>
-            <a:off x="10103458" y="1522159"/>
-            <a:ext cx="504575" cy="185819"/>
-          </a:xfrm>
-          <a:prstGeom prst="roundRect">
-            <a:avLst/>
-          </a:prstGeom>
-          <a:noFill/>
-          <a:ln>
-            <a:noFill/>
-          </a:ln>
-        </p:spPr>
-        <p:style>
-          <a:lnRef idx="2">
-            <a:schemeClr val="accent1">
-              <a:shade val="15000"/>
-            </a:schemeClr>
-          </a:lnRef>
-          <a:fillRef idx="1">
-            <a:schemeClr val="accent1"/>
-          </a:fillRef>
-          <a:effectRef idx="0">
-            <a:schemeClr val="accent1"/>
-          </a:effectRef>
-          <a:fontRef idx="minor">
-            <a:schemeClr val="lt1"/>
-          </a:fontRef>
-        </p:style>
-        <p:txBody>
-          <a:bodyPr lIns="0" tIns="0" rIns="0" bIns="0" rtlCol="0" anchor="ctr"/>
-          <a:lstStyle/>
-          <a:p>
-            <a:pPr algn="ctr"/>
-            <a:r>
-              <a:rPr lang="nl-NL" sz="1200" dirty="0">
+            <a:r>
+              <a:rPr lang="nl-NL" sz="700" i="1" dirty="0" err="1">
                 <a:solidFill>
                   <a:schemeClr val="tx1"/>
                 </a:solidFill>
               </a:rPr>
-              <a:t>Beep</a:t>
-            </a:r>
-          </a:p>
-        </p:txBody>
-      </p:sp>
-      <p:sp>
-        <p:nvSpPr>
-          <p:cNvPr id="47" name="Afgeronde rechthoek 46">
-            <a:extLst>
-              <a:ext uri="{FF2B5EF4-FFF2-40B4-BE49-F238E27FC236}">
-                <a16:creationId xmlns:a16="http://schemas.microsoft.com/office/drawing/2014/main" id="{E17331CE-FC5F-3CD0-2B54-9EBB9636C582}"/>
-              </a:ext>
-            </a:extLst>
-          </p:cNvPr>
-          <p:cNvSpPr/>
-          <p:nvPr/>
-        </p:nvSpPr>
-        <p:spPr>
-          <a:xfrm>
-            <a:off x="10659137" y="1808665"/>
-            <a:ext cx="1069538" cy="185819"/>
-          </a:xfrm>
-          <a:prstGeom prst="roundRect">
-            <a:avLst/>
-          </a:prstGeom>
-          <a:noFill/>
-          <a:ln>
-            <a:noFill/>
-          </a:ln>
-        </p:spPr>
-        <p:style>
-          <a:lnRef idx="2">
-            <a:schemeClr val="accent1">
-              <a:shade val="15000"/>
-            </a:schemeClr>
-          </a:lnRef>
-          <a:fillRef idx="1">
-            <a:schemeClr val="accent1"/>
-          </a:fillRef>
-          <a:effectRef idx="0">
-            <a:schemeClr val="accent1"/>
-          </a:effectRef>
-          <a:fontRef idx="minor">
-            <a:schemeClr val="lt1"/>
-          </a:fontRef>
-        </p:style>
-        <p:txBody>
-          <a:bodyPr lIns="0" tIns="0" rIns="0" bIns="0" rtlCol="0" anchor="ctr"/>
-          <a:lstStyle/>
-          <a:p>
-            <a:pPr algn="ctr"/>
-            <a:r>
-              <a:rPr lang="nl-NL" sz="1200" dirty="0" err="1">
+              <a:t>Periodic</a:t>
+            </a:r>
+            <a:r>
+              <a:rPr lang="nl-NL" sz="700" i="1" dirty="0">
                 <a:solidFill>
                   <a:schemeClr val="tx1"/>
                 </a:solidFill>
               </a:rPr>
-              <a:t>Enable</a:t>
-            </a:r>
-            <a:r>
-              <a:rPr lang="nl-NL" sz="1200" dirty="0">
+              <a:t> </a:t>
+            </a:r>
+            <a:r>
+              <a:rPr lang="nl-NL" sz="700" i="1" dirty="0" err="1">
                 <a:solidFill>
                   <a:schemeClr val="tx1"/>
                 </a:solidFill>
               </a:rPr>
-              <a:t> EVSE pin</a:t>
-            </a:r>
-          </a:p>
-        </p:txBody>
-      </p:sp>
-      <p:sp>
-        <p:nvSpPr>
-          <p:cNvPr id="48" name="Afgeronde rechthoek 47">
-            <a:extLst>
-              <a:ext uri="{FF2B5EF4-FFF2-40B4-BE49-F238E27FC236}">
-                <a16:creationId xmlns:a16="http://schemas.microsoft.com/office/drawing/2014/main" id="{879B81FA-76EF-2561-45A0-306BB572460D}"/>
-              </a:ext>
-            </a:extLst>
-          </p:cNvPr>
-          <p:cNvSpPr/>
-          <p:nvPr/>
-        </p:nvSpPr>
-        <p:spPr>
-          <a:xfrm>
-            <a:off x="10888519" y="2090411"/>
-            <a:ext cx="1267408" cy="143538"/>
-          </a:xfrm>
-          <a:prstGeom prst="roundRect">
-            <a:avLst/>
-          </a:prstGeom>
-          <a:noFill/>
-          <a:ln>
-            <a:noFill/>
-          </a:ln>
-        </p:spPr>
-        <p:style>
-          <a:lnRef idx="2">
-            <a:schemeClr val="accent1">
-              <a:shade val="15000"/>
-            </a:schemeClr>
-          </a:lnRef>
-          <a:fillRef idx="1">
-            <a:schemeClr val="accent1"/>
-          </a:fillRef>
-          <a:effectRef idx="0">
-            <a:schemeClr val="accent1"/>
-          </a:effectRef>
-          <a:fontRef idx="minor">
-            <a:schemeClr val="lt1"/>
-          </a:fontRef>
-        </p:style>
-        <p:txBody>
-          <a:bodyPr lIns="0" tIns="0" rIns="0" bIns="0" rtlCol="0" anchor="ctr"/>
-          <a:lstStyle/>
-          <a:p>
-            <a:r>
-              <a:rPr lang="nl-NL" sz="1200" dirty="0" err="1">
-                <a:solidFill>
-                  <a:schemeClr val="tx1"/>
-                </a:solidFill>
-              </a:rPr>
-              <a:t>Detect</a:t>
-            </a:r>
-            <a:r>
-              <a:rPr lang="nl-NL" sz="1200" dirty="0">
-                <a:solidFill>
-                  <a:schemeClr val="tx1"/>
-                </a:solidFill>
-              </a:rPr>
-              <a:t> EVSE LED</a:t>
-            </a:r>
-          </a:p>
-        </p:txBody>
-      </p:sp>
-      <p:cxnSp>
-        <p:nvCxnSpPr>
-          <p:cNvPr id="49" name="Rechte verbindingslijn met pijl 48">
-            <a:extLst>
-              <a:ext uri="{FF2B5EF4-FFF2-40B4-BE49-F238E27FC236}">
-                <a16:creationId xmlns:a16="http://schemas.microsoft.com/office/drawing/2014/main" id="{FA0B9828-B3BC-0E2F-DCEF-4D59112FFA7A}"/>
-              </a:ext>
-            </a:extLst>
-          </p:cNvPr>
-          <p:cNvCxnSpPr>
-            <a:cxnSpLocks/>
-            <a:stCxn id="27" idx="0"/>
-            <a:endCxn id="43" idx="1"/>
-          </p:cNvCxnSpPr>
-          <p:nvPr/>
-        </p:nvCxnSpPr>
-        <p:spPr>
-          <a:xfrm flipV="1">
-            <a:off x="8059237" y="1772043"/>
-            <a:ext cx="1209922" cy="899717"/>
-          </a:xfrm>
-          <a:prstGeom prst="straightConnector1">
-            <a:avLst/>
-          </a:prstGeom>
-          <a:ln>
-            <a:tailEnd type="triangle"/>
-          </a:ln>
-        </p:spPr>
-        <p:style>
-          <a:lnRef idx="1">
-            <a:schemeClr val="accent1"/>
-          </a:lnRef>
-          <a:fillRef idx="0">
-            <a:schemeClr val="accent1"/>
-          </a:fillRef>
-          <a:effectRef idx="0">
-            <a:schemeClr val="accent1"/>
-          </a:effectRef>
-          <a:fontRef idx="minor">
-            <a:schemeClr val="tx1"/>
-          </a:fontRef>
-        </p:style>
-      </p:cxnSp>
-      <p:cxnSp>
-        <p:nvCxnSpPr>
-          <p:cNvPr id="52" name="Rechte verbindingslijn met pijl 51">
-            <a:extLst>
-              <a:ext uri="{FF2B5EF4-FFF2-40B4-BE49-F238E27FC236}">
-                <a16:creationId xmlns:a16="http://schemas.microsoft.com/office/drawing/2014/main" id="{1E5B3645-C963-D165-54E2-A1EF3BB70CAC}"/>
-              </a:ext>
-            </a:extLst>
-          </p:cNvPr>
-          <p:cNvCxnSpPr>
-            <a:cxnSpLocks/>
-            <a:stCxn id="27" idx="0"/>
-            <a:endCxn id="44" idx="1"/>
-          </p:cNvCxnSpPr>
-          <p:nvPr/>
-        </p:nvCxnSpPr>
-        <p:spPr>
-          <a:xfrm flipV="1">
-            <a:off x="8059237" y="2024439"/>
-            <a:ext cx="1425416" cy="647321"/>
-          </a:xfrm>
-          <a:prstGeom prst="straightConnector1">
-            <a:avLst/>
-          </a:prstGeom>
-          <a:ln>
-            <a:tailEnd type="triangle"/>
-          </a:ln>
-        </p:spPr>
-        <p:style>
-          <a:lnRef idx="1">
-            <a:schemeClr val="accent1"/>
-          </a:lnRef>
-          <a:fillRef idx="0">
-            <a:schemeClr val="accent1"/>
-          </a:fillRef>
-          <a:effectRef idx="0">
-            <a:schemeClr val="accent1"/>
-          </a:effectRef>
-          <a:fontRef idx="minor">
-            <a:schemeClr val="tx1"/>
-          </a:fontRef>
-        </p:style>
-      </p:cxnSp>
-      <p:cxnSp>
-        <p:nvCxnSpPr>
-          <p:cNvPr id="55" name="Rechte verbindingslijn met pijl 54">
-            <a:extLst>
-              <a:ext uri="{FF2B5EF4-FFF2-40B4-BE49-F238E27FC236}">
-                <a16:creationId xmlns:a16="http://schemas.microsoft.com/office/drawing/2014/main" id="{7E5228A3-33BC-DF51-60DB-CC2D6BF4630B}"/>
-              </a:ext>
-            </a:extLst>
-          </p:cNvPr>
-          <p:cNvCxnSpPr>
-            <a:cxnSpLocks/>
-            <a:stCxn id="27" idx="0"/>
-            <a:endCxn id="45" idx="1"/>
-          </p:cNvCxnSpPr>
-          <p:nvPr/>
-        </p:nvCxnSpPr>
-        <p:spPr>
-          <a:xfrm flipV="1">
-            <a:off x="8059237" y="2284074"/>
-            <a:ext cx="1644764" cy="387686"/>
-          </a:xfrm>
-          <a:prstGeom prst="straightConnector1">
-            <a:avLst/>
-          </a:prstGeom>
-          <a:ln>
-            <a:tailEnd type="triangle"/>
-          </a:ln>
-        </p:spPr>
-        <p:style>
-          <a:lnRef idx="1">
-            <a:schemeClr val="accent1"/>
-          </a:lnRef>
-          <a:fillRef idx="0">
-            <a:schemeClr val="accent1"/>
-          </a:fillRef>
-          <a:effectRef idx="0">
-            <a:schemeClr val="accent1"/>
-          </a:effectRef>
-          <a:fontRef idx="minor">
-            <a:schemeClr val="tx1"/>
-          </a:fontRef>
-        </p:style>
-      </p:cxnSp>
-      <p:sp>
-        <p:nvSpPr>
-          <p:cNvPr id="60" name="Afgeronde rechthoek 59">
-            <a:extLst>
-              <a:ext uri="{FF2B5EF4-FFF2-40B4-BE49-F238E27FC236}">
-                <a16:creationId xmlns:a16="http://schemas.microsoft.com/office/drawing/2014/main" id="{54793530-AB3A-FD05-F332-D0E12D8FA196}"/>
-              </a:ext>
-            </a:extLst>
-          </p:cNvPr>
-          <p:cNvSpPr/>
-          <p:nvPr/>
-        </p:nvSpPr>
-        <p:spPr>
-          <a:xfrm>
-            <a:off x="8792409" y="3757973"/>
-            <a:ext cx="2361634" cy="221789"/>
-          </a:xfrm>
-          <a:prstGeom prst="roundRect">
-            <a:avLst/>
-          </a:prstGeom>
-        </p:spPr>
-        <p:style>
-          <a:lnRef idx="2">
-            <a:schemeClr val="accent1">
-              <a:shade val="15000"/>
-            </a:schemeClr>
-          </a:lnRef>
-          <a:fillRef idx="1">
-            <a:schemeClr val="accent1"/>
-          </a:fillRef>
-          <a:effectRef idx="0">
-            <a:schemeClr val="accent1"/>
-          </a:effectRef>
-          <a:fontRef idx="minor">
-            <a:schemeClr val="lt1"/>
-          </a:fontRef>
-        </p:style>
-        <p:txBody>
-          <a:bodyPr lIns="0" tIns="0" rIns="0" bIns="0" rtlCol="0" anchor="ctr"/>
-          <a:lstStyle/>
-          <a:p>
-            <a:pPr algn="ctr"/>
-            <a:r>
-              <a:rPr lang="nl-NL" sz="1200" b="0" dirty="0" err="1">
-                <a:solidFill>
-                  <a:srgbClr val="4EC9B0"/>
-                </a:solidFill>
-                <a:effectLst/>
-                <a:latin typeface="Menlo" panose="020B0609030804020204" pitchFamily="49" charset="0"/>
-              </a:rPr>
-              <a:t>PeakHoursMonitorThread</a:t>
-            </a:r>
-            <a:r>
-              <a:rPr lang="nl-NL" sz="1200" dirty="0" err="1"/>
-              <a:t>.py</a:t>
-            </a:r>
-            <a:endParaRPr lang="nl-NL" sz="1200" dirty="0"/>
-          </a:p>
-        </p:txBody>
-      </p:sp>
-      <p:cxnSp>
-        <p:nvCxnSpPr>
-          <p:cNvPr id="61" name="Rechte verbindingslijn met pijl 60">
-            <a:extLst>
-              <a:ext uri="{FF2B5EF4-FFF2-40B4-BE49-F238E27FC236}">
-                <a16:creationId xmlns:a16="http://schemas.microsoft.com/office/drawing/2014/main" id="{BF21BA38-3C02-35C4-19D1-24555A3BB219}"/>
-              </a:ext>
-            </a:extLst>
-          </p:cNvPr>
-          <p:cNvCxnSpPr>
-            <a:cxnSpLocks/>
-            <a:stCxn id="4" idx="0"/>
-            <a:endCxn id="60" idx="1"/>
-          </p:cNvCxnSpPr>
-          <p:nvPr/>
-        </p:nvCxnSpPr>
-        <p:spPr>
-          <a:xfrm flipV="1">
-            <a:off x="6238115" y="3868868"/>
-            <a:ext cx="2554294" cy="693251"/>
-          </a:xfrm>
-          <a:prstGeom prst="straightConnector1">
-            <a:avLst/>
-          </a:prstGeom>
-          <a:ln>
-            <a:tailEnd type="triangle"/>
-          </a:ln>
-        </p:spPr>
-        <p:style>
-          <a:lnRef idx="1">
-            <a:schemeClr val="accent1"/>
-          </a:lnRef>
-          <a:fillRef idx="0">
-            <a:schemeClr val="accent1"/>
-          </a:fillRef>
-          <a:effectRef idx="0">
-            <a:schemeClr val="accent1"/>
-          </a:effectRef>
-          <a:fontRef idx="minor">
-            <a:schemeClr val="tx1"/>
-          </a:fontRef>
-        </p:style>
-      </p:cxnSp>
-      <p:sp>
-        <p:nvSpPr>
-          <p:cNvPr id="64" name="Afgeronde rechthoek 63">
-            <a:extLst>
-              <a:ext uri="{FF2B5EF4-FFF2-40B4-BE49-F238E27FC236}">
-                <a16:creationId xmlns:a16="http://schemas.microsoft.com/office/drawing/2014/main" id="{7ABD18D0-00A1-AD1D-B2DC-A5FEA7EEA414}"/>
-              </a:ext>
-            </a:extLst>
-          </p:cNvPr>
-          <p:cNvSpPr/>
-          <p:nvPr/>
-        </p:nvSpPr>
-        <p:spPr>
-          <a:xfrm>
-            <a:off x="10074639" y="3975395"/>
-            <a:ext cx="1072526" cy="185819"/>
-          </a:xfrm>
-          <a:prstGeom prst="roundRect">
-            <a:avLst/>
-          </a:prstGeom>
-          <a:noFill/>
-          <a:ln>
-            <a:noFill/>
-          </a:ln>
-        </p:spPr>
-        <p:style>
-          <a:lnRef idx="2">
-            <a:schemeClr val="accent1">
-              <a:shade val="15000"/>
-            </a:schemeClr>
-          </a:lnRef>
-          <a:fillRef idx="1">
-            <a:schemeClr val="accent1"/>
-          </a:fillRef>
-          <a:effectRef idx="0">
-            <a:schemeClr val="accent1"/>
-          </a:effectRef>
-          <a:fontRef idx="minor">
-            <a:schemeClr val="lt1"/>
-          </a:fontRef>
-        </p:style>
-        <p:txBody>
-          <a:bodyPr lIns="0" tIns="0" rIns="0" bIns="0" rtlCol="0" anchor="ctr"/>
-          <a:lstStyle/>
-          <a:p>
-            <a:pPr algn="ctr"/>
-            <a:r>
-              <a:rPr lang="nl-NL" sz="1200" dirty="0" err="1">
-                <a:solidFill>
-                  <a:schemeClr val="tx1"/>
-                </a:solidFill>
-              </a:rPr>
-              <a:t>Detect</a:t>
-            </a:r>
-            <a:r>
-              <a:rPr lang="nl-NL" sz="1200" dirty="0">
-                <a:solidFill>
-                  <a:schemeClr val="tx1"/>
-                </a:solidFill>
-              </a:rPr>
-              <a:t> </a:t>
-            </a:r>
-            <a:r>
-              <a:rPr lang="nl-NL" sz="1200" dirty="0" err="1">
-                <a:solidFill>
-                  <a:schemeClr val="tx1"/>
-                </a:solidFill>
-              </a:rPr>
-              <a:t>offpeak</a:t>
-            </a:r>
-            <a:endParaRPr lang="nl-NL" sz="1200" dirty="0">
+              <a:t>backups</a:t>
+            </a:r>
+            <a:endParaRPr lang="nl-NL" sz="700" i="1" dirty="0">
               <a:solidFill>
                 <a:schemeClr val="tx1"/>
               </a:solidFill>
@@ -5182,82 +5177,26 @@
           </a:p>
         </p:txBody>
       </p:sp>
-      <p:sp>
-        <p:nvSpPr>
-          <p:cNvPr id="65" name="Afgeronde rechthoek 64">
-            <a:extLst>
-              <a:ext uri="{FF2B5EF4-FFF2-40B4-BE49-F238E27FC236}">
-                <a16:creationId xmlns:a16="http://schemas.microsoft.com/office/drawing/2014/main" id="{F6B4EA82-AA0F-E864-57C4-7317F1486F16}"/>
-              </a:ext>
-            </a:extLst>
-          </p:cNvPr>
-          <p:cNvSpPr/>
-          <p:nvPr/>
-        </p:nvSpPr>
-        <p:spPr>
-          <a:xfrm>
-            <a:off x="5867840" y="540349"/>
-            <a:ext cx="650878" cy="185819"/>
-          </a:xfrm>
-          <a:prstGeom prst="roundRect">
-            <a:avLst/>
-          </a:prstGeom>
-          <a:noFill/>
-          <a:ln>
-            <a:noFill/>
-          </a:ln>
-        </p:spPr>
-        <p:style>
-          <a:lnRef idx="2">
-            <a:schemeClr val="accent1">
-              <a:shade val="15000"/>
-            </a:schemeClr>
-          </a:lnRef>
-          <a:fillRef idx="1">
-            <a:schemeClr val="accent1"/>
-          </a:fillRef>
-          <a:effectRef idx="0">
-            <a:schemeClr val="accent1"/>
-          </a:effectRef>
-          <a:fontRef idx="minor">
-            <a:schemeClr val="lt1"/>
-          </a:fontRef>
-        </p:style>
-        <p:txBody>
-          <a:bodyPr lIns="0" tIns="0" rIns="0" bIns="0" rtlCol="0" anchor="ctr"/>
-          <a:lstStyle/>
-          <a:p>
-            <a:pPr algn="ctr"/>
-            <a:r>
-              <a:rPr lang="nl-NL" sz="1200" dirty="0">
-                <a:solidFill>
-                  <a:schemeClr val="tx1"/>
-                </a:solidFill>
-              </a:rPr>
-              <a:t>Callback</a:t>
-            </a:r>
-          </a:p>
-        </p:txBody>
-      </p:sp>
       <p:cxnSp>
         <p:nvCxnSpPr>
-          <p:cNvPr id="66" name="Rechte verbindingslijn met pijl 65">
-            <a:extLst>
-              <a:ext uri="{FF2B5EF4-FFF2-40B4-BE49-F238E27FC236}">
-                <a16:creationId xmlns:a16="http://schemas.microsoft.com/office/drawing/2014/main" id="{998282CD-1A64-E4CF-9D84-F808094FBB39}"/>
+          <p:cNvPr id="73" name="Rechte verbindingslijn met pijl 72">
+            <a:extLst>
+              <a:ext uri="{FF2B5EF4-FFF2-40B4-BE49-F238E27FC236}">
+                <a16:creationId xmlns:a16="http://schemas.microsoft.com/office/drawing/2014/main" id="{0A5941DA-3A12-664D-4587-6491A7E233EB}"/>
               </a:ext>
             </a:extLst>
           </p:cNvPr>
           <p:cNvCxnSpPr>
             <a:cxnSpLocks/>
-            <a:stCxn id="133" idx="1"/>
+            <a:stCxn id="4" idx="3"/>
+            <a:endCxn id="71" idx="1"/>
           </p:cNvCxnSpPr>
           <p:nvPr/>
         </p:nvCxnSpPr>
         <p:spPr>
-          <a:xfrm flipH="1">
-            <a:off x="5801375" y="750634"/>
-            <a:ext cx="797286" cy="7123"/>
+          <a:xfrm>
+            <a:off x="6127517" y="3604505"/>
+            <a:ext cx="2607982" cy="2325147"/>
           </a:xfrm>
           <a:prstGeom prst="straightConnector1">
             <a:avLst/>
@@ -5283,10 +5222,10 @@
       </p:cxnSp>
       <p:sp>
         <p:nvSpPr>
-          <p:cNvPr id="71" name="Afgeronde rechthoek 70">
-            <a:extLst>
-              <a:ext uri="{FF2B5EF4-FFF2-40B4-BE49-F238E27FC236}">
-                <a16:creationId xmlns:a16="http://schemas.microsoft.com/office/drawing/2014/main" id="{71977BE4-2D27-370E-B0B4-91C6E9AF3C74}"/>
+          <p:cNvPr id="78" name="Afgeronde rechthoek 77">
+            <a:extLst>
+              <a:ext uri="{FF2B5EF4-FFF2-40B4-BE49-F238E27FC236}">
+                <a16:creationId xmlns:a16="http://schemas.microsoft.com/office/drawing/2014/main" id="{10C31F80-306D-46DB-8922-89FDBDBD51DE}"/>
               </a:ext>
             </a:extLst>
           </p:cNvPr>
@@ -5295,189 +5234,8 @@
         </p:nvSpPr>
         <p:spPr>
           <a:xfrm>
-            <a:off x="8785531" y="4315154"/>
-            <a:ext cx="1289108" cy="221789"/>
-          </a:xfrm>
-          <a:prstGeom prst="roundRect">
-            <a:avLst/>
-          </a:prstGeom>
-        </p:spPr>
-        <p:style>
-          <a:lnRef idx="2">
-            <a:schemeClr val="accent1">
-              <a:shade val="15000"/>
-            </a:schemeClr>
-          </a:lnRef>
-          <a:fillRef idx="1">
-            <a:schemeClr val="accent1"/>
-          </a:fillRef>
-          <a:effectRef idx="0">
-            <a:schemeClr val="accent1"/>
-          </a:effectRef>
-          <a:fontRef idx="minor">
-            <a:schemeClr val="lt1"/>
-          </a:fontRef>
-        </p:style>
-        <p:txBody>
-          <a:bodyPr lIns="0" tIns="0" rIns="0" bIns="0" rtlCol="0" anchor="ctr"/>
-          <a:lstStyle/>
-          <a:p>
-            <a:pPr algn="ctr"/>
-            <a:r>
-              <a:rPr lang="nl-NL" sz="1200" b="0" dirty="0" err="1">
-                <a:solidFill>
-                  <a:srgbClr val="4EC9B0"/>
-                </a:solidFill>
-                <a:effectLst/>
-                <a:latin typeface="Menlo" panose="020B0609030804020204" pitchFamily="49" charset="0"/>
-              </a:rPr>
-              <a:t>BackupUtil</a:t>
-            </a:r>
-            <a:r>
-              <a:rPr lang="nl-NL" sz="1200" dirty="0" err="1"/>
-              <a:t>.py</a:t>
-            </a:r>
-            <a:endParaRPr lang="nl-NL" sz="1200" dirty="0"/>
-          </a:p>
-        </p:txBody>
-      </p:sp>
-      <p:sp>
-        <p:nvSpPr>
-          <p:cNvPr id="72" name="Afgeronde rechthoek 71">
-            <a:extLst>
-              <a:ext uri="{FF2B5EF4-FFF2-40B4-BE49-F238E27FC236}">
-                <a16:creationId xmlns:a16="http://schemas.microsoft.com/office/drawing/2014/main" id="{FD48E30B-3D41-7C64-EEB0-8E1B809BE639}"/>
-              </a:ext>
-            </a:extLst>
-          </p:cNvPr>
-          <p:cNvSpPr/>
-          <p:nvPr/>
-        </p:nvSpPr>
-        <p:spPr>
-          <a:xfrm>
-            <a:off x="9466371" y="4559618"/>
-            <a:ext cx="1072526" cy="185819"/>
-          </a:xfrm>
-          <a:prstGeom prst="roundRect">
-            <a:avLst/>
-          </a:prstGeom>
-          <a:noFill/>
-          <a:ln>
-            <a:noFill/>
-          </a:ln>
-        </p:spPr>
-        <p:style>
-          <a:lnRef idx="2">
-            <a:schemeClr val="accent1">
-              <a:shade val="15000"/>
-            </a:schemeClr>
-          </a:lnRef>
-          <a:fillRef idx="1">
-            <a:schemeClr val="accent1"/>
-          </a:fillRef>
-          <a:effectRef idx="0">
-            <a:schemeClr val="accent1"/>
-          </a:effectRef>
-          <a:fontRef idx="minor">
-            <a:schemeClr val="lt1"/>
-          </a:fontRef>
-        </p:style>
-        <p:txBody>
-          <a:bodyPr lIns="0" tIns="0" rIns="0" bIns="0" rtlCol="0" anchor="ctr"/>
-          <a:lstStyle/>
-          <a:p>
-            <a:pPr algn="ctr"/>
-            <a:r>
-              <a:rPr lang="nl-NL" sz="1200" dirty="0" err="1">
-                <a:solidFill>
-                  <a:schemeClr val="tx1"/>
-                </a:solidFill>
-              </a:rPr>
-              <a:t>Periodic</a:t>
-            </a:r>
-            <a:r>
-              <a:rPr lang="nl-NL" sz="1200" dirty="0">
-                <a:solidFill>
-                  <a:schemeClr val="tx1"/>
-                </a:solidFill>
-              </a:rPr>
-              <a:t> </a:t>
-            </a:r>
-            <a:r>
-              <a:rPr lang="nl-NL" sz="1200" dirty="0" err="1">
-                <a:solidFill>
-                  <a:schemeClr val="tx1"/>
-                </a:solidFill>
-              </a:rPr>
-              <a:t>backups</a:t>
-            </a:r>
-            <a:endParaRPr lang="nl-NL" sz="1200" dirty="0">
-              <a:solidFill>
-                <a:schemeClr val="tx1"/>
-              </a:solidFill>
-            </a:endParaRPr>
-          </a:p>
-        </p:txBody>
-      </p:sp>
-      <p:cxnSp>
-        <p:nvCxnSpPr>
-          <p:cNvPr id="73" name="Rechte verbindingslijn met pijl 72">
-            <a:extLst>
-              <a:ext uri="{FF2B5EF4-FFF2-40B4-BE49-F238E27FC236}">
-                <a16:creationId xmlns:a16="http://schemas.microsoft.com/office/drawing/2014/main" id="{0A5941DA-3A12-664D-4587-6491A7E233EB}"/>
-              </a:ext>
-            </a:extLst>
-          </p:cNvPr>
-          <p:cNvCxnSpPr>
-            <a:cxnSpLocks/>
-            <a:stCxn id="4" idx="0"/>
-            <a:endCxn id="71" idx="1"/>
-          </p:cNvCxnSpPr>
-          <p:nvPr/>
-        </p:nvCxnSpPr>
-        <p:spPr>
-          <a:xfrm flipV="1">
-            <a:off x="6238115" y="4426049"/>
-            <a:ext cx="2547416" cy="136070"/>
-          </a:xfrm>
-          <a:prstGeom prst="straightConnector1">
-            <a:avLst/>
-          </a:prstGeom>
-          <a:ln>
-            <a:tailEnd type="triangle"/>
-          </a:ln>
-        </p:spPr>
-        <p:style>
-          <a:lnRef idx="1">
-            <a:schemeClr val="accent1"/>
-          </a:lnRef>
-          <a:fillRef idx="0">
-            <a:schemeClr val="accent1"/>
-          </a:fillRef>
-          <a:effectRef idx="0">
-            <a:schemeClr val="accent1"/>
-          </a:effectRef>
-          <a:fontRef idx="minor">
-            <a:schemeClr val="tx1"/>
-          </a:fontRef>
-        </p:style>
-      </p:cxnSp>
-      <p:sp>
-        <p:nvSpPr>
-          <p:cNvPr id="78" name="Afgeronde rechthoek 77">
-            <a:extLst>
-              <a:ext uri="{FF2B5EF4-FFF2-40B4-BE49-F238E27FC236}">
-                <a16:creationId xmlns:a16="http://schemas.microsoft.com/office/drawing/2014/main" id="{10C31F80-306D-46DB-8922-89FDBDBD51DE}"/>
-              </a:ext>
-            </a:extLst>
-          </p:cNvPr>
-          <p:cNvSpPr/>
-          <p:nvPr/>
-        </p:nvSpPr>
-        <p:spPr>
-          <a:xfrm>
-            <a:off x="2836329" y="4614937"/>
-            <a:ext cx="2678037" cy="185819"/>
+            <a:off x="2321979" y="3513273"/>
+            <a:ext cx="2678037" cy="180000"/>
           </a:xfrm>
           <a:prstGeom prst="roundRect">
             <a:avLst/>
@@ -5535,9 +5293,9 @@
           <p:nvPr/>
         </p:nvCxnSpPr>
         <p:spPr>
-          <a:xfrm flipH="1">
-            <a:off x="5514366" y="4706169"/>
-            <a:ext cx="319996" cy="1678"/>
+          <a:xfrm flipH="1" flipV="1">
+            <a:off x="5000016" y="3603273"/>
+            <a:ext cx="319996" cy="1232"/>
           </a:xfrm>
           <a:prstGeom prst="straightConnector1">
             <a:avLst/>
@@ -5575,8 +5333,8 @@
         </p:nvSpPr>
         <p:spPr>
           <a:xfrm>
-            <a:off x="3936670" y="5166141"/>
-            <a:ext cx="916778" cy="185819"/>
+            <a:off x="3203559" y="4064477"/>
+            <a:ext cx="916778" cy="180000"/>
           </a:xfrm>
           <a:prstGeom prst="roundRect">
             <a:avLst/>
@@ -5639,8 +5397,8 @@
         </p:nvCxnSpPr>
         <p:spPr>
           <a:xfrm>
-            <a:off x="4175348" y="4800756"/>
-            <a:ext cx="219711" cy="365385"/>
+            <a:off x="3660998" y="3693273"/>
+            <a:ext cx="950" cy="371204"/>
           </a:xfrm>
           <a:prstGeom prst="straightConnector1">
             <a:avLst/>
@@ -5678,7 +5436,7 @@
         </p:nvSpPr>
         <p:spPr>
           <a:xfrm>
-            <a:off x="3946150" y="4829727"/>
+            <a:off x="3431800" y="3728063"/>
             <a:ext cx="506431" cy="147191"/>
           </a:xfrm>
           <a:prstGeom prst="roundRect">
@@ -5739,8 +5497,8 @@
         </p:nvCxnSpPr>
         <p:spPr>
           <a:xfrm flipH="1" flipV="1">
-            <a:off x="4163384" y="3489443"/>
-            <a:ext cx="11964" cy="1125494"/>
+            <a:off x="3649034" y="2400204"/>
+            <a:ext cx="11964" cy="1113069"/>
           </a:xfrm>
           <a:prstGeom prst="straightConnector1">
             <a:avLst/>
@@ -5778,8 +5536,8 @@
         </p:nvSpPr>
         <p:spPr>
           <a:xfrm>
-            <a:off x="3761123" y="3321868"/>
-            <a:ext cx="804521" cy="167575"/>
+            <a:off x="3246773" y="2220204"/>
+            <a:ext cx="804521" cy="180000"/>
           </a:xfrm>
           <a:prstGeom prst="roundRect">
             <a:avLst/>
@@ -5843,8 +5601,8 @@
         </p:nvCxnSpPr>
         <p:spPr>
           <a:xfrm>
-            <a:off x="4565644" y="3405656"/>
-            <a:ext cx="979423" cy="419332"/>
+            <a:off x="4051294" y="2310204"/>
+            <a:ext cx="979423" cy="413120"/>
           </a:xfrm>
           <a:prstGeom prst="straightConnector1">
             <a:avLst/>
@@ -5886,8 +5644,8 @@
         </p:nvCxnSpPr>
         <p:spPr>
           <a:xfrm flipH="1" flipV="1">
-            <a:off x="4163384" y="3489443"/>
-            <a:ext cx="604007" cy="611840"/>
+            <a:off x="3649034" y="2400204"/>
+            <a:ext cx="604007" cy="599415"/>
           </a:xfrm>
           <a:prstGeom prst="straightConnector1">
             <a:avLst/>
@@ -5925,8 +5683,8 @@
         </p:nvSpPr>
         <p:spPr>
           <a:xfrm>
-            <a:off x="6051287" y="5594332"/>
-            <a:ext cx="1136745" cy="185820"/>
+            <a:off x="4561747" y="5375350"/>
+            <a:ext cx="1136745" cy="180000"/>
           </a:xfrm>
           <a:prstGeom prst="roundRect">
             <a:avLst/>
@@ -5985,8 +5743,8 @@
         </p:nvCxnSpPr>
         <p:spPr>
           <a:xfrm flipH="1" flipV="1">
-            <a:off x="4395059" y="5351960"/>
-            <a:ext cx="1656228" cy="335282"/>
+            <a:off x="3661948" y="4244477"/>
+            <a:ext cx="899799" cy="1220873"/>
           </a:xfrm>
           <a:prstGeom prst="straightConnector1">
             <a:avLst/>
@@ -6024,8 +5782,8 @@
         </p:nvSpPr>
         <p:spPr>
           <a:xfrm>
-            <a:off x="10924591" y="2397577"/>
-            <a:ext cx="1030051" cy="128962"/>
+            <a:off x="10008931" y="3275185"/>
+            <a:ext cx="1030051" cy="180000"/>
           </a:xfrm>
           <a:prstGeom prst="roundRect">
             <a:avLst/>
@@ -6062,10 +5820,6 @@
               </a:rPr>
               <a:t>EvseReaderProd</a:t>
             </a:r>
-            <a:r>
-              <a:rPr lang="nl-NL" sz="800" dirty="0" err="1"/>
-              <a:t>.py</a:t>
-            </a:r>
             <a:endParaRPr lang="nl-NL" sz="800" dirty="0"/>
           </a:p>
         </p:txBody>
@@ -6084,8 +5838,8 @@
         </p:nvSpPr>
         <p:spPr>
           <a:xfrm>
-            <a:off x="10924591" y="2571361"/>
-            <a:ext cx="1267409" cy="128962"/>
+            <a:off x="10008931" y="3489369"/>
+            <a:ext cx="1267409" cy="180000"/>
           </a:xfrm>
           <a:prstGeom prst="roundRect">
             <a:avLst/>
@@ -6122,10 +5876,6 @@
               </a:rPr>
               <a:t>EvseReaderSimulate</a:t>
             </a:r>
-            <a:r>
-              <a:rPr lang="nl-NL" sz="800" dirty="0" err="1"/>
-              <a:t>.py</a:t>
-            </a:r>
             <a:endParaRPr lang="nl-NL" sz="800" dirty="0"/>
           </a:p>
         </p:txBody>
@@ -6141,15 +5891,15 @@
           </p:cNvPr>
           <p:cNvCxnSpPr>
             <a:cxnSpLocks/>
-            <a:stCxn id="45" idx="2"/>
+            <a:stCxn id="45" idx="3"/>
             <a:endCxn id="107" idx="1"/>
           </p:cNvCxnSpPr>
           <p:nvPr/>
         </p:nvCxnSpPr>
         <p:spPr>
           <a:xfrm>
-            <a:off x="10291243" y="2379496"/>
-            <a:ext cx="633348" cy="82562"/>
+            <a:off x="9760628" y="3356535"/>
+            <a:ext cx="248303" cy="8650"/>
           </a:xfrm>
           <a:prstGeom prst="straightConnector1">
             <a:avLst/>
@@ -6184,15 +5934,15 @@
           </p:cNvPr>
           <p:cNvCxnSpPr>
             <a:cxnSpLocks/>
-            <a:stCxn id="45" idx="2"/>
+            <a:stCxn id="45" idx="3"/>
             <a:endCxn id="108" idx="1"/>
           </p:cNvCxnSpPr>
           <p:nvPr/>
         </p:nvCxnSpPr>
         <p:spPr>
           <a:xfrm>
-            <a:off x="10291243" y="2379496"/>
-            <a:ext cx="633348" cy="256346"/>
+            <a:off x="9760628" y="3356535"/>
+            <a:ext cx="248303" cy="222834"/>
           </a:xfrm>
           <a:prstGeom prst="straightConnector1">
             <a:avLst/>
@@ -6230,7 +5980,7 @@
         </p:nvSpPr>
         <p:spPr>
           <a:xfrm>
-            <a:off x="11019538" y="2200181"/>
+            <a:off x="10599749" y="3103360"/>
             <a:ext cx="840156" cy="176854"/>
           </a:xfrm>
           <a:prstGeom prst="rect">
@@ -6264,7 +6014,7 @@
               <a:defRPr lang="nl-NL"/>
             </a:defPPr>
             <a:lvl1pPr>
-              <a:defRPr sz="1200">
+              <a:defRPr sz="700" i="1">
                 <a:solidFill>
                   <a:schemeClr val="tx1"/>
                 </a:solidFill>
@@ -6329,23 +6079,23 @@
           </a:lstStyle>
           <a:p>
             <a:r>
-              <a:rPr lang="nl-NL" sz="800" dirty="0"/>
+              <a:rPr lang="nl-NL" dirty="0"/>
               <a:t>(</a:t>
             </a:r>
             <a:r>
-              <a:rPr lang="nl-NL" sz="800" dirty="0" err="1"/>
+              <a:rPr lang="nl-NL" dirty="0" err="1"/>
               <a:t>waiting</a:t>
             </a:r>
             <a:r>
-              <a:rPr lang="nl-NL" sz="800" dirty="0"/>
+              <a:rPr lang="nl-NL" dirty="0"/>
               <a:t>/ </a:t>
             </a:r>
             <a:r>
-              <a:rPr lang="nl-NL" sz="800" dirty="0" err="1"/>
+              <a:rPr lang="nl-NL" dirty="0" err="1"/>
               <a:t>charging</a:t>
             </a:r>
             <a:r>
-              <a:rPr lang="nl-NL" sz="800" dirty="0"/>
+              <a:rPr lang="nl-NL" dirty="0"/>
               <a:t>)</a:t>
             </a:r>
           </a:p>
@@ -6365,8 +6115,8 @@
         </p:nvSpPr>
         <p:spPr>
           <a:xfrm>
-            <a:off x="5703356" y="769784"/>
-            <a:ext cx="870900" cy="260466"/>
+            <a:off x="3859191" y="1017842"/>
+            <a:ext cx="763256" cy="260466"/>
           </a:xfrm>
           <a:prstGeom prst="roundRect">
             <a:avLst/>
@@ -6396,9 +6146,8 @@
           <a:bodyPr lIns="0" tIns="0" rIns="0" bIns="0" rtlCol="0" anchor="ctr"/>
           <a:lstStyle/>
           <a:p>
-            <a:pPr algn="ctr"/>
-            <a:r>
-              <a:rPr lang="nl-NL" sz="800" dirty="0" err="1">
+            <a:r>
+              <a:rPr lang="nl-NL" sz="700" i="1" dirty="0" err="1">
                 <a:solidFill>
                   <a:schemeClr val="tx1"/>
                 </a:solidFill>
@@ -6406,7 +6155,7 @@
               <a:t>Used</a:t>
             </a:r>
             <a:r>
-              <a:rPr lang="nl-NL" sz="800" dirty="0">
+              <a:rPr lang="nl-NL" sz="700" i="1" dirty="0">
                 <a:solidFill>
                   <a:schemeClr val="tx1"/>
                 </a:solidFill>
@@ -6414,7 +6163,7 @@
               <a:t> energy, </a:t>
             </a:r>
             <a:r>
-              <a:rPr lang="nl-NL" sz="800" dirty="0" err="1">
+              <a:rPr lang="nl-NL" sz="700" i="1" dirty="0" err="1">
                 <a:solidFill>
                   <a:schemeClr val="tx1"/>
                 </a:solidFill>
@@ -6422,7 +6171,7 @@
               <a:t>amps</a:t>
             </a:r>
             <a:r>
-              <a:rPr lang="nl-NL" sz="800" dirty="0">
+              <a:rPr lang="nl-NL" sz="700" i="1" dirty="0">
                 <a:solidFill>
                   <a:schemeClr val="tx1"/>
                 </a:solidFill>
@@ -6446,8 +6195,8 @@
         </p:nvSpPr>
         <p:spPr>
           <a:xfrm>
-            <a:off x="3793954" y="6403139"/>
-            <a:ext cx="717490" cy="185819"/>
+            <a:off x="3512643" y="5838546"/>
+            <a:ext cx="717490" cy="180000"/>
           </a:xfrm>
           <a:prstGeom prst="roundRect">
             <a:avLst/>
@@ -6512,8 +6261,8 @@
         </p:nvSpPr>
         <p:spPr>
           <a:xfrm>
-            <a:off x="3793954" y="6646900"/>
-            <a:ext cx="717490" cy="185819"/>
+            <a:off x="3516604" y="6060043"/>
+            <a:ext cx="717490" cy="180000"/>
           </a:xfrm>
           <a:prstGeom prst="roundRect">
             <a:avLst/>
@@ -6578,57 +6327,8 @@
         </p:nvSpPr>
         <p:spPr>
           <a:xfrm>
-            <a:off x="3788913" y="5711025"/>
-            <a:ext cx="1082292" cy="185819"/>
-          </a:xfrm>
-          <a:prstGeom prst="roundRect">
-            <a:avLst/>
-          </a:prstGeom>
-        </p:spPr>
-        <p:style>
-          <a:lnRef idx="2">
-            <a:schemeClr val="accent1">
-              <a:shade val="15000"/>
-            </a:schemeClr>
-          </a:lnRef>
-          <a:fillRef idx="1">
-            <a:schemeClr val="accent1"/>
-          </a:fillRef>
-          <a:effectRef idx="0">
-            <a:schemeClr val="accent1"/>
-          </a:effectRef>
-          <a:fontRef idx="minor">
-            <a:schemeClr val="lt1"/>
-          </a:fontRef>
-        </p:style>
-        <p:txBody>
-          <a:bodyPr lIns="0" tIns="0" rIns="0" bIns="0" rtlCol="0" anchor="ctr"/>
-          <a:lstStyle/>
-          <a:p>
-            <a:pPr algn="ctr"/>
-            <a:r>
-              <a:rPr lang="nl-NL" sz="1200" i="1" dirty="0"/>
-              <a:t>Home Assistant</a:t>
-            </a:r>
-          </a:p>
-        </p:txBody>
-      </p:sp>
-      <p:sp>
-        <p:nvSpPr>
-          <p:cNvPr id="123" name="Afgeronde rechthoek 122">
-            <a:extLst>
-              <a:ext uri="{FF2B5EF4-FFF2-40B4-BE49-F238E27FC236}">
-                <a16:creationId xmlns:a16="http://schemas.microsoft.com/office/drawing/2014/main" id="{F53C07A9-245A-F524-5694-5A371B375AE0}"/>
-              </a:ext>
-            </a:extLst>
-          </p:cNvPr>
-          <p:cNvSpPr/>
-          <p:nvPr/>
-        </p:nvSpPr>
-        <p:spPr>
-          <a:xfrm>
-            <a:off x="2865453" y="5954786"/>
-            <a:ext cx="614808" cy="185819"/>
+            <a:off x="771485" y="5862838"/>
+            <a:ext cx="1082292" cy="180000"/>
           </a:xfrm>
           <a:prstGeom prst="roundRect">
             <a:avLst/>
@@ -6669,6 +6369,67 @@
                   <a:schemeClr val="accent1"/>
                 </a:solidFill>
               </a:rPr>
+              <a:t>Home Assistant</a:t>
+            </a:r>
+          </a:p>
+        </p:txBody>
+      </p:sp>
+      <p:sp>
+        <p:nvSpPr>
+          <p:cNvPr id="123" name="Afgeronde rechthoek 122">
+            <a:extLst>
+              <a:ext uri="{FF2B5EF4-FFF2-40B4-BE49-F238E27FC236}">
+                <a16:creationId xmlns:a16="http://schemas.microsoft.com/office/drawing/2014/main" id="{F53C07A9-245A-F524-5694-5A371B375AE0}"/>
+              </a:ext>
+            </a:extLst>
+          </p:cNvPr>
+          <p:cNvSpPr/>
+          <p:nvPr/>
+        </p:nvSpPr>
+        <p:spPr>
+          <a:xfrm>
+            <a:off x="1006727" y="5372139"/>
+            <a:ext cx="614808" cy="180000"/>
+          </a:xfrm>
+          <a:prstGeom prst="roundRect">
+            <a:avLst/>
+          </a:prstGeom>
+          <a:solidFill>
+            <a:schemeClr val="bg1"/>
+          </a:solidFill>
+          <a:ln>
+            <a:solidFill>
+              <a:schemeClr val="accent1"/>
+            </a:solidFill>
+          </a:ln>
+        </p:spPr>
+        <p:style>
+          <a:lnRef idx="2">
+            <a:schemeClr val="accent1">
+              <a:shade val="15000"/>
+            </a:schemeClr>
+          </a:lnRef>
+          <a:fillRef idx="1">
+            <a:schemeClr val="accent1"/>
+          </a:fillRef>
+          <a:effectRef idx="0">
+            <a:schemeClr val="accent1"/>
+          </a:effectRef>
+          <a:fontRef idx="minor">
+            <a:schemeClr val="lt1"/>
+          </a:fontRef>
+        </p:style>
+        <p:txBody>
+          <a:bodyPr lIns="0" tIns="0" rIns="0" bIns="0" rtlCol="0" anchor="ctr"/>
+          <a:lstStyle/>
+          <a:p>
+            <a:pPr algn="ctr"/>
+            <a:r>
+              <a:rPr lang="nl-NL" sz="1200" i="1" dirty="0">
+                <a:solidFill>
+                  <a:schemeClr val="accent1"/>
+                </a:solidFill>
+              </a:rPr>
               <a:t>MQTT</a:t>
             </a:r>
           </a:p>
@@ -6688,8 +6449,8 @@
         </p:nvSpPr>
         <p:spPr>
           <a:xfrm>
-            <a:off x="6743634" y="6311502"/>
-            <a:ext cx="944225" cy="190215"/>
+            <a:off x="6396450" y="5759068"/>
+            <a:ext cx="944225" cy="180000"/>
           </a:xfrm>
           <a:prstGeom prst="roundRect">
             <a:avLst/>
@@ -6748,8 +6509,8 @@
         </p:nvCxnSpPr>
         <p:spPr>
           <a:xfrm flipH="1">
-            <a:off x="6230598" y="6406610"/>
-            <a:ext cx="513036" cy="75291"/>
+            <a:off x="6030645" y="5849068"/>
+            <a:ext cx="365805" cy="75291"/>
           </a:xfrm>
           <a:prstGeom prst="straightConnector1">
             <a:avLst/>
@@ -6791,7 +6552,7 @@
         </p:nvCxnSpPr>
         <p:spPr>
           <a:xfrm flipH="1">
-            <a:off x="6378596" y="6406610"/>
+            <a:off x="6031412" y="5849068"/>
             <a:ext cx="365038" cy="296579"/>
           </a:xfrm>
           <a:prstGeom prst="straightConnector1">
@@ -6830,8 +6591,8 @@
         </p:nvSpPr>
         <p:spPr>
           <a:xfrm>
-            <a:off x="6598661" y="643049"/>
-            <a:ext cx="1380815" cy="215170"/>
+            <a:off x="4581721" y="900993"/>
+            <a:ext cx="1008891" cy="180000"/>
           </a:xfrm>
           <a:prstGeom prst="roundRect">
             <a:avLst/>
@@ -6859,7 +6620,7 @@
           <a:p>
             <a:pPr algn="ctr"/>
             <a:r>
-              <a:rPr lang="nl-NL" sz="1200" b="0" dirty="0" err="1">
+              <a:rPr lang="nl-NL" sz="1000" b="0" dirty="0" err="1">
                 <a:solidFill>
                   <a:srgbClr val="4EC9B0"/>
                 </a:solidFill>
@@ -6868,11 +6629,7 @@
               </a:rPr>
               <a:t>EnergyDevice</a:t>
             </a:r>
-            <a:r>
-              <a:rPr lang="nl-NL" sz="1200" dirty="0" err="1"/>
-              <a:t>.py</a:t>
-            </a:r>
-            <a:endParaRPr lang="nl-NL" sz="1200" dirty="0"/>
+            <a:endParaRPr lang="nl-NL" sz="1000" dirty="0"/>
           </a:p>
         </p:txBody>
       </p:sp>
@@ -6893,9 +6650,9 @@
           <p:nvPr/>
         </p:nvCxnSpPr>
         <p:spPr>
-          <a:xfrm flipV="1">
-            <a:off x="7285572" y="858219"/>
-            <a:ext cx="3497" cy="229392"/>
+          <a:xfrm flipH="1" flipV="1">
+            <a:off x="5086167" y="1080993"/>
+            <a:ext cx="3421" cy="278489"/>
           </a:xfrm>
           <a:prstGeom prst="straightConnector1">
             <a:avLst/>
@@ -6933,8 +6690,8 @@
         </p:nvSpPr>
         <p:spPr>
           <a:xfrm>
-            <a:off x="-285930" y="5793532"/>
-            <a:ext cx="1911096" cy="288100"/>
+            <a:off x="348529" y="397687"/>
+            <a:ext cx="1540756" cy="180000"/>
           </a:xfrm>
           <a:prstGeom prst="roundRect">
             <a:avLst/>
@@ -6962,7 +6719,7 @@
           <a:p>
             <a:pPr algn="ctr"/>
             <a:r>
-              <a:rPr lang="nl-NL" sz="1200" b="0" dirty="0" err="1">
+              <a:rPr lang="nl-NL" sz="1000" b="0" dirty="0" err="1">
                 <a:solidFill>
                   <a:srgbClr val="4EC9B0"/>
                 </a:solidFill>
@@ -6971,11 +6728,7 @@
               </a:rPr>
               <a:t>MqttHandlerThread</a:t>
             </a:r>
-            <a:r>
-              <a:rPr lang="nl-NL" sz="1200" dirty="0" err="1"/>
-              <a:t>.py</a:t>
-            </a:r>
-            <a:endParaRPr lang="nl-NL" sz="1200" dirty="0"/>
+            <a:endParaRPr lang="nl-NL" sz="1000" dirty="0"/>
           </a:p>
         </p:txBody>
       </p:sp>
@@ -6993,8 +6746,8 @@
         </p:nvSpPr>
         <p:spPr>
           <a:xfrm>
-            <a:off x="1059095" y="6255692"/>
-            <a:ext cx="2250160" cy="288100"/>
+            <a:off x="430373" y="1809667"/>
+            <a:ext cx="1814115" cy="180000"/>
           </a:xfrm>
           <a:prstGeom prst="roundRect">
             <a:avLst/>
@@ -7022,7 +6775,7 @@
           <a:p>
             <a:pPr algn="ctr"/>
             <a:r>
-              <a:rPr lang="nl-NL" sz="1200" b="0" dirty="0" err="1">
+              <a:rPr lang="nl-NL" sz="1000" b="0" dirty="0" err="1">
                 <a:solidFill>
                   <a:srgbClr val="4EC9B0"/>
                 </a:solidFill>
@@ -7031,20 +6784,16 @@
               </a:rPr>
               <a:t>MqttSendHistoryThread</a:t>
             </a:r>
-            <a:r>
-              <a:rPr lang="nl-NL" sz="1200" dirty="0" err="1"/>
-              <a:t>.py</a:t>
-            </a:r>
-            <a:endParaRPr lang="nl-NL" sz="1200" dirty="0"/>
-          </a:p>
-        </p:txBody>
-      </p:sp>
-      <p:sp>
-        <p:nvSpPr>
-          <p:cNvPr id="142" name="Afgeronde rechthoek 141">
-            <a:extLst>
-              <a:ext uri="{FF2B5EF4-FFF2-40B4-BE49-F238E27FC236}">
-                <a16:creationId xmlns:a16="http://schemas.microsoft.com/office/drawing/2014/main" id="{282F760F-02D5-2CAF-2E51-D8EF24355F4B}"/>
+            <a:endParaRPr lang="nl-NL" sz="1000" dirty="0"/>
+          </a:p>
+        </p:txBody>
+      </p:sp>
+      <p:sp>
+        <p:nvSpPr>
+          <p:cNvPr id="143" name="Afgeronde rechthoek 142">
+            <a:extLst>
+              <a:ext uri="{FF2B5EF4-FFF2-40B4-BE49-F238E27FC236}">
+                <a16:creationId xmlns:a16="http://schemas.microsoft.com/office/drawing/2014/main" id="{68D4FCB1-F5BA-97DA-2E6B-E4E7D3CC612D}"/>
               </a:ext>
             </a:extLst>
           </p:cNvPr>
@@ -7053,8 +6802,8 @@
         </p:nvSpPr>
         <p:spPr>
           <a:xfrm>
-            <a:off x="446348" y="1421448"/>
-            <a:ext cx="3369675" cy="288100"/>
+            <a:off x="10948770" y="678443"/>
+            <a:ext cx="1057184" cy="180000"/>
           </a:xfrm>
           <a:prstGeom prst="roundRect">
             <a:avLst/>
@@ -7082,29 +6831,25 @@
           <a:p>
             <a:pPr algn="ctr"/>
             <a:r>
-              <a:rPr lang="nl-NL" sz="1200" b="0" dirty="0" err="1">
+              <a:rPr lang="nl-NL" sz="1000" b="0" dirty="0" err="1">
                 <a:solidFill>
                   <a:srgbClr val="4EC9B0"/>
                 </a:solidFill>
                 <a:effectLst/>
                 <a:latin typeface="Menlo" panose="020B0609030804020204" pitchFamily="49" charset="0"/>
               </a:rPr>
-              <a:t>VehicleChargeStatusMonitorThread</a:t>
-            </a:r>
-            <a:r>
-              <a:rPr lang="nl-NL" sz="1200" dirty="0" err="1"/>
-              <a:t>.py</a:t>
-            </a:r>
-            <a:endParaRPr lang="nl-NL" sz="1200" dirty="0"/>
-          </a:p>
-        </p:txBody>
-      </p:sp>
-      <p:sp>
-        <p:nvSpPr>
-          <p:cNvPr id="143" name="Afgeronde rechthoek 142">
-            <a:extLst>
-              <a:ext uri="{FF2B5EF4-FFF2-40B4-BE49-F238E27FC236}">
-                <a16:creationId xmlns:a16="http://schemas.microsoft.com/office/drawing/2014/main" id="{68D4FCB1-F5BA-97DA-2E6B-E4E7D3CC612D}"/>
+              <a:t>VehicleAPI</a:t>
+            </a:r>
+            <a:endParaRPr lang="nl-NL" sz="1000" dirty="0"/>
+          </a:p>
+        </p:txBody>
+      </p:sp>
+      <p:sp>
+        <p:nvSpPr>
+          <p:cNvPr id="145" name="Afgeronde rechthoek 144">
+            <a:extLst>
+              <a:ext uri="{FF2B5EF4-FFF2-40B4-BE49-F238E27FC236}">
+                <a16:creationId xmlns:a16="http://schemas.microsoft.com/office/drawing/2014/main" id="{E2F896E3-A97B-AAB4-EF5B-1BC0F7301BA3}"/>
               </a:ext>
             </a:extLst>
           </p:cNvPr>
@@ -7113,12 +6858,16 @@
         </p:nvSpPr>
         <p:spPr>
           <a:xfrm>
-            <a:off x="981197" y="867747"/>
-            <a:ext cx="1380815" cy="215170"/>
+            <a:off x="5668380" y="4558883"/>
+            <a:ext cx="702430" cy="185819"/>
           </a:xfrm>
           <a:prstGeom prst="roundRect">
             <a:avLst/>
           </a:prstGeom>
+          <a:noFill/>
+          <a:ln>
+            <a:noFill/>
+          </a:ln>
         </p:spPr>
         <p:style>
           <a:lnRef idx="2">
@@ -7142,29 +6891,27 @@
           <a:p>
             <a:pPr algn="ctr"/>
             <a:r>
-              <a:rPr lang="nl-NL" sz="1200" b="0" dirty="0" err="1">
-                <a:solidFill>
-                  <a:srgbClr val="4EC9B0"/>
-                </a:solidFill>
-                <a:effectLst/>
-                <a:latin typeface="Menlo" panose="020B0609030804020204" pitchFamily="49" charset="0"/>
-              </a:rPr>
-              <a:t>VehicleAPI</a:t>
-            </a:r>
-            <a:r>
-              <a:rPr lang="nl-NL" sz="1200" dirty="0" err="1"/>
-              <a:t>.py</a:t>
-            </a:r>
-            <a:endParaRPr lang="nl-NL" sz="1200" dirty="0"/>
-          </a:p>
-        </p:txBody>
-      </p:sp>
-      <p:sp>
-        <p:nvSpPr>
-          <p:cNvPr id="145" name="Afgeronde rechthoek 144">
-            <a:extLst>
-              <a:ext uri="{FF2B5EF4-FFF2-40B4-BE49-F238E27FC236}">
-                <a16:creationId xmlns:a16="http://schemas.microsoft.com/office/drawing/2014/main" id="{E2F896E3-A97B-AAB4-EF5B-1BC0F7301BA3}"/>
+              <a:rPr lang="nl-NL" sz="1000" dirty="0" err="1">
+                <a:solidFill>
+                  <a:schemeClr val="tx1"/>
+                </a:solidFill>
+              </a:rPr>
+              <a:t>oppleo.ini</a:t>
+            </a:r>
+            <a:endParaRPr lang="nl-NL" sz="1000" dirty="0">
+              <a:solidFill>
+                <a:schemeClr val="tx1"/>
+              </a:solidFill>
+            </a:endParaRPr>
+          </a:p>
+        </p:txBody>
+      </p:sp>
+      <p:sp>
+        <p:nvSpPr>
+          <p:cNvPr id="146" name="Afgeronde rechthoek 145">
+            <a:extLst>
+              <a:ext uri="{FF2B5EF4-FFF2-40B4-BE49-F238E27FC236}">
+                <a16:creationId xmlns:a16="http://schemas.microsoft.com/office/drawing/2014/main" id="{D73BE525-F24D-1D06-75EC-B9DC854A7AFD}"/>
               </a:ext>
             </a:extLst>
           </p:cNvPr>
@@ -7173,8 +6920,8 @@
         </p:nvSpPr>
         <p:spPr>
           <a:xfrm>
-            <a:off x="9956707" y="5607713"/>
-            <a:ext cx="702430" cy="185819"/>
+            <a:off x="5764622" y="4451459"/>
+            <a:ext cx="839082" cy="185819"/>
           </a:xfrm>
           <a:prstGeom prst="roundRect">
             <a:avLst/>
@@ -7204,16 +6951,23 @@
           <a:bodyPr lIns="0" tIns="0" rIns="0" bIns="0" rtlCol="0" anchor="ctr"/>
           <a:lstStyle/>
           <a:p>
-            <a:pPr algn="ctr"/>
-            <a:r>
-              <a:rPr lang="nl-NL" sz="1200" dirty="0" err="1">
+            <a:r>
+              <a:rPr lang="nl-NL" sz="700" i="1" dirty="0">
                 <a:solidFill>
                   <a:schemeClr val="tx1"/>
                 </a:solidFill>
               </a:rPr>
-              <a:t>oppleo.ini</a:t>
-            </a:r>
-            <a:endParaRPr lang="nl-NL" sz="1200" dirty="0">
+              <a:t>DB independent </a:t>
+            </a:r>
+            <a:r>
+              <a:rPr lang="nl-NL" sz="700" i="1" dirty="0" err="1">
+                <a:solidFill>
+                  <a:schemeClr val="tx1"/>
+                </a:solidFill>
+              </a:rPr>
+              <a:t>config</a:t>
+            </a:r>
+            <a:endParaRPr lang="nl-NL" sz="700" i="1" dirty="0">
               <a:solidFill>
                 <a:schemeClr val="tx1"/>
               </a:solidFill>
@@ -7223,10 +6977,10 @@
       </p:sp>
       <p:sp>
         <p:nvSpPr>
-          <p:cNvPr id="146" name="Afgeronde rechthoek 145">
-            <a:extLst>
-              <a:ext uri="{FF2B5EF4-FFF2-40B4-BE49-F238E27FC236}">
-                <a16:creationId xmlns:a16="http://schemas.microsoft.com/office/drawing/2014/main" id="{D73BE525-F24D-1D06-75EC-B9DC854A7AFD}"/>
+          <p:cNvPr id="147" name="Afgeronde rechthoek 146">
+            <a:extLst>
+              <a:ext uri="{FF2B5EF4-FFF2-40B4-BE49-F238E27FC236}">
+                <a16:creationId xmlns:a16="http://schemas.microsoft.com/office/drawing/2014/main" id="{1730CACD-5058-1252-40A4-2C0782756FC4}"/>
               </a:ext>
             </a:extLst>
           </p:cNvPr>
@@ -7235,8 +6989,8 @@
         </p:nvSpPr>
         <p:spPr>
           <a:xfrm>
-            <a:off x="8513949" y="6028417"/>
-            <a:ext cx="1521766" cy="185819"/>
+            <a:off x="6253946" y="4194674"/>
+            <a:ext cx="525369" cy="185819"/>
           </a:xfrm>
           <a:prstGeom prst="roundRect">
             <a:avLst/>
@@ -7266,24 +7020,39 @@
           <a:bodyPr lIns="0" tIns="0" rIns="0" bIns="0" rtlCol="0" anchor="ctr"/>
           <a:lstStyle/>
           <a:p>
-            <a:pPr algn="ctr"/>
-            <a:r>
-              <a:rPr lang="nl-NL" sz="1200" dirty="0">
+            <a:r>
+              <a:rPr lang="nl-NL" sz="700" i="1" dirty="0">
                 <a:solidFill>
                   <a:schemeClr val="tx1"/>
                 </a:solidFill>
               </a:rPr>
-              <a:t>DB independent </a:t>
-            </a:r>
-            <a:r>
-              <a:rPr lang="nl-NL" sz="1200" dirty="0" err="1">
+              <a:t>DB </a:t>
+            </a:r>
+            <a:r>
+              <a:rPr lang="nl-NL" sz="700" i="1" dirty="0" err="1">
                 <a:solidFill>
                   <a:schemeClr val="tx1"/>
                 </a:solidFill>
               </a:rPr>
+              <a:t>contained</a:t>
+            </a:r>
+            <a:r>
+              <a:rPr lang="nl-NL" sz="700" i="1" dirty="0">
+                <a:solidFill>
+                  <a:schemeClr val="tx1"/>
+                </a:solidFill>
+              </a:rPr>
+              <a:t> </a:t>
+            </a:r>
+            <a:r>
+              <a:rPr lang="nl-NL" sz="700" i="1" dirty="0" err="1">
+                <a:solidFill>
+                  <a:schemeClr val="tx1"/>
+                </a:solidFill>
+              </a:rPr>
               <a:t>config</a:t>
             </a:r>
-            <a:endParaRPr lang="nl-NL" sz="1200" dirty="0">
+            <a:endParaRPr lang="nl-NL" sz="700" i="1" dirty="0">
               <a:solidFill>
                 <a:schemeClr val="tx1"/>
               </a:solidFill>
@@ -7293,10 +7062,10 @@
       </p:sp>
       <p:sp>
         <p:nvSpPr>
-          <p:cNvPr id="147" name="Afgeronde rechthoek 146">
-            <a:extLst>
-              <a:ext uri="{FF2B5EF4-FFF2-40B4-BE49-F238E27FC236}">
-                <a16:creationId xmlns:a16="http://schemas.microsoft.com/office/drawing/2014/main" id="{1730CACD-5058-1252-40A4-2C0782756FC4}"/>
+          <p:cNvPr id="157" name="Afgeronde rechthoek 156">
+            <a:extLst>
+              <a:ext uri="{FF2B5EF4-FFF2-40B4-BE49-F238E27FC236}">
+                <a16:creationId xmlns:a16="http://schemas.microsoft.com/office/drawing/2014/main" id="{C9A36801-E332-BF97-35FF-A2E4CB368218}"/>
               </a:ext>
             </a:extLst>
           </p:cNvPr>
@@ -7305,16 +7074,12 @@
         </p:nvSpPr>
         <p:spPr>
           <a:xfrm>
-            <a:off x="8505857" y="5275587"/>
-            <a:ext cx="1378328" cy="185819"/>
+            <a:off x="5866623" y="691388"/>
+            <a:ext cx="1489145" cy="180000"/>
           </a:xfrm>
           <a:prstGeom prst="roundRect">
             <a:avLst/>
           </a:prstGeom>
-          <a:noFill/>
-          <a:ln>
-            <a:noFill/>
-          </a:ln>
         </p:spPr>
         <p:style>
           <a:lnRef idx="2">
@@ -7338,51 +7103,25 @@
           <a:p>
             <a:pPr algn="ctr"/>
             <a:r>
-              <a:rPr lang="nl-NL" sz="1200" dirty="0">
-                <a:solidFill>
-                  <a:schemeClr val="tx1"/>
-                </a:solidFill>
-              </a:rPr>
-              <a:t>DB </a:t>
-            </a:r>
-            <a:r>
-              <a:rPr lang="nl-NL" sz="1200" dirty="0" err="1">
-                <a:solidFill>
-                  <a:schemeClr val="tx1"/>
-                </a:solidFill>
-              </a:rPr>
-              <a:t>contained</a:t>
-            </a:r>
-            <a:r>
-              <a:rPr lang="nl-NL" sz="1200" dirty="0">
-                <a:solidFill>
-                  <a:schemeClr val="tx1"/>
-                </a:solidFill>
-              </a:rPr>
-              <a:t> </a:t>
-            </a:r>
-            <a:r>
-              <a:rPr lang="nl-NL" sz="1200" dirty="0" err="1">
-                <a:solidFill>
-                  <a:schemeClr val="tx1"/>
-                </a:solidFill>
-              </a:rPr>
-              <a:t>config</a:t>
-            </a:r>
-            <a:endParaRPr lang="nl-NL" sz="1200" dirty="0">
-              <a:solidFill>
-                <a:schemeClr val="tx1"/>
-              </a:solidFill>
-            </a:endParaRPr>
-          </a:p>
-        </p:txBody>
-      </p:sp>
-      <p:sp>
-        <p:nvSpPr>
-          <p:cNvPr id="157" name="Afgeronde rechthoek 156">
-            <a:extLst>
-              <a:ext uri="{FF2B5EF4-FFF2-40B4-BE49-F238E27FC236}">
-                <a16:creationId xmlns:a16="http://schemas.microsoft.com/office/drawing/2014/main" id="{C9A36801-E332-BF97-35FF-A2E4CB368218}"/>
+              <a:rPr lang="nl-NL" sz="1000" b="0" dirty="0" err="1">
+                <a:solidFill>
+                  <a:srgbClr val="4EC9B0"/>
+                </a:solidFill>
+                <a:effectLst/>
+                <a:latin typeface="Menlo" panose="020B0609030804020204" pitchFamily="49" charset="0"/>
+              </a:rPr>
+              <a:t>EnergyModbusReader</a:t>
+            </a:r>
+            <a:endParaRPr lang="nl-NL" sz="1000" dirty="0"/>
+          </a:p>
+        </p:txBody>
+      </p:sp>
+      <p:sp>
+        <p:nvSpPr>
+          <p:cNvPr id="158" name="Afgeronde rechthoek 157">
+            <a:extLst>
+              <a:ext uri="{FF2B5EF4-FFF2-40B4-BE49-F238E27FC236}">
+                <a16:creationId xmlns:a16="http://schemas.microsoft.com/office/drawing/2014/main" id="{28A5DAF0-152E-3E9B-2428-B3035B4AE948}"/>
               </a:ext>
             </a:extLst>
           </p:cNvPr>
@@ -7391,8 +7130,8 @@
         </p:nvSpPr>
         <p:spPr>
           <a:xfrm>
-            <a:off x="8395040" y="245289"/>
-            <a:ext cx="1984830" cy="215170"/>
+            <a:off x="5866622" y="915179"/>
+            <a:ext cx="2143858" cy="180000"/>
           </a:xfrm>
           <a:prstGeom prst="roundRect">
             <a:avLst/>
@@ -7420,80 +7159,16 @@
           <a:p>
             <a:pPr algn="ctr"/>
             <a:r>
-              <a:rPr lang="nl-NL" sz="1200" b="0" dirty="0" err="1">
+              <a:rPr lang="nl-NL" sz="1000" b="0" dirty="0" err="1">
                 <a:solidFill>
                   <a:srgbClr val="4EC9B0"/>
                 </a:solidFill>
                 <a:effectLst/>
                 <a:latin typeface="Menlo" panose="020B0609030804020204" pitchFamily="49" charset="0"/>
               </a:rPr>
-              <a:t>EnergyModbusReader</a:t>
-            </a:r>
-            <a:r>
-              <a:rPr lang="nl-NL" sz="1200" dirty="0" err="1"/>
-              <a:t>.py</a:t>
-            </a:r>
-            <a:endParaRPr lang="nl-NL" sz="1200" dirty="0"/>
-          </a:p>
-        </p:txBody>
-      </p:sp>
-      <p:sp>
-        <p:nvSpPr>
-          <p:cNvPr id="158" name="Afgeronde rechthoek 157">
-            <a:extLst>
-              <a:ext uri="{FF2B5EF4-FFF2-40B4-BE49-F238E27FC236}">
-                <a16:creationId xmlns:a16="http://schemas.microsoft.com/office/drawing/2014/main" id="{28A5DAF0-152E-3E9B-2428-B3035B4AE948}"/>
-              </a:ext>
-            </a:extLst>
-          </p:cNvPr>
-          <p:cNvSpPr/>
-          <p:nvPr/>
-        </p:nvSpPr>
-        <p:spPr>
-          <a:xfrm>
-            <a:off x="8395038" y="519823"/>
-            <a:ext cx="2798867" cy="215170"/>
-          </a:xfrm>
-          <a:prstGeom prst="roundRect">
-            <a:avLst/>
-          </a:prstGeom>
-        </p:spPr>
-        <p:style>
-          <a:lnRef idx="2">
-            <a:schemeClr val="accent1">
-              <a:shade val="15000"/>
-            </a:schemeClr>
-          </a:lnRef>
-          <a:fillRef idx="1">
-            <a:schemeClr val="accent1"/>
-          </a:fillRef>
-          <a:effectRef idx="0">
-            <a:schemeClr val="accent1"/>
-          </a:effectRef>
-          <a:fontRef idx="minor">
-            <a:schemeClr val="lt1"/>
-          </a:fontRef>
-        </p:style>
-        <p:txBody>
-          <a:bodyPr lIns="0" tIns="0" rIns="0" bIns="0" rtlCol="0" anchor="ctr"/>
-          <a:lstStyle/>
-          <a:p>
-            <a:pPr algn="ctr"/>
-            <a:r>
-              <a:rPr lang="nl-NL" sz="1200" b="0" dirty="0" err="1">
-                <a:solidFill>
-                  <a:srgbClr val="4EC9B0"/>
-                </a:solidFill>
-                <a:effectLst/>
-                <a:latin typeface="Menlo" panose="020B0609030804020204" pitchFamily="49" charset="0"/>
-              </a:rPr>
               <a:t>EnergyModbusReaderSimulator</a:t>
             </a:r>
-            <a:r>
-              <a:rPr lang="nl-NL" sz="1200" dirty="0" err="1"/>
-              <a:t>.py</a:t>
-            </a:r>
-            <a:endParaRPr lang="nl-NL" sz="1200" dirty="0"/>
+            <a:endParaRPr lang="nl-NL" sz="1000" dirty="0"/>
           </a:p>
         </p:txBody>
       </p:sp>
@@ -7515,8 +7190,8 @@
         </p:nvCxnSpPr>
         <p:spPr>
           <a:xfrm flipV="1">
-            <a:off x="7979476" y="352874"/>
-            <a:ext cx="415564" cy="397760"/>
+            <a:off x="5590612" y="781388"/>
+            <a:ext cx="276011" cy="209605"/>
           </a:xfrm>
           <a:prstGeom prst="straightConnector1">
             <a:avLst/>
@@ -7557,9 +7232,9 @@
           <p:nvPr/>
         </p:nvCxnSpPr>
         <p:spPr>
-          <a:xfrm flipV="1">
-            <a:off x="7979476" y="627408"/>
-            <a:ext cx="415562" cy="123226"/>
+          <a:xfrm>
+            <a:off x="5590612" y="990993"/>
+            <a:ext cx="276010" cy="14186"/>
           </a:xfrm>
           <a:prstGeom prst="straightConnector1">
             <a:avLst/>
@@ -7597,7 +7272,7 @@
         </p:nvSpPr>
         <p:spPr>
           <a:xfrm>
-            <a:off x="10355629" y="102065"/>
+            <a:off x="6938551" y="425584"/>
             <a:ext cx="1069538" cy="185819"/>
           </a:xfrm>
           <a:prstGeom prst="roundRect">
@@ -7662,7 +7337,7 @@
         </p:nvSpPr>
         <p:spPr>
           <a:xfrm>
-            <a:off x="10592286" y="738010"/>
+            <a:off x="6792423" y="1131814"/>
             <a:ext cx="1267408" cy="185819"/>
           </a:xfrm>
           <a:prstGeom prst="roundRect">
@@ -7727,8 +7402,8 @@
         </p:nvSpPr>
         <p:spPr>
           <a:xfrm>
-            <a:off x="284565" y="5413717"/>
-            <a:ext cx="3084615" cy="193996"/>
+            <a:off x="120325" y="4710501"/>
+            <a:ext cx="2387983" cy="180000"/>
           </a:xfrm>
           <a:prstGeom prst="roundRect">
             <a:avLst/>
@@ -7756,7 +7431,7 @@
           <a:p>
             <a:pPr algn="ctr"/>
             <a:r>
-              <a:rPr lang="nl-NL" sz="1200" b="0" dirty="0" err="1">
+              <a:rPr lang="nl-NL" sz="1000" b="0" dirty="0" err="1">
                 <a:solidFill>
                   <a:srgbClr val="4EC9B0"/>
                 </a:solidFill>
@@ -7765,11 +7440,7 @@
               </a:rPr>
               <a:t>HomeAssistantMqttHandlerThread</a:t>
             </a:r>
-            <a:r>
-              <a:rPr lang="nl-NL" sz="1200" dirty="0" err="1"/>
-              <a:t>.py</a:t>
-            </a:r>
-            <a:endParaRPr lang="nl-NL" sz="1200" dirty="0"/>
+            <a:endParaRPr lang="nl-NL" sz="1000" dirty="0"/>
           </a:p>
         </p:txBody>
       </p:sp>
@@ -7784,15 +7455,15 @@
           </p:cNvPr>
           <p:cNvCxnSpPr>
             <a:cxnSpLocks/>
-            <a:stCxn id="171" idx="3"/>
-            <a:endCxn id="122" idx="1"/>
+            <a:stCxn id="171" idx="2"/>
+            <a:endCxn id="123" idx="0"/>
           </p:cNvCxnSpPr>
           <p:nvPr/>
         </p:nvCxnSpPr>
         <p:spPr>
-          <a:xfrm>
-            <a:off x="3369180" y="5510715"/>
-            <a:ext cx="419733" cy="293220"/>
+          <a:xfrm flipH="1">
+            <a:off x="1314131" y="4890501"/>
+            <a:ext cx="186" cy="481638"/>
           </a:xfrm>
           <a:prstGeom prst="straightConnector1">
             <a:avLst/>
@@ -7831,8 +7502,8 @@
         </p:nvSpPr>
         <p:spPr>
           <a:xfrm>
-            <a:off x="10138843" y="2972122"/>
-            <a:ext cx="1256723" cy="193996"/>
+            <a:off x="8841611" y="4079457"/>
+            <a:ext cx="880695" cy="180000"/>
           </a:xfrm>
           <a:prstGeom prst="roundRect">
             <a:avLst/>
@@ -7860,7 +7531,7 @@
           <a:p>
             <a:pPr algn="ctr"/>
             <a:r>
-              <a:rPr lang="nl-NL" sz="1200" b="0" dirty="0" err="1">
+              <a:rPr lang="nl-NL" sz="1000" b="0" dirty="0" err="1">
                 <a:solidFill>
                   <a:srgbClr val="4EC9B0"/>
                 </a:solidFill>
@@ -7869,11 +7540,7 @@
               </a:rPr>
               <a:t>RfidReader</a:t>
             </a:r>
-            <a:r>
-              <a:rPr lang="nl-NL" sz="1200" dirty="0" err="1"/>
-              <a:t>.py</a:t>
-            </a:r>
-            <a:endParaRPr lang="nl-NL" sz="1200" dirty="0"/>
+            <a:endParaRPr lang="nl-NL" sz="1000" dirty="0"/>
           </a:p>
         </p:txBody>
       </p:sp>
@@ -7895,8 +7562,8 @@
         </p:nvCxnSpPr>
         <p:spPr>
           <a:xfrm>
-            <a:off x="9034272" y="2774274"/>
-            <a:ext cx="1104571" cy="294846"/>
+            <a:off x="8137847" y="2945724"/>
+            <a:ext cx="703764" cy="1223733"/>
           </a:xfrm>
           <a:prstGeom prst="straightConnector1">
             <a:avLst/>
@@ -7934,8 +7601,8 @@
         </p:nvSpPr>
         <p:spPr>
           <a:xfrm>
-            <a:off x="10307922" y="3178019"/>
-            <a:ext cx="1267408" cy="143538"/>
+            <a:off x="9837279" y="4052977"/>
+            <a:ext cx="762470" cy="122504"/>
           </a:xfrm>
           <a:prstGeom prst="roundRect">
             <a:avLst/>
@@ -7966,7 +7633,7 @@
           <a:lstStyle/>
           <a:p>
             <a:r>
-              <a:rPr lang="nl-NL" sz="1200" dirty="0" err="1">
+              <a:rPr lang="nl-NL" sz="700" i="1" dirty="0" err="1">
                 <a:solidFill>
                   <a:schemeClr val="tx1"/>
                 </a:solidFill>
@@ -7974,7 +7641,7 @@
               <a:t>Detect</a:t>
             </a:r>
             <a:r>
-              <a:rPr lang="nl-NL" sz="1200" dirty="0">
+              <a:rPr lang="nl-NL" sz="700" i="1" dirty="0">
                 <a:solidFill>
                   <a:schemeClr val="tx1"/>
                 </a:solidFill>
@@ -7998,7 +7665,7 @@
         </p:nvSpPr>
         <p:spPr>
           <a:xfrm>
-            <a:off x="2636873" y="3667396"/>
+            <a:off x="2122523" y="2565732"/>
             <a:ext cx="4125307" cy="1439608"/>
           </a:xfrm>
           <a:prstGeom prst="roundRect">
@@ -8056,9 +7723,9 @@
           <p:nvPr/>
         </p:nvCxnSpPr>
         <p:spPr>
-          <a:xfrm flipH="1">
-            <a:off x="5082754" y="5687242"/>
-            <a:ext cx="968533" cy="399077"/>
+          <a:xfrm flipH="1" flipV="1">
+            <a:off x="3209820" y="5462139"/>
+            <a:ext cx="1351927" cy="3211"/>
           </a:xfrm>
           <a:prstGeom prst="straightConnector1">
             <a:avLst/>
@@ -8096,7 +7763,7 @@
         </p:nvSpPr>
         <p:spPr>
           <a:xfrm>
-            <a:off x="4820910" y="5385751"/>
+            <a:off x="3302019" y="4745212"/>
             <a:ext cx="1183482" cy="185819"/>
           </a:xfrm>
           <a:prstGeom prst="roundRect">
@@ -8166,7 +7833,7 @@
         </p:nvSpPr>
         <p:spPr>
           <a:xfrm>
-            <a:off x="6619659" y="5408512"/>
+            <a:off x="5130119" y="5189530"/>
             <a:ext cx="887514" cy="169523"/>
           </a:xfrm>
           <a:prstGeom prst="rect">
@@ -8292,7 +7959,7 @@
         </p:nvSpPr>
         <p:spPr>
           <a:xfrm>
-            <a:off x="5044117" y="5801512"/>
+            <a:off x="3436352" y="5304189"/>
             <a:ext cx="877994" cy="157950"/>
           </a:xfrm>
           <a:prstGeom prst="rect">
@@ -8418,8 +8085,8 @@
         </p:nvSpPr>
         <p:spPr>
           <a:xfrm>
-            <a:off x="3761123" y="5991211"/>
-            <a:ext cx="1321631" cy="190215"/>
+            <a:off x="1888189" y="5372139"/>
+            <a:ext cx="1321631" cy="180000"/>
           </a:xfrm>
           <a:prstGeom prst="roundRect">
             <a:avLst/>
@@ -8477,9 +8144,9 @@
           <p:nvPr/>
         </p:nvCxnSpPr>
         <p:spPr>
-          <a:xfrm flipH="1" flipV="1">
-            <a:off x="3480261" y="6047696"/>
-            <a:ext cx="280862" cy="38623"/>
+          <a:xfrm flipH="1">
+            <a:off x="1621535" y="5462139"/>
+            <a:ext cx="266654" cy="0"/>
           </a:xfrm>
           <a:prstGeom prst="straightConnector1">
             <a:avLst/>
@@ -8517,7 +8184,7 @@
         </p:nvSpPr>
         <p:spPr>
           <a:xfrm>
-            <a:off x="3995600" y="5400778"/>
+            <a:off x="3821595" y="4286990"/>
             <a:ext cx="410850" cy="147191"/>
           </a:xfrm>
           <a:prstGeom prst="roundRect">
@@ -8577,7 +8244,7 @@
         </p:nvCxnSpPr>
         <p:spPr>
           <a:xfrm>
-            <a:off x="6619660" y="5424809"/>
+            <a:off x="5130120" y="5205827"/>
             <a:ext cx="0" cy="169523"/>
           </a:xfrm>
           <a:prstGeom prst="straightConnector1">
@@ -8616,8 +8283,8 @@
         </p:nvSpPr>
         <p:spPr>
           <a:xfrm>
-            <a:off x="4908967" y="6386793"/>
-            <a:ext cx="1321631" cy="190215"/>
+            <a:off x="4561783" y="5834359"/>
+            <a:ext cx="1468862" cy="180000"/>
           </a:xfrm>
           <a:prstGeom prst="roundRect">
             <a:avLst/>
@@ -8672,8 +8339,8 @@
         </p:nvSpPr>
         <p:spPr>
           <a:xfrm>
-            <a:off x="4908967" y="6608081"/>
-            <a:ext cx="1469629" cy="190215"/>
+            <a:off x="4561783" y="6055647"/>
+            <a:ext cx="1469629" cy="180000"/>
           </a:xfrm>
           <a:prstGeom prst="roundRect">
             <a:avLst/>
@@ -8732,8 +8399,8 @@
         </p:nvCxnSpPr>
         <p:spPr>
           <a:xfrm flipH="1">
-            <a:off x="4511444" y="6481901"/>
-            <a:ext cx="397523" cy="14148"/>
+            <a:off x="4230133" y="5924359"/>
+            <a:ext cx="331650" cy="4187"/>
           </a:xfrm>
           <a:prstGeom prst="straightConnector1">
             <a:avLst/>
@@ -8775,8 +8442,8 @@
         </p:nvCxnSpPr>
         <p:spPr>
           <a:xfrm flipH="1">
-            <a:off x="4511444" y="6703189"/>
-            <a:ext cx="397523" cy="36621"/>
+            <a:off x="4234094" y="6145647"/>
+            <a:ext cx="327689" cy="4396"/>
           </a:xfrm>
           <a:prstGeom prst="straightConnector1">
             <a:avLst/>
@@ -8814,8 +8481,8 @@
         </p:nvSpPr>
         <p:spPr>
           <a:xfrm>
-            <a:off x="12758733" y="1132378"/>
-            <a:ext cx="2365766" cy="287645"/>
+            <a:off x="8713842" y="1785743"/>
+            <a:ext cx="2693218" cy="459659"/>
           </a:xfrm>
           <a:prstGeom prst="roundRect">
             <a:avLst>
@@ -8869,8 +8536,8 @@
         </p:nvSpPr>
         <p:spPr>
           <a:xfrm>
-            <a:off x="5736845" y="4994983"/>
-            <a:ext cx="911244" cy="177688"/>
+            <a:off x="2228397" y="2492713"/>
+            <a:ext cx="911244" cy="180000"/>
           </a:xfrm>
           <a:prstGeom prst="roundRect">
             <a:avLst/>
@@ -8928,92 +8595,6 @@
       </p:sp>
       <p:sp>
         <p:nvSpPr>
-          <p:cNvPr id="243" name="Tekstvak 242">
-            <a:extLst>
-              <a:ext uri="{FF2B5EF4-FFF2-40B4-BE49-F238E27FC236}">
-                <a16:creationId xmlns:a16="http://schemas.microsoft.com/office/drawing/2014/main" id="{824A578F-E6E9-3895-B023-1CD8892E898A}"/>
-              </a:ext>
-            </a:extLst>
-          </p:cNvPr>
-          <p:cNvSpPr txBox="1"/>
-          <p:nvPr/>
-        </p:nvSpPr>
-        <p:spPr>
-          <a:xfrm>
-            <a:off x="12322720" y="3945591"/>
-            <a:ext cx="6754926" cy="646331"/>
-          </a:xfrm>
-          <a:prstGeom prst="rect">
-            <a:avLst/>
-          </a:prstGeom>
-          <a:noFill/>
-        </p:spPr>
-        <p:txBody>
-          <a:bodyPr wrap="none" rtlCol="0">
-            <a:spAutoFit/>
-          </a:bodyPr>
-          <a:lstStyle/>
-          <a:p>
-            <a:r>
-              <a:rPr lang="nl-NL" dirty="0" err="1"/>
-              <a:t>Notes</a:t>
-            </a:r>
-            <a:r>
-              <a:rPr lang="nl-NL" dirty="0"/>
-              <a:t>:</a:t>
-            </a:r>
-          </a:p>
-          <a:p>
-            <a:r>
-              <a:rPr lang="nl-NL" dirty="0" err="1"/>
-              <a:t>ChargerHandlerThread</a:t>
-            </a:r>
-            <a:r>
-              <a:rPr lang="nl-NL" dirty="0"/>
-              <a:t> is </a:t>
-            </a:r>
-            <a:r>
-              <a:rPr lang="nl-NL" dirty="0" err="1"/>
-              <a:t>itself</a:t>
-            </a:r>
-            <a:r>
-              <a:rPr lang="nl-NL" dirty="0"/>
-              <a:t> </a:t>
-            </a:r>
-            <a:r>
-              <a:rPr lang="nl-NL" dirty="0" err="1"/>
-              <a:t>not</a:t>
-            </a:r>
-            <a:r>
-              <a:rPr lang="nl-NL" dirty="0"/>
-              <a:t> a real thread, </a:t>
-            </a:r>
-            <a:r>
-              <a:rPr lang="nl-NL" dirty="0" err="1"/>
-              <a:t>only</a:t>
-            </a:r>
-            <a:r>
-              <a:rPr lang="nl-NL" dirty="0"/>
-              <a:t> </a:t>
-            </a:r>
-            <a:r>
-              <a:rPr lang="nl-NL" dirty="0" err="1"/>
-              <a:t>lanches</a:t>
-            </a:r>
-            <a:r>
-              <a:rPr lang="nl-NL" dirty="0"/>
-              <a:t> 3 </a:t>
-            </a:r>
-            <a:r>
-              <a:rPr lang="nl-NL" dirty="0" err="1"/>
-              <a:t>others</a:t>
-            </a:r>
-            <a:endParaRPr lang="nl-NL" dirty="0"/>
-          </a:p>
-        </p:txBody>
-      </p:sp>
-      <p:sp>
-        <p:nvSpPr>
           <p:cNvPr id="244" name="Afgeronde rechthoek 243">
             <a:extLst>
               <a:ext uri="{FF2B5EF4-FFF2-40B4-BE49-F238E27FC236}">
@@ -9026,8 +8607,8 @@
         </p:nvSpPr>
         <p:spPr>
           <a:xfrm>
-            <a:off x="12758733" y="1575773"/>
-            <a:ext cx="2365766" cy="287645"/>
+            <a:off x="8687350" y="3120519"/>
+            <a:ext cx="2719710" cy="669580"/>
           </a:xfrm>
           <a:prstGeom prst="roundRect">
             <a:avLst>
@@ -9081,8 +8662,8 @@
         </p:nvSpPr>
         <p:spPr>
           <a:xfrm>
-            <a:off x="12758733" y="1999500"/>
-            <a:ext cx="2365766" cy="287645"/>
+            <a:off x="8687350" y="4015970"/>
+            <a:ext cx="1945533" cy="455120"/>
           </a:xfrm>
           <a:prstGeom prst="roundRect">
             <a:avLst>
@@ -9136,7 +8717,7 @@
         </p:nvSpPr>
         <p:spPr>
           <a:xfrm>
-            <a:off x="12889752" y="2199347"/>
+            <a:off x="8755790" y="4344104"/>
             <a:ext cx="1315488" cy="177688"/>
           </a:xfrm>
           <a:prstGeom prst="roundRect">
@@ -9207,7 +8788,7 @@
         </p:nvSpPr>
         <p:spPr>
           <a:xfrm>
-            <a:off x="12889752" y="1298162"/>
+            <a:off x="8844862" y="2123541"/>
             <a:ext cx="1754887" cy="177688"/>
           </a:xfrm>
           <a:prstGeom prst="roundRect">
@@ -9278,7 +8859,7 @@
         </p:nvSpPr>
         <p:spPr>
           <a:xfrm>
-            <a:off x="12889752" y="1740415"/>
+            <a:off x="8755790" y="3717902"/>
             <a:ext cx="1602487" cy="177688"/>
           </a:xfrm>
           <a:prstGeom prst="roundRect">
@@ -9335,10 +8916,4273 @@
           </a:p>
         </p:txBody>
       </p:sp>
+      <p:sp>
+        <p:nvSpPr>
+          <p:cNvPr id="2" name="Afgeronde rechthoek 16">
+            <a:extLst>
+              <a:ext uri="{FF2B5EF4-FFF2-40B4-BE49-F238E27FC236}">
+                <a16:creationId xmlns:a16="http://schemas.microsoft.com/office/drawing/2014/main" id="{9E74A085-4F3E-786A-CE8E-17D1F79946F2}"/>
+              </a:ext>
+            </a:extLst>
+          </p:cNvPr>
+          <p:cNvSpPr/>
+          <p:nvPr/>
+        </p:nvSpPr>
+        <p:spPr>
+          <a:xfrm>
+            <a:off x="3692227" y="611403"/>
+            <a:ext cx="4367604" cy="1181683"/>
+          </a:xfrm>
+          <a:prstGeom prst="roundRect">
+            <a:avLst>
+              <a:gd name="adj" fmla="val 5818"/>
+            </a:avLst>
+          </a:prstGeom>
+          <a:noFill/>
+          <a:ln>
+            <a:solidFill>
+              <a:schemeClr val="accent1"/>
+            </a:solidFill>
+            <a:prstDash val="dash"/>
+          </a:ln>
+        </p:spPr>
+        <p:style>
+          <a:lnRef idx="2">
+            <a:schemeClr val="accent1">
+              <a:shade val="15000"/>
+            </a:schemeClr>
+          </a:lnRef>
+          <a:fillRef idx="1">
+            <a:schemeClr val="accent1"/>
+          </a:fillRef>
+          <a:effectRef idx="0">
+            <a:schemeClr val="accent1"/>
+          </a:effectRef>
+          <a:fontRef idx="minor">
+            <a:schemeClr val="lt1"/>
+          </a:fontRef>
+        </p:style>
+        <p:txBody>
+          <a:bodyPr lIns="0" tIns="0" rIns="0" bIns="0" rtlCol="0" anchor="ctr"/>
+          <a:lstStyle/>
+          <a:p>
+            <a:pPr algn="ctr"/>
+            <a:endParaRPr lang="nl-NL" sz="1200" i="1" dirty="0"/>
+          </a:p>
+        </p:txBody>
+      </p:sp>
+      <p:sp>
+        <p:nvSpPr>
+          <p:cNvPr id="3" name="Afgeronde rechthoek 235">
+            <a:extLst>
+              <a:ext uri="{FF2B5EF4-FFF2-40B4-BE49-F238E27FC236}">
+                <a16:creationId xmlns:a16="http://schemas.microsoft.com/office/drawing/2014/main" id="{294EF423-8F82-C8F2-1A33-1407DCD337B8}"/>
+              </a:ext>
+            </a:extLst>
+          </p:cNvPr>
+          <p:cNvSpPr/>
+          <p:nvPr/>
+        </p:nvSpPr>
+        <p:spPr>
+          <a:xfrm>
+            <a:off x="5328557" y="1716600"/>
+            <a:ext cx="2307374" cy="177688"/>
+          </a:xfrm>
+          <a:prstGeom prst="roundRect">
+            <a:avLst/>
+          </a:prstGeom>
+          <a:solidFill>
+            <a:schemeClr val="bg1"/>
+          </a:solidFill>
+          <a:ln>
+            <a:solidFill>
+              <a:schemeClr val="accent1"/>
+            </a:solidFill>
+          </a:ln>
+        </p:spPr>
+        <p:style>
+          <a:lnRef idx="2">
+            <a:schemeClr val="accent1">
+              <a:shade val="15000"/>
+            </a:schemeClr>
+          </a:lnRef>
+          <a:fillRef idx="1">
+            <a:schemeClr val="accent1"/>
+          </a:fillRef>
+          <a:effectRef idx="0">
+            <a:schemeClr val="accent1"/>
+          </a:effectRef>
+          <a:fontRef idx="minor">
+            <a:schemeClr val="lt1"/>
+          </a:fontRef>
+        </p:style>
+        <p:txBody>
+          <a:bodyPr lIns="0" tIns="0" rIns="0" bIns="0" rtlCol="0" anchor="ctr"/>
+          <a:lstStyle/>
+          <a:p>
+            <a:pPr algn="ctr"/>
+            <a:r>
+              <a:rPr lang="nl-NL" sz="1000" dirty="0" err="1">
+                <a:solidFill>
+                  <a:srgbClr val="3BAFDA"/>
+                </a:solidFill>
+                <a:latin typeface="Menlo" panose="020B0609030804020204" pitchFamily="49" charset="0"/>
+                <a:ea typeface="Menlo" panose="020B0609030804020204" pitchFamily="49" charset="0"/>
+                <a:cs typeface="Menlo" panose="020B0609030804020204" pitchFamily="49" charset="0"/>
+              </a:rPr>
+              <a:t>MeasureElectricityUsageThread</a:t>
+            </a:r>
+            <a:endParaRPr lang="nl-NL" sz="1000" dirty="0">
+              <a:solidFill>
+                <a:srgbClr val="3BAFDA"/>
+              </a:solidFill>
+              <a:latin typeface="Menlo" panose="020B0609030804020204" pitchFamily="49" charset="0"/>
+              <a:ea typeface="Menlo" panose="020B0609030804020204" pitchFamily="49" charset="0"/>
+              <a:cs typeface="Menlo" panose="020B0609030804020204" pitchFamily="49" charset="0"/>
+            </a:endParaRPr>
+          </a:p>
+        </p:txBody>
+      </p:sp>
+      <p:sp>
+        <p:nvSpPr>
+          <p:cNvPr id="131" name="Afgeronde rechthoek 106">
+            <a:extLst>
+              <a:ext uri="{FF2B5EF4-FFF2-40B4-BE49-F238E27FC236}">
+                <a16:creationId xmlns:a16="http://schemas.microsoft.com/office/drawing/2014/main" id="{EEA0A0D3-0857-C4D6-F94A-8DB98A41F55A}"/>
+              </a:ext>
+            </a:extLst>
+          </p:cNvPr>
+          <p:cNvSpPr/>
+          <p:nvPr/>
+        </p:nvSpPr>
+        <p:spPr>
+          <a:xfrm>
+            <a:off x="9940776" y="2411386"/>
+            <a:ext cx="678206" cy="180000"/>
+          </a:xfrm>
+          <a:prstGeom prst="roundRect">
+            <a:avLst/>
+          </a:prstGeom>
+        </p:spPr>
+        <p:style>
+          <a:lnRef idx="2">
+            <a:schemeClr val="accent1">
+              <a:shade val="15000"/>
+            </a:schemeClr>
+          </a:lnRef>
+          <a:fillRef idx="1">
+            <a:schemeClr val="accent1"/>
+          </a:fillRef>
+          <a:effectRef idx="0">
+            <a:schemeClr val="accent1"/>
+          </a:effectRef>
+          <a:fontRef idx="minor">
+            <a:schemeClr val="lt1"/>
+          </a:fontRef>
+        </p:style>
+        <p:txBody>
+          <a:bodyPr lIns="18000" tIns="0" rIns="0" bIns="0" rtlCol="0" anchor="ctr"/>
+          <a:lstStyle/>
+          <a:p>
+            <a:r>
+              <a:rPr lang="nl-NL" sz="800" b="0" dirty="0" err="1">
+                <a:solidFill>
+                  <a:srgbClr val="4EC9B0"/>
+                </a:solidFill>
+                <a:effectLst/>
+                <a:latin typeface="Menlo" panose="020B0609030804020204" pitchFamily="49" charset="0"/>
+              </a:rPr>
+              <a:t>BuzzerProd</a:t>
+            </a:r>
+            <a:endParaRPr lang="nl-NL" sz="800" dirty="0"/>
+          </a:p>
+        </p:txBody>
+      </p:sp>
+      <p:sp>
+        <p:nvSpPr>
+          <p:cNvPr id="132" name="Afgeronde rechthoek 107">
+            <a:extLst>
+              <a:ext uri="{FF2B5EF4-FFF2-40B4-BE49-F238E27FC236}">
+                <a16:creationId xmlns:a16="http://schemas.microsoft.com/office/drawing/2014/main" id="{BB1E540A-AB77-FB53-C377-5CA7BD84D3F2}"/>
+              </a:ext>
+            </a:extLst>
+          </p:cNvPr>
+          <p:cNvSpPr/>
+          <p:nvPr/>
+        </p:nvSpPr>
+        <p:spPr>
+          <a:xfrm>
+            <a:off x="9940776" y="2857010"/>
+            <a:ext cx="678206" cy="180000"/>
+          </a:xfrm>
+          <a:prstGeom prst="roundRect">
+            <a:avLst/>
+          </a:prstGeom>
+        </p:spPr>
+        <p:style>
+          <a:lnRef idx="2">
+            <a:schemeClr val="accent1">
+              <a:shade val="15000"/>
+            </a:schemeClr>
+          </a:lnRef>
+          <a:fillRef idx="1">
+            <a:schemeClr val="accent1"/>
+          </a:fillRef>
+          <a:effectRef idx="0">
+            <a:schemeClr val="accent1"/>
+          </a:effectRef>
+          <a:fontRef idx="minor">
+            <a:schemeClr val="lt1"/>
+          </a:fontRef>
+        </p:style>
+        <p:txBody>
+          <a:bodyPr lIns="18000" tIns="0" rIns="0" bIns="0" rtlCol="0" anchor="ctr"/>
+          <a:lstStyle/>
+          <a:p>
+            <a:r>
+              <a:rPr lang="nl-NL" sz="800" b="0" dirty="0" err="1">
+                <a:solidFill>
+                  <a:srgbClr val="4EC9B0"/>
+                </a:solidFill>
+                <a:effectLst/>
+                <a:latin typeface="Menlo" panose="020B0609030804020204" pitchFamily="49" charset="0"/>
+              </a:rPr>
+              <a:t>BuzzerDev</a:t>
+            </a:r>
+            <a:endParaRPr lang="nl-NL" sz="800" dirty="0"/>
+          </a:p>
+        </p:txBody>
+      </p:sp>
+      <p:cxnSp>
+        <p:nvCxnSpPr>
+          <p:cNvPr id="135" name="Rechte verbindingslijn met pijl 108">
+            <a:extLst>
+              <a:ext uri="{FF2B5EF4-FFF2-40B4-BE49-F238E27FC236}">
+                <a16:creationId xmlns:a16="http://schemas.microsoft.com/office/drawing/2014/main" id="{B2EF92B4-B1F9-AC00-AE28-DEC5AA1657E4}"/>
+              </a:ext>
+            </a:extLst>
+          </p:cNvPr>
+          <p:cNvCxnSpPr>
+            <a:cxnSpLocks/>
+            <a:stCxn id="43" idx="3"/>
+            <a:endCxn id="131" idx="1"/>
+          </p:cNvCxnSpPr>
+          <p:nvPr/>
+        </p:nvCxnSpPr>
+        <p:spPr>
+          <a:xfrm>
+            <a:off x="9524807" y="2495741"/>
+            <a:ext cx="415969" cy="5645"/>
+          </a:xfrm>
+          <a:prstGeom prst="straightConnector1">
+            <a:avLst/>
+          </a:prstGeom>
+          <a:ln>
+            <a:tailEnd type="triangle"/>
+          </a:ln>
+        </p:spPr>
+        <p:style>
+          <a:lnRef idx="1">
+            <a:schemeClr val="accent1"/>
+          </a:lnRef>
+          <a:fillRef idx="0">
+            <a:schemeClr val="accent1"/>
+          </a:fillRef>
+          <a:effectRef idx="0">
+            <a:schemeClr val="accent1"/>
+          </a:effectRef>
+          <a:fontRef idx="minor">
+            <a:schemeClr val="tx1"/>
+          </a:fontRef>
+        </p:style>
+      </p:cxnSp>
+      <p:cxnSp>
+        <p:nvCxnSpPr>
+          <p:cNvPr id="140" name="Rechte verbindingslijn met pijl 108">
+            <a:extLst>
+              <a:ext uri="{FF2B5EF4-FFF2-40B4-BE49-F238E27FC236}">
+                <a16:creationId xmlns:a16="http://schemas.microsoft.com/office/drawing/2014/main" id="{6E0D0764-8948-8F04-322B-E2835BD42939}"/>
+              </a:ext>
+            </a:extLst>
+          </p:cNvPr>
+          <p:cNvCxnSpPr>
+            <a:cxnSpLocks/>
+            <a:stCxn id="43" idx="3"/>
+            <a:endCxn id="132" idx="1"/>
+          </p:cNvCxnSpPr>
+          <p:nvPr/>
+        </p:nvCxnSpPr>
+        <p:spPr>
+          <a:xfrm>
+            <a:off x="9524807" y="2495741"/>
+            <a:ext cx="415969" cy="451269"/>
+          </a:xfrm>
+          <a:prstGeom prst="straightConnector1">
+            <a:avLst/>
+          </a:prstGeom>
+          <a:ln>
+            <a:tailEnd type="triangle"/>
+          </a:ln>
+        </p:spPr>
+        <p:style>
+          <a:lnRef idx="1">
+            <a:schemeClr val="accent1"/>
+          </a:lnRef>
+          <a:fillRef idx="0">
+            <a:schemeClr val="accent1"/>
+          </a:fillRef>
+          <a:effectRef idx="0">
+            <a:schemeClr val="accent1"/>
+          </a:effectRef>
+          <a:fontRef idx="minor">
+            <a:schemeClr val="tx1"/>
+          </a:fontRef>
+        </p:style>
+      </p:cxnSp>
+      <p:sp>
+        <p:nvSpPr>
+          <p:cNvPr id="150" name="Afgeronde rechthoek 243">
+            <a:extLst>
+              <a:ext uri="{FF2B5EF4-FFF2-40B4-BE49-F238E27FC236}">
+                <a16:creationId xmlns:a16="http://schemas.microsoft.com/office/drawing/2014/main" id="{657DB674-4928-380A-9B27-2F90F928659B}"/>
+              </a:ext>
+            </a:extLst>
+          </p:cNvPr>
+          <p:cNvSpPr/>
+          <p:nvPr/>
+        </p:nvSpPr>
+        <p:spPr>
+          <a:xfrm>
+            <a:off x="9837279" y="2372354"/>
+            <a:ext cx="1569781" cy="337925"/>
+          </a:xfrm>
+          <a:prstGeom prst="roundRect">
+            <a:avLst>
+              <a:gd name="adj" fmla="val 5818"/>
+            </a:avLst>
+          </a:prstGeom>
+          <a:noFill/>
+          <a:ln>
+            <a:solidFill>
+              <a:schemeClr val="accent1"/>
+            </a:solidFill>
+            <a:prstDash val="dash"/>
+          </a:ln>
+        </p:spPr>
+        <p:style>
+          <a:lnRef idx="2">
+            <a:schemeClr val="accent1">
+              <a:shade val="15000"/>
+            </a:schemeClr>
+          </a:lnRef>
+          <a:fillRef idx="1">
+            <a:schemeClr val="accent1"/>
+          </a:fillRef>
+          <a:effectRef idx="0">
+            <a:schemeClr val="accent1"/>
+          </a:effectRef>
+          <a:fontRef idx="minor">
+            <a:schemeClr val="lt1"/>
+          </a:fontRef>
+        </p:style>
+        <p:txBody>
+          <a:bodyPr lIns="0" tIns="0" rIns="0" bIns="0" rtlCol="0" anchor="ctr"/>
+          <a:lstStyle/>
+          <a:p>
+            <a:pPr algn="ctr"/>
+            <a:endParaRPr lang="nl-NL" sz="1200" i="1" dirty="0"/>
+          </a:p>
+        </p:txBody>
+      </p:sp>
+      <p:sp>
+        <p:nvSpPr>
+          <p:cNvPr id="154" name="Afgeronde rechthoek 241">
+            <a:extLst>
+              <a:ext uri="{FF2B5EF4-FFF2-40B4-BE49-F238E27FC236}">
+                <a16:creationId xmlns:a16="http://schemas.microsoft.com/office/drawing/2014/main" id="{B9467B19-B330-FC41-CB76-4E4FF67F3D1F}"/>
+              </a:ext>
+            </a:extLst>
+          </p:cNvPr>
+          <p:cNvSpPr/>
+          <p:nvPr/>
+        </p:nvSpPr>
+        <p:spPr>
+          <a:xfrm>
+            <a:off x="9972859" y="2617039"/>
+            <a:ext cx="972240" cy="177688"/>
+          </a:xfrm>
+          <a:prstGeom prst="roundRect">
+            <a:avLst/>
+          </a:prstGeom>
+          <a:solidFill>
+            <a:schemeClr val="bg1"/>
+          </a:solidFill>
+          <a:ln>
+            <a:solidFill>
+              <a:schemeClr val="accent1"/>
+            </a:solidFill>
+          </a:ln>
+        </p:spPr>
+        <p:style>
+          <a:lnRef idx="2">
+            <a:schemeClr val="accent1">
+              <a:shade val="15000"/>
+            </a:schemeClr>
+          </a:lnRef>
+          <a:fillRef idx="1">
+            <a:schemeClr val="accent1"/>
+          </a:fillRef>
+          <a:effectRef idx="0">
+            <a:schemeClr val="accent1"/>
+          </a:effectRef>
+          <a:fontRef idx="minor">
+            <a:schemeClr val="lt1"/>
+          </a:fontRef>
+        </p:style>
+        <p:txBody>
+          <a:bodyPr lIns="0" tIns="0" rIns="0" bIns="0" rtlCol="0" anchor="ctr"/>
+          <a:lstStyle/>
+          <a:p>
+            <a:pPr algn="ctr"/>
+            <a:r>
+              <a:rPr lang="nl-NL" sz="1000" b="0" i="0" dirty="0" err="1">
+                <a:solidFill>
+                  <a:srgbClr val="3BAFDA"/>
+                </a:solidFill>
+                <a:effectLst/>
+                <a:latin typeface="Menlo" panose="020B0609030804020204" pitchFamily="49" charset="0"/>
+                <a:ea typeface="Menlo" panose="020B0609030804020204" pitchFamily="49" charset="0"/>
+                <a:cs typeface="Menlo" panose="020B0609030804020204" pitchFamily="49" charset="0"/>
+              </a:rPr>
+              <a:t>BuzzerThread</a:t>
+            </a:r>
+            <a:endParaRPr lang="nl-NL" sz="1000" dirty="0">
+              <a:solidFill>
+                <a:srgbClr val="4EC9B0"/>
+              </a:solidFill>
+              <a:latin typeface="Menlo" panose="020B0609030804020204" pitchFamily="49" charset="0"/>
+            </a:endParaRPr>
+          </a:p>
+        </p:txBody>
+      </p:sp>
+      <p:sp>
+        <p:nvSpPr>
+          <p:cNvPr id="160" name="Afgeronde rechthoek 42">
+            <a:extLst>
+              <a:ext uri="{FF2B5EF4-FFF2-40B4-BE49-F238E27FC236}">
+                <a16:creationId xmlns:a16="http://schemas.microsoft.com/office/drawing/2014/main" id="{F9403F58-E5B8-F02E-EAC2-B54CC9E54503}"/>
+              </a:ext>
+            </a:extLst>
+          </p:cNvPr>
+          <p:cNvSpPr/>
+          <p:nvPr/>
+        </p:nvSpPr>
+        <p:spPr>
+          <a:xfrm>
+            <a:off x="8844863" y="1878652"/>
+            <a:ext cx="1754886" cy="180000"/>
+          </a:xfrm>
+          <a:prstGeom prst="roundRect">
+            <a:avLst/>
+          </a:prstGeom>
+        </p:spPr>
+        <p:style>
+          <a:lnRef idx="2">
+            <a:schemeClr val="accent1">
+              <a:shade val="15000"/>
+            </a:schemeClr>
+          </a:lnRef>
+          <a:fillRef idx="1">
+            <a:schemeClr val="accent1"/>
+          </a:fillRef>
+          <a:effectRef idx="0">
+            <a:schemeClr val="accent1"/>
+          </a:effectRef>
+          <a:fontRef idx="minor">
+            <a:schemeClr val="lt1"/>
+          </a:fontRef>
+        </p:style>
+        <p:txBody>
+          <a:bodyPr lIns="0" tIns="0" rIns="0" bIns="0" rtlCol="0" anchor="ctr"/>
+          <a:lstStyle/>
+          <a:p>
+            <a:pPr algn="ctr"/>
+            <a:r>
+              <a:rPr lang="nl-NL" sz="1000" b="0" dirty="0" err="1">
+                <a:solidFill>
+                  <a:srgbClr val="4EC9B0"/>
+                </a:solidFill>
+                <a:effectLst/>
+                <a:latin typeface="Menlo" panose="020B0609030804020204" pitchFamily="49" charset="0"/>
+              </a:rPr>
+              <a:t>RGBLedControllerThread</a:t>
+            </a:r>
+            <a:endParaRPr lang="nl-NL" sz="1000" dirty="0"/>
+          </a:p>
+        </p:txBody>
+      </p:sp>
+      <p:cxnSp>
+        <p:nvCxnSpPr>
+          <p:cNvPr id="161" name="Rechte verbindingslijn met pijl 48">
+            <a:extLst>
+              <a:ext uri="{FF2B5EF4-FFF2-40B4-BE49-F238E27FC236}">
+                <a16:creationId xmlns:a16="http://schemas.microsoft.com/office/drawing/2014/main" id="{76B7F0D5-6DAB-89C2-655C-51702431E04B}"/>
+              </a:ext>
+            </a:extLst>
+          </p:cNvPr>
+          <p:cNvCxnSpPr>
+            <a:cxnSpLocks/>
+            <a:endCxn id="160" idx="1"/>
+          </p:cNvCxnSpPr>
+          <p:nvPr/>
+        </p:nvCxnSpPr>
+        <p:spPr>
+          <a:xfrm flipV="1">
+            <a:off x="8169930" y="1968652"/>
+            <a:ext cx="674933" cy="936420"/>
+          </a:xfrm>
+          <a:prstGeom prst="straightConnector1">
+            <a:avLst/>
+          </a:prstGeom>
+          <a:ln>
+            <a:tailEnd type="triangle"/>
+          </a:ln>
+        </p:spPr>
+        <p:style>
+          <a:lnRef idx="1">
+            <a:schemeClr val="accent1"/>
+          </a:lnRef>
+          <a:fillRef idx="0">
+            <a:schemeClr val="accent1"/>
+          </a:fillRef>
+          <a:effectRef idx="0">
+            <a:schemeClr val="accent1"/>
+          </a:effectRef>
+          <a:fontRef idx="minor">
+            <a:schemeClr val="tx1"/>
+          </a:fontRef>
+        </p:style>
+      </p:cxnSp>
+      <p:sp>
+        <p:nvSpPr>
+          <p:cNvPr id="42" name="Afgeronde rechthoek 41">
+            <a:extLst>
+              <a:ext uri="{FF2B5EF4-FFF2-40B4-BE49-F238E27FC236}">
+                <a16:creationId xmlns:a16="http://schemas.microsoft.com/office/drawing/2014/main" id="{BC6DDD8F-1567-EF69-EFB8-527D15E167C8}"/>
+              </a:ext>
+            </a:extLst>
+          </p:cNvPr>
+          <p:cNvSpPr/>
+          <p:nvPr/>
+        </p:nvSpPr>
+        <p:spPr>
+          <a:xfrm>
+            <a:off x="6318948" y="3074803"/>
+            <a:ext cx="855830" cy="435932"/>
+          </a:xfrm>
+          <a:prstGeom prst="roundRect">
+            <a:avLst>
+              <a:gd name="adj" fmla="val 9268"/>
+            </a:avLst>
+          </a:prstGeom>
+          <a:solidFill>
+            <a:schemeClr val="bg1">
+              <a:alpha val="74000"/>
+            </a:schemeClr>
+          </a:solidFill>
+          <a:ln>
+            <a:noFill/>
+          </a:ln>
+        </p:spPr>
+        <p:style>
+          <a:lnRef idx="2">
+            <a:schemeClr val="accent1">
+              <a:shade val="15000"/>
+            </a:schemeClr>
+          </a:lnRef>
+          <a:fillRef idx="1">
+            <a:schemeClr val="accent1"/>
+          </a:fillRef>
+          <a:effectRef idx="0">
+            <a:schemeClr val="accent1"/>
+          </a:effectRef>
+          <a:fontRef idx="minor">
+            <a:schemeClr val="lt1"/>
+          </a:fontRef>
+        </p:style>
+        <p:txBody>
+          <a:bodyPr lIns="0" tIns="0" rIns="0" bIns="0" rtlCol="0" anchor="ctr"/>
+          <a:lstStyle/>
+          <a:p>
+            <a:r>
+              <a:rPr lang="nl-NL" sz="800" b="0" dirty="0">
+                <a:solidFill>
+                  <a:srgbClr val="4EC9B0"/>
+                </a:solidFill>
+                <a:effectLst/>
+                <a:latin typeface="Menlo" panose="020B0609030804020204" pitchFamily="49" charset="0"/>
+              </a:rPr>
+              <a:t>Buzzer()</a:t>
+            </a:r>
+            <a:endParaRPr lang="nl-NL" sz="800" b="0" dirty="0">
+              <a:solidFill>
+                <a:srgbClr val="CCCCCC"/>
+              </a:solidFill>
+              <a:effectLst/>
+              <a:latin typeface="Menlo" panose="020B0609030804020204" pitchFamily="49" charset="0"/>
+            </a:endParaRPr>
+          </a:p>
+          <a:p>
+            <a:r>
+              <a:rPr lang="nl-NL" sz="800" b="0" dirty="0" err="1">
+                <a:solidFill>
+                  <a:srgbClr val="4EC9B0"/>
+                </a:solidFill>
+                <a:effectLst/>
+                <a:latin typeface="Menlo" panose="020B0609030804020204" pitchFamily="49" charset="0"/>
+              </a:rPr>
+              <a:t>EvseOutput</a:t>
+            </a:r>
+            <a:r>
+              <a:rPr lang="nl-NL" sz="800" b="0" dirty="0">
+                <a:solidFill>
+                  <a:srgbClr val="4EC9B0"/>
+                </a:solidFill>
+                <a:effectLst/>
+                <a:latin typeface="Menlo" panose="020B0609030804020204" pitchFamily="49" charset="0"/>
+              </a:rPr>
+              <a:t>()</a:t>
+            </a:r>
+            <a:endParaRPr lang="nl-NL" sz="800" b="0" dirty="0">
+              <a:solidFill>
+                <a:srgbClr val="CCCCCC"/>
+              </a:solidFill>
+              <a:effectLst/>
+              <a:latin typeface="Menlo" panose="020B0609030804020204" pitchFamily="49" charset="0"/>
+            </a:endParaRPr>
+          </a:p>
+          <a:p>
+            <a:r>
+              <a:rPr lang="nl-NL" sz="800" b="0" dirty="0" err="1">
+                <a:solidFill>
+                  <a:srgbClr val="4EC9B0"/>
+                </a:solidFill>
+                <a:effectLst/>
+                <a:latin typeface="Menlo" panose="020B0609030804020204" pitchFamily="49" charset="0"/>
+              </a:rPr>
+              <a:t>EvseReader</a:t>
+            </a:r>
+            <a:r>
+              <a:rPr lang="nl-NL" sz="800" b="0" dirty="0">
+                <a:solidFill>
+                  <a:srgbClr val="4EC9B0"/>
+                </a:solidFill>
+                <a:effectLst/>
+                <a:latin typeface="Menlo" panose="020B0609030804020204" pitchFamily="49" charset="0"/>
+              </a:rPr>
+              <a:t>()</a:t>
+            </a:r>
+            <a:endParaRPr lang="nl-NL" sz="800" dirty="0">
+              <a:solidFill>
+                <a:schemeClr val="tx1"/>
+              </a:solidFill>
+            </a:endParaRPr>
+          </a:p>
+        </p:txBody>
+      </p:sp>
+      <p:sp>
+        <p:nvSpPr>
+          <p:cNvPr id="197" name="Afgeronde rechthoek 16">
+            <a:extLst>
+              <a:ext uri="{FF2B5EF4-FFF2-40B4-BE49-F238E27FC236}">
+                <a16:creationId xmlns:a16="http://schemas.microsoft.com/office/drawing/2014/main" id="{59ED7B8F-805C-19DF-9BAF-486FF80FA1D7}"/>
+              </a:ext>
+            </a:extLst>
+          </p:cNvPr>
+          <p:cNvSpPr/>
+          <p:nvPr/>
+        </p:nvSpPr>
+        <p:spPr>
+          <a:xfrm>
+            <a:off x="37497" y="4580835"/>
+            <a:ext cx="2642594" cy="388898"/>
+          </a:xfrm>
+          <a:prstGeom prst="roundRect">
+            <a:avLst>
+              <a:gd name="adj" fmla="val 5818"/>
+            </a:avLst>
+          </a:prstGeom>
+          <a:noFill/>
+          <a:ln>
+            <a:solidFill>
+              <a:schemeClr val="accent1"/>
+            </a:solidFill>
+            <a:prstDash val="dash"/>
+          </a:ln>
+        </p:spPr>
+        <p:style>
+          <a:lnRef idx="2">
+            <a:schemeClr val="accent1">
+              <a:shade val="15000"/>
+            </a:schemeClr>
+          </a:lnRef>
+          <a:fillRef idx="1">
+            <a:schemeClr val="accent1"/>
+          </a:fillRef>
+          <a:effectRef idx="0">
+            <a:schemeClr val="accent1"/>
+          </a:effectRef>
+          <a:fontRef idx="minor">
+            <a:schemeClr val="lt1"/>
+          </a:fontRef>
+        </p:style>
+        <p:txBody>
+          <a:bodyPr lIns="0" tIns="0" rIns="0" bIns="0" rtlCol="0" anchor="ctr"/>
+          <a:lstStyle/>
+          <a:p>
+            <a:pPr algn="ctr"/>
+            <a:endParaRPr lang="nl-NL" sz="1200" i="1" dirty="0"/>
+          </a:p>
+        </p:txBody>
+      </p:sp>
+      <p:sp>
+        <p:nvSpPr>
+          <p:cNvPr id="198" name="Afgeronde rechthoek 235">
+            <a:extLst>
+              <a:ext uri="{FF2B5EF4-FFF2-40B4-BE49-F238E27FC236}">
+                <a16:creationId xmlns:a16="http://schemas.microsoft.com/office/drawing/2014/main" id="{E7916818-A356-E186-B786-A5710AE143DC}"/>
+              </a:ext>
+            </a:extLst>
+          </p:cNvPr>
+          <p:cNvSpPr/>
+          <p:nvPr/>
+        </p:nvSpPr>
+        <p:spPr>
+          <a:xfrm>
+            <a:off x="107896" y="4443992"/>
+            <a:ext cx="2350499" cy="180000"/>
+          </a:xfrm>
+          <a:prstGeom prst="roundRect">
+            <a:avLst/>
+          </a:prstGeom>
+          <a:solidFill>
+            <a:schemeClr val="bg1"/>
+          </a:solidFill>
+          <a:ln>
+            <a:solidFill>
+              <a:schemeClr val="accent1"/>
+            </a:solidFill>
+          </a:ln>
+        </p:spPr>
+        <p:style>
+          <a:lnRef idx="2">
+            <a:schemeClr val="accent1">
+              <a:shade val="15000"/>
+            </a:schemeClr>
+          </a:lnRef>
+          <a:fillRef idx="1">
+            <a:schemeClr val="accent1"/>
+          </a:fillRef>
+          <a:effectRef idx="0">
+            <a:schemeClr val="accent1"/>
+          </a:effectRef>
+          <a:fontRef idx="minor">
+            <a:schemeClr val="lt1"/>
+          </a:fontRef>
+        </p:style>
+        <p:txBody>
+          <a:bodyPr lIns="0" tIns="0" rIns="0" bIns="0" rtlCol="0" anchor="ctr"/>
+          <a:lstStyle/>
+          <a:p>
+            <a:pPr algn="ctr"/>
+            <a:r>
+              <a:rPr lang="nl-NL" sz="1000" dirty="0" err="1">
+                <a:solidFill>
+                  <a:srgbClr val="3BAFDA"/>
+                </a:solidFill>
+                <a:latin typeface="Menlo" panose="020B0609030804020204" pitchFamily="49" charset="0"/>
+                <a:ea typeface="Menlo" panose="020B0609030804020204" pitchFamily="49" charset="0"/>
+                <a:cs typeface="Menlo" panose="020B0609030804020204" pitchFamily="49" charset="0"/>
+              </a:rPr>
+              <a:t>HomeAssistantMqttHandlerThread</a:t>
+            </a:r>
+            <a:endParaRPr lang="nl-NL" sz="1000" dirty="0">
+              <a:solidFill>
+                <a:srgbClr val="3BAFDA"/>
+              </a:solidFill>
+              <a:latin typeface="Menlo" panose="020B0609030804020204" pitchFamily="49" charset="0"/>
+              <a:ea typeface="Menlo" panose="020B0609030804020204" pitchFamily="49" charset="0"/>
+              <a:cs typeface="Menlo" panose="020B0609030804020204" pitchFamily="49" charset="0"/>
+            </a:endParaRPr>
+          </a:p>
+        </p:txBody>
+      </p:sp>
+      <p:sp>
+        <p:nvSpPr>
+          <p:cNvPr id="212" name="Afgeronde rechthoek 29">
+            <a:extLst>
+              <a:ext uri="{FF2B5EF4-FFF2-40B4-BE49-F238E27FC236}">
+                <a16:creationId xmlns:a16="http://schemas.microsoft.com/office/drawing/2014/main" id="{07FD0AD6-686E-7CE5-6CC0-0D60917DF4B4}"/>
+              </a:ext>
+            </a:extLst>
+          </p:cNvPr>
+          <p:cNvSpPr/>
+          <p:nvPr/>
+        </p:nvSpPr>
+        <p:spPr>
+          <a:xfrm>
+            <a:off x="2533942" y="4239967"/>
+            <a:ext cx="1158537" cy="229738"/>
+          </a:xfrm>
+          <a:prstGeom prst="roundRect">
+            <a:avLst/>
+          </a:prstGeom>
+          <a:noFill/>
+          <a:ln>
+            <a:noFill/>
+          </a:ln>
+        </p:spPr>
+        <p:style>
+          <a:lnRef idx="2">
+            <a:schemeClr val="accent1">
+              <a:shade val="15000"/>
+            </a:schemeClr>
+          </a:lnRef>
+          <a:fillRef idx="1">
+            <a:schemeClr val="accent1"/>
+          </a:fillRef>
+          <a:effectRef idx="0">
+            <a:schemeClr val="accent1"/>
+          </a:effectRef>
+          <a:fontRef idx="minor">
+            <a:schemeClr val="lt1"/>
+          </a:fontRef>
+        </p:style>
+        <p:txBody>
+          <a:bodyPr lIns="0" tIns="0" rIns="0" bIns="0" rtlCol="0" anchor="ctr"/>
+          <a:lstStyle/>
+          <a:p>
+            <a:r>
+              <a:rPr lang="nl-NL" sz="700" i="1" dirty="0" err="1">
+                <a:solidFill>
+                  <a:schemeClr val="tx1"/>
+                </a:solidFill>
+              </a:rPr>
+              <a:t>Enables</a:t>
+            </a:r>
+            <a:r>
+              <a:rPr lang="nl-NL" sz="700" i="1" dirty="0">
+                <a:solidFill>
+                  <a:schemeClr val="tx1"/>
+                </a:solidFill>
+              </a:rPr>
+              <a:t> </a:t>
+            </a:r>
+            <a:r>
+              <a:rPr lang="nl-NL" sz="700" i="1" dirty="0" err="1">
+                <a:solidFill>
+                  <a:schemeClr val="tx1"/>
+                </a:solidFill>
+              </a:rPr>
+              <a:t>other</a:t>
+            </a:r>
+            <a:r>
+              <a:rPr lang="nl-NL" sz="700" i="1" dirty="0">
+                <a:solidFill>
+                  <a:schemeClr val="tx1"/>
+                </a:solidFill>
+              </a:rPr>
+              <a:t> </a:t>
+            </a:r>
+            <a:r>
+              <a:rPr lang="nl-NL" sz="700" i="1" dirty="0" err="1">
+                <a:solidFill>
+                  <a:schemeClr val="tx1"/>
+                </a:solidFill>
+              </a:rPr>
+              <a:t>threads</a:t>
+            </a:r>
+            <a:r>
+              <a:rPr lang="nl-NL" sz="700" i="1" dirty="0">
+                <a:solidFill>
+                  <a:schemeClr val="tx1"/>
+                </a:solidFill>
+              </a:rPr>
+              <a:t> </a:t>
+            </a:r>
+            <a:r>
+              <a:rPr lang="nl-NL" sz="700" i="1" dirty="0" err="1">
+                <a:solidFill>
+                  <a:schemeClr val="tx1"/>
+                </a:solidFill>
+              </a:rPr>
+              <a:t>to</a:t>
+            </a:r>
+            <a:r>
+              <a:rPr lang="nl-NL" sz="700" i="1" dirty="0">
+                <a:solidFill>
+                  <a:schemeClr val="tx1"/>
+                </a:solidFill>
+              </a:rPr>
+              <a:t> </a:t>
+            </a:r>
+            <a:r>
+              <a:rPr lang="nl-NL" sz="700" i="1" dirty="0" err="1">
+                <a:solidFill>
+                  <a:schemeClr val="tx1"/>
+                </a:solidFill>
+              </a:rPr>
+              <a:t>communicate</a:t>
+            </a:r>
+            <a:r>
+              <a:rPr lang="nl-NL" sz="700" i="1" dirty="0">
+                <a:solidFill>
+                  <a:schemeClr val="tx1"/>
+                </a:solidFill>
+              </a:rPr>
+              <a:t> </a:t>
+            </a:r>
+            <a:r>
+              <a:rPr lang="nl-NL" sz="700" i="1" dirty="0" err="1">
+                <a:solidFill>
+                  <a:schemeClr val="tx1"/>
+                </a:solidFill>
+              </a:rPr>
+              <a:t>though</a:t>
+            </a:r>
+            <a:r>
+              <a:rPr lang="nl-NL" sz="700" i="1" dirty="0">
+                <a:solidFill>
+                  <a:schemeClr val="tx1"/>
+                </a:solidFill>
+              </a:rPr>
+              <a:t> </a:t>
+            </a:r>
+            <a:r>
+              <a:rPr lang="nl-NL" sz="700" i="1" dirty="0" err="1">
+                <a:solidFill>
+                  <a:schemeClr val="tx1"/>
+                </a:solidFill>
+              </a:rPr>
+              <a:t>SocketIO</a:t>
+            </a:r>
+            <a:endParaRPr lang="nl-NL" sz="700" i="1" dirty="0">
+              <a:solidFill>
+                <a:schemeClr val="tx1"/>
+              </a:solidFill>
+            </a:endParaRPr>
+          </a:p>
+        </p:txBody>
+      </p:sp>
+      <p:sp>
+        <p:nvSpPr>
+          <p:cNvPr id="219" name="Afgeronde rechthoek 10">
+            <a:extLst>
+              <a:ext uri="{FF2B5EF4-FFF2-40B4-BE49-F238E27FC236}">
+                <a16:creationId xmlns:a16="http://schemas.microsoft.com/office/drawing/2014/main" id="{2626E32D-F9B0-50AE-6047-D2328035E686}"/>
+              </a:ext>
+            </a:extLst>
+          </p:cNvPr>
+          <p:cNvSpPr/>
+          <p:nvPr/>
+        </p:nvSpPr>
+        <p:spPr>
+          <a:xfrm>
+            <a:off x="5462799" y="4083381"/>
+            <a:ext cx="403751" cy="100190"/>
+          </a:xfrm>
+          <a:prstGeom prst="roundRect">
+            <a:avLst/>
+          </a:prstGeom>
+          <a:solidFill>
+            <a:schemeClr val="bg1">
+              <a:alpha val="80045"/>
+            </a:schemeClr>
+          </a:solidFill>
+          <a:ln>
+            <a:solidFill>
+              <a:srgbClr val="7030A0"/>
+            </a:solidFill>
+          </a:ln>
+        </p:spPr>
+        <p:style>
+          <a:lnRef idx="2">
+            <a:schemeClr val="accent1">
+              <a:shade val="15000"/>
+            </a:schemeClr>
+          </a:lnRef>
+          <a:fillRef idx="1">
+            <a:schemeClr val="accent1"/>
+          </a:fillRef>
+          <a:effectRef idx="0">
+            <a:schemeClr val="accent1"/>
+          </a:effectRef>
+          <a:fontRef idx="minor">
+            <a:schemeClr val="lt1"/>
+          </a:fontRef>
+        </p:style>
+        <p:txBody>
+          <a:bodyPr lIns="0" tIns="0" rIns="0" bIns="0" rtlCol="0" anchor="ctr"/>
+          <a:lstStyle/>
+          <a:p>
+            <a:pPr algn="ctr"/>
+            <a:r>
+              <a:rPr lang="en-GB" sz="500" b="0" dirty="0">
+                <a:solidFill>
+                  <a:srgbClr val="7030A0"/>
+                </a:solidFill>
+                <a:effectLst/>
+                <a:latin typeface="Menlo" panose="020B0609030804020204" pitchFamily="49" charset="0"/>
+              </a:rPr>
+              <a:t>Singleton</a:t>
+            </a:r>
+            <a:endParaRPr lang="nl-NL" sz="700" dirty="0">
+              <a:solidFill>
+                <a:srgbClr val="7030A0"/>
+              </a:solidFill>
+            </a:endParaRPr>
+          </a:p>
+        </p:txBody>
+      </p:sp>
+      <p:sp>
+        <p:nvSpPr>
+          <p:cNvPr id="220" name="Afgeronde rechthoek 10">
+            <a:extLst>
+              <a:ext uri="{FF2B5EF4-FFF2-40B4-BE49-F238E27FC236}">
+                <a16:creationId xmlns:a16="http://schemas.microsoft.com/office/drawing/2014/main" id="{4DA60C69-E0E8-7403-3B29-C10EF6DEEF20}"/>
+              </a:ext>
+            </a:extLst>
+          </p:cNvPr>
+          <p:cNvSpPr/>
+          <p:nvPr/>
+        </p:nvSpPr>
+        <p:spPr>
+          <a:xfrm>
+            <a:off x="4606594" y="4396080"/>
+            <a:ext cx="403751" cy="100190"/>
+          </a:xfrm>
+          <a:prstGeom prst="roundRect">
+            <a:avLst/>
+          </a:prstGeom>
+          <a:solidFill>
+            <a:schemeClr val="bg1">
+              <a:alpha val="80045"/>
+            </a:schemeClr>
+          </a:solidFill>
+          <a:ln>
+            <a:solidFill>
+              <a:srgbClr val="7030A0"/>
+            </a:solidFill>
+          </a:ln>
+        </p:spPr>
+        <p:style>
+          <a:lnRef idx="2">
+            <a:schemeClr val="accent1">
+              <a:shade val="15000"/>
+            </a:schemeClr>
+          </a:lnRef>
+          <a:fillRef idx="1">
+            <a:schemeClr val="accent1"/>
+          </a:fillRef>
+          <a:effectRef idx="0">
+            <a:schemeClr val="accent1"/>
+          </a:effectRef>
+          <a:fontRef idx="minor">
+            <a:schemeClr val="lt1"/>
+          </a:fontRef>
+        </p:style>
+        <p:txBody>
+          <a:bodyPr lIns="0" tIns="0" rIns="0" bIns="0" rtlCol="0" anchor="ctr"/>
+          <a:lstStyle/>
+          <a:p>
+            <a:pPr algn="ctr"/>
+            <a:r>
+              <a:rPr lang="en-GB" sz="500" b="0" dirty="0">
+                <a:solidFill>
+                  <a:srgbClr val="7030A0"/>
+                </a:solidFill>
+                <a:effectLst/>
+                <a:latin typeface="Menlo" panose="020B0609030804020204" pitchFamily="49" charset="0"/>
+              </a:rPr>
+              <a:t>Singleton</a:t>
+            </a:r>
+            <a:endParaRPr lang="nl-NL" sz="700" dirty="0">
+              <a:solidFill>
+                <a:srgbClr val="7030A0"/>
+              </a:solidFill>
+            </a:endParaRPr>
+          </a:p>
+        </p:txBody>
+      </p:sp>
+      <p:sp>
+        <p:nvSpPr>
+          <p:cNvPr id="223" name="Afgeronde rechthoek 10">
+            <a:extLst>
+              <a:ext uri="{FF2B5EF4-FFF2-40B4-BE49-F238E27FC236}">
+                <a16:creationId xmlns:a16="http://schemas.microsoft.com/office/drawing/2014/main" id="{AB507982-823E-25B5-C6AA-8BB55239E4FA}"/>
+              </a:ext>
+            </a:extLst>
+          </p:cNvPr>
+          <p:cNvSpPr/>
+          <p:nvPr/>
+        </p:nvSpPr>
+        <p:spPr>
+          <a:xfrm>
+            <a:off x="10794085" y="4995204"/>
+            <a:ext cx="403751" cy="100190"/>
+          </a:xfrm>
+          <a:prstGeom prst="roundRect">
+            <a:avLst/>
+          </a:prstGeom>
+          <a:solidFill>
+            <a:schemeClr val="bg1">
+              <a:alpha val="80045"/>
+            </a:schemeClr>
+          </a:solidFill>
+          <a:ln>
+            <a:solidFill>
+              <a:srgbClr val="7030A0"/>
+            </a:solidFill>
+          </a:ln>
+        </p:spPr>
+        <p:style>
+          <a:lnRef idx="2">
+            <a:schemeClr val="accent1">
+              <a:shade val="15000"/>
+            </a:schemeClr>
+          </a:lnRef>
+          <a:fillRef idx="1">
+            <a:schemeClr val="accent1"/>
+          </a:fillRef>
+          <a:effectRef idx="0">
+            <a:schemeClr val="accent1"/>
+          </a:effectRef>
+          <a:fontRef idx="minor">
+            <a:schemeClr val="lt1"/>
+          </a:fontRef>
+        </p:style>
+        <p:txBody>
+          <a:bodyPr lIns="0" tIns="0" rIns="0" bIns="0" rtlCol="0" anchor="ctr"/>
+          <a:lstStyle/>
+          <a:p>
+            <a:pPr algn="ctr"/>
+            <a:r>
+              <a:rPr lang="en-GB" sz="500" b="0" dirty="0">
+                <a:solidFill>
+                  <a:srgbClr val="7030A0"/>
+                </a:solidFill>
+                <a:effectLst/>
+                <a:latin typeface="Menlo" panose="020B0609030804020204" pitchFamily="49" charset="0"/>
+              </a:rPr>
+              <a:t>Singleton</a:t>
+            </a:r>
+            <a:endParaRPr lang="nl-NL" sz="700" dirty="0">
+              <a:solidFill>
+                <a:srgbClr val="7030A0"/>
+              </a:solidFill>
+            </a:endParaRPr>
+          </a:p>
+        </p:txBody>
+      </p:sp>
+      <p:sp>
+        <p:nvSpPr>
+          <p:cNvPr id="224" name="Afgeronde rechthoek 10">
+            <a:extLst>
+              <a:ext uri="{FF2B5EF4-FFF2-40B4-BE49-F238E27FC236}">
+                <a16:creationId xmlns:a16="http://schemas.microsoft.com/office/drawing/2014/main" id="{1C8F4D95-CDF1-A291-C44E-A3571B9B00F6}"/>
+              </a:ext>
+            </a:extLst>
+          </p:cNvPr>
+          <p:cNvSpPr/>
+          <p:nvPr/>
+        </p:nvSpPr>
+        <p:spPr>
+          <a:xfrm>
+            <a:off x="181027" y="4651955"/>
+            <a:ext cx="403751" cy="100190"/>
+          </a:xfrm>
+          <a:prstGeom prst="roundRect">
+            <a:avLst/>
+          </a:prstGeom>
+          <a:solidFill>
+            <a:schemeClr val="bg1">
+              <a:alpha val="80045"/>
+            </a:schemeClr>
+          </a:solidFill>
+          <a:ln>
+            <a:solidFill>
+              <a:srgbClr val="7030A0"/>
+            </a:solidFill>
+          </a:ln>
+        </p:spPr>
+        <p:style>
+          <a:lnRef idx="2">
+            <a:schemeClr val="accent1">
+              <a:shade val="15000"/>
+            </a:schemeClr>
+          </a:lnRef>
+          <a:fillRef idx="1">
+            <a:schemeClr val="accent1"/>
+          </a:fillRef>
+          <a:effectRef idx="0">
+            <a:schemeClr val="accent1"/>
+          </a:effectRef>
+          <a:fontRef idx="minor">
+            <a:schemeClr val="lt1"/>
+          </a:fontRef>
+        </p:style>
+        <p:txBody>
+          <a:bodyPr lIns="0" tIns="0" rIns="0" bIns="0" rtlCol="0" anchor="ctr"/>
+          <a:lstStyle/>
+          <a:p>
+            <a:pPr algn="ctr"/>
+            <a:r>
+              <a:rPr lang="en-GB" sz="500" b="0" dirty="0">
+                <a:solidFill>
+                  <a:srgbClr val="7030A0"/>
+                </a:solidFill>
+                <a:effectLst/>
+                <a:latin typeface="Menlo" panose="020B0609030804020204" pitchFamily="49" charset="0"/>
+              </a:rPr>
+              <a:t>Singleton</a:t>
+            </a:r>
+            <a:endParaRPr lang="nl-NL" sz="700" dirty="0">
+              <a:solidFill>
+                <a:srgbClr val="7030A0"/>
+              </a:solidFill>
+            </a:endParaRPr>
+          </a:p>
+        </p:txBody>
+      </p:sp>
+      <p:sp>
+        <p:nvSpPr>
+          <p:cNvPr id="225" name="Afgeronde rechthoek 10">
+            <a:extLst>
+              <a:ext uri="{FF2B5EF4-FFF2-40B4-BE49-F238E27FC236}">
+                <a16:creationId xmlns:a16="http://schemas.microsoft.com/office/drawing/2014/main" id="{8F1FD1D5-3BAE-2555-8425-CC192C0CEB16}"/>
+              </a:ext>
+            </a:extLst>
+          </p:cNvPr>
+          <p:cNvSpPr/>
+          <p:nvPr/>
+        </p:nvSpPr>
+        <p:spPr>
+          <a:xfrm>
+            <a:off x="1930263" y="5299034"/>
+            <a:ext cx="403751" cy="100190"/>
+          </a:xfrm>
+          <a:prstGeom prst="roundRect">
+            <a:avLst/>
+          </a:prstGeom>
+          <a:solidFill>
+            <a:schemeClr val="bg1">
+              <a:alpha val="80045"/>
+            </a:schemeClr>
+          </a:solidFill>
+          <a:ln>
+            <a:solidFill>
+              <a:srgbClr val="7030A0"/>
+            </a:solidFill>
+          </a:ln>
+        </p:spPr>
+        <p:style>
+          <a:lnRef idx="2">
+            <a:schemeClr val="accent1">
+              <a:shade val="15000"/>
+            </a:schemeClr>
+          </a:lnRef>
+          <a:fillRef idx="1">
+            <a:schemeClr val="accent1"/>
+          </a:fillRef>
+          <a:effectRef idx="0">
+            <a:schemeClr val="accent1"/>
+          </a:effectRef>
+          <a:fontRef idx="minor">
+            <a:schemeClr val="lt1"/>
+          </a:fontRef>
+        </p:style>
+        <p:txBody>
+          <a:bodyPr lIns="0" tIns="0" rIns="0" bIns="0" rtlCol="0" anchor="ctr"/>
+          <a:lstStyle/>
+          <a:p>
+            <a:pPr algn="ctr"/>
+            <a:r>
+              <a:rPr lang="en-GB" sz="500" b="0" dirty="0">
+                <a:solidFill>
+                  <a:srgbClr val="7030A0"/>
+                </a:solidFill>
+                <a:effectLst/>
+                <a:latin typeface="Menlo" panose="020B0609030804020204" pitchFamily="49" charset="0"/>
+              </a:rPr>
+              <a:t>Singleton</a:t>
+            </a:r>
+            <a:endParaRPr lang="nl-NL" sz="700" dirty="0">
+              <a:solidFill>
+                <a:srgbClr val="7030A0"/>
+              </a:solidFill>
+            </a:endParaRPr>
+          </a:p>
+        </p:txBody>
+      </p:sp>
+      <p:sp>
+        <p:nvSpPr>
+          <p:cNvPr id="231" name="Afgeronde rechthoek 141">
+            <a:extLst>
+              <a:ext uri="{FF2B5EF4-FFF2-40B4-BE49-F238E27FC236}">
+                <a16:creationId xmlns:a16="http://schemas.microsoft.com/office/drawing/2014/main" id="{CBE2DBE2-4044-30CD-1D80-01FC29A997A4}"/>
+              </a:ext>
+            </a:extLst>
+          </p:cNvPr>
+          <p:cNvSpPr/>
+          <p:nvPr/>
+        </p:nvSpPr>
+        <p:spPr>
+          <a:xfrm>
+            <a:off x="331942" y="3081723"/>
+            <a:ext cx="1157641" cy="180000"/>
+          </a:xfrm>
+          <a:prstGeom prst="roundRect">
+            <a:avLst/>
+          </a:prstGeom>
+        </p:spPr>
+        <p:style>
+          <a:lnRef idx="2">
+            <a:schemeClr val="accent1">
+              <a:shade val="15000"/>
+            </a:schemeClr>
+          </a:lnRef>
+          <a:fillRef idx="1">
+            <a:schemeClr val="accent1"/>
+          </a:fillRef>
+          <a:effectRef idx="0">
+            <a:schemeClr val="accent1"/>
+          </a:effectRef>
+          <a:fontRef idx="minor">
+            <a:schemeClr val="lt1"/>
+          </a:fontRef>
+        </p:style>
+        <p:txBody>
+          <a:bodyPr lIns="0" tIns="0" rIns="0" bIns="0" rtlCol="0" anchor="ctr"/>
+          <a:lstStyle/>
+          <a:p>
+            <a:pPr algn="ctr"/>
+            <a:r>
+              <a:rPr lang="nl-NL" sz="1000" b="0" dirty="0" err="1">
+                <a:solidFill>
+                  <a:srgbClr val="4EC9B0"/>
+                </a:solidFill>
+                <a:effectLst/>
+                <a:latin typeface="Menlo" panose="020B0609030804020204" pitchFamily="49" charset="0"/>
+              </a:rPr>
+              <a:t>ModulePresence</a:t>
+            </a:r>
+            <a:endParaRPr lang="nl-NL" sz="1000" dirty="0"/>
+          </a:p>
+        </p:txBody>
+      </p:sp>
+      <p:sp>
+        <p:nvSpPr>
+          <p:cNvPr id="232" name="Afgeronde rechthoek 10">
+            <a:extLst>
+              <a:ext uri="{FF2B5EF4-FFF2-40B4-BE49-F238E27FC236}">
+                <a16:creationId xmlns:a16="http://schemas.microsoft.com/office/drawing/2014/main" id="{B11D7629-01F2-59E8-A1F8-EA6790EAD284}"/>
+              </a:ext>
+            </a:extLst>
+          </p:cNvPr>
+          <p:cNvSpPr/>
+          <p:nvPr/>
+        </p:nvSpPr>
+        <p:spPr>
+          <a:xfrm>
+            <a:off x="380181" y="2995022"/>
+            <a:ext cx="403751" cy="100190"/>
+          </a:xfrm>
+          <a:prstGeom prst="roundRect">
+            <a:avLst/>
+          </a:prstGeom>
+          <a:solidFill>
+            <a:schemeClr val="bg1">
+              <a:alpha val="80045"/>
+            </a:schemeClr>
+          </a:solidFill>
+          <a:ln>
+            <a:solidFill>
+              <a:srgbClr val="7030A0"/>
+            </a:solidFill>
+          </a:ln>
+        </p:spPr>
+        <p:style>
+          <a:lnRef idx="2">
+            <a:schemeClr val="accent1">
+              <a:shade val="15000"/>
+            </a:schemeClr>
+          </a:lnRef>
+          <a:fillRef idx="1">
+            <a:schemeClr val="accent1"/>
+          </a:fillRef>
+          <a:effectRef idx="0">
+            <a:schemeClr val="accent1"/>
+          </a:effectRef>
+          <a:fontRef idx="minor">
+            <a:schemeClr val="lt1"/>
+          </a:fontRef>
+        </p:style>
+        <p:txBody>
+          <a:bodyPr lIns="0" tIns="0" rIns="0" bIns="0" rtlCol="0" anchor="ctr"/>
+          <a:lstStyle/>
+          <a:p>
+            <a:pPr algn="ctr"/>
+            <a:r>
+              <a:rPr lang="en-GB" sz="500" b="0" dirty="0">
+                <a:solidFill>
+                  <a:srgbClr val="7030A0"/>
+                </a:solidFill>
+                <a:effectLst/>
+                <a:latin typeface="Menlo" panose="020B0609030804020204" pitchFamily="49" charset="0"/>
+              </a:rPr>
+              <a:t>Singleton</a:t>
+            </a:r>
+            <a:endParaRPr lang="nl-NL" sz="700" dirty="0">
+              <a:solidFill>
+                <a:srgbClr val="7030A0"/>
+              </a:solidFill>
+            </a:endParaRPr>
+          </a:p>
+        </p:txBody>
+      </p:sp>
+      <p:sp>
+        <p:nvSpPr>
+          <p:cNvPr id="233" name="Afgeronde rechthoek 29">
+            <a:extLst>
+              <a:ext uri="{FF2B5EF4-FFF2-40B4-BE49-F238E27FC236}">
+                <a16:creationId xmlns:a16="http://schemas.microsoft.com/office/drawing/2014/main" id="{907A28B6-398F-4971-A313-41B5C13D0319}"/>
+              </a:ext>
+            </a:extLst>
+          </p:cNvPr>
+          <p:cNvSpPr/>
+          <p:nvPr/>
+        </p:nvSpPr>
+        <p:spPr>
+          <a:xfrm>
+            <a:off x="370615" y="3271034"/>
+            <a:ext cx="721996" cy="98228"/>
+          </a:xfrm>
+          <a:prstGeom prst="roundRect">
+            <a:avLst/>
+          </a:prstGeom>
+          <a:noFill/>
+          <a:ln>
+            <a:noFill/>
+          </a:ln>
+        </p:spPr>
+        <p:style>
+          <a:lnRef idx="2">
+            <a:schemeClr val="accent1">
+              <a:shade val="15000"/>
+            </a:schemeClr>
+          </a:lnRef>
+          <a:fillRef idx="1">
+            <a:schemeClr val="accent1"/>
+          </a:fillRef>
+          <a:effectRef idx="0">
+            <a:schemeClr val="accent1"/>
+          </a:effectRef>
+          <a:fontRef idx="minor">
+            <a:schemeClr val="lt1"/>
+          </a:fontRef>
+        </p:style>
+        <p:txBody>
+          <a:bodyPr lIns="0" tIns="0" rIns="0" bIns="0" rtlCol="0" anchor="ctr"/>
+          <a:lstStyle/>
+          <a:p>
+            <a:r>
+              <a:rPr lang="nl-NL" sz="700" i="1" dirty="0">
+                <a:solidFill>
+                  <a:schemeClr val="tx1"/>
+                </a:solidFill>
+              </a:rPr>
+              <a:t>MFRC522 GPIO IO</a:t>
+            </a:r>
+          </a:p>
+        </p:txBody>
+      </p:sp>
+      <p:sp>
+        <p:nvSpPr>
+          <p:cNvPr id="248" name="Afgeronde rechthoek 16">
+            <a:extLst>
+              <a:ext uri="{FF2B5EF4-FFF2-40B4-BE49-F238E27FC236}">
+                <a16:creationId xmlns:a16="http://schemas.microsoft.com/office/drawing/2014/main" id="{BF167122-4481-5171-9B95-70370EEF75FB}"/>
+              </a:ext>
+            </a:extLst>
+          </p:cNvPr>
+          <p:cNvSpPr/>
+          <p:nvPr/>
+        </p:nvSpPr>
+        <p:spPr>
+          <a:xfrm>
+            <a:off x="8715374" y="329799"/>
+            <a:ext cx="2024665" cy="496864"/>
+          </a:xfrm>
+          <a:prstGeom prst="roundRect">
+            <a:avLst>
+              <a:gd name="adj" fmla="val 5818"/>
+            </a:avLst>
+          </a:prstGeom>
+          <a:noFill/>
+          <a:ln>
+            <a:solidFill>
+              <a:schemeClr val="accent1"/>
+            </a:solidFill>
+            <a:prstDash val="dash"/>
+          </a:ln>
+        </p:spPr>
+        <p:style>
+          <a:lnRef idx="2">
+            <a:schemeClr val="accent1">
+              <a:shade val="15000"/>
+            </a:schemeClr>
+          </a:lnRef>
+          <a:fillRef idx="1">
+            <a:schemeClr val="accent1"/>
+          </a:fillRef>
+          <a:effectRef idx="0">
+            <a:schemeClr val="accent1"/>
+          </a:effectRef>
+          <a:fontRef idx="minor">
+            <a:schemeClr val="lt1"/>
+          </a:fontRef>
+        </p:style>
+        <p:txBody>
+          <a:bodyPr lIns="0" tIns="0" rIns="0" bIns="0" rtlCol="0" anchor="ctr"/>
+          <a:lstStyle/>
+          <a:p>
+            <a:pPr algn="ctr"/>
+            <a:endParaRPr lang="nl-NL" sz="1200" i="1" dirty="0"/>
+          </a:p>
+        </p:txBody>
+      </p:sp>
+      <p:sp>
+        <p:nvSpPr>
+          <p:cNvPr id="249" name="Afgeronde rechthoek 235">
+            <a:extLst>
+              <a:ext uri="{FF2B5EF4-FFF2-40B4-BE49-F238E27FC236}">
+                <a16:creationId xmlns:a16="http://schemas.microsoft.com/office/drawing/2014/main" id="{06F2D424-F5EA-42EF-23D6-7C6155C50CAE}"/>
+              </a:ext>
+            </a:extLst>
+          </p:cNvPr>
+          <p:cNvSpPr/>
+          <p:nvPr/>
+        </p:nvSpPr>
+        <p:spPr>
+          <a:xfrm>
+            <a:off x="9266181" y="718060"/>
+            <a:ext cx="1176468" cy="177688"/>
+          </a:xfrm>
+          <a:prstGeom prst="roundRect">
+            <a:avLst/>
+          </a:prstGeom>
+          <a:solidFill>
+            <a:schemeClr val="bg1"/>
+          </a:solidFill>
+          <a:ln>
+            <a:solidFill>
+              <a:schemeClr val="accent1"/>
+            </a:solidFill>
+          </a:ln>
+        </p:spPr>
+        <p:style>
+          <a:lnRef idx="2">
+            <a:schemeClr val="accent1">
+              <a:shade val="15000"/>
+            </a:schemeClr>
+          </a:lnRef>
+          <a:fillRef idx="1">
+            <a:schemeClr val="accent1"/>
+          </a:fillRef>
+          <a:effectRef idx="0">
+            <a:schemeClr val="accent1"/>
+          </a:effectRef>
+          <a:fontRef idx="minor">
+            <a:schemeClr val="lt1"/>
+          </a:fontRef>
+        </p:style>
+        <p:txBody>
+          <a:bodyPr lIns="0" tIns="0" rIns="0" bIns="0" rtlCol="0" anchor="ctr"/>
+          <a:lstStyle/>
+          <a:p>
+            <a:pPr algn="ctr"/>
+            <a:r>
+              <a:rPr lang="nl-NL" sz="1000" dirty="0" err="1">
+                <a:solidFill>
+                  <a:srgbClr val="3BAFDA"/>
+                </a:solidFill>
+                <a:latin typeface="Menlo" panose="020B0609030804020204" pitchFamily="49" charset="0"/>
+                <a:ea typeface="Menlo" panose="020B0609030804020204" pitchFamily="49" charset="0"/>
+                <a:cs typeface="Menlo" panose="020B0609030804020204" pitchFamily="49" charset="0"/>
+              </a:rPr>
+              <a:t>TeslaUtilThread</a:t>
+            </a:r>
+            <a:endParaRPr lang="nl-NL" sz="1000" dirty="0">
+              <a:solidFill>
+                <a:srgbClr val="3BAFDA"/>
+              </a:solidFill>
+              <a:latin typeface="Menlo" panose="020B0609030804020204" pitchFamily="49" charset="0"/>
+              <a:ea typeface="Menlo" panose="020B0609030804020204" pitchFamily="49" charset="0"/>
+              <a:cs typeface="Menlo" panose="020B0609030804020204" pitchFamily="49" charset="0"/>
+            </a:endParaRPr>
+          </a:p>
+        </p:txBody>
+      </p:sp>
+      <p:sp>
+        <p:nvSpPr>
+          <p:cNvPr id="252" name="Afgeronde rechthoek 141">
+            <a:extLst>
+              <a:ext uri="{FF2B5EF4-FFF2-40B4-BE49-F238E27FC236}">
+                <a16:creationId xmlns:a16="http://schemas.microsoft.com/office/drawing/2014/main" id="{387215BA-2DA4-C2F4-2F52-022BFADB88A4}"/>
+              </a:ext>
+            </a:extLst>
+          </p:cNvPr>
+          <p:cNvSpPr/>
+          <p:nvPr/>
+        </p:nvSpPr>
+        <p:spPr>
+          <a:xfrm>
+            <a:off x="8832108" y="453345"/>
+            <a:ext cx="1789322" cy="180000"/>
+          </a:xfrm>
+          <a:prstGeom prst="roundRect">
+            <a:avLst/>
+          </a:prstGeom>
+        </p:spPr>
+        <p:style>
+          <a:lnRef idx="2">
+            <a:schemeClr val="accent1">
+              <a:shade val="15000"/>
+            </a:schemeClr>
+          </a:lnRef>
+          <a:fillRef idx="1">
+            <a:schemeClr val="accent1"/>
+          </a:fillRef>
+          <a:effectRef idx="0">
+            <a:schemeClr val="accent1"/>
+          </a:effectRef>
+          <a:fontRef idx="minor">
+            <a:schemeClr val="lt1"/>
+          </a:fontRef>
+        </p:style>
+        <p:txBody>
+          <a:bodyPr lIns="0" tIns="0" rIns="0" bIns="0" rtlCol="0" anchor="ctr"/>
+          <a:lstStyle/>
+          <a:p>
+            <a:pPr algn="ctr"/>
+            <a:r>
+              <a:rPr lang="nl-NL" sz="1000" b="0" dirty="0" err="1">
+                <a:solidFill>
+                  <a:srgbClr val="4EC9B0"/>
+                </a:solidFill>
+                <a:effectLst/>
+                <a:latin typeface="Menlo" panose="020B0609030804020204" pitchFamily="49" charset="0"/>
+              </a:rPr>
+              <a:t>UpdateOdometerTeslaUtil</a:t>
+            </a:r>
+            <a:endParaRPr lang="nl-NL" sz="1000" dirty="0"/>
+          </a:p>
+        </p:txBody>
+      </p:sp>
+      <p:sp>
+        <p:nvSpPr>
+          <p:cNvPr id="253" name="Afgeronde rechthoek 29">
+            <a:extLst>
+              <a:ext uri="{FF2B5EF4-FFF2-40B4-BE49-F238E27FC236}">
+                <a16:creationId xmlns:a16="http://schemas.microsoft.com/office/drawing/2014/main" id="{EB98CE0B-1B7C-3E37-56DD-6A032AB281D3}"/>
+              </a:ext>
+            </a:extLst>
+          </p:cNvPr>
+          <p:cNvSpPr/>
+          <p:nvPr/>
+        </p:nvSpPr>
+        <p:spPr>
+          <a:xfrm>
+            <a:off x="9685344" y="338357"/>
+            <a:ext cx="936086" cy="98228"/>
+          </a:xfrm>
+          <a:prstGeom prst="roundRect">
+            <a:avLst/>
+          </a:prstGeom>
+          <a:noFill/>
+          <a:ln>
+            <a:noFill/>
+          </a:ln>
+        </p:spPr>
+        <p:style>
+          <a:lnRef idx="2">
+            <a:schemeClr val="accent1">
+              <a:shade val="15000"/>
+            </a:schemeClr>
+          </a:lnRef>
+          <a:fillRef idx="1">
+            <a:schemeClr val="accent1"/>
+          </a:fillRef>
+          <a:effectRef idx="0">
+            <a:schemeClr val="accent1"/>
+          </a:effectRef>
+          <a:fontRef idx="minor">
+            <a:schemeClr val="lt1"/>
+          </a:fontRef>
+        </p:style>
+        <p:txBody>
+          <a:bodyPr lIns="0" tIns="0" rIns="0" bIns="0" rtlCol="0" anchor="ctr"/>
+          <a:lstStyle/>
+          <a:p>
+            <a:r>
+              <a:rPr lang="nl-NL" sz="700" i="1" dirty="0" err="1">
+                <a:solidFill>
+                  <a:schemeClr val="tx1"/>
+                </a:solidFill>
+              </a:rPr>
+              <a:t>Retrieve</a:t>
+            </a:r>
+            <a:r>
+              <a:rPr lang="nl-NL" sz="700" i="1" dirty="0">
+                <a:solidFill>
+                  <a:schemeClr val="tx1"/>
+                </a:solidFill>
+              </a:rPr>
+              <a:t> </a:t>
+            </a:r>
+            <a:r>
+              <a:rPr lang="nl-NL" sz="700" i="1" dirty="0" err="1">
+                <a:solidFill>
+                  <a:schemeClr val="tx1"/>
+                </a:solidFill>
+              </a:rPr>
+              <a:t>Odometer</a:t>
+            </a:r>
+            <a:r>
+              <a:rPr lang="nl-NL" sz="700" i="1" dirty="0">
+                <a:solidFill>
+                  <a:schemeClr val="tx1"/>
+                </a:solidFill>
+              </a:rPr>
+              <a:t> </a:t>
+            </a:r>
+            <a:r>
+              <a:rPr lang="nl-NL" sz="700" i="1" dirty="0" err="1">
+                <a:solidFill>
+                  <a:schemeClr val="tx1"/>
+                </a:solidFill>
+              </a:rPr>
+              <a:t>value</a:t>
+            </a:r>
+            <a:endParaRPr lang="nl-NL" sz="700" i="1" dirty="0">
+              <a:solidFill>
+                <a:schemeClr val="tx1"/>
+              </a:solidFill>
+            </a:endParaRPr>
+          </a:p>
+        </p:txBody>
+      </p:sp>
+      <p:sp>
+        <p:nvSpPr>
+          <p:cNvPr id="260" name="Afgeronde rechthoek 16">
+            <a:extLst>
+              <a:ext uri="{FF2B5EF4-FFF2-40B4-BE49-F238E27FC236}">
+                <a16:creationId xmlns:a16="http://schemas.microsoft.com/office/drawing/2014/main" id="{14122C2E-CEDC-C36B-D06D-1B2C3A4F9285}"/>
+              </a:ext>
+            </a:extLst>
+          </p:cNvPr>
+          <p:cNvSpPr/>
+          <p:nvPr/>
+        </p:nvSpPr>
+        <p:spPr>
+          <a:xfrm>
+            <a:off x="8693936" y="1028244"/>
+            <a:ext cx="2691361" cy="496864"/>
+          </a:xfrm>
+          <a:prstGeom prst="roundRect">
+            <a:avLst>
+              <a:gd name="adj" fmla="val 5818"/>
+            </a:avLst>
+          </a:prstGeom>
+          <a:noFill/>
+          <a:ln>
+            <a:solidFill>
+              <a:schemeClr val="accent1"/>
+            </a:solidFill>
+            <a:prstDash val="dash"/>
+          </a:ln>
+        </p:spPr>
+        <p:style>
+          <a:lnRef idx="2">
+            <a:schemeClr val="accent1">
+              <a:shade val="15000"/>
+            </a:schemeClr>
+          </a:lnRef>
+          <a:fillRef idx="1">
+            <a:schemeClr val="accent1"/>
+          </a:fillRef>
+          <a:effectRef idx="0">
+            <a:schemeClr val="accent1"/>
+          </a:effectRef>
+          <a:fontRef idx="minor">
+            <a:schemeClr val="lt1"/>
+          </a:fontRef>
+        </p:style>
+        <p:txBody>
+          <a:bodyPr lIns="0" tIns="0" rIns="0" bIns="0" rtlCol="0" anchor="ctr"/>
+          <a:lstStyle/>
+          <a:p>
+            <a:pPr algn="ctr"/>
+            <a:endParaRPr lang="nl-NL" sz="1200" i="1" dirty="0"/>
+          </a:p>
+        </p:txBody>
+      </p:sp>
+      <p:sp>
+        <p:nvSpPr>
+          <p:cNvPr id="261" name="Afgeronde rechthoek 235">
+            <a:extLst>
+              <a:ext uri="{FF2B5EF4-FFF2-40B4-BE49-F238E27FC236}">
+                <a16:creationId xmlns:a16="http://schemas.microsoft.com/office/drawing/2014/main" id="{633E288D-971E-45FC-EEC8-7786A4585FA9}"/>
+              </a:ext>
+            </a:extLst>
+          </p:cNvPr>
+          <p:cNvSpPr/>
+          <p:nvPr/>
+        </p:nvSpPr>
+        <p:spPr>
+          <a:xfrm>
+            <a:off x="8755790" y="1416505"/>
+            <a:ext cx="2475772" cy="177688"/>
+          </a:xfrm>
+          <a:prstGeom prst="roundRect">
+            <a:avLst/>
+          </a:prstGeom>
+          <a:solidFill>
+            <a:schemeClr val="bg1"/>
+          </a:solidFill>
+          <a:ln>
+            <a:solidFill>
+              <a:schemeClr val="accent1"/>
+            </a:solidFill>
+          </a:ln>
+        </p:spPr>
+        <p:style>
+          <a:lnRef idx="2">
+            <a:schemeClr val="accent1">
+              <a:shade val="15000"/>
+            </a:schemeClr>
+          </a:lnRef>
+          <a:fillRef idx="1">
+            <a:schemeClr val="accent1"/>
+          </a:fillRef>
+          <a:effectRef idx="0">
+            <a:schemeClr val="accent1"/>
+          </a:effectRef>
+          <a:fontRef idx="minor">
+            <a:schemeClr val="lt1"/>
+          </a:fontRef>
+        </p:style>
+        <p:txBody>
+          <a:bodyPr lIns="0" tIns="0" rIns="0" bIns="0" rtlCol="0" anchor="ctr"/>
+          <a:lstStyle/>
+          <a:p>
+            <a:pPr algn="ctr"/>
+            <a:r>
+              <a:rPr lang="en-GB" sz="1000" dirty="0" err="1">
+                <a:solidFill>
+                  <a:srgbClr val="3BAFDA"/>
+                </a:solidFill>
+                <a:latin typeface="Menlo" panose="020B0609030804020204" pitchFamily="49" charset="0"/>
+                <a:ea typeface="Menlo" panose="020B0609030804020204" pitchFamily="49" charset="0"/>
+                <a:cs typeface="Menlo" panose="020B0609030804020204" pitchFamily="49" charset="0"/>
+              </a:rPr>
+              <a:t>VehicleChargeStatusMonitorThread</a:t>
+            </a:r>
+            <a:endParaRPr lang="nl-NL" sz="1000" dirty="0">
+              <a:solidFill>
+                <a:srgbClr val="3BAFDA"/>
+              </a:solidFill>
+              <a:latin typeface="Menlo" panose="020B0609030804020204" pitchFamily="49" charset="0"/>
+              <a:ea typeface="Menlo" panose="020B0609030804020204" pitchFamily="49" charset="0"/>
+              <a:cs typeface="Menlo" panose="020B0609030804020204" pitchFamily="49" charset="0"/>
+            </a:endParaRPr>
+          </a:p>
+        </p:txBody>
+      </p:sp>
+      <p:sp>
+        <p:nvSpPr>
+          <p:cNvPr id="262" name="Afgeronde rechthoek 141">
+            <a:extLst>
+              <a:ext uri="{FF2B5EF4-FFF2-40B4-BE49-F238E27FC236}">
+                <a16:creationId xmlns:a16="http://schemas.microsoft.com/office/drawing/2014/main" id="{1E02856C-5DEF-1883-2160-21BEC7AA01F7}"/>
+              </a:ext>
+            </a:extLst>
+          </p:cNvPr>
+          <p:cNvSpPr/>
+          <p:nvPr/>
+        </p:nvSpPr>
+        <p:spPr>
+          <a:xfrm>
+            <a:off x="8810669" y="1151790"/>
+            <a:ext cx="2500769" cy="180000"/>
+          </a:xfrm>
+          <a:prstGeom prst="roundRect">
+            <a:avLst/>
+          </a:prstGeom>
+        </p:spPr>
+        <p:style>
+          <a:lnRef idx="2">
+            <a:schemeClr val="accent1">
+              <a:shade val="15000"/>
+            </a:schemeClr>
+          </a:lnRef>
+          <a:fillRef idx="1">
+            <a:schemeClr val="accent1"/>
+          </a:fillRef>
+          <a:effectRef idx="0">
+            <a:schemeClr val="accent1"/>
+          </a:effectRef>
+          <a:fontRef idx="minor">
+            <a:schemeClr val="lt1"/>
+          </a:fontRef>
+        </p:style>
+        <p:txBody>
+          <a:bodyPr lIns="0" tIns="0" rIns="0" bIns="0" rtlCol="0" anchor="ctr"/>
+          <a:lstStyle/>
+          <a:p>
+            <a:pPr algn="ctr"/>
+            <a:r>
+              <a:rPr lang="nl-NL" sz="1000" b="0" dirty="0" err="1">
+                <a:solidFill>
+                  <a:srgbClr val="4EC9B0"/>
+                </a:solidFill>
+                <a:effectLst/>
+                <a:latin typeface="Menlo" panose="020B0609030804020204" pitchFamily="49" charset="0"/>
+              </a:rPr>
+              <a:t>VehicleChargeStatusMonitorThread</a:t>
+            </a:r>
+            <a:endParaRPr lang="nl-NL" sz="1000" dirty="0"/>
+          </a:p>
+        </p:txBody>
+      </p:sp>
+      <p:sp>
+        <p:nvSpPr>
+          <p:cNvPr id="263" name="Afgeronde rechthoek 29">
+            <a:extLst>
+              <a:ext uri="{FF2B5EF4-FFF2-40B4-BE49-F238E27FC236}">
+                <a16:creationId xmlns:a16="http://schemas.microsoft.com/office/drawing/2014/main" id="{12FADDBA-FEE2-C52A-00C4-68403DBB1247}"/>
+              </a:ext>
+            </a:extLst>
+          </p:cNvPr>
+          <p:cNvSpPr/>
+          <p:nvPr/>
+        </p:nvSpPr>
+        <p:spPr>
+          <a:xfrm>
+            <a:off x="9663905" y="1036802"/>
+            <a:ext cx="1175291" cy="98228"/>
+          </a:xfrm>
+          <a:prstGeom prst="roundRect">
+            <a:avLst/>
+          </a:prstGeom>
+          <a:noFill/>
+          <a:ln>
+            <a:noFill/>
+          </a:ln>
+        </p:spPr>
+        <p:style>
+          <a:lnRef idx="2">
+            <a:schemeClr val="accent1">
+              <a:shade val="15000"/>
+            </a:schemeClr>
+          </a:lnRef>
+          <a:fillRef idx="1">
+            <a:schemeClr val="accent1"/>
+          </a:fillRef>
+          <a:effectRef idx="0">
+            <a:schemeClr val="accent1"/>
+          </a:effectRef>
+          <a:fontRef idx="minor">
+            <a:schemeClr val="lt1"/>
+          </a:fontRef>
+        </p:style>
+        <p:txBody>
+          <a:bodyPr lIns="0" tIns="0" rIns="0" bIns="0" rtlCol="0" anchor="ctr"/>
+          <a:lstStyle/>
+          <a:p>
+            <a:r>
+              <a:rPr lang="nl-NL" sz="700" i="1" dirty="0" err="1">
+                <a:solidFill>
+                  <a:schemeClr val="tx1"/>
+                </a:solidFill>
+              </a:rPr>
+              <a:t>Retrieve</a:t>
+            </a:r>
+            <a:r>
+              <a:rPr lang="nl-NL" sz="700" i="1" dirty="0">
+                <a:solidFill>
+                  <a:schemeClr val="tx1"/>
+                </a:solidFill>
+              </a:rPr>
+              <a:t> Vehicle Charge status</a:t>
+            </a:r>
+          </a:p>
+        </p:txBody>
+      </p:sp>
+      <p:cxnSp>
+        <p:nvCxnSpPr>
+          <p:cNvPr id="264" name="Rechte verbindingslijn met pijl 60">
+            <a:extLst>
+              <a:ext uri="{FF2B5EF4-FFF2-40B4-BE49-F238E27FC236}">
+                <a16:creationId xmlns:a16="http://schemas.microsoft.com/office/drawing/2014/main" id="{EB7A758C-019A-E3DF-D3CD-48266514DBAB}"/>
+              </a:ext>
+            </a:extLst>
+          </p:cNvPr>
+          <p:cNvCxnSpPr>
+            <a:cxnSpLocks/>
+            <a:stCxn id="262" idx="3"/>
+            <a:endCxn id="143" idx="2"/>
+          </p:cNvCxnSpPr>
+          <p:nvPr/>
+        </p:nvCxnSpPr>
+        <p:spPr>
+          <a:xfrm flipV="1">
+            <a:off x="11311438" y="858443"/>
+            <a:ext cx="165924" cy="383347"/>
+          </a:xfrm>
+          <a:prstGeom prst="straightConnector1">
+            <a:avLst/>
+          </a:prstGeom>
+          <a:ln>
+            <a:tailEnd type="triangle"/>
+          </a:ln>
+        </p:spPr>
+        <p:style>
+          <a:lnRef idx="1">
+            <a:schemeClr val="accent1"/>
+          </a:lnRef>
+          <a:fillRef idx="0">
+            <a:schemeClr val="accent1"/>
+          </a:fillRef>
+          <a:effectRef idx="0">
+            <a:schemeClr val="accent1"/>
+          </a:effectRef>
+          <a:fontRef idx="minor">
+            <a:schemeClr val="tx1"/>
+          </a:fontRef>
+        </p:style>
+      </p:cxnSp>
+      <p:sp>
+        <p:nvSpPr>
+          <p:cNvPr id="279" name="Afgeronde rechthoek 142">
+            <a:extLst>
+              <a:ext uri="{FF2B5EF4-FFF2-40B4-BE49-F238E27FC236}">
+                <a16:creationId xmlns:a16="http://schemas.microsoft.com/office/drawing/2014/main" id="{BC65B637-303B-51E8-1B3B-DD8C08694B70}"/>
+              </a:ext>
+            </a:extLst>
+          </p:cNvPr>
+          <p:cNvSpPr/>
+          <p:nvPr/>
+        </p:nvSpPr>
+        <p:spPr>
+          <a:xfrm>
+            <a:off x="11163340" y="160456"/>
+            <a:ext cx="628041" cy="148343"/>
+          </a:xfrm>
+          <a:prstGeom prst="roundRect">
+            <a:avLst/>
+          </a:prstGeom>
+          <a:solidFill>
+            <a:schemeClr val="bg1"/>
+          </a:solidFill>
+          <a:ln>
+            <a:solidFill>
+              <a:schemeClr val="accent1"/>
+            </a:solidFill>
+          </a:ln>
+        </p:spPr>
+        <p:style>
+          <a:lnRef idx="2">
+            <a:schemeClr val="accent1">
+              <a:shade val="15000"/>
+            </a:schemeClr>
+          </a:lnRef>
+          <a:fillRef idx="1">
+            <a:schemeClr val="accent1"/>
+          </a:fillRef>
+          <a:effectRef idx="0">
+            <a:schemeClr val="accent1"/>
+          </a:effectRef>
+          <a:fontRef idx="minor">
+            <a:schemeClr val="lt1"/>
+          </a:fontRef>
+        </p:style>
+        <p:txBody>
+          <a:bodyPr lIns="0" tIns="0" rIns="0" bIns="0" rtlCol="0" anchor="ctr"/>
+          <a:lstStyle/>
+          <a:p>
+            <a:pPr algn="ctr"/>
+            <a:r>
+              <a:rPr lang="nl-NL" sz="1200" i="1" dirty="0" err="1">
+                <a:solidFill>
+                  <a:schemeClr val="accent1"/>
+                </a:solidFill>
+              </a:rPr>
+              <a:t>TeslaPy</a:t>
+            </a:r>
+            <a:endParaRPr lang="nl-NL" sz="1200" i="1" dirty="0">
+              <a:solidFill>
+                <a:schemeClr val="accent1"/>
+              </a:solidFill>
+            </a:endParaRPr>
+          </a:p>
+        </p:txBody>
+      </p:sp>
+      <p:cxnSp>
+        <p:nvCxnSpPr>
+          <p:cNvPr id="280" name="Rechte verbindingslijn met pijl 60">
+            <a:extLst>
+              <a:ext uri="{FF2B5EF4-FFF2-40B4-BE49-F238E27FC236}">
+                <a16:creationId xmlns:a16="http://schemas.microsoft.com/office/drawing/2014/main" id="{86BF4BA2-BBF7-7A13-20A9-40D02A581BA2}"/>
+              </a:ext>
+            </a:extLst>
+          </p:cNvPr>
+          <p:cNvCxnSpPr>
+            <a:cxnSpLocks/>
+            <a:stCxn id="143" idx="0"/>
+            <a:endCxn id="283" idx="2"/>
+          </p:cNvCxnSpPr>
+          <p:nvPr/>
+        </p:nvCxnSpPr>
+        <p:spPr>
+          <a:xfrm flipV="1">
+            <a:off x="11477362" y="600581"/>
+            <a:ext cx="0" cy="77862"/>
+          </a:xfrm>
+          <a:prstGeom prst="straightConnector1">
+            <a:avLst/>
+          </a:prstGeom>
+          <a:ln>
+            <a:tailEnd type="triangle"/>
+          </a:ln>
+        </p:spPr>
+        <p:style>
+          <a:lnRef idx="1">
+            <a:schemeClr val="accent1"/>
+          </a:lnRef>
+          <a:fillRef idx="0">
+            <a:schemeClr val="accent1"/>
+          </a:fillRef>
+          <a:effectRef idx="0">
+            <a:schemeClr val="accent1"/>
+          </a:effectRef>
+          <a:fontRef idx="minor">
+            <a:schemeClr val="tx1"/>
+          </a:fontRef>
+        </p:style>
+      </p:cxnSp>
+      <p:sp>
+        <p:nvSpPr>
+          <p:cNvPr id="283" name="Afgeronde rechthoek 142">
+            <a:extLst>
+              <a:ext uri="{FF2B5EF4-FFF2-40B4-BE49-F238E27FC236}">
+                <a16:creationId xmlns:a16="http://schemas.microsoft.com/office/drawing/2014/main" id="{98FEAA33-7519-4510-1B4A-345CF20B7F12}"/>
+              </a:ext>
+            </a:extLst>
+          </p:cNvPr>
+          <p:cNvSpPr/>
+          <p:nvPr/>
+        </p:nvSpPr>
+        <p:spPr>
+          <a:xfrm>
+            <a:off x="10889084" y="420581"/>
+            <a:ext cx="1176555" cy="180000"/>
+          </a:xfrm>
+          <a:prstGeom prst="roundRect">
+            <a:avLst/>
+          </a:prstGeom>
+        </p:spPr>
+        <p:style>
+          <a:lnRef idx="2">
+            <a:schemeClr val="accent1">
+              <a:shade val="15000"/>
+            </a:schemeClr>
+          </a:lnRef>
+          <a:fillRef idx="1">
+            <a:schemeClr val="accent1"/>
+          </a:fillRef>
+          <a:effectRef idx="0">
+            <a:schemeClr val="accent1"/>
+          </a:effectRef>
+          <a:fontRef idx="minor">
+            <a:schemeClr val="lt1"/>
+          </a:fontRef>
+        </p:style>
+        <p:txBody>
+          <a:bodyPr lIns="0" tIns="0" rIns="0" bIns="0" rtlCol="0" anchor="ctr"/>
+          <a:lstStyle/>
+          <a:p>
+            <a:pPr algn="ctr"/>
+            <a:r>
+              <a:rPr lang="nl-NL" sz="1000" b="0" dirty="0" err="1">
+                <a:solidFill>
+                  <a:srgbClr val="4EC9B0"/>
+                </a:solidFill>
+                <a:effectLst/>
+                <a:latin typeface="Menlo" panose="020B0609030804020204" pitchFamily="49" charset="0"/>
+              </a:rPr>
+              <a:t>TeslaAPIWrapper</a:t>
+            </a:r>
+            <a:endParaRPr lang="nl-NL" sz="1000" dirty="0"/>
+          </a:p>
+        </p:txBody>
+      </p:sp>
+      <p:cxnSp>
+        <p:nvCxnSpPr>
+          <p:cNvPr id="286" name="Rechte verbindingslijn met pijl 60">
+            <a:extLst>
+              <a:ext uri="{FF2B5EF4-FFF2-40B4-BE49-F238E27FC236}">
+                <a16:creationId xmlns:a16="http://schemas.microsoft.com/office/drawing/2014/main" id="{E3D97380-6A11-704D-F71B-2BD1871952FE}"/>
+              </a:ext>
+            </a:extLst>
+          </p:cNvPr>
+          <p:cNvCxnSpPr>
+            <a:cxnSpLocks/>
+            <a:stCxn id="283" idx="0"/>
+            <a:endCxn id="279" idx="2"/>
+          </p:cNvCxnSpPr>
+          <p:nvPr/>
+        </p:nvCxnSpPr>
+        <p:spPr>
+          <a:xfrm flipH="1" flipV="1">
+            <a:off x="11477361" y="308799"/>
+            <a:ext cx="1" cy="111782"/>
+          </a:xfrm>
+          <a:prstGeom prst="straightConnector1">
+            <a:avLst/>
+          </a:prstGeom>
+          <a:ln>
+            <a:tailEnd type="triangle"/>
+          </a:ln>
+        </p:spPr>
+        <p:style>
+          <a:lnRef idx="1">
+            <a:schemeClr val="accent1"/>
+          </a:lnRef>
+          <a:fillRef idx="0">
+            <a:schemeClr val="accent1"/>
+          </a:fillRef>
+          <a:effectRef idx="0">
+            <a:schemeClr val="accent1"/>
+          </a:effectRef>
+          <a:fontRef idx="minor">
+            <a:schemeClr val="tx1"/>
+          </a:fontRef>
+        </p:style>
+      </p:cxnSp>
+      <p:cxnSp>
+        <p:nvCxnSpPr>
+          <p:cNvPr id="291" name="Rechte verbindingslijn met pijl 60">
+            <a:extLst>
+              <a:ext uri="{FF2B5EF4-FFF2-40B4-BE49-F238E27FC236}">
+                <a16:creationId xmlns:a16="http://schemas.microsoft.com/office/drawing/2014/main" id="{9EF6C3B0-7DF0-7E71-8387-CF292FFCA46D}"/>
+              </a:ext>
+            </a:extLst>
+          </p:cNvPr>
+          <p:cNvCxnSpPr>
+            <a:cxnSpLocks/>
+            <a:stCxn id="252" idx="3"/>
+            <a:endCxn id="143" idx="1"/>
+          </p:cNvCxnSpPr>
+          <p:nvPr/>
+        </p:nvCxnSpPr>
+        <p:spPr>
+          <a:xfrm>
+            <a:off x="10621430" y="543345"/>
+            <a:ext cx="327340" cy="225098"/>
+          </a:xfrm>
+          <a:prstGeom prst="straightConnector1">
+            <a:avLst/>
+          </a:prstGeom>
+          <a:ln>
+            <a:tailEnd type="triangle"/>
+          </a:ln>
+        </p:spPr>
+        <p:style>
+          <a:lnRef idx="1">
+            <a:schemeClr val="accent1"/>
+          </a:lnRef>
+          <a:fillRef idx="0">
+            <a:schemeClr val="accent1"/>
+          </a:fillRef>
+          <a:effectRef idx="0">
+            <a:schemeClr val="accent1"/>
+          </a:effectRef>
+          <a:fontRef idx="minor">
+            <a:schemeClr val="tx1"/>
+          </a:fontRef>
+        </p:style>
+      </p:cxnSp>
+      <p:cxnSp>
+        <p:nvCxnSpPr>
+          <p:cNvPr id="336" name="Rechte verbindingslijn met pijl 52">
+            <a:extLst>
+              <a:ext uri="{FF2B5EF4-FFF2-40B4-BE49-F238E27FC236}">
+                <a16:creationId xmlns:a16="http://schemas.microsoft.com/office/drawing/2014/main" id="{6768FCB8-4C32-0F04-7B63-C79F21CBC6F7}"/>
+              </a:ext>
+            </a:extLst>
+          </p:cNvPr>
+          <p:cNvCxnSpPr>
+            <a:cxnSpLocks/>
+            <a:stCxn id="123" idx="2"/>
+            <a:endCxn id="122" idx="0"/>
+          </p:cNvCxnSpPr>
+          <p:nvPr/>
+        </p:nvCxnSpPr>
+        <p:spPr>
+          <a:xfrm flipH="1">
+            <a:off x="1312631" y="5552139"/>
+            <a:ext cx="1500" cy="310699"/>
+          </a:xfrm>
+          <a:prstGeom prst="straightConnector1">
+            <a:avLst/>
+          </a:prstGeom>
+          <a:ln>
+            <a:tailEnd type="triangle"/>
+          </a:ln>
+        </p:spPr>
+        <p:style>
+          <a:lnRef idx="1">
+            <a:schemeClr val="accent1"/>
+          </a:lnRef>
+          <a:fillRef idx="0">
+            <a:schemeClr val="accent1"/>
+          </a:fillRef>
+          <a:effectRef idx="0">
+            <a:schemeClr val="accent1"/>
+          </a:effectRef>
+          <a:fontRef idx="minor">
+            <a:schemeClr val="tx1"/>
+          </a:fontRef>
+        </p:style>
+      </p:cxnSp>
+      <p:sp>
+        <p:nvSpPr>
+          <p:cNvPr id="343" name="Tekstvak 25">
+            <a:extLst>
+              <a:ext uri="{FF2B5EF4-FFF2-40B4-BE49-F238E27FC236}">
+                <a16:creationId xmlns:a16="http://schemas.microsoft.com/office/drawing/2014/main" id="{74E6C99A-5C83-A0B9-B3C4-9D22E0AB84D2}"/>
+              </a:ext>
+            </a:extLst>
+          </p:cNvPr>
+          <p:cNvSpPr txBox="1"/>
+          <p:nvPr/>
+        </p:nvSpPr>
+        <p:spPr>
+          <a:xfrm>
+            <a:off x="6867377" y="5539009"/>
+            <a:ext cx="764214" cy="169523"/>
+          </a:xfrm>
+          <a:prstGeom prst="rect">
+            <a:avLst/>
+          </a:prstGeom>
+          <a:solidFill>
+            <a:schemeClr val="bg1">
+              <a:alpha val="77000"/>
+            </a:schemeClr>
+          </a:solidFill>
+          <a:ln>
+            <a:noFill/>
+          </a:ln>
+        </p:spPr>
+        <p:style>
+          <a:lnRef idx="2">
+            <a:schemeClr val="accent1">
+              <a:shade val="15000"/>
+            </a:schemeClr>
+          </a:lnRef>
+          <a:fillRef idx="1">
+            <a:schemeClr val="accent1"/>
+          </a:fillRef>
+          <a:effectRef idx="0">
+            <a:schemeClr val="accent1"/>
+          </a:effectRef>
+          <a:fontRef idx="minor">
+            <a:schemeClr val="lt1"/>
+          </a:fontRef>
+        </p:style>
+        <p:txBody>
+          <a:bodyPr lIns="0" tIns="0" rIns="0" bIns="0" rtlCol="0" anchor="ctr"/>
+          <a:lstStyle>
+            <a:defPPr>
+              <a:defRPr lang="nl-NL"/>
+            </a:defPPr>
+            <a:lvl1pPr algn="ctr">
+              <a:defRPr sz="800" b="0">
+                <a:solidFill>
+                  <a:schemeClr val="accent1"/>
+                </a:solidFill>
+                <a:effectLst/>
+                <a:latin typeface="Menlo" panose="020B0609030804020204" pitchFamily="49" charset="0"/>
+              </a:defRPr>
+            </a:lvl1pPr>
+            <a:lvl2pPr>
+              <a:defRPr>
+                <a:solidFill>
+                  <a:schemeClr val="lt1"/>
+                </a:solidFill>
+              </a:defRPr>
+            </a:lvl2pPr>
+            <a:lvl3pPr>
+              <a:defRPr>
+                <a:solidFill>
+                  <a:schemeClr val="lt1"/>
+                </a:solidFill>
+              </a:defRPr>
+            </a:lvl3pPr>
+            <a:lvl4pPr>
+              <a:defRPr>
+                <a:solidFill>
+                  <a:schemeClr val="lt1"/>
+                </a:solidFill>
+              </a:defRPr>
+            </a:lvl4pPr>
+            <a:lvl5pPr>
+              <a:defRPr>
+                <a:solidFill>
+                  <a:schemeClr val="lt1"/>
+                </a:solidFill>
+              </a:defRPr>
+            </a:lvl5pPr>
+            <a:lvl6pPr>
+              <a:defRPr>
+                <a:solidFill>
+                  <a:schemeClr val="lt1"/>
+                </a:solidFill>
+              </a:defRPr>
+            </a:lvl6pPr>
+            <a:lvl7pPr>
+              <a:defRPr>
+                <a:solidFill>
+                  <a:schemeClr val="lt1"/>
+                </a:solidFill>
+              </a:defRPr>
+            </a:lvl7pPr>
+            <a:lvl8pPr>
+              <a:defRPr>
+                <a:solidFill>
+                  <a:schemeClr val="lt1"/>
+                </a:solidFill>
+              </a:defRPr>
+            </a:lvl8pPr>
+            <a:lvl9pPr>
+              <a:defRPr>
+                <a:solidFill>
+                  <a:schemeClr val="lt1"/>
+                </a:solidFill>
+              </a:defRPr>
+            </a:lvl9pPr>
+          </a:lstStyle>
+          <a:p>
+            <a:r>
+              <a:rPr lang="nl-NL" dirty="0" err="1"/>
+              <a:t>sendMessage</a:t>
+            </a:r>
+            <a:endParaRPr lang="nl-NL" dirty="0"/>
+          </a:p>
+        </p:txBody>
+      </p:sp>
+      <p:cxnSp>
+        <p:nvCxnSpPr>
+          <p:cNvPr id="344" name="Rechte verbindingslijn met pijl 81">
+            <a:extLst>
+              <a:ext uri="{FF2B5EF4-FFF2-40B4-BE49-F238E27FC236}">
+                <a16:creationId xmlns:a16="http://schemas.microsoft.com/office/drawing/2014/main" id="{AFB71A9C-86A4-2CF6-8152-082BF83AAF50}"/>
+              </a:ext>
+            </a:extLst>
+          </p:cNvPr>
+          <p:cNvCxnSpPr>
+            <a:cxnSpLocks/>
+            <a:endCxn id="124" idx="0"/>
+          </p:cNvCxnSpPr>
+          <p:nvPr/>
+        </p:nvCxnSpPr>
+        <p:spPr>
+          <a:xfrm>
+            <a:off x="6868563" y="5578491"/>
+            <a:ext cx="0" cy="180577"/>
+          </a:xfrm>
+          <a:prstGeom prst="straightConnector1">
+            <a:avLst/>
+          </a:prstGeom>
+          <a:ln>
+            <a:tailEnd type="triangle"/>
+          </a:ln>
+        </p:spPr>
+        <p:style>
+          <a:lnRef idx="1">
+            <a:schemeClr val="accent1"/>
+          </a:lnRef>
+          <a:fillRef idx="0">
+            <a:schemeClr val="accent1"/>
+          </a:fillRef>
+          <a:effectRef idx="0">
+            <a:schemeClr val="accent1"/>
+          </a:effectRef>
+          <a:fontRef idx="minor">
+            <a:schemeClr val="tx1"/>
+          </a:fontRef>
+        </p:style>
+      </p:cxnSp>
+      <p:sp>
+        <p:nvSpPr>
+          <p:cNvPr id="350" name="Afgeronde rechthoek 244">
+            <a:extLst>
+              <a:ext uri="{FF2B5EF4-FFF2-40B4-BE49-F238E27FC236}">
+                <a16:creationId xmlns:a16="http://schemas.microsoft.com/office/drawing/2014/main" id="{C332FFDF-E02E-CB8C-2424-28B563148747}"/>
+              </a:ext>
+            </a:extLst>
+          </p:cNvPr>
+          <p:cNvSpPr/>
+          <p:nvPr/>
+        </p:nvSpPr>
+        <p:spPr>
+          <a:xfrm>
+            <a:off x="8685021" y="4656297"/>
+            <a:ext cx="1947862" cy="401740"/>
+          </a:xfrm>
+          <a:prstGeom prst="roundRect">
+            <a:avLst>
+              <a:gd name="adj" fmla="val 5818"/>
+            </a:avLst>
+          </a:prstGeom>
+          <a:noFill/>
+          <a:ln>
+            <a:solidFill>
+              <a:schemeClr val="accent1"/>
+            </a:solidFill>
+            <a:prstDash val="dash"/>
+          </a:ln>
+        </p:spPr>
+        <p:style>
+          <a:lnRef idx="2">
+            <a:schemeClr val="accent1">
+              <a:shade val="15000"/>
+            </a:schemeClr>
+          </a:lnRef>
+          <a:fillRef idx="1">
+            <a:schemeClr val="accent1"/>
+          </a:fillRef>
+          <a:effectRef idx="0">
+            <a:schemeClr val="accent1"/>
+          </a:effectRef>
+          <a:fontRef idx="minor">
+            <a:schemeClr val="lt1"/>
+          </a:fontRef>
+        </p:style>
+        <p:txBody>
+          <a:bodyPr lIns="0" tIns="0" rIns="0" bIns="0" rtlCol="0" anchor="ctr"/>
+          <a:lstStyle/>
+          <a:p>
+            <a:pPr algn="ctr"/>
+            <a:endParaRPr lang="nl-NL" sz="1200" i="1" dirty="0"/>
+          </a:p>
+        </p:txBody>
+      </p:sp>
+      <p:sp>
+        <p:nvSpPr>
+          <p:cNvPr id="351" name="Afgeronde rechthoek 233">
+            <a:extLst>
+              <a:ext uri="{FF2B5EF4-FFF2-40B4-BE49-F238E27FC236}">
+                <a16:creationId xmlns:a16="http://schemas.microsoft.com/office/drawing/2014/main" id="{0261CB08-8B4C-E066-0629-2DA3EC4B37BB}"/>
+              </a:ext>
+            </a:extLst>
+          </p:cNvPr>
+          <p:cNvSpPr/>
+          <p:nvPr/>
+        </p:nvSpPr>
+        <p:spPr>
+          <a:xfrm>
+            <a:off x="8747483" y="4994427"/>
+            <a:ext cx="1776473" cy="177688"/>
+          </a:xfrm>
+          <a:prstGeom prst="roundRect">
+            <a:avLst/>
+          </a:prstGeom>
+          <a:solidFill>
+            <a:schemeClr val="bg1"/>
+          </a:solidFill>
+          <a:ln>
+            <a:solidFill>
+              <a:schemeClr val="accent1"/>
+            </a:solidFill>
+          </a:ln>
+        </p:spPr>
+        <p:style>
+          <a:lnRef idx="2">
+            <a:schemeClr val="accent1">
+              <a:shade val="15000"/>
+            </a:schemeClr>
+          </a:lnRef>
+          <a:fillRef idx="1">
+            <a:schemeClr val="accent1"/>
+          </a:fillRef>
+          <a:effectRef idx="0">
+            <a:schemeClr val="accent1"/>
+          </a:effectRef>
+          <a:fontRef idx="minor">
+            <a:schemeClr val="lt1"/>
+          </a:fontRef>
+        </p:style>
+        <p:txBody>
+          <a:bodyPr lIns="0" tIns="0" rIns="0" bIns="0" rtlCol="0" anchor="ctr"/>
+          <a:lstStyle/>
+          <a:p>
+            <a:pPr algn="ctr"/>
+            <a:r>
+              <a:rPr lang="nl-NL" sz="1000" b="0" i="0" dirty="0" err="1">
+                <a:solidFill>
+                  <a:srgbClr val="3BAFDA"/>
+                </a:solidFill>
+                <a:effectLst/>
+                <a:latin typeface="Menlo" panose="020B0609030804020204" pitchFamily="49" charset="0"/>
+                <a:ea typeface="Menlo" panose="020B0609030804020204" pitchFamily="49" charset="0"/>
+                <a:cs typeface="Menlo" panose="020B0609030804020204" pitchFamily="49" charset="0"/>
+              </a:rPr>
+              <a:t>PeakHoursMonitorThread</a:t>
+            </a:r>
+            <a:endParaRPr lang="nl-NL" sz="1000" dirty="0">
+              <a:solidFill>
+                <a:srgbClr val="4EC9B0"/>
+              </a:solidFill>
+              <a:latin typeface="Menlo" panose="020B0609030804020204" pitchFamily="49" charset="0"/>
+            </a:endParaRPr>
+          </a:p>
+        </p:txBody>
+      </p:sp>
+      <p:sp>
+        <p:nvSpPr>
+          <p:cNvPr id="354" name="Afgeronde rechthoek 244">
+            <a:extLst>
+              <a:ext uri="{FF2B5EF4-FFF2-40B4-BE49-F238E27FC236}">
+                <a16:creationId xmlns:a16="http://schemas.microsoft.com/office/drawing/2014/main" id="{B0667790-E253-4DB0-1F24-53E219D87EEC}"/>
+              </a:ext>
+            </a:extLst>
+          </p:cNvPr>
+          <p:cNvSpPr/>
+          <p:nvPr/>
+        </p:nvSpPr>
+        <p:spPr>
+          <a:xfrm>
+            <a:off x="8675580" y="5721299"/>
+            <a:ext cx="2163612" cy="455120"/>
+          </a:xfrm>
+          <a:prstGeom prst="roundRect">
+            <a:avLst>
+              <a:gd name="adj" fmla="val 5818"/>
+            </a:avLst>
+          </a:prstGeom>
+          <a:noFill/>
+          <a:ln>
+            <a:solidFill>
+              <a:schemeClr val="accent1"/>
+            </a:solidFill>
+            <a:prstDash val="dash"/>
+          </a:ln>
+        </p:spPr>
+        <p:style>
+          <a:lnRef idx="2">
+            <a:schemeClr val="accent1">
+              <a:shade val="15000"/>
+            </a:schemeClr>
+          </a:lnRef>
+          <a:fillRef idx="1">
+            <a:schemeClr val="accent1"/>
+          </a:fillRef>
+          <a:effectRef idx="0">
+            <a:schemeClr val="accent1"/>
+          </a:effectRef>
+          <a:fontRef idx="minor">
+            <a:schemeClr val="lt1"/>
+          </a:fontRef>
+        </p:style>
+        <p:txBody>
+          <a:bodyPr lIns="0" tIns="0" rIns="0" bIns="0" rtlCol="0" anchor="ctr"/>
+          <a:lstStyle/>
+          <a:p>
+            <a:pPr algn="ctr"/>
+            <a:endParaRPr lang="nl-NL" sz="1200" i="1" dirty="0"/>
+          </a:p>
+        </p:txBody>
+      </p:sp>
+      <p:sp>
+        <p:nvSpPr>
+          <p:cNvPr id="357" name="Afgeronde rechthoek 59">
+            <a:extLst>
+              <a:ext uri="{FF2B5EF4-FFF2-40B4-BE49-F238E27FC236}">
+                <a16:creationId xmlns:a16="http://schemas.microsoft.com/office/drawing/2014/main" id="{0E54D1DC-363C-53CE-F61E-2345FDCBF389}"/>
+              </a:ext>
+            </a:extLst>
+          </p:cNvPr>
+          <p:cNvSpPr/>
+          <p:nvPr/>
+        </p:nvSpPr>
+        <p:spPr>
+          <a:xfrm>
+            <a:off x="10756497" y="4734391"/>
+            <a:ext cx="1408892" cy="180000"/>
+          </a:xfrm>
+          <a:prstGeom prst="roundRect">
+            <a:avLst/>
+          </a:prstGeom>
+        </p:spPr>
+        <p:style>
+          <a:lnRef idx="2">
+            <a:schemeClr val="accent1">
+              <a:shade val="15000"/>
+            </a:schemeClr>
+          </a:lnRef>
+          <a:fillRef idx="1">
+            <a:schemeClr val="accent1"/>
+          </a:fillRef>
+          <a:effectRef idx="0">
+            <a:schemeClr val="accent1"/>
+          </a:effectRef>
+          <a:fontRef idx="minor">
+            <a:schemeClr val="lt1"/>
+          </a:fontRef>
+        </p:style>
+        <p:txBody>
+          <a:bodyPr lIns="0" tIns="0" rIns="0" bIns="0" rtlCol="0" anchor="ctr"/>
+          <a:lstStyle/>
+          <a:p>
+            <a:pPr algn="ctr"/>
+            <a:r>
+              <a:rPr lang="en-GB" sz="1000" b="0" dirty="0" err="1">
+                <a:solidFill>
+                  <a:srgbClr val="4EC9B0"/>
+                </a:solidFill>
+                <a:effectLst/>
+                <a:latin typeface="Menlo" panose="020B0609030804020204" pitchFamily="49" charset="0"/>
+              </a:rPr>
+              <a:t>OffPeakHoursModel</a:t>
+            </a:r>
+            <a:endParaRPr lang="nl-NL" sz="1000" dirty="0"/>
+          </a:p>
+        </p:txBody>
+      </p:sp>
+      <p:cxnSp>
+        <p:nvCxnSpPr>
+          <p:cNvPr id="358" name="Rechte verbindingslijn met pijl 60">
+            <a:extLst>
+              <a:ext uri="{FF2B5EF4-FFF2-40B4-BE49-F238E27FC236}">
+                <a16:creationId xmlns:a16="http://schemas.microsoft.com/office/drawing/2014/main" id="{8B97E830-972C-9F90-838A-FE735B48C1B2}"/>
+              </a:ext>
+            </a:extLst>
+          </p:cNvPr>
+          <p:cNvCxnSpPr>
+            <a:cxnSpLocks/>
+            <a:stCxn id="60" idx="3"/>
+            <a:endCxn id="357" idx="1"/>
+          </p:cNvCxnSpPr>
+          <p:nvPr/>
+        </p:nvCxnSpPr>
+        <p:spPr>
+          <a:xfrm>
+            <a:off x="10508963" y="4822943"/>
+            <a:ext cx="247534" cy="1448"/>
+          </a:xfrm>
+          <a:prstGeom prst="straightConnector1">
+            <a:avLst/>
+          </a:prstGeom>
+          <a:ln>
+            <a:tailEnd type="triangle"/>
+          </a:ln>
+        </p:spPr>
+        <p:style>
+          <a:lnRef idx="1">
+            <a:schemeClr val="accent1"/>
+          </a:lnRef>
+          <a:fillRef idx="0">
+            <a:schemeClr val="accent1"/>
+          </a:fillRef>
+          <a:effectRef idx="0">
+            <a:schemeClr val="accent1"/>
+          </a:effectRef>
+          <a:fontRef idx="minor">
+            <a:schemeClr val="tx1"/>
+          </a:fontRef>
+        </p:style>
+      </p:cxnSp>
+      <p:cxnSp>
+        <p:nvCxnSpPr>
+          <p:cNvPr id="364" name="Rechte verbindingslijn met pijl 60">
+            <a:extLst>
+              <a:ext uri="{FF2B5EF4-FFF2-40B4-BE49-F238E27FC236}">
+                <a16:creationId xmlns:a16="http://schemas.microsoft.com/office/drawing/2014/main" id="{4C83E2F2-BA8D-97D2-D90D-83DBADFE2286}"/>
+              </a:ext>
+            </a:extLst>
+          </p:cNvPr>
+          <p:cNvCxnSpPr>
+            <a:cxnSpLocks/>
+            <a:stCxn id="60" idx="3"/>
+            <a:endCxn id="44" idx="1"/>
+          </p:cNvCxnSpPr>
+          <p:nvPr/>
+        </p:nvCxnSpPr>
+        <p:spPr>
+          <a:xfrm>
+            <a:off x="10508963" y="4822943"/>
+            <a:ext cx="257072" cy="334393"/>
+          </a:xfrm>
+          <a:prstGeom prst="straightConnector1">
+            <a:avLst/>
+          </a:prstGeom>
+          <a:ln>
+            <a:tailEnd type="triangle"/>
+          </a:ln>
+        </p:spPr>
+        <p:style>
+          <a:lnRef idx="1">
+            <a:schemeClr val="accent1"/>
+          </a:lnRef>
+          <a:fillRef idx="0">
+            <a:schemeClr val="accent1"/>
+          </a:fillRef>
+          <a:effectRef idx="0">
+            <a:schemeClr val="accent1"/>
+          </a:effectRef>
+          <a:fontRef idx="minor">
+            <a:schemeClr val="tx1"/>
+          </a:fontRef>
+        </p:style>
+      </p:cxnSp>
+      <p:sp>
+        <p:nvSpPr>
+          <p:cNvPr id="369" name="Afgeronde rechthoek 63">
+            <a:extLst>
+              <a:ext uri="{FF2B5EF4-FFF2-40B4-BE49-F238E27FC236}">
+                <a16:creationId xmlns:a16="http://schemas.microsoft.com/office/drawing/2014/main" id="{254F8ADD-59A2-18EF-4680-A03960371DFE}"/>
+              </a:ext>
+            </a:extLst>
+          </p:cNvPr>
+          <p:cNvSpPr/>
+          <p:nvPr/>
+        </p:nvSpPr>
+        <p:spPr>
+          <a:xfrm>
+            <a:off x="7893219" y="4094350"/>
+            <a:ext cx="471505" cy="185819"/>
+          </a:xfrm>
+          <a:prstGeom prst="roundRect">
+            <a:avLst/>
+          </a:prstGeom>
+          <a:noFill/>
+          <a:ln>
+            <a:noFill/>
+          </a:ln>
+        </p:spPr>
+        <p:style>
+          <a:lnRef idx="2">
+            <a:schemeClr val="accent1">
+              <a:shade val="15000"/>
+            </a:schemeClr>
+          </a:lnRef>
+          <a:fillRef idx="1">
+            <a:schemeClr val="accent1"/>
+          </a:fillRef>
+          <a:effectRef idx="0">
+            <a:schemeClr val="accent1"/>
+          </a:effectRef>
+          <a:fontRef idx="minor">
+            <a:schemeClr val="lt1"/>
+          </a:fontRef>
+        </p:style>
+        <p:txBody>
+          <a:bodyPr lIns="0" tIns="0" rIns="0" bIns="0" rtlCol="0" anchor="ctr"/>
+          <a:lstStyle/>
+          <a:p>
+            <a:pPr algn="ctr"/>
+            <a:r>
+              <a:rPr lang="nl-NL" sz="1000" dirty="0" err="1">
+                <a:solidFill>
+                  <a:schemeClr val="tx1"/>
+                </a:solidFill>
+              </a:rPr>
+              <a:t>Offpeak</a:t>
+            </a:r>
+            <a:endParaRPr lang="nl-NL" sz="1000" dirty="0">
+              <a:solidFill>
+                <a:schemeClr val="tx1"/>
+              </a:solidFill>
+            </a:endParaRPr>
+          </a:p>
+        </p:txBody>
+      </p:sp>
+      <p:sp>
+        <p:nvSpPr>
+          <p:cNvPr id="370" name="Afgeronde rechthoek 233">
+            <a:extLst>
+              <a:ext uri="{FF2B5EF4-FFF2-40B4-BE49-F238E27FC236}">
+                <a16:creationId xmlns:a16="http://schemas.microsoft.com/office/drawing/2014/main" id="{07FA9DA8-B7B3-F532-6116-2FBCD88A5710}"/>
+              </a:ext>
+            </a:extLst>
+          </p:cNvPr>
+          <p:cNvSpPr/>
+          <p:nvPr/>
+        </p:nvSpPr>
+        <p:spPr>
+          <a:xfrm>
+            <a:off x="8735499" y="6108503"/>
+            <a:ext cx="1532451" cy="177688"/>
+          </a:xfrm>
+          <a:prstGeom prst="roundRect">
+            <a:avLst/>
+          </a:prstGeom>
+          <a:solidFill>
+            <a:schemeClr val="bg1"/>
+          </a:solidFill>
+          <a:ln>
+            <a:solidFill>
+              <a:schemeClr val="accent1"/>
+            </a:solidFill>
+          </a:ln>
+        </p:spPr>
+        <p:style>
+          <a:lnRef idx="2">
+            <a:schemeClr val="accent1">
+              <a:shade val="15000"/>
+            </a:schemeClr>
+          </a:lnRef>
+          <a:fillRef idx="1">
+            <a:schemeClr val="accent1"/>
+          </a:fillRef>
+          <a:effectRef idx="0">
+            <a:schemeClr val="accent1"/>
+          </a:effectRef>
+          <a:fontRef idx="minor">
+            <a:schemeClr val="lt1"/>
+          </a:fontRef>
+        </p:style>
+        <p:txBody>
+          <a:bodyPr lIns="0" tIns="0" rIns="0" bIns="0" rtlCol="0" anchor="ctr"/>
+          <a:lstStyle/>
+          <a:p>
+            <a:pPr algn="ctr"/>
+            <a:r>
+              <a:rPr lang="nl-NL" sz="1000" b="0" i="0" dirty="0" err="1">
+                <a:solidFill>
+                  <a:srgbClr val="3BAFDA"/>
+                </a:solidFill>
+                <a:effectLst/>
+                <a:latin typeface="Menlo" panose="020B0609030804020204" pitchFamily="49" charset="0"/>
+                <a:ea typeface="Menlo" panose="020B0609030804020204" pitchFamily="49" charset="0"/>
+                <a:cs typeface="Menlo" panose="020B0609030804020204" pitchFamily="49" charset="0"/>
+              </a:rPr>
+              <a:t>BackupMonitorThread</a:t>
+            </a:r>
+            <a:endParaRPr lang="nl-NL" sz="1000" dirty="0">
+              <a:solidFill>
+                <a:srgbClr val="4EC9B0"/>
+              </a:solidFill>
+              <a:latin typeface="Menlo" panose="020B0609030804020204" pitchFamily="49" charset="0"/>
+            </a:endParaRPr>
+          </a:p>
+        </p:txBody>
+      </p:sp>
+      <p:sp>
+        <p:nvSpPr>
+          <p:cNvPr id="371" name="Afgeronde rechthoek 10">
+            <a:extLst>
+              <a:ext uri="{FF2B5EF4-FFF2-40B4-BE49-F238E27FC236}">
+                <a16:creationId xmlns:a16="http://schemas.microsoft.com/office/drawing/2014/main" id="{D9923B9B-F8C4-B58E-BF17-FAD209BCE755}"/>
+              </a:ext>
+            </a:extLst>
+          </p:cNvPr>
+          <p:cNvSpPr/>
+          <p:nvPr/>
+        </p:nvSpPr>
+        <p:spPr>
+          <a:xfrm>
+            <a:off x="8777726" y="5773481"/>
+            <a:ext cx="403751" cy="100190"/>
+          </a:xfrm>
+          <a:prstGeom prst="roundRect">
+            <a:avLst/>
+          </a:prstGeom>
+          <a:solidFill>
+            <a:schemeClr val="bg1">
+              <a:alpha val="80045"/>
+            </a:schemeClr>
+          </a:solidFill>
+          <a:ln>
+            <a:solidFill>
+              <a:srgbClr val="7030A0"/>
+            </a:solidFill>
+          </a:ln>
+        </p:spPr>
+        <p:style>
+          <a:lnRef idx="2">
+            <a:schemeClr val="accent1">
+              <a:shade val="15000"/>
+            </a:schemeClr>
+          </a:lnRef>
+          <a:fillRef idx="1">
+            <a:schemeClr val="accent1"/>
+          </a:fillRef>
+          <a:effectRef idx="0">
+            <a:schemeClr val="accent1"/>
+          </a:effectRef>
+          <a:fontRef idx="minor">
+            <a:schemeClr val="lt1"/>
+          </a:fontRef>
+        </p:style>
+        <p:txBody>
+          <a:bodyPr lIns="0" tIns="0" rIns="0" bIns="0" rtlCol="0" anchor="ctr"/>
+          <a:lstStyle/>
+          <a:p>
+            <a:pPr algn="ctr"/>
+            <a:r>
+              <a:rPr lang="en-GB" sz="500" b="0" dirty="0">
+                <a:solidFill>
+                  <a:srgbClr val="7030A0"/>
+                </a:solidFill>
+                <a:effectLst/>
+                <a:latin typeface="Menlo" panose="020B0609030804020204" pitchFamily="49" charset="0"/>
+              </a:rPr>
+              <a:t>Singleton</a:t>
+            </a:r>
+            <a:endParaRPr lang="nl-NL" sz="700" dirty="0">
+              <a:solidFill>
+                <a:srgbClr val="7030A0"/>
+              </a:solidFill>
+            </a:endParaRPr>
+          </a:p>
+        </p:txBody>
+      </p:sp>
+      <p:sp>
+        <p:nvSpPr>
+          <p:cNvPr id="372" name="Afgeronde rechthoek 70">
+            <a:extLst>
+              <a:ext uri="{FF2B5EF4-FFF2-40B4-BE49-F238E27FC236}">
+                <a16:creationId xmlns:a16="http://schemas.microsoft.com/office/drawing/2014/main" id="{369EB7B2-BC54-E314-D453-FE5AF0496265}"/>
+              </a:ext>
+            </a:extLst>
+          </p:cNvPr>
+          <p:cNvSpPr/>
+          <p:nvPr/>
+        </p:nvSpPr>
+        <p:spPr>
+          <a:xfrm>
+            <a:off x="9880876" y="5842923"/>
+            <a:ext cx="891768" cy="180000"/>
+          </a:xfrm>
+          <a:prstGeom prst="roundRect">
+            <a:avLst/>
+          </a:prstGeom>
+        </p:spPr>
+        <p:style>
+          <a:lnRef idx="2">
+            <a:schemeClr val="accent1">
+              <a:shade val="15000"/>
+            </a:schemeClr>
+          </a:lnRef>
+          <a:fillRef idx="1">
+            <a:schemeClr val="accent1"/>
+          </a:fillRef>
+          <a:effectRef idx="0">
+            <a:schemeClr val="accent1"/>
+          </a:effectRef>
+          <a:fontRef idx="minor">
+            <a:schemeClr val="lt1"/>
+          </a:fontRef>
+        </p:style>
+        <p:txBody>
+          <a:bodyPr lIns="0" tIns="0" rIns="0" bIns="0" rtlCol="0" anchor="ctr"/>
+          <a:lstStyle/>
+          <a:p>
+            <a:pPr algn="ctr"/>
+            <a:r>
+              <a:rPr lang="nl-NL" sz="1000" b="0" dirty="0" err="1">
+                <a:solidFill>
+                  <a:srgbClr val="4EC9B0"/>
+                </a:solidFill>
+                <a:effectLst/>
+                <a:latin typeface="Menlo" panose="020B0609030804020204" pitchFamily="49" charset="0"/>
+              </a:rPr>
+              <a:t>SMBClient</a:t>
+            </a:r>
+            <a:endParaRPr lang="nl-NL" sz="1000" dirty="0"/>
+          </a:p>
+        </p:txBody>
+      </p:sp>
+      <p:sp>
+        <p:nvSpPr>
+          <p:cNvPr id="373" name="Afgeronde rechthoek 70">
+            <a:extLst>
+              <a:ext uri="{FF2B5EF4-FFF2-40B4-BE49-F238E27FC236}">
+                <a16:creationId xmlns:a16="http://schemas.microsoft.com/office/drawing/2014/main" id="{F293DEE6-C86A-F4B5-54CF-50757D662FF1}"/>
+              </a:ext>
+            </a:extLst>
+          </p:cNvPr>
+          <p:cNvSpPr/>
+          <p:nvPr/>
+        </p:nvSpPr>
+        <p:spPr>
+          <a:xfrm>
+            <a:off x="11007247" y="5865115"/>
+            <a:ext cx="687891" cy="180000"/>
+          </a:xfrm>
+          <a:prstGeom prst="roundRect">
+            <a:avLst/>
+          </a:prstGeom>
+          <a:solidFill>
+            <a:schemeClr val="bg1"/>
+          </a:solidFill>
+          <a:ln>
+            <a:solidFill>
+              <a:schemeClr val="accent1"/>
+            </a:solidFill>
+          </a:ln>
+        </p:spPr>
+        <p:style>
+          <a:lnRef idx="2">
+            <a:schemeClr val="accent1">
+              <a:shade val="15000"/>
+            </a:schemeClr>
+          </a:lnRef>
+          <a:fillRef idx="1">
+            <a:schemeClr val="accent1"/>
+          </a:fillRef>
+          <a:effectRef idx="0">
+            <a:schemeClr val="accent1"/>
+          </a:effectRef>
+          <a:fontRef idx="minor">
+            <a:schemeClr val="lt1"/>
+          </a:fontRef>
+        </p:style>
+        <p:txBody>
+          <a:bodyPr lIns="0" tIns="0" rIns="0" bIns="0" rtlCol="0" anchor="ctr"/>
+          <a:lstStyle/>
+          <a:p>
+            <a:pPr algn="ctr"/>
+            <a:r>
+              <a:rPr lang="nl-NL" sz="1200" i="1" dirty="0" err="1">
+                <a:solidFill>
+                  <a:schemeClr val="accent1"/>
+                </a:solidFill>
+              </a:rPr>
+              <a:t>NetBIOS</a:t>
+            </a:r>
+            <a:endParaRPr lang="nl-NL" sz="1200" i="1" dirty="0">
+              <a:solidFill>
+                <a:schemeClr val="accent1"/>
+              </a:solidFill>
+            </a:endParaRPr>
+          </a:p>
+        </p:txBody>
+      </p:sp>
+      <p:sp>
+        <p:nvSpPr>
+          <p:cNvPr id="374" name="Afgeronde rechthoek 70">
+            <a:extLst>
+              <a:ext uri="{FF2B5EF4-FFF2-40B4-BE49-F238E27FC236}">
+                <a16:creationId xmlns:a16="http://schemas.microsoft.com/office/drawing/2014/main" id="{9BA19BBD-7336-A49E-10EF-A70A7F58A0E7}"/>
+              </a:ext>
+            </a:extLst>
+          </p:cNvPr>
+          <p:cNvSpPr/>
+          <p:nvPr/>
+        </p:nvSpPr>
+        <p:spPr>
+          <a:xfrm>
+            <a:off x="11006480" y="6075687"/>
+            <a:ext cx="1036535" cy="180000"/>
+          </a:xfrm>
+          <a:prstGeom prst="roundRect">
+            <a:avLst/>
+          </a:prstGeom>
+          <a:solidFill>
+            <a:schemeClr val="bg1"/>
+          </a:solidFill>
+          <a:ln>
+            <a:solidFill>
+              <a:schemeClr val="accent1"/>
+            </a:solidFill>
+          </a:ln>
+        </p:spPr>
+        <p:style>
+          <a:lnRef idx="2">
+            <a:schemeClr val="accent1">
+              <a:shade val="15000"/>
+            </a:schemeClr>
+          </a:lnRef>
+          <a:fillRef idx="1">
+            <a:schemeClr val="accent1"/>
+          </a:fillRef>
+          <a:effectRef idx="0">
+            <a:schemeClr val="accent1"/>
+          </a:effectRef>
+          <a:fontRef idx="minor">
+            <a:schemeClr val="lt1"/>
+          </a:fontRef>
+        </p:style>
+        <p:txBody>
+          <a:bodyPr lIns="0" tIns="0" rIns="0" bIns="0" rtlCol="0" anchor="ctr"/>
+          <a:lstStyle/>
+          <a:p>
+            <a:pPr algn="ctr"/>
+            <a:r>
+              <a:rPr lang="nl-NL" sz="1200" i="1" dirty="0" err="1">
+                <a:solidFill>
+                  <a:schemeClr val="accent1"/>
+                </a:solidFill>
+              </a:rPr>
+              <a:t>SMBConnection</a:t>
+            </a:r>
+            <a:endParaRPr lang="nl-NL" sz="1200" i="1" dirty="0">
+              <a:solidFill>
+                <a:schemeClr val="accent1"/>
+              </a:solidFill>
+            </a:endParaRPr>
+          </a:p>
+        </p:txBody>
+      </p:sp>
+      <p:cxnSp>
+        <p:nvCxnSpPr>
+          <p:cNvPr id="375" name="Rechte verbindingslijn met pijl 60">
+            <a:extLst>
+              <a:ext uri="{FF2B5EF4-FFF2-40B4-BE49-F238E27FC236}">
+                <a16:creationId xmlns:a16="http://schemas.microsoft.com/office/drawing/2014/main" id="{BC3C9F11-1F4C-6E96-4504-115266C51C84}"/>
+              </a:ext>
+            </a:extLst>
+          </p:cNvPr>
+          <p:cNvCxnSpPr>
+            <a:cxnSpLocks/>
+            <a:stCxn id="71" idx="3"/>
+            <a:endCxn id="372" idx="1"/>
+          </p:cNvCxnSpPr>
+          <p:nvPr/>
+        </p:nvCxnSpPr>
+        <p:spPr>
+          <a:xfrm>
+            <a:off x="9685344" y="5929652"/>
+            <a:ext cx="195532" cy="3271"/>
+          </a:xfrm>
+          <a:prstGeom prst="straightConnector1">
+            <a:avLst/>
+          </a:prstGeom>
+          <a:ln>
+            <a:tailEnd type="triangle"/>
+          </a:ln>
+        </p:spPr>
+        <p:style>
+          <a:lnRef idx="1">
+            <a:schemeClr val="accent1"/>
+          </a:lnRef>
+          <a:fillRef idx="0">
+            <a:schemeClr val="accent1"/>
+          </a:fillRef>
+          <a:effectRef idx="0">
+            <a:schemeClr val="accent1"/>
+          </a:effectRef>
+          <a:fontRef idx="minor">
+            <a:schemeClr val="tx1"/>
+          </a:fontRef>
+        </p:style>
+      </p:cxnSp>
+      <p:cxnSp>
+        <p:nvCxnSpPr>
+          <p:cNvPr id="383" name="Rechte verbindingslijn met pijl 60">
+            <a:extLst>
+              <a:ext uri="{FF2B5EF4-FFF2-40B4-BE49-F238E27FC236}">
+                <a16:creationId xmlns:a16="http://schemas.microsoft.com/office/drawing/2014/main" id="{1006E153-B70A-4FBD-0371-7FC5B3420BB6}"/>
+              </a:ext>
+            </a:extLst>
+          </p:cNvPr>
+          <p:cNvCxnSpPr>
+            <a:cxnSpLocks/>
+            <a:stCxn id="372" idx="3"/>
+            <a:endCxn id="374" idx="1"/>
+          </p:cNvCxnSpPr>
+          <p:nvPr/>
+        </p:nvCxnSpPr>
+        <p:spPr>
+          <a:xfrm>
+            <a:off x="10772644" y="5932923"/>
+            <a:ext cx="233836" cy="232764"/>
+          </a:xfrm>
+          <a:prstGeom prst="straightConnector1">
+            <a:avLst/>
+          </a:prstGeom>
+          <a:ln>
+            <a:tailEnd type="triangle"/>
+          </a:ln>
+        </p:spPr>
+        <p:style>
+          <a:lnRef idx="1">
+            <a:schemeClr val="accent1"/>
+          </a:lnRef>
+          <a:fillRef idx="0">
+            <a:schemeClr val="accent1"/>
+          </a:fillRef>
+          <a:effectRef idx="0">
+            <a:schemeClr val="accent1"/>
+          </a:effectRef>
+          <a:fontRef idx="minor">
+            <a:schemeClr val="tx1"/>
+          </a:fontRef>
+        </p:style>
+      </p:cxnSp>
+      <p:cxnSp>
+        <p:nvCxnSpPr>
+          <p:cNvPr id="386" name="Rechte verbindingslijn met pijl 60">
+            <a:extLst>
+              <a:ext uri="{FF2B5EF4-FFF2-40B4-BE49-F238E27FC236}">
+                <a16:creationId xmlns:a16="http://schemas.microsoft.com/office/drawing/2014/main" id="{92D30815-D58D-D39F-F471-F24FA1195810}"/>
+              </a:ext>
+            </a:extLst>
+          </p:cNvPr>
+          <p:cNvCxnSpPr>
+            <a:cxnSpLocks/>
+            <a:stCxn id="372" idx="3"/>
+            <a:endCxn id="373" idx="1"/>
+          </p:cNvCxnSpPr>
+          <p:nvPr/>
+        </p:nvCxnSpPr>
+        <p:spPr>
+          <a:xfrm>
+            <a:off x="10772644" y="5932923"/>
+            <a:ext cx="234603" cy="22192"/>
+          </a:xfrm>
+          <a:prstGeom prst="straightConnector1">
+            <a:avLst/>
+          </a:prstGeom>
+          <a:ln>
+            <a:tailEnd type="triangle"/>
+          </a:ln>
+        </p:spPr>
+        <p:style>
+          <a:lnRef idx="1">
+            <a:schemeClr val="accent1"/>
+          </a:lnRef>
+          <a:fillRef idx="0">
+            <a:schemeClr val="accent1"/>
+          </a:fillRef>
+          <a:effectRef idx="0">
+            <a:schemeClr val="accent1"/>
+          </a:effectRef>
+          <a:fontRef idx="minor">
+            <a:schemeClr val="tx1"/>
+          </a:fontRef>
+        </p:style>
+      </p:cxnSp>
+      <p:sp>
+        <p:nvSpPr>
+          <p:cNvPr id="401" name="TextBox 400">
+            <a:extLst>
+              <a:ext uri="{FF2B5EF4-FFF2-40B4-BE49-F238E27FC236}">
+                <a16:creationId xmlns:a16="http://schemas.microsoft.com/office/drawing/2014/main" id="{86EEB79C-1486-E813-6BB3-EDFE14C80BB5}"/>
+              </a:ext>
+            </a:extLst>
+          </p:cNvPr>
+          <p:cNvSpPr txBox="1"/>
+          <p:nvPr/>
+        </p:nvSpPr>
+        <p:spPr>
+          <a:xfrm>
+            <a:off x="566762" y="96814"/>
+            <a:ext cx="1104291" cy="276999"/>
+          </a:xfrm>
+          <a:prstGeom prst="rect">
+            <a:avLst/>
+          </a:prstGeom>
+          <a:noFill/>
+        </p:spPr>
+        <p:txBody>
+          <a:bodyPr wrap="square">
+            <a:spAutoFit/>
+          </a:bodyPr>
+          <a:lstStyle/>
+          <a:p>
+            <a:r>
+              <a:rPr lang="en-GB" sz="1200" b="0" dirty="0">
+                <a:solidFill>
+                  <a:srgbClr val="DCDCAA"/>
+                </a:solidFill>
+                <a:effectLst/>
+                <a:latin typeface="Menlo" panose="020B0609030804020204" pitchFamily="49" charset="0"/>
+              </a:rPr>
+              <a:t>deprecated</a:t>
+            </a:r>
+            <a:endParaRPr lang="en-GB" sz="1200" b="0" dirty="0">
+              <a:solidFill>
+                <a:srgbClr val="CCCCCC"/>
+              </a:solidFill>
+              <a:effectLst/>
+              <a:latin typeface="Menlo" panose="020B0609030804020204" pitchFamily="49" charset="0"/>
+            </a:endParaRPr>
+          </a:p>
+        </p:txBody>
+      </p:sp>
+      <p:sp>
+        <p:nvSpPr>
+          <p:cNvPr id="404" name="Afgeronde rechthoek 137">
+            <a:extLst>
+              <a:ext uri="{FF2B5EF4-FFF2-40B4-BE49-F238E27FC236}">
+                <a16:creationId xmlns:a16="http://schemas.microsoft.com/office/drawing/2014/main" id="{350C24F5-397D-CE11-40D2-41CD633DA03C}"/>
+              </a:ext>
+            </a:extLst>
+          </p:cNvPr>
+          <p:cNvSpPr/>
+          <p:nvPr/>
+        </p:nvSpPr>
+        <p:spPr>
+          <a:xfrm>
+            <a:off x="348529" y="643158"/>
+            <a:ext cx="1540756" cy="180000"/>
+          </a:xfrm>
+          <a:prstGeom prst="roundRect">
+            <a:avLst/>
+          </a:prstGeom>
+        </p:spPr>
+        <p:style>
+          <a:lnRef idx="2">
+            <a:schemeClr val="accent1">
+              <a:shade val="15000"/>
+            </a:schemeClr>
+          </a:lnRef>
+          <a:fillRef idx="1">
+            <a:schemeClr val="accent1"/>
+          </a:fillRef>
+          <a:effectRef idx="0">
+            <a:schemeClr val="accent1"/>
+          </a:effectRef>
+          <a:fontRef idx="minor">
+            <a:schemeClr val="lt1"/>
+          </a:fontRef>
+        </p:style>
+        <p:txBody>
+          <a:bodyPr lIns="0" tIns="0" rIns="0" bIns="0" rtlCol="0" anchor="ctr"/>
+          <a:lstStyle/>
+          <a:p>
+            <a:pPr algn="ctr"/>
+            <a:r>
+              <a:rPr lang="nl-NL" sz="1000" b="0" dirty="0" err="1">
+                <a:solidFill>
+                  <a:srgbClr val="4EC9B0"/>
+                </a:solidFill>
+                <a:effectLst/>
+                <a:latin typeface="Menlo" panose="020B0609030804020204" pitchFamily="49" charset="0"/>
+              </a:rPr>
+              <a:t>TokenMediator</a:t>
+            </a:r>
+            <a:endParaRPr lang="nl-NL" sz="1000" dirty="0"/>
+          </a:p>
+        </p:txBody>
+      </p:sp>
+      <p:sp>
+        <p:nvSpPr>
+          <p:cNvPr id="405" name="Afgeronde rechthoek 16">
+            <a:extLst>
+              <a:ext uri="{FF2B5EF4-FFF2-40B4-BE49-F238E27FC236}">
+                <a16:creationId xmlns:a16="http://schemas.microsoft.com/office/drawing/2014/main" id="{DCB4AC7E-C5D4-2F09-AB34-6020D0AA087D}"/>
+              </a:ext>
+            </a:extLst>
+          </p:cNvPr>
+          <p:cNvSpPr/>
+          <p:nvPr/>
+        </p:nvSpPr>
+        <p:spPr>
+          <a:xfrm>
+            <a:off x="270948" y="1731412"/>
+            <a:ext cx="2086366" cy="388898"/>
+          </a:xfrm>
+          <a:prstGeom prst="roundRect">
+            <a:avLst>
+              <a:gd name="adj" fmla="val 5818"/>
+            </a:avLst>
+          </a:prstGeom>
+          <a:noFill/>
+          <a:ln>
+            <a:solidFill>
+              <a:schemeClr val="accent1"/>
+            </a:solidFill>
+            <a:prstDash val="dash"/>
+          </a:ln>
+        </p:spPr>
+        <p:style>
+          <a:lnRef idx="2">
+            <a:schemeClr val="accent1">
+              <a:shade val="15000"/>
+            </a:schemeClr>
+          </a:lnRef>
+          <a:fillRef idx="1">
+            <a:schemeClr val="accent1"/>
+          </a:fillRef>
+          <a:effectRef idx="0">
+            <a:schemeClr val="accent1"/>
+          </a:effectRef>
+          <a:fontRef idx="minor">
+            <a:schemeClr val="lt1"/>
+          </a:fontRef>
+        </p:style>
+        <p:txBody>
+          <a:bodyPr lIns="0" tIns="0" rIns="0" bIns="0" rtlCol="0" anchor="ctr"/>
+          <a:lstStyle/>
+          <a:p>
+            <a:pPr algn="ctr"/>
+            <a:endParaRPr lang="nl-NL" sz="1200" i="1" dirty="0"/>
+          </a:p>
+        </p:txBody>
+      </p:sp>
+      <p:sp>
+        <p:nvSpPr>
+          <p:cNvPr id="406" name="Afgeronde rechthoek 235">
+            <a:extLst>
+              <a:ext uri="{FF2B5EF4-FFF2-40B4-BE49-F238E27FC236}">
+                <a16:creationId xmlns:a16="http://schemas.microsoft.com/office/drawing/2014/main" id="{7374C049-8314-DA0F-020C-37F332CE189B}"/>
+              </a:ext>
+            </a:extLst>
+          </p:cNvPr>
+          <p:cNvSpPr/>
+          <p:nvPr/>
+        </p:nvSpPr>
+        <p:spPr>
+          <a:xfrm>
+            <a:off x="349565" y="2049046"/>
+            <a:ext cx="1744748" cy="180000"/>
+          </a:xfrm>
+          <a:prstGeom prst="roundRect">
+            <a:avLst/>
+          </a:prstGeom>
+          <a:solidFill>
+            <a:schemeClr val="bg1"/>
+          </a:solidFill>
+          <a:ln>
+            <a:solidFill>
+              <a:schemeClr val="accent1"/>
+            </a:solidFill>
+          </a:ln>
+        </p:spPr>
+        <p:style>
+          <a:lnRef idx="2">
+            <a:schemeClr val="accent1">
+              <a:shade val="15000"/>
+            </a:schemeClr>
+          </a:lnRef>
+          <a:fillRef idx="1">
+            <a:schemeClr val="accent1"/>
+          </a:fillRef>
+          <a:effectRef idx="0">
+            <a:schemeClr val="accent1"/>
+          </a:effectRef>
+          <a:fontRef idx="minor">
+            <a:schemeClr val="lt1"/>
+          </a:fontRef>
+        </p:style>
+        <p:txBody>
+          <a:bodyPr lIns="0" tIns="0" rIns="0" bIns="0" rtlCol="0" anchor="ctr"/>
+          <a:lstStyle/>
+          <a:p>
+            <a:pPr algn="ctr"/>
+            <a:r>
+              <a:rPr lang="nl-NL" sz="1000" dirty="0" err="1">
+                <a:solidFill>
+                  <a:srgbClr val="3BAFDA"/>
+                </a:solidFill>
+                <a:latin typeface="Menlo" panose="020B0609030804020204" pitchFamily="49" charset="0"/>
+                <a:ea typeface="Menlo" panose="020B0609030804020204" pitchFamily="49" charset="0"/>
+                <a:cs typeface="Menlo" panose="020B0609030804020204" pitchFamily="49" charset="0"/>
+              </a:rPr>
+              <a:t>mqttSendHistoryThread</a:t>
+            </a:r>
+            <a:endParaRPr lang="nl-NL" sz="1000" dirty="0">
+              <a:solidFill>
+                <a:srgbClr val="3BAFDA"/>
+              </a:solidFill>
+              <a:latin typeface="Menlo" panose="020B0609030804020204" pitchFamily="49" charset="0"/>
+              <a:ea typeface="Menlo" panose="020B0609030804020204" pitchFamily="49" charset="0"/>
+              <a:cs typeface="Menlo" panose="020B0609030804020204" pitchFamily="49" charset="0"/>
+            </a:endParaRPr>
+          </a:p>
+        </p:txBody>
+      </p:sp>
+      <p:cxnSp>
+        <p:nvCxnSpPr>
+          <p:cNvPr id="407" name="Rechte verbindingslijn met pijl 93">
+            <a:extLst>
+              <a:ext uri="{FF2B5EF4-FFF2-40B4-BE49-F238E27FC236}">
+                <a16:creationId xmlns:a16="http://schemas.microsoft.com/office/drawing/2014/main" id="{474A1FEE-9998-D393-400E-B101F1CF1869}"/>
+              </a:ext>
+            </a:extLst>
+          </p:cNvPr>
+          <p:cNvCxnSpPr>
+            <a:cxnSpLocks/>
+            <a:stCxn id="6" idx="0"/>
+            <a:endCxn id="139" idx="3"/>
+          </p:cNvCxnSpPr>
+          <p:nvPr/>
+        </p:nvCxnSpPr>
+        <p:spPr>
+          <a:xfrm rot="16200000" flipV="1">
+            <a:off x="3225775" y="918381"/>
+            <a:ext cx="823657" cy="2786229"/>
+          </a:xfrm>
+          <a:prstGeom prst="curvedConnector2">
+            <a:avLst/>
+          </a:prstGeom>
+          <a:ln>
+            <a:tailEnd type="triangle"/>
+          </a:ln>
+        </p:spPr>
+        <p:style>
+          <a:lnRef idx="1">
+            <a:schemeClr val="accent1"/>
+          </a:lnRef>
+          <a:fillRef idx="0">
+            <a:schemeClr val="accent1"/>
+          </a:fillRef>
+          <a:effectRef idx="0">
+            <a:schemeClr val="accent1"/>
+          </a:effectRef>
+          <a:fontRef idx="minor">
+            <a:schemeClr val="tx1"/>
+          </a:fontRef>
+        </p:style>
+      </p:cxnSp>
+      <p:sp>
+        <p:nvSpPr>
+          <p:cNvPr id="410" name="Afgeronde rechthoek 29">
+            <a:extLst>
+              <a:ext uri="{FF2B5EF4-FFF2-40B4-BE49-F238E27FC236}">
+                <a16:creationId xmlns:a16="http://schemas.microsoft.com/office/drawing/2014/main" id="{CBF67989-A92B-A62E-1B10-E8A859C7B1CF}"/>
+              </a:ext>
+            </a:extLst>
+          </p:cNvPr>
+          <p:cNvSpPr/>
+          <p:nvPr/>
+        </p:nvSpPr>
+        <p:spPr>
+          <a:xfrm>
+            <a:off x="2422849" y="1608458"/>
+            <a:ext cx="979424" cy="229738"/>
+          </a:xfrm>
+          <a:prstGeom prst="roundRect">
+            <a:avLst/>
+          </a:prstGeom>
+          <a:solidFill>
+            <a:schemeClr val="bg1">
+              <a:alpha val="80296"/>
+            </a:schemeClr>
+          </a:solidFill>
+          <a:ln>
+            <a:noFill/>
+          </a:ln>
+        </p:spPr>
+        <p:style>
+          <a:lnRef idx="2">
+            <a:schemeClr val="accent1">
+              <a:shade val="15000"/>
+            </a:schemeClr>
+          </a:lnRef>
+          <a:fillRef idx="1">
+            <a:schemeClr val="accent1"/>
+          </a:fillRef>
+          <a:effectRef idx="0">
+            <a:schemeClr val="accent1"/>
+          </a:effectRef>
+          <a:fontRef idx="minor">
+            <a:schemeClr val="lt1"/>
+          </a:fontRef>
+        </p:style>
+        <p:txBody>
+          <a:bodyPr lIns="0" tIns="0" rIns="0" bIns="0" rtlCol="0" anchor="ctr"/>
+          <a:lstStyle/>
+          <a:p>
+            <a:r>
+              <a:rPr lang="nl-NL" sz="700" i="1" dirty="0" err="1">
+                <a:solidFill>
+                  <a:schemeClr val="tx1"/>
+                </a:solidFill>
+              </a:rPr>
+              <a:t>Send</a:t>
+            </a:r>
+            <a:r>
+              <a:rPr lang="nl-NL" sz="700" i="1" dirty="0">
+                <a:solidFill>
+                  <a:schemeClr val="tx1"/>
+                </a:solidFill>
+              </a:rPr>
+              <a:t> </a:t>
+            </a:r>
+            <a:r>
+              <a:rPr lang="nl-NL" sz="700" i="1" dirty="0" err="1">
+                <a:solidFill>
+                  <a:schemeClr val="tx1"/>
+                </a:solidFill>
+              </a:rPr>
+              <a:t>entire</a:t>
+            </a:r>
+            <a:r>
+              <a:rPr lang="nl-NL" sz="700" i="1" dirty="0">
+                <a:solidFill>
+                  <a:schemeClr val="tx1"/>
+                </a:solidFill>
+              </a:rPr>
+              <a:t> energy meter readings over MQTT</a:t>
+            </a:r>
+          </a:p>
+        </p:txBody>
+      </p:sp>
+      <p:sp>
+        <p:nvSpPr>
+          <p:cNvPr id="411" name="Afgeronde rechthoek 29">
+            <a:extLst>
+              <a:ext uri="{FF2B5EF4-FFF2-40B4-BE49-F238E27FC236}">
+                <a16:creationId xmlns:a16="http://schemas.microsoft.com/office/drawing/2014/main" id="{EC969FCF-9EA0-84A7-8484-61645491DEE7}"/>
+              </a:ext>
+            </a:extLst>
+          </p:cNvPr>
+          <p:cNvSpPr/>
+          <p:nvPr/>
+        </p:nvSpPr>
+        <p:spPr>
+          <a:xfrm>
+            <a:off x="444592" y="2246231"/>
+            <a:ext cx="706034" cy="340176"/>
+          </a:xfrm>
+          <a:prstGeom prst="roundRect">
+            <a:avLst/>
+          </a:prstGeom>
+          <a:solidFill>
+            <a:schemeClr val="bg1">
+              <a:alpha val="80296"/>
+            </a:schemeClr>
+          </a:solidFill>
+          <a:ln>
+            <a:noFill/>
+          </a:ln>
+        </p:spPr>
+        <p:style>
+          <a:lnRef idx="2">
+            <a:schemeClr val="accent1">
+              <a:shade val="15000"/>
+            </a:schemeClr>
+          </a:lnRef>
+          <a:fillRef idx="1">
+            <a:schemeClr val="accent1"/>
+          </a:fillRef>
+          <a:effectRef idx="0">
+            <a:schemeClr val="accent1"/>
+          </a:effectRef>
+          <a:fontRef idx="minor">
+            <a:schemeClr val="lt1"/>
+          </a:fontRef>
+        </p:style>
+        <p:txBody>
+          <a:bodyPr lIns="0" tIns="0" rIns="0" bIns="0" rtlCol="0" anchor="ctr"/>
+          <a:lstStyle/>
+          <a:p>
+            <a:r>
+              <a:rPr lang="nl-NL" sz="700" i="1" dirty="0">
+                <a:solidFill>
+                  <a:schemeClr val="tx1"/>
+                </a:solidFill>
+              </a:rPr>
+              <a:t>Mode</a:t>
+            </a:r>
+          </a:p>
+          <a:p>
+            <a:r>
+              <a:rPr lang="nl-NL" sz="700" i="1" dirty="0">
+                <a:solidFill>
+                  <a:schemeClr val="tx1"/>
+                </a:solidFill>
+              </a:rPr>
+              <a:t>1: batch 950+rnd</a:t>
+            </a:r>
+          </a:p>
+          <a:p>
+            <a:r>
+              <a:rPr lang="nl-NL" sz="700" i="1" dirty="0">
+                <a:solidFill>
+                  <a:schemeClr val="tx1"/>
+                </a:solidFill>
+              </a:rPr>
+              <a:t>2: </a:t>
+            </a:r>
+            <a:r>
+              <a:rPr lang="nl-NL" sz="700" i="1" dirty="0" err="1">
+                <a:solidFill>
+                  <a:schemeClr val="tx1"/>
+                </a:solidFill>
+              </a:rPr>
+              <a:t>individual</a:t>
+            </a:r>
+            <a:endParaRPr lang="nl-NL" sz="700" i="1" dirty="0">
+              <a:solidFill>
+                <a:schemeClr val="tx1"/>
+              </a:solidFill>
+            </a:endParaRPr>
+          </a:p>
+        </p:txBody>
+      </p:sp>
+      <p:cxnSp>
+        <p:nvCxnSpPr>
+          <p:cNvPr id="412" name="Rechte verbindingslijn met pijl 93">
+            <a:extLst>
+              <a:ext uri="{FF2B5EF4-FFF2-40B4-BE49-F238E27FC236}">
+                <a16:creationId xmlns:a16="http://schemas.microsoft.com/office/drawing/2014/main" id="{F11E4B3D-A28B-A2B6-B189-C6BBD9FC2D73}"/>
+              </a:ext>
+            </a:extLst>
+          </p:cNvPr>
+          <p:cNvCxnSpPr>
+            <a:cxnSpLocks/>
+            <a:stCxn id="139" idx="1"/>
+            <a:endCxn id="123" idx="1"/>
+          </p:cNvCxnSpPr>
+          <p:nvPr/>
+        </p:nvCxnSpPr>
+        <p:spPr>
+          <a:xfrm rot="10800000" flipH="1" flipV="1">
+            <a:off x="430373" y="1899667"/>
+            <a:ext cx="576354" cy="3562472"/>
+          </a:xfrm>
+          <a:prstGeom prst="curvedConnector3">
+            <a:avLst>
+              <a:gd name="adj1" fmla="val -39663"/>
+            </a:avLst>
+          </a:prstGeom>
+          <a:ln>
+            <a:tailEnd type="triangle"/>
+          </a:ln>
+        </p:spPr>
+        <p:style>
+          <a:lnRef idx="1">
+            <a:schemeClr val="accent1"/>
+          </a:lnRef>
+          <a:fillRef idx="0">
+            <a:schemeClr val="accent1"/>
+          </a:fillRef>
+          <a:effectRef idx="0">
+            <a:schemeClr val="accent1"/>
+          </a:effectRef>
+          <a:fontRef idx="minor">
+            <a:schemeClr val="tx1"/>
+          </a:fontRef>
+        </p:style>
+      </p:cxnSp>
+      <p:sp>
+        <p:nvSpPr>
+          <p:cNvPr id="445" name="TextBox 444">
+            <a:extLst>
+              <a:ext uri="{FF2B5EF4-FFF2-40B4-BE49-F238E27FC236}">
+                <a16:creationId xmlns:a16="http://schemas.microsoft.com/office/drawing/2014/main" id="{A052F51D-8622-57BE-DC07-40FB29638740}"/>
+              </a:ext>
+            </a:extLst>
+          </p:cNvPr>
+          <p:cNvSpPr txBox="1"/>
+          <p:nvPr/>
+        </p:nvSpPr>
+        <p:spPr>
+          <a:xfrm>
+            <a:off x="2776828" y="542411"/>
+            <a:ext cx="1874827" cy="200055"/>
+          </a:xfrm>
+          <a:prstGeom prst="rect">
+            <a:avLst/>
+          </a:prstGeom>
+          <a:solidFill>
+            <a:schemeClr val="bg1">
+              <a:alpha val="80296"/>
+            </a:schemeClr>
+          </a:solidFill>
+          <a:ln>
+            <a:noFill/>
+          </a:ln>
+        </p:spPr>
+        <p:style>
+          <a:lnRef idx="2">
+            <a:schemeClr val="accent1">
+              <a:shade val="15000"/>
+            </a:schemeClr>
+          </a:lnRef>
+          <a:fillRef idx="1">
+            <a:schemeClr val="accent1"/>
+          </a:fillRef>
+          <a:effectRef idx="0">
+            <a:schemeClr val="accent1"/>
+          </a:effectRef>
+          <a:fontRef idx="minor">
+            <a:schemeClr val="lt1"/>
+          </a:fontRef>
+        </p:style>
+        <p:txBody>
+          <a:bodyPr lIns="0" tIns="0" rIns="0" bIns="0" rtlCol="0" anchor="ctr"/>
+          <a:lstStyle>
+            <a:defPPr>
+              <a:defRPr lang="nl-NL"/>
+            </a:defPPr>
+            <a:lvl1pPr>
+              <a:defRPr sz="700" i="1">
+                <a:solidFill>
+                  <a:schemeClr val="tx1"/>
+                </a:solidFill>
+              </a:defRPr>
+            </a:lvl1pPr>
+            <a:lvl2pPr>
+              <a:defRPr>
+                <a:solidFill>
+                  <a:schemeClr val="lt1"/>
+                </a:solidFill>
+              </a:defRPr>
+            </a:lvl2pPr>
+            <a:lvl3pPr>
+              <a:defRPr>
+                <a:solidFill>
+                  <a:schemeClr val="lt1"/>
+                </a:solidFill>
+              </a:defRPr>
+            </a:lvl3pPr>
+            <a:lvl4pPr>
+              <a:defRPr>
+                <a:solidFill>
+                  <a:schemeClr val="lt1"/>
+                </a:solidFill>
+              </a:defRPr>
+            </a:lvl4pPr>
+            <a:lvl5pPr>
+              <a:defRPr>
+                <a:solidFill>
+                  <a:schemeClr val="lt1"/>
+                </a:solidFill>
+              </a:defRPr>
+            </a:lvl5pPr>
+            <a:lvl6pPr>
+              <a:defRPr>
+                <a:solidFill>
+                  <a:schemeClr val="lt1"/>
+                </a:solidFill>
+              </a:defRPr>
+            </a:lvl6pPr>
+            <a:lvl7pPr>
+              <a:defRPr>
+                <a:solidFill>
+                  <a:schemeClr val="lt1"/>
+                </a:solidFill>
+              </a:defRPr>
+            </a:lvl7pPr>
+            <a:lvl8pPr>
+              <a:defRPr>
+                <a:solidFill>
+                  <a:schemeClr val="lt1"/>
+                </a:solidFill>
+              </a:defRPr>
+            </a:lvl8pPr>
+            <a:lvl9pPr>
+              <a:defRPr>
+                <a:solidFill>
+                  <a:schemeClr val="lt1"/>
+                </a:solidFill>
+              </a:defRPr>
+            </a:lvl9pPr>
+          </a:lstStyle>
+          <a:p>
+            <a:r>
+              <a:rPr lang="en-GB" dirty="0" err="1"/>
+              <a:t>ChargerHandlerThread.energyUpdate</a:t>
+            </a:r>
+            <a:r>
+              <a:rPr lang="en-GB" dirty="0"/>
+              <a:t> </a:t>
+            </a:r>
+            <a:r>
+              <a:rPr lang="en-GB" dirty="0" err="1"/>
+              <a:t>HomeAssistantMqttHandlerThread.energyUpdate</a:t>
+            </a:r>
+            <a:endParaRPr lang="en-GB" dirty="0"/>
+          </a:p>
+        </p:txBody>
+      </p:sp>
+      <p:sp>
+        <p:nvSpPr>
+          <p:cNvPr id="65" name="Afgeronde rechthoek 64">
+            <a:extLst>
+              <a:ext uri="{FF2B5EF4-FFF2-40B4-BE49-F238E27FC236}">
+                <a16:creationId xmlns:a16="http://schemas.microsoft.com/office/drawing/2014/main" id="{F6B4EA82-AA0F-E864-57C4-7317F1486F16}"/>
+              </a:ext>
+            </a:extLst>
+          </p:cNvPr>
+          <p:cNvSpPr/>
+          <p:nvPr/>
+        </p:nvSpPr>
+        <p:spPr>
+          <a:xfrm>
+            <a:off x="3927607" y="792024"/>
+            <a:ext cx="465152" cy="143591"/>
+          </a:xfrm>
+          <a:prstGeom prst="roundRect">
+            <a:avLst/>
+          </a:prstGeom>
+          <a:solidFill>
+            <a:schemeClr val="bg1">
+              <a:alpha val="65000"/>
+            </a:schemeClr>
+          </a:solidFill>
+          <a:ln>
+            <a:noFill/>
+          </a:ln>
+        </p:spPr>
+        <p:style>
+          <a:lnRef idx="2">
+            <a:schemeClr val="accent1">
+              <a:shade val="15000"/>
+            </a:schemeClr>
+          </a:lnRef>
+          <a:fillRef idx="1">
+            <a:schemeClr val="accent1"/>
+          </a:fillRef>
+          <a:effectRef idx="0">
+            <a:schemeClr val="accent1"/>
+          </a:effectRef>
+          <a:fontRef idx="minor">
+            <a:schemeClr val="lt1"/>
+          </a:fontRef>
+        </p:style>
+        <p:txBody>
+          <a:bodyPr lIns="0" tIns="0" rIns="0" bIns="0" rtlCol="0" anchor="ctr"/>
+          <a:lstStyle/>
+          <a:p>
+            <a:pPr algn="ctr"/>
+            <a:r>
+              <a:rPr lang="nl-NL" sz="1000" dirty="0">
+                <a:solidFill>
+                  <a:schemeClr val="tx1"/>
+                </a:solidFill>
+              </a:rPr>
+              <a:t>Callback</a:t>
+            </a:r>
+          </a:p>
+        </p:txBody>
+      </p:sp>
     </p:spTree>
     <p:extLst>
       <p:ext uri="{BB962C8B-B14F-4D97-AF65-F5344CB8AC3E}">
         <p14:creationId xmlns:p14="http://schemas.microsoft.com/office/powerpoint/2010/main" val="4239105944"/>
+      </p:ext>
+    </p:extLst>
+  </p:cSld>
+  <p:clrMapOvr>
+    <a:masterClrMapping/>
+  </p:clrMapOvr>
+</p:sld>
+</file>
+
+<file path=ppt/slides/slide2.xml><?xml version="1.0" encoding="utf-8"?>
+<p:sld xmlns:a="http://schemas.openxmlformats.org/drawingml/2006/main" xmlns:r="http://schemas.openxmlformats.org/officeDocument/2006/relationships" xmlns:p="http://schemas.openxmlformats.org/presentationml/2006/main">
+  <p:cSld>
+    <p:spTree>
+      <p:nvGrpSpPr>
+        <p:cNvPr id="1" name=""/>
+        <p:cNvGrpSpPr/>
+        <p:nvPr/>
+      </p:nvGrpSpPr>
+      <p:grpSpPr>
+        <a:xfrm>
+          <a:off x="0" y="0"/>
+          <a:ext cx="0" cy="0"/>
+          <a:chOff x="0" y="0"/>
+          <a:chExt cx="0" cy="0"/>
+        </a:xfrm>
+      </p:grpSpPr>
+      <p:sp>
+        <p:nvSpPr>
+          <p:cNvPr id="2" name="Title 1">
+            <a:extLst>
+              <a:ext uri="{FF2B5EF4-FFF2-40B4-BE49-F238E27FC236}">
+                <a16:creationId xmlns:a16="http://schemas.microsoft.com/office/drawing/2014/main" id="{7000CD34-08C8-66A0-B874-A562A194BE65}"/>
+              </a:ext>
+            </a:extLst>
+          </p:cNvPr>
+          <p:cNvSpPr>
+            <a:spLocks noGrp="1"/>
+          </p:cNvSpPr>
+          <p:nvPr>
+            <p:ph type="title"/>
+          </p:nvPr>
+        </p:nvSpPr>
+        <p:spPr/>
+        <p:txBody>
+          <a:bodyPr/>
+          <a:lstStyle/>
+          <a:p>
+            <a:r>
+              <a:rPr lang="en-GB"/>
+              <a:t>Notes</a:t>
+            </a:r>
+          </a:p>
+        </p:txBody>
+      </p:sp>
+      <p:sp>
+        <p:nvSpPr>
+          <p:cNvPr id="4" name="Tekstvak 242">
+            <a:extLst>
+              <a:ext uri="{FF2B5EF4-FFF2-40B4-BE49-F238E27FC236}">
+                <a16:creationId xmlns:a16="http://schemas.microsoft.com/office/drawing/2014/main" id="{F1E92B89-72C7-D8AB-CBBA-96E08D805553}"/>
+              </a:ext>
+            </a:extLst>
+          </p:cNvPr>
+          <p:cNvSpPr txBox="1">
+            <a:spLocks noGrp="1"/>
+          </p:cNvSpPr>
+          <p:nvPr>
+            <p:ph idx="1"/>
+          </p:nvPr>
+        </p:nvSpPr>
+        <p:spPr>
+          <a:xfrm>
+            <a:off x="838201" y="1825625"/>
+            <a:ext cx="10515600" cy="3060325"/>
+          </a:xfrm>
+          <a:prstGeom prst="rect">
+            <a:avLst/>
+          </a:prstGeom>
+          <a:noFill/>
+        </p:spPr>
+        <p:txBody>
+          <a:bodyPr wrap="square" rtlCol="0">
+            <a:spAutoFit/>
+          </a:bodyPr>
+          <a:lstStyle/>
+          <a:p>
+            <a:pPr>
+              <a:buFont typeface="System Font Regular"/>
+              <a:buChar char="-"/>
+            </a:pPr>
+            <a:r>
+              <a:rPr lang="en-GB" sz="1800" dirty="0" err="1"/>
+              <a:t>Oppleo.py</a:t>
+            </a:r>
+            <a:r>
+              <a:rPr lang="en-GB" sz="1800" dirty="0"/>
+              <a:t> is the main() function. </a:t>
+            </a:r>
+          </a:p>
+          <a:p>
+            <a:pPr>
+              <a:buFont typeface="System Font Regular"/>
+              <a:buChar char="-"/>
+            </a:pPr>
+            <a:r>
+              <a:rPr lang="en-GB" sz="1800" dirty="0" err="1"/>
+              <a:t>ChargerHandlerThread</a:t>
+            </a:r>
+            <a:r>
+              <a:rPr lang="en-GB" sz="1800" dirty="0"/>
+              <a:t> is itself not a real thread, only launches 3 others</a:t>
+            </a:r>
+          </a:p>
+          <a:p>
+            <a:pPr>
+              <a:buFont typeface="System Font Regular"/>
+              <a:buChar char="-"/>
+            </a:pPr>
+            <a:r>
+              <a:rPr lang="en-GB" sz="1800" dirty="0" err="1"/>
+              <a:t>BuzzerProd</a:t>
+            </a:r>
+            <a:r>
+              <a:rPr lang="en-GB" sz="1800" dirty="0"/>
+              <a:t> starts a thread for the duration of the buzzer (short)</a:t>
+            </a:r>
+          </a:p>
+          <a:p>
+            <a:pPr>
+              <a:buFont typeface="System Font Regular"/>
+              <a:buChar char="-"/>
+            </a:pPr>
+            <a:r>
+              <a:rPr lang="en-GB" sz="1800" dirty="0"/>
+              <a:t>There is a need to have a </a:t>
+            </a:r>
+            <a:r>
+              <a:rPr lang="en-GB" sz="1800" dirty="0" err="1"/>
+              <a:t>consistant</a:t>
+            </a:r>
+            <a:r>
+              <a:rPr lang="en-GB" sz="1800" dirty="0"/>
+              <a:t> state in line with the hardware. There are different concepts used: Singleton, Global references through module instantiation and import and through reference sharing in </a:t>
+            </a:r>
+            <a:r>
+              <a:rPr lang="en-GB" sz="1800" dirty="0" err="1"/>
+              <a:t>oppleoConfig</a:t>
+            </a:r>
+            <a:r>
+              <a:rPr lang="en-GB" sz="1800" dirty="0"/>
+              <a:t>.</a:t>
+            </a:r>
+          </a:p>
+          <a:p>
+            <a:pPr>
+              <a:buFont typeface="System Font Regular"/>
+              <a:buChar char="-"/>
+            </a:pPr>
+            <a:r>
+              <a:rPr lang="en-GB" sz="1800" dirty="0"/>
+              <a:t>Deprecated:</a:t>
+            </a:r>
+          </a:p>
+          <a:p>
+            <a:pPr lvl="1">
+              <a:buFont typeface="System Font Regular"/>
+              <a:buChar char="-"/>
+            </a:pPr>
+            <a:r>
+              <a:rPr lang="en-GB" sz="1400" dirty="0" err="1"/>
+              <a:t>TokenMediator</a:t>
+            </a:r>
+            <a:r>
+              <a:rPr lang="en-GB" sz="1400" dirty="0"/>
+              <a:t> no longer used. Vehicle </a:t>
+            </a:r>
+            <a:r>
+              <a:rPr lang="en-GB" sz="1400" dirty="0" err="1"/>
+              <a:t>TokenMediator</a:t>
+            </a:r>
+            <a:r>
+              <a:rPr lang="en-GB" sz="1400" dirty="0"/>
+              <a:t> shares and invalidates OAuth tokens used to access Vehicle APIs.</a:t>
+            </a:r>
+          </a:p>
+          <a:p>
+            <a:pPr lvl="1">
+              <a:buFont typeface="System Font Regular"/>
+              <a:buChar char="-"/>
+            </a:pPr>
+            <a:r>
+              <a:rPr lang="en-GB" sz="1400" dirty="0" err="1"/>
+              <a:t>MqttHandlerThread</a:t>
+            </a:r>
+            <a:r>
+              <a:rPr lang="en-GB" sz="1400" dirty="0"/>
+              <a:t> was meant to be used as MQTT input monitor to allow control through MQTT commands – superseded by </a:t>
+            </a:r>
+            <a:r>
+              <a:rPr lang="en-GB" sz="1400" dirty="0" err="1"/>
+              <a:t>HomeAssistant</a:t>
+            </a:r>
+            <a:r>
+              <a:rPr lang="en-GB" sz="1400" dirty="0"/>
+              <a:t> MQTT integration</a:t>
+            </a:r>
+          </a:p>
+        </p:txBody>
+      </p:sp>
+    </p:spTree>
+    <p:extLst>
+      <p:ext uri="{BB962C8B-B14F-4D97-AF65-F5344CB8AC3E}">
+        <p14:creationId xmlns:p14="http://schemas.microsoft.com/office/powerpoint/2010/main" val="1634196909"/>
       </p:ext>
     </p:extLst>
   </p:cSld>
